--- a/Zero-Downtime Data and Schema Migrations.pptx
+++ b/Zero-Downtime Data and Schema Migrations.pptx
@@ -123,7 +123,7 @@
 <file path=ppt/revisionInfo.xml><?xml version="1.0" encoding="utf-8"?>
 <p1510:revInfo xmlns:a="http://schemas.openxmlformats.org/drawingml/2006/main" xmlns:r="http://schemas.openxmlformats.org/officeDocument/2006/relationships" xmlns:p1510="http://schemas.microsoft.com/office/powerpoint/2015/10/main">
   <p1510:revLst>
-    <p1510:client id="{82B7B0FB-F1D8-476E-BA38-8762C56FF060}" v="360" dt="2023-11-08T20:29:24.980"/>
+    <p1510:client id="{82B7B0FB-F1D8-476E-BA38-8762C56FF060}" v="375" dt="2023-11-10T18:22:58.049"/>
   </p1510:revLst>
 </p1510:revInfo>
 </file>
@@ -133,7 +133,7 @@
   <pc:docChgLst>
     <pc:chgData name="Matt Gantz" userId="aff35427-dd70-4e59-8e38-0f2b87b8c2ef" providerId="ADAL" clId="{82B7B0FB-F1D8-476E-BA38-8762C56FF060}"/>
     <pc:docChg chg="undo custSel addSld delSld modSld sldOrd">
-      <pc:chgData name="Matt Gantz" userId="aff35427-dd70-4e59-8e38-0f2b87b8c2ef" providerId="ADAL" clId="{82B7B0FB-F1D8-476E-BA38-8762C56FF060}" dt="2023-11-08T20:29:24.979" v="1727" actId="20577"/>
+      <pc:chgData name="Matt Gantz" userId="aff35427-dd70-4e59-8e38-0f2b87b8c2ef" providerId="ADAL" clId="{82B7B0FB-F1D8-476E-BA38-8762C56FF060}" dt="2023-11-10T18:25:15.059" v="1748" actId="26606"/>
       <pc:docMkLst>
         <pc:docMk/>
       </pc:docMkLst>
@@ -209,13 +209,13 @@
         </pc:picChg>
       </pc:sldChg>
       <pc:sldChg chg="addSp delSp modSp mod">
-        <pc:chgData name="Matt Gantz" userId="aff35427-dd70-4e59-8e38-0f2b87b8c2ef" providerId="ADAL" clId="{82B7B0FB-F1D8-476E-BA38-8762C56FF060}" dt="2023-11-08T20:29:24.979" v="1727" actId="20577"/>
+        <pc:chgData name="Matt Gantz" userId="aff35427-dd70-4e59-8e38-0f2b87b8c2ef" providerId="ADAL" clId="{82B7B0FB-F1D8-476E-BA38-8762C56FF060}" dt="2023-11-10T18:25:15.059" v="1748" actId="26606"/>
         <pc:sldMkLst>
           <pc:docMk/>
           <pc:sldMk cId="820823245" sldId="257"/>
         </pc:sldMkLst>
         <pc:spChg chg="mod">
-          <ac:chgData name="Matt Gantz" userId="aff35427-dd70-4e59-8e38-0f2b87b8c2ef" providerId="ADAL" clId="{82B7B0FB-F1D8-476E-BA38-8762C56FF060}" dt="2023-11-08T20:29:10.144" v="1687" actId="20577"/>
+          <ac:chgData name="Matt Gantz" userId="aff35427-dd70-4e59-8e38-0f2b87b8c2ef" providerId="ADAL" clId="{82B7B0FB-F1D8-476E-BA38-8762C56FF060}" dt="2023-11-10T18:24:03.475" v="1746" actId="26606"/>
           <ac:spMkLst>
             <pc:docMk/>
             <pc:sldMk cId="820823245" sldId="257"/>
@@ -238,46 +238,142 @@
             <ac:spMk id="20" creationId="{A5A5CE6E-90AF-4D43-A014-1F9EC83EB93D}"/>
           </ac:spMkLst>
         </pc:spChg>
-        <pc:spChg chg="add">
-          <ac:chgData name="Matt Gantz" userId="aff35427-dd70-4e59-8e38-0f2b87b8c2ef" providerId="ADAL" clId="{82B7B0FB-F1D8-476E-BA38-8762C56FF060}" dt="2023-11-08T17:38:08.180" v="872" actId="26606"/>
+        <pc:spChg chg="add del">
+          <ac:chgData name="Matt Gantz" userId="aff35427-dd70-4e59-8e38-0f2b87b8c2ef" providerId="ADAL" clId="{82B7B0FB-F1D8-476E-BA38-8762C56FF060}" dt="2023-11-10T18:23:33.309" v="1744" actId="26606"/>
           <ac:spMkLst>
             <pc:docMk/>
             <pc:sldMk cId="820823245" sldId="257"/>
             <ac:spMk id="26" creationId="{BACC6370-2D7E-4714-9D71-7542949D7D5D}"/>
           </ac:spMkLst>
         </pc:spChg>
-        <pc:spChg chg="add">
-          <ac:chgData name="Matt Gantz" userId="aff35427-dd70-4e59-8e38-0f2b87b8c2ef" providerId="ADAL" clId="{82B7B0FB-F1D8-476E-BA38-8762C56FF060}" dt="2023-11-08T17:38:08.180" v="872" actId="26606"/>
+        <pc:spChg chg="add del">
+          <ac:chgData name="Matt Gantz" userId="aff35427-dd70-4e59-8e38-0f2b87b8c2ef" providerId="ADAL" clId="{82B7B0FB-F1D8-476E-BA38-8762C56FF060}" dt="2023-11-10T18:23:33.309" v="1744" actId="26606"/>
           <ac:spMkLst>
             <pc:docMk/>
             <pc:sldMk cId="820823245" sldId="257"/>
             <ac:spMk id="28" creationId="{F68B3F68-107C-434F-AA38-110D5EA91B85}"/>
           </ac:spMkLst>
         </pc:spChg>
-        <pc:spChg chg="add">
-          <ac:chgData name="Matt Gantz" userId="aff35427-dd70-4e59-8e38-0f2b87b8c2ef" providerId="ADAL" clId="{82B7B0FB-F1D8-476E-BA38-8762C56FF060}" dt="2023-11-08T17:38:08.180" v="872" actId="26606"/>
+        <pc:spChg chg="add del">
+          <ac:chgData name="Matt Gantz" userId="aff35427-dd70-4e59-8e38-0f2b87b8c2ef" providerId="ADAL" clId="{82B7B0FB-F1D8-476E-BA38-8762C56FF060}" dt="2023-11-10T18:23:33.309" v="1744" actId="26606"/>
           <ac:spMkLst>
             <pc:docMk/>
             <pc:sldMk cId="820823245" sldId="257"/>
             <ac:spMk id="30" creationId="{AAD0DBB9-1A4B-4391-81D4-CB19F9AB918A}"/>
           </ac:spMkLst>
         </pc:spChg>
-        <pc:spChg chg="add">
-          <ac:chgData name="Matt Gantz" userId="aff35427-dd70-4e59-8e38-0f2b87b8c2ef" providerId="ADAL" clId="{82B7B0FB-F1D8-476E-BA38-8762C56FF060}" dt="2023-11-08T17:38:08.180" v="872" actId="26606"/>
+        <pc:spChg chg="add del">
+          <ac:chgData name="Matt Gantz" userId="aff35427-dd70-4e59-8e38-0f2b87b8c2ef" providerId="ADAL" clId="{82B7B0FB-F1D8-476E-BA38-8762C56FF060}" dt="2023-11-10T18:23:33.309" v="1744" actId="26606"/>
           <ac:spMkLst>
             <pc:docMk/>
             <pc:sldMk cId="820823245" sldId="257"/>
             <ac:spMk id="32" creationId="{063BBA22-50EA-4C4D-BE05-F1CE4E63AA56}"/>
           </ac:spMkLst>
         </pc:spChg>
+        <pc:spChg chg="add del">
+          <ac:chgData name="Matt Gantz" userId="aff35427-dd70-4e59-8e38-0f2b87b8c2ef" providerId="ADAL" clId="{82B7B0FB-F1D8-476E-BA38-8762C56FF060}" dt="2023-11-10T18:24:03.501" v="1747" actId="26606"/>
+          <ac:spMkLst>
+            <pc:docMk/>
+            <pc:sldMk cId="820823245" sldId="257"/>
+            <ac:spMk id="37" creationId="{56E9B3E6-E277-4D68-BA48-9CB43FFBD6E2}"/>
+          </ac:spMkLst>
+        </pc:spChg>
+        <pc:spChg chg="add del">
+          <ac:chgData name="Matt Gantz" userId="aff35427-dd70-4e59-8e38-0f2b87b8c2ef" providerId="ADAL" clId="{82B7B0FB-F1D8-476E-BA38-8762C56FF060}" dt="2023-11-10T18:24:03.501" v="1747" actId="26606"/>
+          <ac:spMkLst>
+            <pc:docMk/>
+            <pc:sldMk cId="820823245" sldId="257"/>
+            <ac:spMk id="44" creationId="{D5B0017B-2ECA-49AF-B397-DC140825DF8D}"/>
+          </ac:spMkLst>
+        </pc:spChg>
+        <pc:spChg chg="add del">
+          <ac:chgData name="Matt Gantz" userId="aff35427-dd70-4e59-8e38-0f2b87b8c2ef" providerId="ADAL" clId="{82B7B0FB-F1D8-476E-BA38-8762C56FF060}" dt="2023-11-10T18:24:03.475" v="1746" actId="26606"/>
+          <ac:spMkLst>
+            <pc:docMk/>
+            <pc:sldMk cId="820823245" sldId="257"/>
+            <ac:spMk id="51" creationId="{5C8908E2-EE49-44D2-9428-A28D2312A8D5}"/>
+          </ac:spMkLst>
+        </pc:spChg>
+        <pc:spChg chg="add del">
+          <ac:chgData name="Matt Gantz" userId="aff35427-dd70-4e59-8e38-0f2b87b8c2ef" providerId="ADAL" clId="{82B7B0FB-F1D8-476E-BA38-8762C56FF060}" dt="2023-11-10T18:24:03.475" v="1746" actId="26606"/>
+          <ac:spMkLst>
+            <pc:docMk/>
+            <pc:sldMk cId="820823245" sldId="257"/>
+            <ac:spMk id="57" creationId="{7449A6C7-D15F-4AA5-BFA5-71A404B47016}"/>
+          </ac:spMkLst>
+        </pc:spChg>
+        <pc:spChg chg="add del">
+          <ac:chgData name="Matt Gantz" userId="aff35427-dd70-4e59-8e38-0f2b87b8c2ef" providerId="ADAL" clId="{82B7B0FB-F1D8-476E-BA38-8762C56FF060}" dt="2023-11-10T18:24:03.475" v="1746" actId="26606"/>
+          <ac:spMkLst>
+            <pc:docMk/>
+            <pc:sldMk cId="820823245" sldId="257"/>
+            <ac:spMk id="59" creationId="{ED888B23-07FA-482A-96DF-47E31AF1A603}"/>
+          </ac:spMkLst>
+        </pc:spChg>
+        <pc:spChg chg="add del">
+          <ac:chgData name="Matt Gantz" userId="aff35427-dd70-4e59-8e38-0f2b87b8c2ef" providerId="ADAL" clId="{82B7B0FB-F1D8-476E-BA38-8762C56FF060}" dt="2023-11-10T18:25:15.059" v="1748" actId="26606"/>
+          <ac:spMkLst>
+            <pc:docMk/>
+            <pc:sldMk cId="820823245" sldId="257"/>
+            <ac:spMk id="61" creationId="{56E9B3E6-E277-4D68-BA48-9CB43FFBD6E2}"/>
+          </ac:spMkLst>
+        </pc:spChg>
+        <pc:spChg chg="add del">
+          <ac:chgData name="Matt Gantz" userId="aff35427-dd70-4e59-8e38-0f2b87b8c2ef" providerId="ADAL" clId="{82B7B0FB-F1D8-476E-BA38-8762C56FF060}" dt="2023-11-10T18:25:15.059" v="1748" actId="26606"/>
+          <ac:spMkLst>
+            <pc:docMk/>
+            <pc:sldMk cId="820823245" sldId="257"/>
+            <ac:spMk id="66" creationId="{D5B0017B-2ECA-49AF-B397-DC140825DF8D}"/>
+          </ac:spMkLst>
+        </pc:spChg>
+        <pc:grpChg chg="add del">
+          <ac:chgData name="Matt Gantz" userId="aff35427-dd70-4e59-8e38-0f2b87b8c2ef" providerId="ADAL" clId="{82B7B0FB-F1D8-476E-BA38-8762C56FF060}" dt="2023-11-10T18:24:03.501" v="1747" actId="26606"/>
+          <ac:grpSpMkLst>
+            <pc:docMk/>
+            <pc:sldMk cId="820823245" sldId="257"/>
+            <ac:grpSpMk id="39" creationId="{AE1C45F0-260A-458C-96ED-C1F6D2151219}"/>
+          </ac:grpSpMkLst>
+        </pc:grpChg>
+        <pc:grpChg chg="add del">
+          <ac:chgData name="Matt Gantz" userId="aff35427-dd70-4e59-8e38-0f2b87b8c2ef" providerId="ADAL" clId="{82B7B0FB-F1D8-476E-BA38-8762C56FF060}" dt="2023-11-10T18:24:03.475" v="1746" actId="26606"/>
+          <ac:grpSpMkLst>
+            <pc:docMk/>
+            <pc:sldMk cId="820823245" sldId="257"/>
+            <ac:grpSpMk id="53" creationId="{05314994-6337-4875-8CF5-652CAFE8342C}"/>
+          </ac:grpSpMkLst>
+        </pc:grpChg>
+        <pc:grpChg chg="add del">
+          <ac:chgData name="Matt Gantz" userId="aff35427-dd70-4e59-8e38-0f2b87b8c2ef" providerId="ADAL" clId="{82B7B0FB-F1D8-476E-BA38-8762C56FF060}" dt="2023-11-10T18:25:15.059" v="1748" actId="26606"/>
+          <ac:grpSpMkLst>
+            <pc:docMk/>
+            <pc:sldMk cId="820823245" sldId="257"/>
+            <ac:grpSpMk id="62" creationId="{AE1C45F0-260A-458C-96ED-C1F6D2151219}"/>
+          </ac:grpSpMkLst>
+        </pc:grpChg>
         <pc:graphicFrameChg chg="mod modGraphic">
-          <ac:chgData name="Matt Gantz" userId="aff35427-dd70-4e59-8e38-0f2b87b8c2ef" providerId="ADAL" clId="{82B7B0FB-F1D8-476E-BA38-8762C56FF060}" dt="2023-11-08T20:29:24.979" v="1727" actId="20577"/>
+          <ac:chgData name="Matt Gantz" userId="aff35427-dd70-4e59-8e38-0f2b87b8c2ef" providerId="ADAL" clId="{82B7B0FB-F1D8-476E-BA38-8762C56FF060}" dt="2023-11-10T18:24:03.501" v="1747" actId="26606"/>
           <ac:graphicFrameMkLst>
             <pc:docMk/>
             <pc:sldMk cId="820823245" sldId="257"/>
             <ac:graphicFrameMk id="21" creationId="{726F041E-A231-02DD-33B4-2B6446C33F2C}"/>
           </ac:graphicFrameMkLst>
         </pc:graphicFrameChg>
+        <pc:cxnChg chg="add del">
+          <ac:chgData name="Matt Gantz" userId="aff35427-dd70-4e59-8e38-0f2b87b8c2ef" providerId="ADAL" clId="{82B7B0FB-F1D8-476E-BA38-8762C56FF060}" dt="2023-11-10T18:24:03.501" v="1747" actId="26606"/>
+          <ac:cxnSpMkLst>
+            <pc:docMk/>
+            <pc:sldMk cId="820823245" sldId="257"/>
+            <ac:cxnSpMk id="46" creationId="{6CF1BAF6-AD41-4082-B212-8A1F9A2E8779}"/>
+          </ac:cxnSpMkLst>
+        </pc:cxnChg>
+        <pc:cxnChg chg="add del">
+          <ac:chgData name="Matt Gantz" userId="aff35427-dd70-4e59-8e38-0f2b87b8c2ef" providerId="ADAL" clId="{82B7B0FB-F1D8-476E-BA38-8762C56FF060}" dt="2023-11-10T18:25:15.059" v="1748" actId="26606"/>
+          <ac:cxnSpMkLst>
+            <pc:docMk/>
+            <pc:sldMk cId="820823245" sldId="257"/>
+            <ac:cxnSpMk id="67" creationId="{6CF1BAF6-AD41-4082-B212-8A1F9A2E8779}"/>
+          </ac:cxnSpMkLst>
+        </pc:cxnChg>
       </pc:sldChg>
       <pc:sldChg chg="addSp delSp modSp mod">
         <pc:chgData name="Matt Gantz" userId="aff35427-dd70-4e59-8e38-0f2b87b8c2ef" providerId="ADAL" clId="{82B7B0FB-F1D8-476E-BA38-8762C56FF060}" dt="2023-11-08T17:38:02.004" v="871" actId="26606"/>
@@ -1545,6 +1641,2354 @@
 </file>
 
 <file path=ppt/diagrams/colors1.xml><?xml version="1.0" encoding="utf-8"?>
+<dgm:colorsDef xmlns:dgm="http://schemas.openxmlformats.org/drawingml/2006/diagram" xmlns:a="http://schemas.openxmlformats.org/drawingml/2006/main" uniqueId="urn:microsoft.com/office/officeart/2005/8/colors/colorful2">
+  <dgm:title val=""/>
+  <dgm:desc val=""/>
+  <dgm:catLst>
+    <dgm:cat type="colorful" pri="10200"/>
+  </dgm:catLst>
+  <dgm:styleLbl name="node0">
+    <dgm:fillClrLst meth="repeat">
+      <a:schemeClr val="accent1"/>
+    </dgm:fillClrLst>
+    <dgm:linClrLst meth="repeat">
+      <a:schemeClr val="lt1"/>
+    </dgm:linClrLst>
+    <dgm:effectClrLst/>
+    <dgm:txLinClrLst/>
+    <dgm:txFillClrLst/>
+    <dgm:txEffectClrLst/>
+  </dgm:styleLbl>
+  <dgm:styleLbl name="node1">
+    <dgm:fillClrLst>
+      <a:schemeClr val="accent2"/>
+      <a:schemeClr val="accent3"/>
+    </dgm:fillClrLst>
+    <dgm:linClrLst meth="repeat">
+      <a:schemeClr val="lt1"/>
+    </dgm:linClrLst>
+    <dgm:effectClrLst/>
+    <dgm:txLinClrLst/>
+    <dgm:txFillClrLst/>
+    <dgm:txEffectClrLst/>
+  </dgm:styleLbl>
+  <dgm:styleLbl name="alignNode1">
+    <dgm:fillClrLst>
+      <a:schemeClr val="accent2"/>
+      <a:schemeClr val="accent3"/>
+    </dgm:fillClrLst>
+    <dgm:linClrLst>
+      <a:schemeClr val="accent2"/>
+      <a:schemeClr val="accent3"/>
+    </dgm:linClrLst>
+    <dgm:effectClrLst/>
+    <dgm:txLinClrLst/>
+    <dgm:txFillClrLst/>
+    <dgm:txEffectClrLst/>
+  </dgm:styleLbl>
+  <dgm:styleLbl name="lnNode1">
+    <dgm:fillClrLst>
+      <a:schemeClr val="accent2"/>
+      <a:schemeClr val="accent3"/>
+    </dgm:fillClrLst>
+    <dgm:linClrLst meth="repeat">
+      <a:schemeClr val="lt1"/>
+    </dgm:linClrLst>
+    <dgm:effectClrLst/>
+    <dgm:txLinClrLst/>
+    <dgm:txFillClrLst/>
+    <dgm:txEffectClrLst/>
+  </dgm:styleLbl>
+  <dgm:styleLbl name="vennNode1">
+    <dgm:fillClrLst>
+      <a:schemeClr val="accent2">
+        <a:alpha val="50000"/>
+      </a:schemeClr>
+      <a:schemeClr val="accent3">
+        <a:alpha val="50000"/>
+      </a:schemeClr>
+    </dgm:fillClrLst>
+    <dgm:linClrLst meth="repeat">
+      <a:schemeClr val="lt1"/>
+    </dgm:linClrLst>
+    <dgm:effectClrLst/>
+    <dgm:txLinClrLst/>
+    <dgm:txFillClrLst/>
+    <dgm:txEffectClrLst/>
+  </dgm:styleLbl>
+  <dgm:styleLbl name="node2">
+    <dgm:fillClrLst>
+      <a:schemeClr val="accent3"/>
+    </dgm:fillClrLst>
+    <dgm:linClrLst meth="repeat">
+      <a:schemeClr val="lt1"/>
+    </dgm:linClrLst>
+    <dgm:effectClrLst/>
+    <dgm:txLinClrLst/>
+    <dgm:txFillClrLst/>
+    <dgm:txEffectClrLst/>
+  </dgm:styleLbl>
+  <dgm:styleLbl name="node3">
+    <dgm:fillClrLst>
+      <a:schemeClr val="accent4"/>
+    </dgm:fillClrLst>
+    <dgm:linClrLst meth="repeat">
+      <a:schemeClr val="lt1"/>
+    </dgm:linClrLst>
+    <dgm:effectClrLst/>
+    <dgm:txLinClrLst/>
+    <dgm:txFillClrLst/>
+    <dgm:txEffectClrLst/>
+  </dgm:styleLbl>
+  <dgm:styleLbl name="node4">
+    <dgm:fillClrLst>
+      <a:schemeClr val="accent5"/>
+    </dgm:fillClrLst>
+    <dgm:linClrLst meth="repeat">
+      <a:schemeClr val="lt1"/>
+    </dgm:linClrLst>
+    <dgm:effectClrLst/>
+    <dgm:txLinClrLst/>
+    <dgm:txFillClrLst/>
+    <dgm:txEffectClrLst/>
+  </dgm:styleLbl>
+  <dgm:styleLbl name="fgImgPlace1">
+    <dgm:fillClrLst>
+      <a:schemeClr val="accent2">
+        <a:tint val="50000"/>
+      </a:schemeClr>
+      <a:schemeClr val="accent3">
+        <a:tint val="50000"/>
+      </a:schemeClr>
+    </dgm:fillClrLst>
+    <dgm:linClrLst meth="repeat">
+      <a:schemeClr val="lt1"/>
+    </dgm:linClrLst>
+    <dgm:effectClrLst/>
+    <dgm:txLinClrLst/>
+    <dgm:txFillClrLst meth="repeat">
+      <a:schemeClr val="lt1"/>
+    </dgm:txFillClrLst>
+    <dgm:txEffectClrLst/>
+  </dgm:styleLbl>
+  <dgm:styleLbl name="alignImgPlace1">
+    <dgm:fillClrLst>
+      <a:schemeClr val="accent2">
+        <a:tint val="50000"/>
+      </a:schemeClr>
+      <a:schemeClr val="accent3">
+        <a:tint val="20000"/>
+      </a:schemeClr>
+    </dgm:fillClrLst>
+    <dgm:linClrLst meth="repeat">
+      <a:schemeClr val="lt1"/>
+    </dgm:linClrLst>
+    <dgm:effectClrLst/>
+    <dgm:txLinClrLst/>
+    <dgm:txFillClrLst meth="repeat">
+      <a:schemeClr val="lt1"/>
+    </dgm:txFillClrLst>
+    <dgm:txEffectClrLst/>
+  </dgm:styleLbl>
+  <dgm:styleLbl name="bgImgPlace1">
+    <dgm:fillClrLst>
+      <a:schemeClr val="accent2">
+        <a:tint val="50000"/>
+      </a:schemeClr>
+      <a:schemeClr val="accent3">
+        <a:tint val="20000"/>
+      </a:schemeClr>
+    </dgm:fillClrLst>
+    <dgm:linClrLst meth="repeat">
+      <a:schemeClr val="lt1"/>
+    </dgm:linClrLst>
+    <dgm:effectClrLst/>
+    <dgm:txLinClrLst/>
+    <dgm:txFillClrLst meth="repeat">
+      <a:schemeClr val="lt1"/>
+    </dgm:txFillClrLst>
+    <dgm:txEffectClrLst/>
+  </dgm:styleLbl>
+  <dgm:styleLbl name="sibTrans2D1">
+    <dgm:fillClrLst>
+      <a:schemeClr val="accent2"/>
+      <a:schemeClr val="accent3"/>
+    </dgm:fillClrLst>
+    <dgm:linClrLst meth="repeat">
+      <a:schemeClr val="lt1"/>
+    </dgm:linClrLst>
+    <dgm:effectClrLst/>
+    <dgm:txLinClrLst/>
+    <dgm:txFillClrLst/>
+    <dgm:txEffectClrLst/>
+  </dgm:styleLbl>
+  <dgm:styleLbl name="fgSibTrans2D1">
+    <dgm:fillClrLst>
+      <a:schemeClr val="accent2"/>
+      <a:schemeClr val="accent3"/>
+    </dgm:fillClrLst>
+    <dgm:linClrLst meth="repeat">
+      <a:schemeClr val="lt1"/>
+    </dgm:linClrLst>
+    <dgm:effectClrLst/>
+    <dgm:txLinClrLst/>
+    <dgm:txFillClrLst meth="repeat">
+      <a:schemeClr val="lt1"/>
+    </dgm:txFillClrLst>
+    <dgm:txEffectClrLst/>
+  </dgm:styleLbl>
+  <dgm:styleLbl name="bgSibTrans2D1">
+    <dgm:fillClrLst>
+      <a:schemeClr val="accent2"/>
+      <a:schemeClr val="accent3"/>
+    </dgm:fillClrLst>
+    <dgm:linClrLst meth="repeat">
+      <a:schemeClr val="lt1"/>
+    </dgm:linClrLst>
+    <dgm:effectClrLst/>
+    <dgm:txLinClrLst/>
+    <dgm:txFillClrLst meth="repeat">
+      <a:schemeClr val="lt1"/>
+    </dgm:txFillClrLst>
+    <dgm:txEffectClrLst/>
+  </dgm:styleLbl>
+  <dgm:styleLbl name="sibTrans1D1">
+    <dgm:fillClrLst/>
+    <dgm:linClrLst>
+      <a:schemeClr val="accent2"/>
+      <a:schemeClr val="accent3"/>
+    </dgm:linClrLst>
+    <dgm:effectClrLst/>
+    <dgm:txLinClrLst/>
+    <dgm:txFillClrLst meth="repeat">
+      <a:schemeClr val="tx1"/>
+    </dgm:txFillClrLst>
+    <dgm:txEffectClrLst/>
+  </dgm:styleLbl>
+  <dgm:styleLbl name="callout">
+    <dgm:fillClrLst meth="repeat">
+      <a:schemeClr val="accent2"/>
+    </dgm:fillClrLst>
+    <dgm:linClrLst meth="repeat">
+      <a:schemeClr val="accent2">
+        <a:tint val="50000"/>
+      </a:schemeClr>
+    </dgm:linClrLst>
+    <dgm:effectClrLst/>
+    <dgm:txLinClrLst/>
+    <dgm:txFillClrLst meth="repeat">
+      <a:schemeClr val="tx1"/>
+    </dgm:txFillClrLst>
+    <dgm:txEffectClrLst/>
+  </dgm:styleLbl>
+  <dgm:styleLbl name="asst0">
+    <dgm:fillClrLst meth="repeat">
+      <a:schemeClr val="accent2"/>
+    </dgm:fillClrLst>
+    <dgm:linClrLst meth="repeat">
+      <a:schemeClr val="lt1">
+        <a:shade val="80000"/>
+      </a:schemeClr>
+    </dgm:linClrLst>
+    <dgm:effectClrLst/>
+    <dgm:txLinClrLst/>
+    <dgm:txFillClrLst/>
+    <dgm:txEffectClrLst/>
+  </dgm:styleLbl>
+  <dgm:styleLbl name="asst1">
+    <dgm:fillClrLst meth="repeat">
+      <a:schemeClr val="accent3"/>
+    </dgm:fillClrLst>
+    <dgm:linClrLst meth="repeat">
+      <a:schemeClr val="lt1">
+        <a:shade val="80000"/>
+      </a:schemeClr>
+    </dgm:linClrLst>
+    <dgm:effectClrLst/>
+    <dgm:txLinClrLst/>
+    <dgm:txFillClrLst/>
+    <dgm:txEffectClrLst/>
+  </dgm:styleLbl>
+  <dgm:styleLbl name="asst2">
+    <dgm:fillClrLst>
+      <a:schemeClr val="accent4"/>
+    </dgm:fillClrLst>
+    <dgm:linClrLst meth="repeat">
+      <a:schemeClr val="lt1"/>
+    </dgm:linClrLst>
+    <dgm:effectClrLst/>
+    <dgm:txLinClrLst/>
+    <dgm:txFillClrLst/>
+    <dgm:txEffectClrLst/>
+  </dgm:styleLbl>
+  <dgm:styleLbl name="asst3">
+    <dgm:fillClrLst>
+      <a:schemeClr val="accent5"/>
+    </dgm:fillClrLst>
+    <dgm:linClrLst meth="repeat">
+      <a:schemeClr val="lt1"/>
+    </dgm:linClrLst>
+    <dgm:effectClrLst/>
+    <dgm:txLinClrLst/>
+    <dgm:txFillClrLst/>
+    <dgm:txEffectClrLst/>
+  </dgm:styleLbl>
+  <dgm:styleLbl name="asst4">
+    <dgm:fillClrLst>
+      <a:schemeClr val="accent6"/>
+    </dgm:fillClrLst>
+    <dgm:linClrLst meth="repeat">
+      <a:schemeClr val="lt1"/>
+    </dgm:linClrLst>
+    <dgm:effectClrLst/>
+    <dgm:txLinClrLst/>
+    <dgm:txFillClrLst/>
+    <dgm:txEffectClrLst/>
+  </dgm:styleLbl>
+  <dgm:styleLbl name="parChTrans2D1">
+    <dgm:fillClrLst meth="repeat">
+      <a:schemeClr val="accent2"/>
+    </dgm:fillClrLst>
+    <dgm:linClrLst meth="repeat">
+      <a:schemeClr val="lt1"/>
+    </dgm:linClrLst>
+    <dgm:effectClrLst/>
+    <dgm:txLinClrLst/>
+    <dgm:txFillClrLst meth="repeat">
+      <a:schemeClr val="lt1"/>
+    </dgm:txFillClrLst>
+    <dgm:txEffectClrLst/>
+  </dgm:styleLbl>
+  <dgm:styleLbl name="parChTrans2D2">
+    <dgm:fillClrLst meth="repeat">
+      <a:schemeClr val="accent3"/>
+    </dgm:fillClrLst>
+    <dgm:linClrLst meth="repeat">
+      <a:schemeClr val="lt1"/>
+    </dgm:linClrLst>
+    <dgm:effectClrLst/>
+    <dgm:txLinClrLst/>
+    <dgm:txFillClrLst/>
+    <dgm:txEffectClrLst/>
+  </dgm:styleLbl>
+  <dgm:styleLbl name="parChTrans2D3">
+    <dgm:fillClrLst meth="repeat">
+      <a:schemeClr val="accent4"/>
+    </dgm:fillClrLst>
+    <dgm:linClrLst meth="repeat">
+      <a:schemeClr val="lt1"/>
+    </dgm:linClrLst>
+    <dgm:effectClrLst/>
+    <dgm:txLinClrLst/>
+    <dgm:txFillClrLst/>
+    <dgm:txEffectClrLst/>
+  </dgm:styleLbl>
+  <dgm:styleLbl name="parChTrans2D4">
+    <dgm:fillClrLst meth="repeat">
+      <a:schemeClr val="accent5"/>
+    </dgm:fillClrLst>
+    <dgm:linClrLst meth="repeat">
+      <a:schemeClr val="lt1"/>
+    </dgm:linClrLst>
+    <dgm:effectClrLst/>
+    <dgm:txLinClrLst/>
+    <dgm:txFillClrLst meth="repeat">
+      <a:schemeClr val="lt1"/>
+    </dgm:txFillClrLst>
+    <dgm:txEffectClrLst/>
+  </dgm:styleLbl>
+  <dgm:styleLbl name="parChTrans1D1">
+    <dgm:fillClrLst meth="repeat">
+      <a:schemeClr val="accent2"/>
+    </dgm:fillClrLst>
+    <dgm:linClrLst meth="repeat">
+      <a:schemeClr val="accent2"/>
+    </dgm:linClrLst>
+    <dgm:effectClrLst/>
+    <dgm:txLinClrLst/>
+    <dgm:txFillClrLst meth="repeat">
+      <a:schemeClr val="tx1"/>
+    </dgm:txFillClrLst>
+    <dgm:txEffectClrLst/>
+  </dgm:styleLbl>
+  <dgm:styleLbl name="parChTrans1D2">
+    <dgm:fillClrLst meth="repeat">
+      <a:schemeClr val="accent2">
+        <a:tint val="90000"/>
+      </a:schemeClr>
+    </dgm:fillClrLst>
+    <dgm:linClrLst meth="repeat">
+      <a:schemeClr val="accent3"/>
+    </dgm:linClrLst>
+    <dgm:effectClrLst/>
+    <dgm:txLinClrLst/>
+    <dgm:txFillClrLst meth="repeat">
+      <a:schemeClr val="tx1"/>
+    </dgm:txFillClrLst>
+    <dgm:txEffectClrLst/>
+  </dgm:styleLbl>
+  <dgm:styleLbl name="parChTrans1D3">
+    <dgm:fillClrLst meth="repeat">
+      <a:schemeClr val="accent2">
+        <a:tint val="70000"/>
+      </a:schemeClr>
+    </dgm:fillClrLst>
+    <dgm:linClrLst meth="repeat">
+      <a:schemeClr val="accent4"/>
+    </dgm:linClrLst>
+    <dgm:effectClrLst/>
+    <dgm:txLinClrLst/>
+    <dgm:txFillClrLst meth="repeat">
+      <a:schemeClr val="tx1"/>
+    </dgm:txFillClrLst>
+    <dgm:txEffectClrLst/>
+  </dgm:styleLbl>
+  <dgm:styleLbl name="parChTrans1D4">
+    <dgm:fillClrLst meth="repeat">
+      <a:schemeClr val="accent2">
+        <a:tint val="50000"/>
+      </a:schemeClr>
+    </dgm:fillClrLst>
+    <dgm:linClrLst meth="repeat">
+      <a:schemeClr val="accent5"/>
+    </dgm:linClrLst>
+    <dgm:effectClrLst/>
+    <dgm:txLinClrLst/>
+    <dgm:txFillClrLst meth="repeat">
+      <a:schemeClr val="tx1"/>
+    </dgm:txFillClrLst>
+    <dgm:txEffectClrLst/>
+  </dgm:styleLbl>
+  <dgm:styleLbl name="fgAcc1">
+    <dgm:fillClrLst meth="repeat">
+      <a:schemeClr val="lt1">
+        <a:alpha val="90000"/>
+      </a:schemeClr>
+    </dgm:fillClrLst>
+    <dgm:linClrLst>
+      <a:schemeClr val="accent2"/>
+      <a:schemeClr val="accent3"/>
+    </dgm:linClrLst>
+    <dgm:effectClrLst/>
+    <dgm:txLinClrLst/>
+    <dgm:txFillClrLst meth="repeat">
+      <a:schemeClr val="dk1"/>
+    </dgm:txFillClrLst>
+    <dgm:txEffectClrLst/>
+  </dgm:styleLbl>
+  <dgm:styleLbl name="conFgAcc1">
+    <dgm:fillClrLst meth="repeat">
+      <a:schemeClr val="lt1">
+        <a:alpha val="90000"/>
+      </a:schemeClr>
+    </dgm:fillClrLst>
+    <dgm:linClrLst>
+      <a:schemeClr val="accent2"/>
+      <a:schemeClr val="accent3"/>
+    </dgm:linClrLst>
+    <dgm:effectClrLst/>
+    <dgm:txLinClrLst/>
+    <dgm:txFillClrLst meth="repeat">
+      <a:schemeClr val="dk1"/>
+    </dgm:txFillClrLst>
+    <dgm:txEffectClrLst/>
+  </dgm:styleLbl>
+  <dgm:styleLbl name="alignAcc1">
+    <dgm:fillClrLst meth="repeat">
+      <a:schemeClr val="lt1">
+        <a:alpha val="90000"/>
+      </a:schemeClr>
+    </dgm:fillClrLst>
+    <dgm:linClrLst>
+      <a:schemeClr val="accent2"/>
+      <a:schemeClr val="accent3"/>
+    </dgm:linClrLst>
+    <dgm:effectClrLst/>
+    <dgm:txLinClrLst/>
+    <dgm:txFillClrLst meth="repeat">
+      <a:schemeClr val="dk1"/>
+    </dgm:txFillClrLst>
+    <dgm:txEffectClrLst/>
+  </dgm:styleLbl>
+  <dgm:styleLbl name="trAlignAcc1">
+    <dgm:fillClrLst meth="repeat">
+      <a:schemeClr val="lt1">
+        <a:alpha val="40000"/>
+      </a:schemeClr>
+    </dgm:fillClrLst>
+    <dgm:linClrLst meth="repeat">
+      <a:schemeClr val="accent2"/>
+    </dgm:linClrLst>
+    <dgm:effectClrLst/>
+    <dgm:txLinClrLst/>
+    <dgm:txFillClrLst meth="repeat">
+      <a:schemeClr val="dk1"/>
+    </dgm:txFillClrLst>
+    <dgm:txEffectClrLst/>
+  </dgm:styleLbl>
+  <dgm:styleLbl name="bgAcc1">
+    <dgm:fillClrLst meth="repeat">
+      <a:schemeClr val="lt1">
+        <a:alpha val="90000"/>
+      </a:schemeClr>
+    </dgm:fillClrLst>
+    <dgm:linClrLst>
+      <a:schemeClr val="accent2"/>
+      <a:schemeClr val="accent3"/>
+    </dgm:linClrLst>
+    <dgm:effectClrLst/>
+    <dgm:txLinClrLst/>
+    <dgm:txFillClrLst meth="repeat">
+      <a:schemeClr val="dk1"/>
+    </dgm:txFillClrLst>
+    <dgm:txEffectClrLst/>
+  </dgm:styleLbl>
+  <dgm:styleLbl name="solidFgAcc1">
+    <dgm:fillClrLst meth="repeat">
+      <a:schemeClr val="lt1"/>
+    </dgm:fillClrLst>
+    <dgm:linClrLst>
+      <a:schemeClr val="accent2"/>
+      <a:schemeClr val="accent3"/>
+    </dgm:linClrLst>
+    <dgm:effectClrLst/>
+    <dgm:txLinClrLst/>
+    <dgm:txFillClrLst meth="repeat">
+      <a:schemeClr val="dk1"/>
+    </dgm:txFillClrLst>
+    <dgm:txEffectClrLst/>
+  </dgm:styleLbl>
+  <dgm:styleLbl name="solidAlignAcc1">
+    <dgm:fillClrLst meth="repeat">
+      <a:schemeClr val="lt1"/>
+    </dgm:fillClrLst>
+    <dgm:linClrLst>
+      <a:schemeClr val="accent2"/>
+      <a:schemeClr val="accent3"/>
+    </dgm:linClrLst>
+    <dgm:effectClrLst/>
+    <dgm:txLinClrLst/>
+    <dgm:txFillClrLst meth="repeat">
+      <a:schemeClr val="dk1"/>
+    </dgm:txFillClrLst>
+    <dgm:txEffectClrLst/>
+  </dgm:styleLbl>
+  <dgm:styleLbl name="solidBgAcc1">
+    <dgm:fillClrLst meth="repeat">
+      <a:schemeClr val="lt1"/>
+    </dgm:fillClrLst>
+    <dgm:linClrLst>
+      <a:schemeClr val="accent2"/>
+      <a:schemeClr val="accent3"/>
+    </dgm:linClrLst>
+    <dgm:effectClrLst/>
+    <dgm:txLinClrLst/>
+    <dgm:txFillClrLst meth="repeat">
+      <a:schemeClr val="dk1"/>
+    </dgm:txFillClrLst>
+    <dgm:txEffectClrLst/>
+  </dgm:styleLbl>
+  <dgm:styleLbl name="fgAccFollowNode1">
+    <dgm:fillClrLst>
+      <a:schemeClr val="accent2">
+        <a:tint val="40000"/>
+        <a:alpha val="90000"/>
+      </a:schemeClr>
+      <a:schemeClr val="accent3">
+        <a:tint val="40000"/>
+        <a:alpha val="90000"/>
+      </a:schemeClr>
+    </dgm:fillClrLst>
+    <dgm:linClrLst>
+      <a:schemeClr val="accent2">
+        <a:tint val="40000"/>
+        <a:alpha val="90000"/>
+      </a:schemeClr>
+      <a:schemeClr val="accent3">
+        <a:tint val="40000"/>
+        <a:alpha val="90000"/>
+      </a:schemeClr>
+    </dgm:linClrLst>
+    <dgm:effectClrLst/>
+    <dgm:txLinClrLst/>
+    <dgm:txFillClrLst meth="repeat">
+      <a:schemeClr val="dk1"/>
+    </dgm:txFillClrLst>
+    <dgm:txEffectClrLst/>
+  </dgm:styleLbl>
+  <dgm:styleLbl name="alignAccFollowNode1">
+    <dgm:fillClrLst>
+      <a:schemeClr val="accent2">
+        <a:tint val="40000"/>
+        <a:alpha val="90000"/>
+      </a:schemeClr>
+      <a:schemeClr val="accent3">
+        <a:tint val="40000"/>
+        <a:alpha val="90000"/>
+      </a:schemeClr>
+    </dgm:fillClrLst>
+    <dgm:linClrLst>
+      <a:schemeClr val="accent2">
+        <a:tint val="40000"/>
+        <a:alpha val="90000"/>
+      </a:schemeClr>
+      <a:schemeClr val="accent3">
+        <a:tint val="40000"/>
+        <a:alpha val="90000"/>
+      </a:schemeClr>
+    </dgm:linClrLst>
+    <dgm:effectClrLst/>
+    <dgm:txLinClrLst/>
+    <dgm:txFillClrLst meth="repeat">
+      <a:schemeClr val="dk1"/>
+    </dgm:txFillClrLst>
+    <dgm:txEffectClrLst/>
+  </dgm:styleLbl>
+  <dgm:styleLbl name="bgAccFollowNode1">
+    <dgm:fillClrLst>
+      <a:schemeClr val="accent2">
+        <a:tint val="40000"/>
+        <a:alpha val="90000"/>
+      </a:schemeClr>
+      <a:schemeClr val="accent3">
+        <a:tint val="40000"/>
+        <a:alpha val="90000"/>
+      </a:schemeClr>
+    </dgm:fillClrLst>
+    <dgm:linClrLst>
+      <a:schemeClr val="accent2">
+        <a:tint val="40000"/>
+        <a:alpha val="90000"/>
+      </a:schemeClr>
+      <a:schemeClr val="accent3">
+        <a:tint val="40000"/>
+        <a:alpha val="90000"/>
+      </a:schemeClr>
+    </dgm:linClrLst>
+    <dgm:effectClrLst/>
+    <dgm:txLinClrLst/>
+    <dgm:txFillClrLst meth="repeat">
+      <a:schemeClr val="dk1"/>
+    </dgm:txFillClrLst>
+    <dgm:txEffectClrLst/>
+  </dgm:styleLbl>
+  <dgm:styleLbl name="fgAcc0">
+    <dgm:fillClrLst meth="repeat">
+      <a:schemeClr val="lt1">
+        <a:alpha val="90000"/>
+      </a:schemeClr>
+    </dgm:fillClrLst>
+    <dgm:linClrLst>
+      <a:schemeClr val="accent1"/>
+    </dgm:linClrLst>
+    <dgm:effectClrLst/>
+    <dgm:txLinClrLst/>
+    <dgm:txFillClrLst meth="repeat">
+      <a:schemeClr val="dk1"/>
+    </dgm:txFillClrLst>
+    <dgm:txEffectClrLst/>
+  </dgm:styleLbl>
+  <dgm:styleLbl name="fgAcc2">
+    <dgm:fillClrLst meth="repeat">
+      <a:schemeClr val="lt1">
+        <a:alpha val="90000"/>
+      </a:schemeClr>
+    </dgm:fillClrLst>
+    <dgm:linClrLst>
+      <a:schemeClr val="accent3"/>
+    </dgm:linClrLst>
+    <dgm:effectClrLst/>
+    <dgm:txLinClrLst/>
+    <dgm:txFillClrLst meth="repeat">
+      <a:schemeClr val="dk1"/>
+    </dgm:txFillClrLst>
+    <dgm:txEffectClrLst/>
+  </dgm:styleLbl>
+  <dgm:styleLbl name="fgAcc3">
+    <dgm:fillClrLst meth="repeat">
+      <a:schemeClr val="lt1">
+        <a:alpha val="90000"/>
+      </a:schemeClr>
+    </dgm:fillClrLst>
+    <dgm:linClrLst>
+      <a:schemeClr val="accent4"/>
+    </dgm:linClrLst>
+    <dgm:effectClrLst/>
+    <dgm:txLinClrLst/>
+    <dgm:txFillClrLst meth="repeat">
+      <a:schemeClr val="dk1"/>
+    </dgm:txFillClrLst>
+    <dgm:txEffectClrLst/>
+  </dgm:styleLbl>
+  <dgm:styleLbl name="fgAcc4">
+    <dgm:fillClrLst meth="repeat">
+      <a:schemeClr val="lt1">
+        <a:alpha val="90000"/>
+      </a:schemeClr>
+    </dgm:fillClrLst>
+    <dgm:linClrLst>
+      <a:schemeClr val="accent5"/>
+    </dgm:linClrLst>
+    <dgm:effectClrLst/>
+    <dgm:txLinClrLst/>
+    <dgm:txFillClrLst meth="repeat">
+      <a:schemeClr val="dk1"/>
+    </dgm:txFillClrLst>
+    <dgm:txEffectClrLst/>
+  </dgm:styleLbl>
+  <dgm:styleLbl name="bgShp">
+    <dgm:fillClrLst meth="repeat">
+      <a:schemeClr val="accent2">
+        <a:tint val="40000"/>
+      </a:schemeClr>
+    </dgm:fillClrLst>
+    <dgm:linClrLst meth="repeat">
+      <a:schemeClr val="dk1"/>
+    </dgm:linClrLst>
+    <dgm:effectClrLst/>
+    <dgm:txLinClrLst/>
+    <dgm:txFillClrLst meth="repeat">
+      <a:schemeClr val="dk1"/>
+    </dgm:txFillClrLst>
+    <dgm:txEffectClrLst/>
+  </dgm:styleLbl>
+  <dgm:styleLbl name="dkBgShp">
+    <dgm:fillClrLst meth="repeat">
+      <a:schemeClr val="accent2">
+        <a:shade val="90000"/>
+      </a:schemeClr>
+    </dgm:fillClrLst>
+    <dgm:linClrLst meth="repeat">
+      <a:schemeClr val="dk1"/>
+    </dgm:linClrLst>
+    <dgm:effectClrLst/>
+    <dgm:txLinClrLst/>
+    <dgm:txFillClrLst meth="repeat">
+      <a:schemeClr val="lt1"/>
+    </dgm:txFillClrLst>
+    <dgm:txEffectClrLst/>
+  </dgm:styleLbl>
+  <dgm:styleLbl name="trBgShp">
+    <dgm:fillClrLst meth="repeat">
+      <a:schemeClr val="accent2">
+        <a:tint val="50000"/>
+        <a:alpha val="40000"/>
+      </a:schemeClr>
+    </dgm:fillClrLst>
+    <dgm:linClrLst meth="repeat">
+      <a:schemeClr val="accent2"/>
+    </dgm:linClrLst>
+    <dgm:effectClrLst/>
+    <dgm:txLinClrLst/>
+    <dgm:txFillClrLst meth="repeat">
+      <a:schemeClr val="lt1"/>
+    </dgm:txFillClrLst>
+    <dgm:txEffectClrLst/>
+  </dgm:styleLbl>
+  <dgm:styleLbl name="fgShp">
+    <dgm:fillClrLst meth="repeat">
+      <a:schemeClr val="accent2">
+        <a:tint val="40000"/>
+      </a:schemeClr>
+    </dgm:fillClrLst>
+    <dgm:linClrLst meth="repeat">
+      <a:schemeClr val="lt1"/>
+    </dgm:linClrLst>
+    <dgm:effectClrLst/>
+    <dgm:txLinClrLst/>
+    <dgm:txFillClrLst meth="repeat">
+      <a:schemeClr val="dk1"/>
+    </dgm:txFillClrLst>
+    <dgm:txEffectClrLst/>
+  </dgm:styleLbl>
+  <dgm:styleLbl name="revTx">
+    <dgm:fillClrLst meth="repeat">
+      <a:schemeClr val="lt1">
+        <a:alpha val="0"/>
+      </a:schemeClr>
+    </dgm:fillClrLst>
+    <dgm:linClrLst meth="repeat">
+      <a:schemeClr val="dk1">
+        <a:alpha val="0"/>
+      </a:schemeClr>
+    </dgm:linClrLst>
+    <dgm:effectClrLst/>
+    <dgm:txLinClrLst/>
+    <dgm:txFillClrLst meth="repeat">
+      <a:schemeClr val="tx1"/>
+    </dgm:txFillClrLst>
+    <dgm:txEffectClrLst/>
+  </dgm:styleLbl>
+</dgm:colorsDef>
+</file>
+
+<file path=ppt/diagrams/colors2.xml><?xml version="1.0" encoding="utf-8"?>
+<dgm:colorsDef xmlns:dgm="http://schemas.openxmlformats.org/drawingml/2006/diagram" xmlns:a="http://schemas.openxmlformats.org/drawingml/2006/main" uniqueId="urn:microsoft.com/office/officeart/2018/5/colors/Iconchunking_neutralbg_colorful5">
+  <dgm:title val=""/>
+  <dgm:desc val=""/>
+  <dgm:catLst>
+    <dgm:cat type="colorful" pri="10500"/>
+  </dgm:catLst>
+  <dgm:styleLbl name="node0">
+    <dgm:fillClrLst meth="repeat">
+      <a:schemeClr val="accent4"/>
+    </dgm:fillClrLst>
+    <dgm:linClrLst meth="repeat">
+      <a:schemeClr val="lt1"/>
+    </dgm:linClrLst>
+    <dgm:effectClrLst/>
+    <dgm:txLinClrLst/>
+    <dgm:txFillClrLst/>
+    <dgm:txEffectClrLst/>
+  </dgm:styleLbl>
+  <dgm:styleLbl name="node1">
+    <dgm:fillClrLst>
+      <a:schemeClr val="accent5"/>
+      <a:schemeClr val="accent6"/>
+    </dgm:fillClrLst>
+    <dgm:linClrLst meth="repeat">
+      <a:schemeClr val="lt1">
+        <a:alpha val="0"/>
+      </a:schemeClr>
+    </dgm:linClrLst>
+    <dgm:effectClrLst/>
+    <dgm:txLinClrLst/>
+    <dgm:txFillClrLst/>
+    <dgm:txEffectClrLst/>
+  </dgm:styleLbl>
+  <dgm:styleLbl name="alignNode1">
+    <dgm:fillClrLst>
+      <a:schemeClr val="accent5"/>
+      <a:schemeClr val="accent6"/>
+    </dgm:fillClrLst>
+    <dgm:linClrLst>
+      <a:schemeClr val="accent5"/>
+      <a:schemeClr val="accent6"/>
+    </dgm:linClrLst>
+    <dgm:effectClrLst/>
+    <dgm:txLinClrLst/>
+    <dgm:txFillClrLst/>
+    <dgm:txEffectClrLst/>
+  </dgm:styleLbl>
+  <dgm:styleLbl name="lnNode1">
+    <dgm:fillClrLst>
+      <a:schemeClr val="accent5"/>
+      <a:schemeClr val="accent6"/>
+    </dgm:fillClrLst>
+    <dgm:linClrLst meth="repeat">
+      <a:schemeClr val="lt1"/>
+    </dgm:linClrLst>
+    <dgm:effectClrLst/>
+    <dgm:txLinClrLst/>
+    <dgm:txFillClrLst/>
+    <dgm:txEffectClrLst/>
+  </dgm:styleLbl>
+  <dgm:styleLbl name="vennNode1">
+    <dgm:fillClrLst>
+      <a:schemeClr val="accent5">
+        <a:alpha val="50000"/>
+      </a:schemeClr>
+      <a:schemeClr val="accent6">
+        <a:alpha val="50000"/>
+      </a:schemeClr>
+    </dgm:fillClrLst>
+    <dgm:linClrLst meth="repeat">
+      <a:schemeClr val="lt1"/>
+    </dgm:linClrLst>
+    <dgm:effectClrLst/>
+    <dgm:txLinClrLst/>
+    <dgm:txFillClrLst/>
+    <dgm:txEffectClrLst/>
+  </dgm:styleLbl>
+  <dgm:styleLbl name="node2">
+    <dgm:fillClrLst>
+      <a:schemeClr val="accent6"/>
+    </dgm:fillClrLst>
+    <dgm:linClrLst meth="repeat">
+      <a:schemeClr val="lt1"/>
+    </dgm:linClrLst>
+    <dgm:effectClrLst/>
+    <dgm:txLinClrLst/>
+    <dgm:txFillClrLst/>
+    <dgm:txEffectClrLst/>
+  </dgm:styleLbl>
+  <dgm:styleLbl name="node3">
+    <dgm:fillClrLst>
+      <a:schemeClr val="accent1"/>
+    </dgm:fillClrLst>
+    <dgm:linClrLst meth="repeat">
+      <a:schemeClr val="lt1"/>
+    </dgm:linClrLst>
+    <dgm:effectClrLst/>
+    <dgm:txLinClrLst/>
+    <dgm:txFillClrLst/>
+    <dgm:txEffectClrLst/>
+  </dgm:styleLbl>
+  <dgm:styleLbl name="node4">
+    <dgm:fillClrLst>
+      <a:schemeClr val="accent2"/>
+    </dgm:fillClrLst>
+    <dgm:linClrLst meth="repeat">
+      <a:schemeClr val="lt1"/>
+    </dgm:linClrLst>
+    <dgm:effectClrLst/>
+    <dgm:txLinClrLst/>
+    <dgm:txFillClrLst/>
+    <dgm:txEffectClrLst/>
+  </dgm:styleLbl>
+  <dgm:styleLbl name="fgImgPlace1">
+    <dgm:fillClrLst>
+      <a:schemeClr val="accent5">
+        <a:tint val="50000"/>
+      </a:schemeClr>
+      <a:schemeClr val="accent6">
+        <a:tint val="50000"/>
+      </a:schemeClr>
+    </dgm:fillClrLst>
+    <dgm:linClrLst meth="repeat">
+      <a:schemeClr val="lt1"/>
+    </dgm:linClrLst>
+    <dgm:effectClrLst/>
+    <dgm:txLinClrLst/>
+    <dgm:txFillClrLst meth="repeat">
+      <a:schemeClr val="lt1"/>
+    </dgm:txFillClrLst>
+    <dgm:txEffectClrLst/>
+  </dgm:styleLbl>
+  <dgm:styleLbl name="alignImgPlace1">
+    <dgm:fillClrLst>
+      <a:schemeClr val="accent5">
+        <a:tint val="50000"/>
+      </a:schemeClr>
+      <a:schemeClr val="accent6">
+        <a:tint val="20000"/>
+      </a:schemeClr>
+    </dgm:fillClrLst>
+    <dgm:linClrLst meth="repeat">
+      <a:schemeClr val="lt1"/>
+    </dgm:linClrLst>
+    <dgm:effectClrLst/>
+    <dgm:txLinClrLst/>
+    <dgm:txFillClrLst meth="repeat">
+      <a:schemeClr val="lt1"/>
+    </dgm:txFillClrLst>
+    <dgm:txEffectClrLst/>
+  </dgm:styleLbl>
+  <dgm:styleLbl name="bgImgPlace1">
+    <dgm:fillClrLst>
+      <a:schemeClr val="accent5">
+        <a:tint val="50000"/>
+      </a:schemeClr>
+      <a:schemeClr val="accent6">
+        <a:tint val="20000"/>
+      </a:schemeClr>
+    </dgm:fillClrLst>
+    <dgm:linClrLst meth="repeat">
+      <a:schemeClr val="lt1"/>
+    </dgm:linClrLst>
+    <dgm:effectClrLst/>
+    <dgm:txLinClrLst/>
+    <dgm:txFillClrLst meth="repeat">
+      <a:schemeClr val="lt1"/>
+    </dgm:txFillClrLst>
+    <dgm:txEffectClrLst/>
+  </dgm:styleLbl>
+  <dgm:styleLbl name="sibTrans2D1">
+    <dgm:fillClrLst>
+      <a:schemeClr val="accent5"/>
+      <a:schemeClr val="accent6"/>
+    </dgm:fillClrLst>
+    <dgm:linClrLst meth="repeat">
+      <a:schemeClr val="lt1"/>
+    </dgm:linClrLst>
+    <dgm:effectClrLst/>
+    <dgm:txLinClrLst/>
+    <dgm:txFillClrLst/>
+    <dgm:txEffectClrLst/>
+  </dgm:styleLbl>
+  <dgm:styleLbl name="fgSibTrans2D1">
+    <dgm:fillClrLst>
+      <a:schemeClr val="accent5"/>
+      <a:schemeClr val="accent6"/>
+    </dgm:fillClrLst>
+    <dgm:linClrLst meth="repeat">
+      <a:schemeClr val="lt1"/>
+    </dgm:linClrLst>
+    <dgm:effectClrLst/>
+    <dgm:txLinClrLst/>
+    <dgm:txFillClrLst meth="repeat">
+      <a:schemeClr val="lt1"/>
+    </dgm:txFillClrLst>
+    <dgm:txEffectClrLst/>
+  </dgm:styleLbl>
+  <dgm:styleLbl name="bgSibTrans2D1">
+    <dgm:fillClrLst>
+      <a:schemeClr val="accent5"/>
+      <a:schemeClr val="accent6"/>
+    </dgm:fillClrLst>
+    <dgm:linClrLst meth="repeat">
+      <a:schemeClr val="lt1"/>
+    </dgm:linClrLst>
+    <dgm:effectClrLst/>
+    <dgm:txLinClrLst/>
+    <dgm:txFillClrLst meth="repeat">
+      <a:schemeClr val="lt1"/>
+    </dgm:txFillClrLst>
+    <dgm:txEffectClrLst/>
+  </dgm:styleLbl>
+  <dgm:styleLbl name="sibTrans1D1">
+    <dgm:fillClrLst/>
+    <dgm:linClrLst>
+      <a:schemeClr val="accent5"/>
+      <a:schemeClr val="accent6"/>
+    </dgm:linClrLst>
+    <dgm:effectClrLst/>
+    <dgm:txLinClrLst/>
+    <dgm:txFillClrLst meth="repeat">
+      <a:schemeClr val="tx1"/>
+    </dgm:txFillClrLst>
+    <dgm:txEffectClrLst/>
+  </dgm:styleLbl>
+  <dgm:styleLbl name="callout">
+    <dgm:fillClrLst meth="repeat">
+      <a:schemeClr val="accent5"/>
+    </dgm:fillClrLst>
+    <dgm:linClrLst meth="repeat">
+      <a:schemeClr val="accent5">
+        <a:tint val="50000"/>
+      </a:schemeClr>
+    </dgm:linClrLst>
+    <dgm:effectClrLst/>
+    <dgm:txLinClrLst/>
+    <dgm:txFillClrLst meth="repeat">
+      <a:schemeClr val="tx1"/>
+    </dgm:txFillClrLst>
+    <dgm:txEffectClrLst/>
+  </dgm:styleLbl>
+  <dgm:styleLbl name="asst0">
+    <dgm:fillClrLst meth="repeat">
+      <a:schemeClr val="accent5"/>
+    </dgm:fillClrLst>
+    <dgm:linClrLst meth="repeat">
+      <a:schemeClr val="lt1">
+        <a:shade val="80000"/>
+      </a:schemeClr>
+    </dgm:linClrLst>
+    <dgm:effectClrLst/>
+    <dgm:txLinClrLst/>
+    <dgm:txFillClrLst/>
+    <dgm:txEffectClrLst/>
+  </dgm:styleLbl>
+  <dgm:styleLbl name="asst1">
+    <dgm:fillClrLst meth="repeat">
+      <a:schemeClr val="accent6"/>
+    </dgm:fillClrLst>
+    <dgm:linClrLst meth="repeat">
+      <a:schemeClr val="lt1">
+        <a:shade val="80000"/>
+      </a:schemeClr>
+    </dgm:linClrLst>
+    <dgm:effectClrLst/>
+    <dgm:txLinClrLst/>
+    <dgm:txFillClrLst/>
+    <dgm:txEffectClrLst/>
+  </dgm:styleLbl>
+  <dgm:styleLbl name="asst2">
+    <dgm:fillClrLst>
+      <a:schemeClr val="accent1"/>
+    </dgm:fillClrLst>
+    <dgm:linClrLst meth="repeat">
+      <a:schemeClr val="lt1"/>
+    </dgm:linClrLst>
+    <dgm:effectClrLst/>
+    <dgm:txLinClrLst/>
+    <dgm:txFillClrLst/>
+    <dgm:txEffectClrLst/>
+  </dgm:styleLbl>
+  <dgm:styleLbl name="asst3">
+    <dgm:fillClrLst>
+      <a:schemeClr val="accent2"/>
+    </dgm:fillClrLst>
+    <dgm:linClrLst meth="repeat">
+      <a:schemeClr val="lt1"/>
+    </dgm:linClrLst>
+    <dgm:effectClrLst/>
+    <dgm:txLinClrLst/>
+    <dgm:txFillClrLst/>
+    <dgm:txEffectClrLst/>
+  </dgm:styleLbl>
+  <dgm:styleLbl name="asst4">
+    <dgm:fillClrLst>
+      <a:schemeClr val="accent3"/>
+    </dgm:fillClrLst>
+    <dgm:linClrLst meth="repeat">
+      <a:schemeClr val="lt1"/>
+    </dgm:linClrLst>
+    <dgm:effectClrLst/>
+    <dgm:txLinClrLst/>
+    <dgm:txFillClrLst/>
+    <dgm:txEffectClrLst/>
+  </dgm:styleLbl>
+  <dgm:styleLbl name="parChTrans2D1">
+    <dgm:fillClrLst meth="repeat">
+      <a:schemeClr val="accent5"/>
+    </dgm:fillClrLst>
+    <dgm:linClrLst meth="repeat">
+      <a:schemeClr val="lt1"/>
+    </dgm:linClrLst>
+    <dgm:effectClrLst/>
+    <dgm:txLinClrLst/>
+    <dgm:txFillClrLst meth="repeat">
+      <a:schemeClr val="lt1"/>
+    </dgm:txFillClrLst>
+    <dgm:txEffectClrLst/>
+  </dgm:styleLbl>
+  <dgm:styleLbl name="parChTrans2D2">
+    <dgm:fillClrLst meth="repeat">
+      <a:schemeClr val="accent6"/>
+    </dgm:fillClrLst>
+    <dgm:linClrLst meth="repeat">
+      <a:schemeClr val="lt1"/>
+    </dgm:linClrLst>
+    <dgm:effectClrLst/>
+    <dgm:txLinClrLst/>
+    <dgm:txFillClrLst/>
+    <dgm:txEffectClrLst/>
+  </dgm:styleLbl>
+  <dgm:styleLbl name="parChTrans2D3">
+    <dgm:fillClrLst meth="repeat">
+      <a:schemeClr val="accent6"/>
+    </dgm:fillClrLst>
+    <dgm:linClrLst meth="repeat">
+      <a:schemeClr val="lt1"/>
+    </dgm:linClrLst>
+    <dgm:effectClrLst/>
+    <dgm:txLinClrLst/>
+    <dgm:txFillClrLst/>
+    <dgm:txEffectClrLst/>
+  </dgm:styleLbl>
+  <dgm:styleLbl name="parChTrans2D4">
+    <dgm:fillClrLst meth="repeat">
+      <a:schemeClr val="accent1"/>
+    </dgm:fillClrLst>
+    <dgm:linClrLst meth="repeat">
+      <a:schemeClr val="lt1"/>
+    </dgm:linClrLst>
+    <dgm:effectClrLst/>
+    <dgm:txLinClrLst/>
+    <dgm:txFillClrLst meth="repeat">
+      <a:schemeClr val="lt1"/>
+    </dgm:txFillClrLst>
+    <dgm:txEffectClrLst/>
+  </dgm:styleLbl>
+  <dgm:styleLbl name="parChTrans1D1">
+    <dgm:fillClrLst meth="repeat">
+      <a:schemeClr val="accent5"/>
+    </dgm:fillClrLst>
+    <dgm:linClrLst meth="repeat">
+      <a:schemeClr val="accent5"/>
+    </dgm:linClrLst>
+    <dgm:effectClrLst/>
+    <dgm:txLinClrLst/>
+    <dgm:txFillClrLst meth="repeat">
+      <a:schemeClr val="tx1"/>
+    </dgm:txFillClrLst>
+    <dgm:txEffectClrLst/>
+  </dgm:styleLbl>
+  <dgm:styleLbl name="parChTrans1D2">
+    <dgm:fillClrLst meth="repeat">
+      <a:schemeClr val="accent6">
+        <a:tint val="90000"/>
+      </a:schemeClr>
+    </dgm:fillClrLst>
+    <dgm:linClrLst meth="repeat">
+      <a:schemeClr val="accent6"/>
+    </dgm:linClrLst>
+    <dgm:effectClrLst/>
+    <dgm:txLinClrLst/>
+    <dgm:txFillClrLst meth="repeat">
+      <a:schemeClr val="tx1"/>
+    </dgm:txFillClrLst>
+    <dgm:txEffectClrLst/>
+  </dgm:styleLbl>
+  <dgm:styleLbl name="parChTrans1D3">
+    <dgm:fillClrLst meth="repeat">
+      <a:schemeClr val="accent6">
+        <a:tint val="70000"/>
+      </a:schemeClr>
+    </dgm:fillClrLst>
+    <dgm:linClrLst meth="repeat">
+      <a:schemeClr val="accent1"/>
+    </dgm:linClrLst>
+    <dgm:effectClrLst/>
+    <dgm:txLinClrLst/>
+    <dgm:txFillClrLst meth="repeat">
+      <a:schemeClr val="tx1"/>
+    </dgm:txFillClrLst>
+    <dgm:txEffectClrLst/>
+  </dgm:styleLbl>
+  <dgm:styleLbl name="parChTrans1D4">
+    <dgm:fillClrLst meth="repeat">
+      <a:schemeClr val="accent6">
+        <a:tint val="50000"/>
+      </a:schemeClr>
+    </dgm:fillClrLst>
+    <dgm:linClrLst meth="repeat">
+      <a:schemeClr val="accent2"/>
+    </dgm:linClrLst>
+    <dgm:effectClrLst/>
+    <dgm:txLinClrLst/>
+    <dgm:txFillClrLst meth="repeat">
+      <a:schemeClr val="tx1"/>
+    </dgm:txFillClrLst>
+    <dgm:txEffectClrLst/>
+  </dgm:styleLbl>
+  <dgm:styleLbl name="fgAcc1">
+    <dgm:fillClrLst meth="repeat">
+      <a:schemeClr val="lt1">
+        <a:alpha val="90000"/>
+      </a:schemeClr>
+    </dgm:fillClrLst>
+    <dgm:linClrLst>
+      <a:schemeClr val="accent5"/>
+      <a:schemeClr val="accent6"/>
+    </dgm:linClrLst>
+    <dgm:effectClrLst/>
+    <dgm:txLinClrLst/>
+    <dgm:txFillClrLst meth="repeat">
+      <a:schemeClr val="dk1"/>
+    </dgm:txFillClrLst>
+    <dgm:txEffectClrLst/>
+  </dgm:styleLbl>
+  <dgm:styleLbl name="conFgAcc1">
+    <dgm:fillClrLst meth="repeat">
+      <a:schemeClr val="lt1">
+        <a:alpha val="90000"/>
+      </a:schemeClr>
+    </dgm:fillClrLst>
+    <dgm:linClrLst>
+      <a:schemeClr val="accent5"/>
+      <a:schemeClr val="accent6"/>
+    </dgm:linClrLst>
+    <dgm:effectClrLst/>
+    <dgm:txLinClrLst/>
+    <dgm:txFillClrLst meth="repeat">
+      <a:schemeClr val="dk1"/>
+    </dgm:txFillClrLst>
+    <dgm:txEffectClrLst/>
+  </dgm:styleLbl>
+  <dgm:styleLbl name="alignAcc1">
+    <dgm:fillClrLst meth="repeat">
+      <a:schemeClr val="lt1">
+        <a:alpha val="90000"/>
+      </a:schemeClr>
+    </dgm:fillClrLst>
+    <dgm:linClrLst>
+      <a:schemeClr val="accent5"/>
+      <a:schemeClr val="accent6"/>
+    </dgm:linClrLst>
+    <dgm:effectClrLst/>
+    <dgm:txLinClrLst/>
+    <dgm:txFillClrLst meth="repeat">
+      <a:schemeClr val="dk1"/>
+    </dgm:txFillClrLst>
+    <dgm:txEffectClrLst/>
+  </dgm:styleLbl>
+  <dgm:styleLbl name="trAlignAcc1">
+    <dgm:fillClrLst meth="repeat">
+      <a:schemeClr val="lt1">
+        <a:alpha val="40000"/>
+      </a:schemeClr>
+    </dgm:fillClrLst>
+    <dgm:linClrLst meth="repeat">
+      <a:schemeClr val="accent5"/>
+    </dgm:linClrLst>
+    <dgm:effectClrLst/>
+    <dgm:txLinClrLst/>
+    <dgm:txFillClrLst meth="repeat">
+      <a:schemeClr val="dk1"/>
+    </dgm:txFillClrLst>
+    <dgm:txEffectClrLst/>
+  </dgm:styleLbl>
+  <dgm:styleLbl name="bgAcc1">
+    <dgm:fillClrLst meth="repeat">
+      <a:schemeClr val="lt1">
+        <a:alpha val="90000"/>
+      </a:schemeClr>
+    </dgm:fillClrLst>
+    <dgm:linClrLst>
+      <a:schemeClr val="accent5"/>
+      <a:schemeClr val="accent6"/>
+    </dgm:linClrLst>
+    <dgm:effectClrLst/>
+    <dgm:txLinClrLst/>
+    <dgm:txFillClrLst meth="repeat">
+      <a:schemeClr val="dk1"/>
+    </dgm:txFillClrLst>
+    <dgm:txEffectClrLst/>
+  </dgm:styleLbl>
+  <dgm:styleLbl name="solidFgAcc1">
+    <dgm:fillClrLst meth="repeat">
+      <a:schemeClr val="lt1"/>
+    </dgm:fillClrLst>
+    <dgm:linClrLst>
+      <a:schemeClr val="accent5"/>
+      <a:schemeClr val="accent6"/>
+    </dgm:linClrLst>
+    <dgm:effectClrLst/>
+    <dgm:txLinClrLst/>
+    <dgm:txFillClrLst meth="repeat">
+      <a:schemeClr val="dk1"/>
+    </dgm:txFillClrLst>
+    <dgm:txEffectClrLst/>
+  </dgm:styleLbl>
+  <dgm:styleLbl name="solidAlignAcc1">
+    <dgm:fillClrLst meth="repeat">
+      <a:schemeClr val="lt1"/>
+    </dgm:fillClrLst>
+    <dgm:linClrLst>
+      <a:schemeClr val="accent5"/>
+      <a:schemeClr val="accent6"/>
+    </dgm:linClrLst>
+    <dgm:effectClrLst/>
+    <dgm:txLinClrLst/>
+    <dgm:txFillClrLst meth="repeat">
+      <a:schemeClr val="dk1"/>
+    </dgm:txFillClrLst>
+    <dgm:txEffectClrLst/>
+  </dgm:styleLbl>
+  <dgm:styleLbl name="solidBgAcc1">
+    <dgm:fillClrLst meth="repeat">
+      <a:schemeClr val="lt1"/>
+    </dgm:fillClrLst>
+    <dgm:linClrLst>
+      <a:schemeClr val="accent5"/>
+      <a:schemeClr val="accent6"/>
+    </dgm:linClrLst>
+    <dgm:effectClrLst/>
+    <dgm:txLinClrLst/>
+    <dgm:txFillClrLst meth="repeat">
+      <a:schemeClr val="dk1"/>
+    </dgm:txFillClrLst>
+    <dgm:txEffectClrLst/>
+  </dgm:styleLbl>
+  <dgm:styleLbl name="fgAccFollowNode1">
+    <dgm:fillClrLst>
+      <a:schemeClr val="accent5">
+        <a:tint val="40000"/>
+        <a:alpha val="90000"/>
+      </a:schemeClr>
+      <a:schemeClr val="accent6">
+        <a:tint val="40000"/>
+        <a:alpha val="90000"/>
+      </a:schemeClr>
+    </dgm:fillClrLst>
+    <dgm:linClrLst>
+      <a:schemeClr val="accent5">
+        <a:tint val="40000"/>
+        <a:alpha val="90000"/>
+      </a:schemeClr>
+      <a:schemeClr val="accent5">
+        <a:tint val="40000"/>
+        <a:alpha val="90000"/>
+      </a:schemeClr>
+    </dgm:linClrLst>
+    <dgm:effectClrLst/>
+    <dgm:txLinClrLst/>
+    <dgm:txFillClrLst meth="repeat">
+      <a:schemeClr val="dk1"/>
+    </dgm:txFillClrLst>
+    <dgm:txEffectClrLst/>
+  </dgm:styleLbl>
+  <dgm:styleLbl name="alignAccFollowNode1">
+    <dgm:fillClrLst>
+      <a:schemeClr val="accent5">
+        <a:tint val="40000"/>
+        <a:alpha val="90000"/>
+      </a:schemeClr>
+      <a:schemeClr val="accent6">
+        <a:tint val="40000"/>
+        <a:alpha val="90000"/>
+      </a:schemeClr>
+    </dgm:fillClrLst>
+    <dgm:linClrLst>
+      <a:schemeClr val="accent5">
+        <a:tint val="40000"/>
+        <a:alpha val="90000"/>
+      </a:schemeClr>
+      <a:schemeClr val="accent6">
+        <a:tint val="40000"/>
+        <a:alpha val="90000"/>
+      </a:schemeClr>
+    </dgm:linClrLst>
+    <dgm:effectClrLst/>
+    <dgm:txLinClrLst/>
+    <dgm:txFillClrLst meth="repeat">
+      <a:schemeClr val="dk1"/>
+    </dgm:txFillClrLst>
+    <dgm:txEffectClrLst/>
+  </dgm:styleLbl>
+  <dgm:styleLbl name="bgAccFollowNode1">
+    <dgm:fillClrLst>
+      <a:schemeClr val="accent5">
+        <a:tint val="40000"/>
+        <a:alpha val="90000"/>
+      </a:schemeClr>
+      <a:schemeClr val="accent6">
+        <a:tint val="40000"/>
+        <a:alpha val="90000"/>
+      </a:schemeClr>
+    </dgm:fillClrLst>
+    <dgm:linClrLst>
+      <a:schemeClr val="accent5">
+        <a:tint val="40000"/>
+        <a:alpha val="90000"/>
+      </a:schemeClr>
+      <a:schemeClr val="accent6">
+        <a:tint val="40000"/>
+        <a:alpha val="90000"/>
+      </a:schemeClr>
+    </dgm:linClrLst>
+    <dgm:effectClrLst/>
+    <dgm:txLinClrLst/>
+    <dgm:txFillClrLst meth="repeat">
+      <a:schemeClr val="dk1"/>
+    </dgm:txFillClrLst>
+    <dgm:txEffectClrLst/>
+  </dgm:styleLbl>
+  <dgm:styleLbl name="fgAcc0">
+    <dgm:fillClrLst meth="repeat">
+      <a:schemeClr val="lt1">
+        <a:alpha val="90000"/>
+      </a:schemeClr>
+    </dgm:fillClrLst>
+    <dgm:linClrLst>
+      <a:schemeClr val="accent4"/>
+    </dgm:linClrLst>
+    <dgm:effectClrLst/>
+    <dgm:txLinClrLst/>
+    <dgm:txFillClrLst meth="repeat">
+      <a:schemeClr val="dk1"/>
+    </dgm:txFillClrLst>
+    <dgm:txEffectClrLst/>
+  </dgm:styleLbl>
+  <dgm:styleLbl name="fgAcc2">
+    <dgm:fillClrLst meth="repeat">
+      <a:schemeClr val="lt1">
+        <a:alpha val="90000"/>
+      </a:schemeClr>
+    </dgm:fillClrLst>
+    <dgm:linClrLst>
+      <a:schemeClr val="accent6"/>
+    </dgm:linClrLst>
+    <dgm:effectClrLst/>
+    <dgm:txLinClrLst/>
+    <dgm:txFillClrLst meth="repeat">
+      <a:schemeClr val="dk1"/>
+    </dgm:txFillClrLst>
+    <dgm:txEffectClrLst/>
+  </dgm:styleLbl>
+  <dgm:styleLbl name="fgAcc3">
+    <dgm:fillClrLst meth="repeat">
+      <a:schemeClr val="lt1">
+        <a:alpha val="90000"/>
+      </a:schemeClr>
+    </dgm:fillClrLst>
+    <dgm:linClrLst>
+      <a:schemeClr val="accent1"/>
+    </dgm:linClrLst>
+    <dgm:effectClrLst/>
+    <dgm:txLinClrLst/>
+    <dgm:txFillClrLst meth="repeat">
+      <a:schemeClr val="dk1"/>
+    </dgm:txFillClrLst>
+    <dgm:txEffectClrLst/>
+  </dgm:styleLbl>
+  <dgm:styleLbl name="fgAcc4">
+    <dgm:fillClrLst meth="repeat">
+      <a:schemeClr val="lt1">
+        <a:alpha val="90000"/>
+      </a:schemeClr>
+    </dgm:fillClrLst>
+    <dgm:linClrLst>
+      <a:schemeClr val="accent2"/>
+    </dgm:linClrLst>
+    <dgm:effectClrLst/>
+    <dgm:txLinClrLst/>
+    <dgm:txFillClrLst meth="repeat">
+      <a:schemeClr val="dk1"/>
+    </dgm:txFillClrLst>
+    <dgm:txEffectClrLst/>
+  </dgm:styleLbl>
+  <dgm:styleLbl name="bgShp">
+    <dgm:fillClrLst meth="repeat">
+      <a:schemeClr val="bg1">
+        <a:lumMod val="95000"/>
+      </a:schemeClr>
+    </dgm:fillClrLst>
+    <dgm:linClrLst meth="repeat">
+      <a:schemeClr val="dk1"/>
+    </dgm:linClrLst>
+    <dgm:effectClrLst/>
+    <dgm:txLinClrLst/>
+    <dgm:txFillClrLst meth="repeat">
+      <a:schemeClr val="dk1"/>
+    </dgm:txFillClrLst>
+    <dgm:txEffectClrLst/>
+  </dgm:styleLbl>
+  <dgm:styleLbl name="dkBgShp">
+    <dgm:fillClrLst meth="repeat">
+      <a:schemeClr val="accent5">
+        <a:shade val="90000"/>
+      </a:schemeClr>
+    </dgm:fillClrLst>
+    <dgm:linClrLst meth="repeat">
+      <a:schemeClr val="dk1"/>
+    </dgm:linClrLst>
+    <dgm:effectClrLst/>
+    <dgm:txLinClrLst/>
+    <dgm:txFillClrLst meth="repeat">
+      <a:schemeClr val="lt1"/>
+    </dgm:txFillClrLst>
+    <dgm:txEffectClrLst/>
+  </dgm:styleLbl>
+  <dgm:styleLbl name="trBgShp">
+    <dgm:fillClrLst meth="repeat">
+      <a:schemeClr val="accent5">
+        <a:tint val="50000"/>
+        <a:alpha val="40000"/>
+      </a:schemeClr>
+    </dgm:fillClrLst>
+    <dgm:linClrLst meth="repeat">
+      <a:schemeClr val="accent5"/>
+    </dgm:linClrLst>
+    <dgm:effectClrLst/>
+    <dgm:txLinClrLst/>
+    <dgm:txFillClrLst meth="repeat">
+      <a:schemeClr val="lt1"/>
+    </dgm:txFillClrLst>
+    <dgm:txEffectClrLst/>
+  </dgm:styleLbl>
+  <dgm:styleLbl name="fgShp">
+    <dgm:fillClrLst meth="repeat">
+      <a:schemeClr val="accent5">
+        <a:tint val="40000"/>
+      </a:schemeClr>
+    </dgm:fillClrLst>
+    <dgm:linClrLst meth="repeat">
+      <a:schemeClr val="lt1"/>
+    </dgm:linClrLst>
+    <dgm:effectClrLst/>
+    <dgm:txLinClrLst/>
+    <dgm:txFillClrLst meth="repeat">
+      <a:schemeClr val="dk1"/>
+    </dgm:txFillClrLst>
+    <dgm:txEffectClrLst/>
+  </dgm:styleLbl>
+  <dgm:styleLbl name="revTx">
+    <dgm:fillClrLst meth="repeat">
+      <a:schemeClr val="lt1">
+        <a:alpha val="0"/>
+      </a:schemeClr>
+    </dgm:fillClrLst>
+    <dgm:linClrLst meth="repeat">
+      <a:schemeClr val="dk1">
+        <a:alpha val="0"/>
+      </a:schemeClr>
+    </dgm:linClrLst>
+    <dgm:effectClrLst/>
+    <dgm:txLinClrLst/>
+    <dgm:txFillClrLst meth="repeat">
+      <a:schemeClr val="tx1"/>
+    </dgm:txFillClrLst>
+    <dgm:txEffectClrLst/>
+  </dgm:styleLbl>
+</dgm:colorsDef>
+</file>
+
+<file path=ppt/diagrams/colors3.xml><?xml version="1.0" encoding="utf-8"?>
+<dgm:colorsDef xmlns:dgm="http://schemas.openxmlformats.org/drawingml/2006/diagram" xmlns:a="http://schemas.openxmlformats.org/drawingml/2006/main" uniqueId="urn:microsoft.com/office/officeart/2005/8/colors/colorful2">
+  <dgm:title val=""/>
+  <dgm:desc val=""/>
+  <dgm:catLst>
+    <dgm:cat type="colorful" pri="10200"/>
+  </dgm:catLst>
+  <dgm:styleLbl name="node0">
+    <dgm:fillClrLst meth="repeat">
+      <a:schemeClr val="accent1"/>
+    </dgm:fillClrLst>
+    <dgm:linClrLst meth="repeat">
+      <a:schemeClr val="lt1"/>
+    </dgm:linClrLst>
+    <dgm:effectClrLst/>
+    <dgm:txLinClrLst/>
+    <dgm:txFillClrLst/>
+    <dgm:txEffectClrLst/>
+  </dgm:styleLbl>
+  <dgm:styleLbl name="node1">
+    <dgm:fillClrLst>
+      <a:schemeClr val="accent2"/>
+      <a:schemeClr val="accent3"/>
+    </dgm:fillClrLst>
+    <dgm:linClrLst meth="repeat">
+      <a:schemeClr val="lt1"/>
+    </dgm:linClrLst>
+    <dgm:effectClrLst/>
+    <dgm:txLinClrLst/>
+    <dgm:txFillClrLst/>
+    <dgm:txEffectClrLst/>
+  </dgm:styleLbl>
+  <dgm:styleLbl name="alignNode1">
+    <dgm:fillClrLst>
+      <a:schemeClr val="accent2"/>
+      <a:schemeClr val="accent3"/>
+    </dgm:fillClrLst>
+    <dgm:linClrLst>
+      <a:schemeClr val="accent2"/>
+      <a:schemeClr val="accent3"/>
+    </dgm:linClrLst>
+    <dgm:effectClrLst/>
+    <dgm:txLinClrLst/>
+    <dgm:txFillClrLst/>
+    <dgm:txEffectClrLst/>
+  </dgm:styleLbl>
+  <dgm:styleLbl name="lnNode1">
+    <dgm:fillClrLst>
+      <a:schemeClr val="accent2"/>
+      <a:schemeClr val="accent3"/>
+    </dgm:fillClrLst>
+    <dgm:linClrLst meth="repeat">
+      <a:schemeClr val="lt1"/>
+    </dgm:linClrLst>
+    <dgm:effectClrLst/>
+    <dgm:txLinClrLst/>
+    <dgm:txFillClrLst/>
+    <dgm:txEffectClrLst/>
+  </dgm:styleLbl>
+  <dgm:styleLbl name="vennNode1">
+    <dgm:fillClrLst>
+      <a:schemeClr val="accent2">
+        <a:alpha val="50000"/>
+      </a:schemeClr>
+      <a:schemeClr val="accent3">
+        <a:alpha val="50000"/>
+      </a:schemeClr>
+    </dgm:fillClrLst>
+    <dgm:linClrLst meth="repeat">
+      <a:schemeClr val="lt1"/>
+    </dgm:linClrLst>
+    <dgm:effectClrLst/>
+    <dgm:txLinClrLst/>
+    <dgm:txFillClrLst/>
+    <dgm:txEffectClrLst/>
+  </dgm:styleLbl>
+  <dgm:styleLbl name="node2">
+    <dgm:fillClrLst>
+      <a:schemeClr val="accent3"/>
+    </dgm:fillClrLst>
+    <dgm:linClrLst meth="repeat">
+      <a:schemeClr val="lt1"/>
+    </dgm:linClrLst>
+    <dgm:effectClrLst/>
+    <dgm:txLinClrLst/>
+    <dgm:txFillClrLst/>
+    <dgm:txEffectClrLst/>
+  </dgm:styleLbl>
+  <dgm:styleLbl name="node3">
+    <dgm:fillClrLst>
+      <a:schemeClr val="accent4"/>
+    </dgm:fillClrLst>
+    <dgm:linClrLst meth="repeat">
+      <a:schemeClr val="lt1"/>
+    </dgm:linClrLst>
+    <dgm:effectClrLst/>
+    <dgm:txLinClrLst/>
+    <dgm:txFillClrLst/>
+    <dgm:txEffectClrLst/>
+  </dgm:styleLbl>
+  <dgm:styleLbl name="node4">
+    <dgm:fillClrLst>
+      <a:schemeClr val="accent5"/>
+    </dgm:fillClrLst>
+    <dgm:linClrLst meth="repeat">
+      <a:schemeClr val="lt1"/>
+    </dgm:linClrLst>
+    <dgm:effectClrLst/>
+    <dgm:txLinClrLst/>
+    <dgm:txFillClrLst/>
+    <dgm:txEffectClrLst/>
+  </dgm:styleLbl>
+  <dgm:styleLbl name="fgImgPlace1">
+    <dgm:fillClrLst>
+      <a:schemeClr val="accent2">
+        <a:tint val="50000"/>
+      </a:schemeClr>
+      <a:schemeClr val="accent3">
+        <a:tint val="50000"/>
+      </a:schemeClr>
+    </dgm:fillClrLst>
+    <dgm:linClrLst meth="repeat">
+      <a:schemeClr val="lt1"/>
+    </dgm:linClrLst>
+    <dgm:effectClrLst/>
+    <dgm:txLinClrLst/>
+    <dgm:txFillClrLst meth="repeat">
+      <a:schemeClr val="lt1"/>
+    </dgm:txFillClrLst>
+    <dgm:txEffectClrLst/>
+  </dgm:styleLbl>
+  <dgm:styleLbl name="alignImgPlace1">
+    <dgm:fillClrLst>
+      <a:schemeClr val="accent2">
+        <a:tint val="50000"/>
+      </a:schemeClr>
+      <a:schemeClr val="accent3">
+        <a:tint val="20000"/>
+      </a:schemeClr>
+    </dgm:fillClrLst>
+    <dgm:linClrLst meth="repeat">
+      <a:schemeClr val="lt1"/>
+    </dgm:linClrLst>
+    <dgm:effectClrLst/>
+    <dgm:txLinClrLst/>
+    <dgm:txFillClrLst meth="repeat">
+      <a:schemeClr val="lt1"/>
+    </dgm:txFillClrLst>
+    <dgm:txEffectClrLst/>
+  </dgm:styleLbl>
+  <dgm:styleLbl name="bgImgPlace1">
+    <dgm:fillClrLst>
+      <a:schemeClr val="accent2">
+        <a:tint val="50000"/>
+      </a:schemeClr>
+      <a:schemeClr val="accent3">
+        <a:tint val="20000"/>
+      </a:schemeClr>
+    </dgm:fillClrLst>
+    <dgm:linClrLst meth="repeat">
+      <a:schemeClr val="lt1"/>
+    </dgm:linClrLst>
+    <dgm:effectClrLst/>
+    <dgm:txLinClrLst/>
+    <dgm:txFillClrLst meth="repeat">
+      <a:schemeClr val="lt1"/>
+    </dgm:txFillClrLst>
+    <dgm:txEffectClrLst/>
+  </dgm:styleLbl>
+  <dgm:styleLbl name="sibTrans2D1">
+    <dgm:fillClrLst>
+      <a:schemeClr val="accent2"/>
+      <a:schemeClr val="accent3"/>
+    </dgm:fillClrLst>
+    <dgm:linClrLst meth="repeat">
+      <a:schemeClr val="lt1"/>
+    </dgm:linClrLst>
+    <dgm:effectClrLst/>
+    <dgm:txLinClrLst/>
+    <dgm:txFillClrLst/>
+    <dgm:txEffectClrLst/>
+  </dgm:styleLbl>
+  <dgm:styleLbl name="fgSibTrans2D1">
+    <dgm:fillClrLst>
+      <a:schemeClr val="accent2"/>
+      <a:schemeClr val="accent3"/>
+    </dgm:fillClrLst>
+    <dgm:linClrLst meth="repeat">
+      <a:schemeClr val="lt1"/>
+    </dgm:linClrLst>
+    <dgm:effectClrLst/>
+    <dgm:txLinClrLst/>
+    <dgm:txFillClrLst meth="repeat">
+      <a:schemeClr val="lt1"/>
+    </dgm:txFillClrLst>
+    <dgm:txEffectClrLst/>
+  </dgm:styleLbl>
+  <dgm:styleLbl name="bgSibTrans2D1">
+    <dgm:fillClrLst>
+      <a:schemeClr val="accent2"/>
+      <a:schemeClr val="accent3"/>
+    </dgm:fillClrLst>
+    <dgm:linClrLst meth="repeat">
+      <a:schemeClr val="lt1"/>
+    </dgm:linClrLst>
+    <dgm:effectClrLst/>
+    <dgm:txLinClrLst/>
+    <dgm:txFillClrLst meth="repeat">
+      <a:schemeClr val="lt1"/>
+    </dgm:txFillClrLst>
+    <dgm:txEffectClrLst/>
+  </dgm:styleLbl>
+  <dgm:styleLbl name="sibTrans1D1">
+    <dgm:fillClrLst/>
+    <dgm:linClrLst>
+      <a:schemeClr val="accent2"/>
+      <a:schemeClr val="accent3"/>
+    </dgm:linClrLst>
+    <dgm:effectClrLst/>
+    <dgm:txLinClrLst/>
+    <dgm:txFillClrLst meth="repeat">
+      <a:schemeClr val="tx1"/>
+    </dgm:txFillClrLst>
+    <dgm:txEffectClrLst/>
+  </dgm:styleLbl>
+  <dgm:styleLbl name="callout">
+    <dgm:fillClrLst meth="repeat">
+      <a:schemeClr val="accent2"/>
+    </dgm:fillClrLst>
+    <dgm:linClrLst meth="repeat">
+      <a:schemeClr val="accent2">
+        <a:tint val="50000"/>
+      </a:schemeClr>
+    </dgm:linClrLst>
+    <dgm:effectClrLst/>
+    <dgm:txLinClrLst/>
+    <dgm:txFillClrLst meth="repeat">
+      <a:schemeClr val="tx1"/>
+    </dgm:txFillClrLst>
+    <dgm:txEffectClrLst/>
+  </dgm:styleLbl>
+  <dgm:styleLbl name="asst0">
+    <dgm:fillClrLst meth="repeat">
+      <a:schemeClr val="accent2"/>
+    </dgm:fillClrLst>
+    <dgm:linClrLst meth="repeat">
+      <a:schemeClr val="lt1">
+        <a:shade val="80000"/>
+      </a:schemeClr>
+    </dgm:linClrLst>
+    <dgm:effectClrLst/>
+    <dgm:txLinClrLst/>
+    <dgm:txFillClrLst/>
+    <dgm:txEffectClrLst/>
+  </dgm:styleLbl>
+  <dgm:styleLbl name="asst1">
+    <dgm:fillClrLst meth="repeat">
+      <a:schemeClr val="accent3"/>
+    </dgm:fillClrLst>
+    <dgm:linClrLst meth="repeat">
+      <a:schemeClr val="lt1">
+        <a:shade val="80000"/>
+      </a:schemeClr>
+    </dgm:linClrLst>
+    <dgm:effectClrLst/>
+    <dgm:txLinClrLst/>
+    <dgm:txFillClrLst/>
+    <dgm:txEffectClrLst/>
+  </dgm:styleLbl>
+  <dgm:styleLbl name="asst2">
+    <dgm:fillClrLst>
+      <a:schemeClr val="accent4"/>
+    </dgm:fillClrLst>
+    <dgm:linClrLst meth="repeat">
+      <a:schemeClr val="lt1"/>
+    </dgm:linClrLst>
+    <dgm:effectClrLst/>
+    <dgm:txLinClrLst/>
+    <dgm:txFillClrLst/>
+    <dgm:txEffectClrLst/>
+  </dgm:styleLbl>
+  <dgm:styleLbl name="asst3">
+    <dgm:fillClrLst>
+      <a:schemeClr val="accent5"/>
+    </dgm:fillClrLst>
+    <dgm:linClrLst meth="repeat">
+      <a:schemeClr val="lt1"/>
+    </dgm:linClrLst>
+    <dgm:effectClrLst/>
+    <dgm:txLinClrLst/>
+    <dgm:txFillClrLst/>
+    <dgm:txEffectClrLst/>
+  </dgm:styleLbl>
+  <dgm:styleLbl name="asst4">
+    <dgm:fillClrLst>
+      <a:schemeClr val="accent6"/>
+    </dgm:fillClrLst>
+    <dgm:linClrLst meth="repeat">
+      <a:schemeClr val="lt1"/>
+    </dgm:linClrLst>
+    <dgm:effectClrLst/>
+    <dgm:txLinClrLst/>
+    <dgm:txFillClrLst/>
+    <dgm:txEffectClrLst/>
+  </dgm:styleLbl>
+  <dgm:styleLbl name="parChTrans2D1">
+    <dgm:fillClrLst meth="repeat">
+      <a:schemeClr val="accent2"/>
+    </dgm:fillClrLst>
+    <dgm:linClrLst meth="repeat">
+      <a:schemeClr val="lt1"/>
+    </dgm:linClrLst>
+    <dgm:effectClrLst/>
+    <dgm:txLinClrLst/>
+    <dgm:txFillClrLst meth="repeat">
+      <a:schemeClr val="lt1"/>
+    </dgm:txFillClrLst>
+    <dgm:txEffectClrLst/>
+  </dgm:styleLbl>
+  <dgm:styleLbl name="parChTrans2D2">
+    <dgm:fillClrLst meth="repeat">
+      <a:schemeClr val="accent3"/>
+    </dgm:fillClrLst>
+    <dgm:linClrLst meth="repeat">
+      <a:schemeClr val="lt1"/>
+    </dgm:linClrLst>
+    <dgm:effectClrLst/>
+    <dgm:txLinClrLst/>
+    <dgm:txFillClrLst/>
+    <dgm:txEffectClrLst/>
+  </dgm:styleLbl>
+  <dgm:styleLbl name="parChTrans2D3">
+    <dgm:fillClrLst meth="repeat">
+      <a:schemeClr val="accent4"/>
+    </dgm:fillClrLst>
+    <dgm:linClrLst meth="repeat">
+      <a:schemeClr val="lt1"/>
+    </dgm:linClrLst>
+    <dgm:effectClrLst/>
+    <dgm:txLinClrLst/>
+    <dgm:txFillClrLst/>
+    <dgm:txEffectClrLst/>
+  </dgm:styleLbl>
+  <dgm:styleLbl name="parChTrans2D4">
+    <dgm:fillClrLst meth="repeat">
+      <a:schemeClr val="accent5"/>
+    </dgm:fillClrLst>
+    <dgm:linClrLst meth="repeat">
+      <a:schemeClr val="lt1"/>
+    </dgm:linClrLst>
+    <dgm:effectClrLst/>
+    <dgm:txLinClrLst/>
+    <dgm:txFillClrLst meth="repeat">
+      <a:schemeClr val="lt1"/>
+    </dgm:txFillClrLst>
+    <dgm:txEffectClrLst/>
+  </dgm:styleLbl>
+  <dgm:styleLbl name="parChTrans1D1">
+    <dgm:fillClrLst meth="repeat">
+      <a:schemeClr val="accent2"/>
+    </dgm:fillClrLst>
+    <dgm:linClrLst meth="repeat">
+      <a:schemeClr val="accent2"/>
+    </dgm:linClrLst>
+    <dgm:effectClrLst/>
+    <dgm:txLinClrLst/>
+    <dgm:txFillClrLst meth="repeat">
+      <a:schemeClr val="tx1"/>
+    </dgm:txFillClrLst>
+    <dgm:txEffectClrLst/>
+  </dgm:styleLbl>
+  <dgm:styleLbl name="parChTrans1D2">
+    <dgm:fillClrLst meth="repeat">
+      <a:schemeClr val="accent2">
+        <a:tint val="90000"/>
+      </a:schemeClr>
+    </dgm:fillClrLst>
+    <dgm:linClrLst meth="repeat">
+      <a:schemeClr val="accent3"/>
+    </dgm:linClrLst>
+    <dgm:effectClrLst/>
+    <dgm:txLinClrLst/>
+    <dgm:txFillClrLst meth="repeat">
+      <a:schemeClr val="tx1"/>
+    </dgm:txFillClrLst>
+    <dgm:txEffectClrLst/>
+  </dgm:styleLbl>
+  <dgm:styleLbl name="parChTrans1D3">
+    <dgm:fillClrLst meth="repeat">
+      <a:schemeClr val="accent2">
+        <a:tint val="70000"/>
+      </a:schemeClr>
+    </dgm:fillClrLst>
+    <dgm:linClrLst meth="repeat">
+      <a:schemeClr val="accent4"/>
+    </dgm:linClrLst>
+    <dgm:effectClrLst/>
+    <dgm:txLinClrLst/>
+    <dgm:txFillClrLst meth="repeat">
+      <a:schemeClr val="tx1"/>
+    </dgm:txFillClrLst>
+    <dgm:txEffectClrLst/>
+  </dgm:styleLbl>
+  <dgm:styleLbl name="parChTrans1D4">
+    <dgm:fillClrLst meth="repeat">
+      <a:schemeClr val="accent2">
+        <a:tint val="50000"/>
+      </a:schemeClr>
+    </dgm:fillClrLst>
+    <dgm:linClrLst meth="repeat">
+      <a:schemeClr val="accent5"/>
+    </dgm:linClrLst>
+    <dgm:effectClrLst/>
+    <dgm:txLinClrLst/>
+    <dgm:txFillClrLst meth="repeat">
+      <a:schemeClr val="tx1"/>
+    </dgm:txFillClrLst>
+    <dgm:txEffectClrLst/>
+  </dgm:styleLbl>
+  <dgm:styleLbl name="fgAcc1">
+    <dgm:fillClrLst meth="repeat">
+      <a:schemeClr val="lt1">
+        <a:alpha val="90000"/>
+      </a:schemeClr>
+    </dgm:fillClrLst>
+    <dgm:linClrLst>
+      <a:schemeClr val="accent2"/>
+      <a:schemeClr val="accent3"/>
+    </dgm:linClrLst>
+    <dgm:effectClrLst/>
+    <dgm:txLinClrLst/>
+    <dgm:txFillClrLst meth="repeat">
+      <a:schemeClr val="dk1"/>
+    </dgm:txFillClrLst>
+    <dgm:txEffectClrLst/>
+  </dgm:styleLbl>
+  <dgm:styleLbl name="conFgAcc1">
+    <dgm:fillClrLst meth="repeat">
+      <a:schemeClr val="lt1">
+        <a:alpha val="90000"/>
+      </a:schemeClr>
+    </dgm:fillClrLst>
+    <dgm:linClrLst>
+      <a:schemeClr val="accent2"/>
+      <a:schemeClr val="accent3"/>
+    </dgm:linClrLst>
+    <dgm:effectClrLst/>
+    <dgm:txLinClrLst/>
+    <dgm:txFillClrLst meth="repeat">
+      <a:schemeClr val="dk1"/>
+    </dgm:txFillClrLst>
+    <dgm:txEffectClrLst/>
+  </dgm:styleLbl>
+  <dgm:styleLbl name="alignAcc1">
+    <dgm:fillClrLst meth="repeat">
+      <a:schemeClr val="lt1">
+        <a:alpha val="90000"/>
+      </a:schemeClr>
+    </dgm:fillClrLst>
+    <dgm:linClrLst>
+      <a:schemeClr val="accent2"/>
+      <a:schemeClr val="accent3"/>
+    </dgm:linClrLst>
+    <dgm:effectClrLst/>
+    <dgm:txLinClrLst/>
+    <dgm:txFillClrLst meth="repeat">
+      <a:schemeClr val="dk1"/>
+    </dgm:txFillClrLst>
+    <dgm:txEffectClrLst/>
+  </dgm:styleLbl>
+  <dgm:styleLbl name="trAlignAcc1">
+    <dgm:fillClrLst meth="repeat">
+      <a:schemeClr val="lt1">
+        <a:alpha val="40000"/>
+      </a:schemeClr>
+    </dgm:fillClrLst>
+    <dgm:linClrLst meth="repeat">
+      <a:schemeClr val="accent2"/>
+    </dgm:linClrLst>
+    <dgm:effectClrLst/>
+    <dgm:txLinClrLst/>
+    <dgm:txFillClrLst meth="repeat">
+      <a:schemeClr val="dk1"/>
+    </dgm:txFillClrLst>
+    <dgm:txEffectClrLst/>
+  </dgm:styleLbl>
+  <dgm:styleLbl name="bgAcc1">
+    <dgm:fillClrLst meth="repeat">
+      <a:schemeClr val="lt1">
+        <a:alpha val="90000"/>
+      </a:schemeClr>
+    </dgm:fillClrLst>
+    <dgm:linClrLst>
+      <a:schemeClr val="accent2"/>
+      <a:schemeClr val="accent3"/>
+    </dgm:linClrLst>
+    <dgm:effectClrLst/>
+    <dgm:txLinClrLst/>
+    <dgm:txFillClrLst meth="repeat">
+      <a:schemeClr val="dk1"/>
+    </dgm:txFillClrLst>
+    <dgm:txEffectClrLst/>
+  </dgm:styleLbl>
+  <dgm:styleLbl name="solidFgAcc1">
+    <dgm:fillClrLst meth="repeat">
+      <a:schemeClr val="lt1"/>
+    </dgm:fillClrLst>
+    <dgm:linClrLst>
+      <a:schemeClr val="accent2"/>
+      <a:schemeClr val="accent3"/>
+    </dgm:linClrLst>
+    <dgm:effectClrLst/>
+    <dgm:txLinClrLst/>
+    <dgm:txFillClrLst meth="repeat">
+      <a:schemeClr val="dk1"/>
+    </dgm:txFillClrLst>
+    <dgm:txEffectClrLst/>
+  </dgm:styleLbl>
+  <dgm:styleLbl name="solidAlignAcc1">
+    <dgm:fillClrLst meth="repeat">
+      <a:schemeClr val="lt1"/>
+    </dgm:fillClrLst>
+    <dgm:linClrLst>
+      <a:schemeClr val="accent2"/>
+      <a:schemeClr val="accent3"/>
+    </dgm:linClrLst>
+    <dgm:effectClrLst/>
+    <dgm:txLinClrLst/>
+    <dgm:txFillClrLst meth="repeat">
+      <a:schemeClr val="dk1"/>
+    </dgm:txFillClrLst>
+    <dgm:txEffectClrLst/>
+  </dgm:styleLbl>
+  <dgm:styleLbl name="solidBgAcc1">
+    <dgm:fillClrLst meth="repeat">
+      <a:schemeClr val="lt1"/>
+    </dgm:fillClrLst>
+    <dgm:linClrLst>
+      <a:schemeClr val="accent2"/>
+      <a:schemeClr val="accent3"/>
+    </dgm:linClrLst>
+    <dgm:effectClrLst/>
+    <dgm:txLinClrLst/>
+    <dgm:txFillClrLst meth="repeat">
+      <a:schemeClr val="dk1"/>
+    </dgm:txFillClrLst>
+    <dgm:txEffectClrLst/>
+  </dgm:styleLbl>
+  <dgm:styleLbl name="fgAccFollowNode1">
+    <dgm:fillClrLst>
+      <a:schemeClr val="accent2">
+        <a:tint val="40000"/>
+        <a:alpha val="90000"/>
+      </a:schemeClr>
+      <a:schemeClr val="accent3">
+        <a:tint val="40000"/>
+        <a:alpha val="90000"/>
+      </a:schemeClr>
+    </dgm:fillClrLst>
+    <dgm:linClrLst>
+      <a:schemeClr val="accent2">
+        <a:tint val="40000"/>
+        <a:alpha val="90000"/>
+      </a:schemeClr>
+      <a:schemeClr val="accent3">
+        <a:tint val="40000"/>
+        <a:alpha val="90000"/>
+      </a:schemeClr>
+    </dgm:linClrLst>
+    <dgm:effectClrLst/>
+    <dgm:txLinClrLst/>
+    <dgm:txFillClrLst meth="repeat">
+      <a:schemeClr val="dk1"/>
+    </dgm:txFillClrLst>
+    <dgm:txEffectClrLst/>
+  </dgm:styleLbl>
+  <dgm:styleLbl name="alignAccFollowNode1">
+    <dgm:fillClrLst>
+      <a:schemeClr val="accent2">
+        <a:tint val="40000"/>
+        <a:alpha val="90000"/>
+      </a:schemeClr>
+      <a:schemeClr val="accent3">
+        <a:tint val="40000"/>
+        <a:alpha val="90000"/>
+      </a:schemeClr>
+    </dgm:fillClrLst>
+    <dgm:linClrLst>
+      <a:schemeClr val="accent2">
+        <a:tint val="40000"/>
+        <a:alpha val="90000"/>
+      </a:schemeClr>
+      <a:schemeClr val="accent3">
+        <a:tint val="40000"/>
+        <a:alpha val="90000"/>
+      </a:schemeClr>
+    </dgm:linClrLst>
+    <dgm:effectClrLst/>
+    <dgm:txLinClrLst/>
+    <dgm:txFillClrLst meth="repeat">
+      <a:schemeClr val="dk1"/>
+    </dgm:txFillClrLst>
+    <dgm:txEffectClrLst/>
+  </dgm:styleLbl>
+  <dgm:styleLbl name="bgAccFollowNode1">
+    <dgm:fillClrLst>
+      <a:schemeClr val="accent2">
+        <a:tint val="40000"/>
+        <a:alpha val="90000"/>
+      </a:schemeClr>
+      <a:schemeClr val="accent3">
+        <a:tint val="40000"/>
+        <a:alpha val="90000"/>
+      </a:schemeClr>
+    </dgm:fillClrLst>
+    <dgm:linClrLst>
+      <a:schemeClr val="accent2">
+        <a:tint val="40000"/>
+        <a:alpha val="90000"/>
+      </a:schemeClr>
+      <a:schemeClr val="accent3">
+        <a:tint val="40000"/>
+        <a:alpha val="90000"/>
+      </a:schemeClr>
+    </dgm:linClrLst>
+    <dgm:effectClrLst/>
+    <dgm:txLinClrLst/>
+    <dgm:txFillClrLst meth="repeat">
+      <a:schemeClr val="dk1"/>
+    </dgm:txFillClrLst>
+    <dgm:txEffectClrLst/>
+  </dgm:styleLbl>
+  <dgm:styleLbl name="fgAcc0">
+    <dgm:fillClrLst meth="repeat">
+      <a:schemeClr val="lt1">
+        <a:alpha val="90000"/>
+      </a:schemeClr>
+    </dgm:fillClrLst>
+    <dgm:linClrLst>
+      <a:schemeClr val="accent1"/>
+    </dgm:linClrLst>
+    <dgm:effectClrLst/>
+    <dgm:txLinClrLst/>
+    <dgm:txFillClrLst meth="repeat">
+      <a:schemeClr val="dk1"/>
+    </dgm:txFillClrLst>
+    <dgm:txEffectClrLst/>
+  </dgm:styleLbl>
+  <dgm:styleLbl name="fgAcc2">
+    <dgm:fillClrLst meth="repeat">
+      <a:schemeClr val="lt1">
+        <a:alpha val="90000"/>
+      </a:schemeClr>
+    </dgm:fillClrLst>
+    <dgm:linClrLst>
+      <a:schemeClr val="accent3"/>
+    </dgm:linClrLst>
+    <dgm:effectClrLst/>
+    <dgm:txLinClrLst/>
+    <dgm:txFillClrLst meth="repeat">
+      <a:schemeClr val="dk1"/>
+    </dgm:txFillClrLst>
+    <dgm:txEffectClrLst/>
+  </dgm:styleLbl>
+  <dgm:styleLbl name="fgAcc3">
+    <dgm:fillClrLst meth="repeat">
+      <a:schemeClr val="lt1">
+        <a:alpha val="90000"/>
+      </a:schemeClr>
+    </dgm:fillClrLst>
+    <dgm:linClrLst>
+      <a:schemeClr val="accent4"/>
+    </dgm:linClrLst>
+    <dgm:effectClrLst/>
+    <dgm:txLinClrLst/>
+    <dgm:txFillClrLst meth="repeat">
+      <a:schemeClr val="dk1"/>
+    </dgm:txFillClrLst>
+    <dgm:txEffectClrLst/>
+  </dgm:styleLbl>
+  <dgm:styleLbl name="fgAcc4">
+    <dgm:fillClrLst meth="repeat">
+      <a:schemeClr val="lt1">
+        <a:alpha val="90000"/>
+      </a:schemeClr>
+    </dgm:fillClrLst>
+    <dgm:linClrLst>
+      <a:schemeClr val="accent5"/>
+    </dgm:linClrLst>
+    <dgm:effectClrLst/>
+    <dgm:txLinClrLst/>
+    <dgm:txFillClrLst meth="repeat">
+      <a:schemeClr val="dk1"/>
+    </dgm:txFillClrLst>
+    <dgm:txEffectClrLst/>
+  </dgm:styleLbl>
+  <dgm:styleLbl name="bgShp">
+    <dgm:fillClrLst meth="repeat">
+      <a:schemeClr val="accent2">
+        <a:tint val="40000"/>
+      </a:schemeClr>
+    </dgm:fillClrLst>
+    <dgm:linClrLst meth="repeat">
+      <a:schemeClr val="dk1"/>
+    </dgm:linClrLst>
+    <dgm:effectClrLst/>
+    <dgm:txLinClrLst/>
+    <dgm:txFillClrLst meth="repeat">
+      <a:schemeClr val="dk1"/>
+    </dgm:txFillClrLst>
+    <dgm:txEffectClrLst/>
+  </dgm:styleLbl>
+  <dgm:styleLbl name="dkBgShp">
+    <dgm:fillClrLst meth="repeat">
+      <a:schemeClr val="accent2">
+        <a:shade val="90000"/>
+      </a:schemeClr>
+    </dgm:fillClrLst>
+    <dgm:linClrLst meth="repeat">
+      <a:schemeClr val="dk1"/>
+    </dgm:linClrLst>
+    <dgm:effectClrLst/>
+    <dgm:txLinClrLst/>
+    <dgm:txFillClrLst meth="repeat">
+      <a:schemeClr val="lt1"/>
+    </dgm:txFillClrLst>
+    <dgm:txEffectClrLst/>
+  </dgm:styleLbl>
+  <dgm:styleLbl name="trBgShp">
+    <dgm:fillClrLst meth="repeat">
+      <a:schemeClr val="accent2">
+        <a:tint val="50000"/>
+        <a:alpha val="40000"/>
+      </a:schemeClr>
+    </dgm:fillClrLst>
+    <dgm:linClrLst meth="repeat">
+      <a:schemeClr val="accent2"/>
+    </dgm:linClrLst>
+    <dgm:effectClrLst/>
+    <dgm:txLinClrLst/>
+    <dgm:txFillClrLst meth="repeat">
+      <a:schemeClr val="lt1"/>
+    </dgm:txFillClrLst>
+    <dgm:txEffectClrLst/>
+  </dgm:styleLbl>
+  <dgm:styleLbl name="fgShp">
+    <dgm:fillClrLst meth="repeat">
+      <a:schemeClr val="accent2">
+        <a:tint val="40000"/>
+      </a:schemeClr>
+    </dgm:fillClrLst>
+    <dgm:linClrLst meth="repeat">
+      <a:schemeClr val="lt1"/>
+    </dgm:linClrLst>
+    <dgm:effectClrLst/>
+    <dgm:txLinClrLst/>
+    <dgm:txFillClrLst meth="repeat">
+      <a:schemeClr val="dk1"/>
+    </dgm:txFillClrLst>
+    <dgm:txEffectClrLst/>
+  </dgm:styleLbl>
+  <dgm:styleLbl name="revTx">
+    <dgm:fillClrLst meth="repeat">
+      <a:schemeClr val="lt1">
+        <a:alpha val="0"/>
+      </a:schemeClr>
+    </dgm:fillClrLst>
+    <dgm:linClrLst meth="repeat">
+      <a:schemeClr val="dk1">
+        <a:alpha val="0"/>
+      </a:schemeClr>
+    </dgm:linClrLst>
+    <dgm:effectClrLst/>
+    <dgm:txLinClrLst/>
+    <dgm:txFillClrLst meth="repeat">
+      <a:schemeClr val="tx1"/>
+    </dgm:txFillClrLst>
+    <dgm:txEffectClrLst/>
+  </dgm:styleLbl>
+</dgm:colorsDef>
+</file>
+
+<file path=ppt/diagrams/colors4.xml><?xml version="1.0" encoding="utf-8"?>
 <dgm:colorsDef xmlns:dgm="http://schemas.openxmlformats.org/drawingml/2006/diagram" xmlns:a="http://schemas.openxmlformats.org/drawingml/2006/main" uniqueId="urn:microsoft.com/office/officeart/2005/8/colors/colorful1">
   <dgm:title val=""/>
   <dgm:desc val=""/>
@@ -2463,2491 +4907,6 @@
 </dgm:colorsDef>
 </file>
 
-<file path=ppt/diagrams/colors2.xml><?xml version="1.0" encoding="utf-8"?>
-<dgm:colorsDef xmlns:dgm="http://schemas.openxmlformats.org/drawingml/2006/diagram" xmlns:a="http://schemas.openxmlformats.org/drawingml/2006/main" uniqueId="urn:microsoft.com/office/officeart/2018/5/colors/Iconchunking_neutralbg_colorful5">
-  <dgm:title val=""/>
-  <dgm:desc val=""/>
-  <dgm:catLst>
-    <dgm:cat type="colorful" pri="10500"/>
-  </dgm:catLst>
-  <dgm:styleLbl name="node0">
-    <dgm:fillClrLst meth="repeat">
-      <a:schemeClr val="accent4"/>
-    </dgm:fillClrLst>
-    <dgm:linClrLst meth="repeat">
-      <a:schemeClr val="lt1"/>
-    </dgm:linClrLst>
-    <dgm:effectClrLst/>
-    <dgm:txLinClrLst/>
-    <dgm:txFillClrLst/>
-    <dgm:txEffectClrLst/>
-  </dgm:styleLbl>
-  <dgm:styleLbl name="node1">
-    <dgm:fillClrLst>
-      <a:schemeClr val="accent5"/>
-      <a:schemeClr val="accent6"/>
-    </dgm:fillClrLst>
-    <dgm:linClrLst meth="repeat">
-      <a:schemeClr val="lt1">
-        <a:alpha val="0"/>
-      </a:schemeClr>
-    </dgm:linClrLst>
-    <dgm:effectClrLst/>
-    <dgm:txLinClrLst/>
-    <dgm:txFillClrLst/>
-    <dgm:txEffectClrLst/>
-  </dgm:styleLbl>
-  <dgm:styleLbl name="alignNode1">
-    <dgm:fillClrLst>
-      <a:schemeClr val="accent5"/>
-      <a:schemeClr val="accent6"/>
-    </dgm:fillClrLst>
-    <dgm:linClrLst>
-      <a:schemeClr val="accent5"/>
-      <a:schemeClr val="accent6"/>
-    </dgm:linClrLst>
-    <dgm:effectClrLst/>
-    <dgm:txLinClrLst/>
-    <dgm:txFillClrLst/>
-    <dgm:txEffectClrLst/>
-  </dgm:styleLbl>
-  <dgm:styleLbl name="lnNode1">
-    <dgm:fillClrLst>
-      <a:schemeClr val="accent5"/>
-      <a:schemeClr val="accent6"/>
-    </dgm:fillClrLst>
-    <dgm:linClrLst meth="repeat">
-      <a:schemeClr val="lt1"/>
-    </dgm:linClrLst>
-    <dgm:effectClrLst/>
-    <dgm:txLinClrLst/>
-    <dgm:txFillClrLst/>
-    <dgm:txEffectClrLst/>
-  </dgm:styleLbl>
-  <dgm:styleLbl name="vennNode1">
-    <dgm:fillClrLst>
-      <a:schemeClr val="accent5">
-        <a:alpha val="50000"/>
-      </a:schemeClr>
-      <a:schemeClr val="accent6">
-        <a:alpha val="50000"/>
-      </a:schemeClr>
-    </dgm:fillClrLst>
-    <dgm:linClrLst meth="repeat">
-      <a:schemeClr val="lt1"/>
-    </dgm:linClrLst>
-    <dgm:effectClrLst/>
-    <dgm:txLinClrLst/>
-    <dgm:txFillClrLst/>
-    <dgm:txEffectClrLst/>
-  </dgm:styleLbl>
-  <dgm:styleLbl name="node2">
-    <dgm:fillClrLst>
-      <a:schemeClr val="accent6"/>
-    </dgm:fillClrLst>
-    <dgm:linClrLst meth="repeat">
-      <a:schemeClr val="lt1"/>
-    </dgm:linClrLst>
-    <dgm:effectClrLst/>
-    <dgm:txLinClrLst/>
-    <dgm:txFillClrLst/>
-    <dgm:txEffectClrLst/>
-  </dgm:styleLbl>
-  <dgm:styleLbl name="node3">
-    <dgm:fillClrLst>
-      <a:schemeClr val="accent1"/>
-    </dgm:fillClrLst>
-    <dgm:linClrLst meth="repeat">
-      <a:schemeClr val="lt1"/>
-    </dgm:linClrLst>
-    <dgm:effectClrLst/>
-    <dgm:txLinClrLst/>
-    <dgm:txFillClrLst/>
-    <dgm:txEffectClrLst/>
-  </dgm:styleLbl>
-  <dgm:styleLbl name="node4">
-    <dgm:fillClrLst>
-      <a:schemeClr val="accent2"/>
-    </dgm:fillClrLst>
-    <dgm:linClrLst meth="repeat">
-      <a:schemeClr val="lt1"/>
-    </dgm:linClrLst>
-    <dgm:effectClrLst/>
-    <dgm:txLinClrLst/>
-    <dgm:txFillClrLst/>
-    <dgm:txEffectClrLst/>
-  </dgm:styleLbl>
-  <dgm:styleLbl name="fgImgPlace1">
-    <dgm:fillClrLst>
-      <a:schemeClr val="accent5">
-        <a:tint val="50000"/>
-      </a:schemeClr>
-      <a:schemeClr val="accent6">
-        <a:tint val="50000"/>
-      </a:schemeClr>
-    </dgm:fillClrLst>
-    <dgm:linClrLst meth="repeat">
-      <a:schemeClr val="lt1"/>
-    </dgm:linClrLst>
-    <dgm:effectClrLst/>
-    <dgm:txLinClrLst/>
-    <dgm:txFillClrLst meth="repeat">
-      <a:schemeClr val="lt1"/>
-    </dgm:txFillClrLst>
-    <dgm:txEffectClrLst/>
-  </dgm:styleLbl>
-  <dgm:styleLbl name="alignImgPlace1">
-    <dgm:fillClrLst>
-      <a:schemeClr val="accent5">
-        <a:tint val="50000"/>
-      </a:schemeClr>
-      <a:schemeClr val="accent6">
-        <a:tint val="20000"/>
-      </a:schemeClr>
-    </dgm:fillClrLst>
-    <dgm:linClrLst meth="repeat">
-      <a:schemeClr val="lt1"/>
-    </dgm:linClrLst>
-    <dgm:effectClrLst/>
-    <dgm:txLinClrLst/>
-    <dgm:txFillClrLst meth="repeat">
-      <a:schemeClr val="lt1"/>
-    </dgm:txFillClrLst>
-    <dgm:txEffectClrLst/>
-  </dgm:styleLbl>
-  <dgm:styleLbl name="bgImgPlace1">
-    <dgm:fillClrLst>
-      <a:schemeClr val="accent5">
-        <a:tint val="50000"/>
-      </a:schemeClr>
-      <a:schemeClr val="accent6">
-        <a:tint val="20000"/>
-      </a:schemeClr>
-    </dgm:fillClrLst>
-    <dgm:linClrLst meth="repeat">
-      <a:schemeClr val="lt1"/>
-    </dgm:linClrLst>
-    <dgm:effectClrLst/>
-    <dgm:txLinClrLst/>
-    <dgm:txFillClrLst meth="repeat">
-      <a:schemeClr val="lt1"/>
-    </dgm:txFillClrLst>
-    <dgm:txEffectClrLst/>
-  </dgm:styleLbl>
-  <dgm:styleLbl name="sibTrans2D1">
-    <dgm:fillClrLst>
-      <a:schemeClr val="accent5"/>
-      <a:schemeClr val="accent6"/>
-    </dgm:fillClrLst>
-    <dgm:linClrLst meth="repeat">
-      <a:schemeClr val="lt1"/>
-    </dgm:linClrLst>
-    <dgm:effectClrLst/>
-    <dgm:txLinClrLst/>
-    <dgm:txFillClrLst/>
-    <dgm:txEffectClrLst/>
-  </dgm:styleLbl>
-  <dgm:styleLbl name="fgSibTrans2D1">
-    <dgm:fillClrLst>
-      <a:schemeClr val="accent5"/>
-      <a:schemeClr val="accent6"/>
-    </dgm:fillClrLst>
-    <dgm:linClrLst meth="repeat">
-      <a:schemeClr val="lt1"/>
-    </dgm:linClrLst>
-    <dgm:effectClrLst/>
-    <dgm:txLinClrLst/>
-    <dgm:txFillClrLst meth="repeat">
-      <a:schemeClr val="lt1"/>
-    </dgm:txFillClrLst>
-    <dgm:txEffectClrLst/>
-  </dgm:styleLbl>
-  <dgm:styleLbl name="bgSibTrans2D1">
-    <dgm:fillClrLst>
-      <a:schemeClr val="accent5"/>
-      <a:schemeClr val="accent6"/>
-    </dgm:fillClrLst>
-    <dgm:linClrLst meth="repeat">
-      <a:schemeClr val="lt1"/>
-    </dgm:linClrLst>
-    <dgm:effectClrLst/>
-    <dgm:txLinClrLst/>
-    <dgm:txFillClrLst meth="repeat">
-      <a:schemeClr val="lt1"/>
-    </dgm:txFillClrLst>
-    <dgm:txEffectClrLst/>
-  </dgm:styleLbl>
-  <dgm:styleLbl name="sibTrans1D1">
-    <dgm:fillClrLst/>
-    <dgm:linClrLst>
-      <a:schemeClr val="accent5"/>
-      <a:schemeClr val="accent6"/>
-    </dgm:linClrLst>
-    <dgm:effectClrLst/>
-    <dgm:txLinClrLst/>
-    <dgm:txFillClrLst meth="repeat">
-      <a:schemeClr val="tx1"/>
-    </dgm:txFillClrLst>
-    <dgm:txEffectClrLst/>
-  </dgm:styleLbl>
-  <dgm:styleLbl name="callout">
-    <dgm:fillClrLst meth="repeat">
-      <a:schemeClr val="accent5"/>
-    </dgm:fillClrLst>
-    <dgm:linClrLst meth="repeat">
-      <a:schemeClr val="accent5">
-        <a:tint val="50000"/>
-      </a:schemeClr>
-    </dgm:linClrLst>
-    <dgm:effectClrLst/>
-    <dgm:txLinClrLst/>
-    <dgm:txFillClrLst meth="repeat">
-      <a:schemeClr val="tx1"/>
-    </dgm:txFillClrLst>
-    <dgm:txEffectClrLst/>
-  </dgm:styleLbl>
-  <dgm:styleLbl name="asst0">
-    <dgm:fillClrLst meth="repeat">
-      <a:schemeClr val="accent5"/>
-    </dgm:fillClrLst>
-    <dgm:linClrLst meth="repeat">
-      <a:schemeClr val="lt1">
-        <a:shade val="80000"/>
-      </a:schemeClr>
-    </dgm:linClrLst>
-    <dgm:effectClrLst/>
-    <dgm:txLinClrLst/>
-    <dgm:txFillClrLst/>
-    <dgm:txEffectClrLst/>
-  </dgm:styleLbl>
-  <dgm:styleLbl name="asst1">
-    <dgm:fillClrLst meth="repeat">
-      <a:schemeClr val="accent6"/>
-    </dgm:fillClrLst>
-    <dgm:linClrLst meth="repeat">
-      <a:schemeClr val="lt1">
-        <a:shade val="80000"/>
-      </a:schemeClr>
-    </dgm:linClrLst>
-    <dgm:effectClrLst/>
-    <dgm:txLinClrLst/>
-    <dgm:txFillClrLst/>
-    <dgm:txEffectClrLst/>
-  </dgm:styleLbl>
-  <dgm:styleLbl name="asst2">
-    <dgm:fillClrLst>
-      <a:schemeClr val="accent1"/>
-    </dgm:fillClrLst>
-    <dgm:linClrLst meth="repeat">
-      <a:schemeClr val="lt1"/>
-    </dgm:linClrLst>
-    <dgm:effectClrLst/>
-    <dgm:txLinClrLst/>
-    <dgm:txFillClrLst/>
-    <dgm:txEffectClrLst/>
-  </dgm:styleLbl>
-  <dgm:styleLbl name="asst3">
-    <dgm:fillClrLst>
-      <a:schemeClr val="accent2"/>
-    </dgm:fillClrLst>
-    <dgm:linClrLst meth="repeat">
-      <a:schemeClr val="lt1"/>
-    </dgm:linClrLst>
-    <dgm:effectClrLst/>
-    <dgm:txLinClrLst/>
-    <dgm:txFillClrLst/>
-    <dgm:txEffectClrLst/>
-  </dgm:styleLbl>
-  <dgm:styleLbl name="asst4">
-    <dgm:fillClrLst>
-      <a:schemeClr val="accent3"/>
-    </dgm:fillClrLst>
-    <dgm:linClrLst meth="repeat">
-      <a:schemeClr val="lt1"/>
-    </dgm:linClrLst>
-    <dgm:effectClrLst/>
-    <dgm:txLinClrLst/>
-    <dgm:txFillClrLst/>
-    <dgm:txEffectClrLst/>
-  </dgm:styleLbl>
-  <dgm:styleLbl name="parChTrans2D1">
-    <dgm:fillClrLst meth="repeat">
-      <a:schemeClr val="accent5"/>
-    </dgm:fillClrLst>
-    <dgm:linClrLst meth="repeat">
-      <a:schemeClr val="lt1"/>
-    </dgm:linClrLst>
-    <dgm:effectClrLst/>
-    <dgm:txLinClrLst/>
-    <dgm:txFillClrLst meth="repeat">
-      <a:schemeClr val="lt1"/>
-    </dgm:txFillClrLst>
-    <dgm:txEffectClrLst/>
-  </dgm:styleLbl>
-  <dgm:styleLbl name="parChTrans2D2">
-    <dgm:fillClrLst meth="repeat">
-      <a:schemeClr val="accent6"/>
-    </dgm:fillClrLst>
-    <dgm:linClrLst meth="repeat">
-      <a:schemeClr val="lt1"/>
-    </dgm:linClrLst>
-    <dgm:effectClrLst/>
-    <dgm:txLinClrLst/>
-    <dgm:txFillClrLst/>
-    <dgm:txEffectClrLst/>
-  </dgm:styleLbl>
-  <dgm:styleLbl name="parChTrans2D3">
-    <dgm:fillClrLst meth="repeat">
-      <a:schemeClr val="accent6"/>
-    </dgm:fillClrLst>
-    <dgm:linClrLst meth="repeat">
-      <a:schemeClr val="lt1"/>
-    </dgm:linClrLst>
-    <dgm:effectClrLst/>
-    <dgm:txLinClrLst/>
-    <dgm:txFillClrLst/>
-    <dgm:txEffectClrLst/>
-  </dgm:styleLbl>
-  <dgm:styleLbl name="parChTrans2D4">
-    <dgm:fillClrLst meth="repeat">
-      <a:schemeClr val="accent1"/>
-    </dgm:fillClrLst>
-    <dgm:linClrLst meth="repeat">
-      <a:schemeClr val="lt1"/>
-    </dgm:linClrLst>
-    <dgm:effectClrLst/>
-    <dgm:txLinClrLst/>
-    <dgm:txFillClrLst meth="repeat">
-      <a:schemeClr val="lt1"/>
-    </dgm:txFillClrLst>
-    <dgm:txEffectClrLst/>
-  </dgm:styleLbl>
-  <dgm:styleLbl name="parChTrans1D1">
-    <dgm:fillClrLst meth="repeat">
-      <a:schemeClr val="accent5"/>
-    </dgm:fillClrLst>
-    <dgm:linClrLst meth="repeat">
-      <a:schemeClr val="accent5"/>
-    </dgm:linClrLst>
-    <dgm:effectClrLst/>
-    <dgm:txLinClrLst/>
-    <dgm:txFillClrLst meth="repeat">
-      <a:schemeClr val="tx1"/>
-    </dgm:txFillClrLst>
-    <dgm:txEffectClrLst/>
-  </dgm:styleLbl>
-  <dgm:styleLbl name="parChTrans1D2">
-    <dgm:fillClrLst meth="repeat">
-      <a:schemeClr val="accent6">
-        <a:tint val="90000"/>
-      </a:schemeClr>
-    </dgm:fillClrLst>
-    <dgm:linClrLst meth="repeat">
-      <a:schemeClr val="accent6"/>
-    </dgm:linClrLst>
-    <dgm:effectClrLst/>
-    <dgm:txLinClrLst/>
-    <dgm:txFillClrLst meth="repeat">
-      <a:schemeClr val="tx1"/>
-    </dgm:txFillClrLst>
-    <dgm:txEffectClrLst/>
-  </dgm:styleLbl>
-  <dgm:styleLbl name="parChTrans1D3">
-    <dgm:fillClrLst meth="repeat">
-      <a:schemeClr val="accent6">
-        <a:tint val="70000"/>
-      </a:schemeClr>
-    </dgm:fillClrLst>
-    <dgm:linClrLst meth="repeat">
-      <a:schemeClr val="accent1"/>
-    </dgm:linClrLst>
-    <dgm:effectClrLst/>
-    <dgm:txLinClrLst/>
-    <dgm:txFillClrLst meth="repeat">
-      <a:schemeClr val="tx1"/>
-    </dgm:txFillClrLst>
-    <dgm:txEffectClrLst/>
-  </dgm:styleLbl>
-  <dgm:styleLbl name="parChTrans1D4">
-    <dgm:fillClrLst meth="repeat">
-      <a:schemeClr val="accent6">
-        <a:tint val="50000"/>
-      </a:schemeClr>
-    </dgm:fillClrLst>
-    <dgm:linClrLst meth="repeat">
-      <a:schemeClr val="accent2"/>
-    </dgm:linClrLst>
-    <dgm:effectClrLst/>
-    <dgm:txLinClrLst/>
-    <dgm:txFillClrLst meth="repeat">
-      <a:schemeClr val="tx1"/>
-    </dgm:txFillClrLst>
-    <dgm:txEffectClrLst/>
-  </dgm:styleLbl>
-  <dgm:styleLbl name="fgAcc1">
-    <dgm:fillClrLst meth="repeat">
-      <a:schemeClr val="lt1">
-        <a:alpha val="90000"/>
-      </a:schemeClr>
-    </dgm:fillClrLst>
-    <dgm:linClrLst>
-      <a:schemeClr val="accent5"/>
-      <a:schemeClr val="accent6"/>
-    </dgm:linClrLst>
-    <dgm:effectClrLst/>
-    <dgm:txLinClrLst/>
-    <dgm:txFillClrLst meth="repeat">
-      <a:schemeClr val="dk1"/>
-    </dgm:txFillClrLst>
-    <dgm:txEffectClrLst/>
-  </dgm:styleLbl>
-  <dgm:styleLbl name="conFgAcc1">
-    <dgm:fillClrLst meth="repeat">
-      <a:schemeClr val="lt1">
-        <a:alpha val="90000"/>
-      </a:schemeClr>
-    </dgm:fillClrLst>
-    <dgm:linClrLst>
-      <a:schemeClr val="accent5"/>
-      <a:schemeClr val="accent6"/>
-    </dgm:linClrLst>
-    <dgm:effectClrLst/>
-    <dgm:txLinClrLst/>
-    <dgm:txFillClrLst meth="repeat">
-      <a:schemeClr val="dk1"/>
-    </dgm:txFillClrLst>
-    <dgm:txEffectClrLst/>
-  </dgm:styleLbl>
-  <dgm:styleLbl name="alignAcc1">
-    <dgm:fillClrLst meth="repeat">
-      <a:schemeClr val="lt1">
-        <a:alpha val="90000"/>
-      </a:schemeClr>
-    </dgm:fillClrLst>
-    <dgm:linClrLst>
-      <a:schemeClr val="accent5"/>
-      <a:schemeClr val="accent6"/>
-    </dgm:linClrLst>
-    <dgm:effectClrLst/>
-    <dgm:txLinClrLst/>
-    <dgm:txFillClrLst meth="repeat">
-      <a:schemeClr val="dk1"/>
-    </dgm:txFillClrLst>
-    <dgm:txEffectClrLst/>
-  </dgm:styleLbl>
-  <dgm:styleLbl name="trAlignAcc1">
-    <dgm:fillClrLst meth="repeat">
-      <a:schemeClr val="lt1">
-        <a:alpha val="40000"/>
-      </a:schemeClr>
-    </dgm:fillClrLst>
-    <dgm:linClrLst meth="repeat">
-      <a:schemeClr val="accent5"/>
-    </dgm:linClrLst>
-    <dgm:effectClrLst/>
-    <dgm:txLinClrLst/>
-    <dgm:txFillClrLst meth="repeat">
-      <a:schemeClr val="dk1"/>
-    </dgm:txFillClrLst>
-    <dgm:txEffectClrLst/>
-  </dgm:styleLbl>
-  <dgm:styleLbl name="bgAcc1">
-    <dgm:fillClrLst meth="repeat">
-      <a:schemeClr val="lt1">
-        <a:alpha val="90000"/>
-      </a:schemeClr>
-    </dgm:fillClrLst>
-    <dgm:linClrLst>
-      <a:schemeClr val="accent5"/>
-      <a:schemeClr val="accent6"/>
-    </dgm:linClrLst>
-    <dgm:effectClrLst/>
-    <dgm:txLinClrLst/>
-    <dgm:txFillClrLst meth="repeat">
-      <a:schemeClr val="dk1"/>
-    </dgm:txFillClrLst>
-    <dgm:txEffectClrLst/>
-  </dgm:styleLbl>
-  <dgm:styleLbl name="solidFgAcc1">
-    <dgm:fillClrLst meth="repeat">
-      <a:schemeClr val="lt1"/>
-    </dgm:fillClrLst>
-    <dgm:linClrLst>
-      <a:schemeClr val="accent5"/>
-      <a:schemeClr val="accent6"/>
-    </dgm:linClrLst>
-    <dgm:effectClrLst/>
-    <dgm:txLinClrLst/>
-    <dgm:txFillClrLst meth="repeat">
-      <a:schemeClr val="dk1"/>
-    </dgm:txFillClrLst>
-    <dgm:txEffectClrLst/>
-  </dgm:styleLbl>
-  <dgm:styleLbl name="solidAlignAcc1">
-    <dgm:fillClrLst meth="repeat">
-      <a:schemeClr val="lt1"/>
-    </dgm:fillClrLst>
-    <dgm:linClrLst>
-      <a:schemeClr val="accent5"/>
-      <a:schemeClr val="accent6"/>
-    </dgm:linClrLst>
-    <dgm:effectClrLst/>
-    <dgm:txLinClrLst/>
-    <dgm:txFillClrLst meth="repeat">
-      <a:schemeClr val="dk1"/>
-    </dgm:txFillClrLst>
-    <dgm:txEffectClrLst/>
-  </dgm:styleLbl>
-  <dgm:styleLbl name="solidBgAcc1">
-    <dgm:fillClrLst meth="repeat">
-      <a:schemeClr val="lt1"/>
-    </dgm:fillClrLst>
-    <dgm:linClrLst>
-      <a:schemeClr val="accent5"/>
-      <a:schemeClr val="accent6"/>
-    </dgm:linClrLst>
-    <dgm:effectClrLst/>
-    <dgm:txLinClrLst/>
-    <dgm:txFillClrLst meth="repeat">
-      <a:schemeClr val="dk1"/>
-    </dgm:txFillClrLst>
-    <dgm:txEffectClrLst/>
-  </dgm:styleLbl>
-  <dgm:styleLbl name="fgAccFollowNode1">
-    <dgm:fillClrLst>
-      <a:schemeClr val="accent5">
-        <a:tint val="40000"/>
-        <a:alpha val="90000"/>
-      </a:schemeClr>
-      <a:schemeClr val="accent6">
-        <a:tint val="40000"/>
-        <a:alpha val="90000"/>
-      </a:schemeClr>
-    </dgm:fillClrLst>
-    <dgm:linClrLst>
-      <a:schemeClr val="accent5">
-        <a:tint val="40000"/>
-        <a:alpha val="90000"/>
-      </a:schemeClr>
-      <a:schemeClr val="accent5">
-        <a:tint val="40000"/>
-        <a:alpha val="90000"/>
-      </a:schemeClr>
-    </dgm:linClrLst>
-    <dgm:effectClrLst/>
-    <dgm:txLinClrLst/>
-    <dgm:txFillClrLst meth="repeat">
-      <a:schemeClr val="dk1"/>
-    </dgm:txFillClrLst>
-    <dgm:txEffectClrLst/>
-  </dgm:styleLbl>
-  <dgm:styleLbl name="alignAccFollowNode1">
-    <dgm:fillClrLst>
-      <a:schemeClr val="accent5">
-        <a:tint val="40000"/>
-        <a:alpha val="90000"/>
-      </a:schemeClr>
-      <a:schemeClr val="accent6">
-        <a:tint val="40000"/>
-        <a:alpha val="90000"/>
-      </a:schemeClr>
-    </dgm:fillClrLst>
-    <dgm:linClrLst>
-      <a:schemeClr val="accent5">
-        <a:tint val="40000"/>
-        <a:alpha val="90000"/>
-      </a:schemeClr>
-      <a:schemeClr val="accent6">
-        <a:tint val="40000"/>
-        <a:alpha val="90000"/>
-      </a:schemeClr>
-    </dgm:linClrLst>
-    <dgm:effectClrLst/>
-    <dgm:txLinClrLst/>
-    <dgm:txFillClrLst meth="repeat">
-      <a:schemeClr val="dk1"/>
-    </dgm:txFillClrLst>
-    <dgm:txEffectClrLst/>
-  </dgm:styleLbl>
-  <dgm:styleLbl name="bgAccFollowNode1">
-    <dgm:fillClrLst>
-      <a:schemeClr val="accent5">
-        <a:tint val="40000"/>
-        <a:alpha val="90000"/>
-      </a:schemeClr>
-      <a:schemeClr val="accent6">
-        <a:tint val="40000"/>
-        <a:alpha val="90000"/>
-      </a:schemeClr>
-    </dgm:fillClrLst>
-    <dgm:linClrLst>
-      <a:schemeClr val="accent5">
-        <a:tint val="40000"/>
-        <a:alpha val="90000"/>
-      </a:schemeClr>
-      <a:schemeClr val="accent6">
-        <a:tint val="40000"/>
-        <a:alpha val="90000"/>
-      </a:schemeClr>
-    </dgm:linClrLst>
-    <dgm:effectClrLst/>
-    <dgm:txLinClrLst/>
-    <dgm:txFillClrLst meth="repeat">
-      <a:schemeClr val="dk1"/>
-    </dgm:txFillClrLst>
-    <dgm:txEffectClrLst/>
-  </dgm:styleLbl>
-  <dgm:styleLbl name="fgAcc0">
-    <dgm:fillClrLst meth="repeat">
-      <a:schemeClr val="lt1">
-        <a:alpha val="90000"/>
-      </a:schemeClr>
-    </dgm:fillClrLst>
-    <dgm:linClrLst>
-      <a:schemeClr val="accent4"/>
-    </dgm:linClrLst>
-    <dgm:effectClrLst/>
-    <dgm:txLinClrLst/>
-    <dgm:txFillClrLst meth="repeat">
-      <a:schemeClr val="dk1"/>
-    </dgm:txFillClrLst>
-    <dgm:txEffectClrLst/>
-  </dgm:styleLbl>
-  <dgm:styleLbl name="fgAcc2">
-    <dgm:fillClrLst meth="repeat">
-      <a:schemeClr val="lt1">
-        <a:alpha val="90000"/>
-      </a:schemeClr>
-    </dgm:fillClrLst>
-    <dgm:linClrLst>
-      <a:schemeClr val="accent6"/>
-    </dgm:linClrLst>
-    <dgm:effectClrLst/>
-    <dgm:txLinClrLst/>
-    <dgm:txFillClrLst meth="repeat">
-      <a:schemeClr val="dk1"/>
-    </dgm:txFillClrLst>
-    <dgm:txEffectClrLst/>
-  </dgm:styleLbl>
-  <dgm:styleLbl name="fgAcc3">
-    <dgm:fillClrLst meth="repeat">
-      <a:schemeClr val="lt1">
-        <a:alpha val="90000"/>
-      </a:schemeClr>
-    </dgm:fillClrLst>
-    <dgm:linClrLst>
-      <a:schemeClr val="accent1"/>
-    </dgm:linClrLst>
-    <dgm:effectClrLst/>
-    <dgm:txLinClrLst/>
-    <dgm:txFillClrLst meth="repeat">
-      <a:schemeClr val="dk1"/>
-    </dgm:txFillClrLst>
-    <dgm:txEffectClrLst/>
-  </dgm:styleLbl>
-  <dgm:styleLbl name="fgAcc4">
-    <dgm:fillClrLst meth="repeat">
-      <a:schemeClr val="lt1">
-        <a:alpha val="90000"/>
-      </a:schemeClr>
-    </dgm:fillClrLst>
-    <dgm:linClrLst>
-      <a:schemeClr val="accent2"/>
-    </dgm:linClrLst>
-    <dgm:effectClrLst/>
-    <dgm:txLinClrLst/>
-    <dgm:txFillClrLst meth="repeat">
-      <a:schemeClr val="dk1"/>
-    </dgm:txFillClrLst>
-    <dgm:txEffectClrLst/>
-  </dgm:styleLbl>
-  <dgm:styleLbl name="bgShp">
-    <dgm:fillClrLst meth="repeat">
-      <a:schemeClr val="bg1">
-        <a:lumMod val="95000"/>
-      </a:schemeClr>
-    </dgm:fillClrLst>
-    <dgm:linClrLst meth="repeat">
-      <a:schemeClr val="dk1"/>
-    </dgm:linClrLst>
-    <dgm:effectClrLst/>
-    <dgm:txLinClrLst/>
-    <dgm:txFillClrLst meth="repeat">
-      <a:schemeClr val="dk1"/>
-    </dgm:txFillClrLst>
-    <dgm:txEffectClrLst/>
-  </dgm:styleLbl>
-  <dgm:styleLbl name="dkBgShp">
-    <dgm:fillClrLst meth="repeat">
-      <a:schemeClr val="accent5">
-        <a:shade val="90000"/>
-      </a:schemeClr>
-    </dgm:fillClrLst>
-    <dgm:linClrLst meth="repeat">
-      <a:schemeClr val="dk1"/>
-    </dgm:linClrLst>
-    <dgm:effectClrLst/>
-    <dgm:txLinClrLst/>
-    <dgm:txFillClrLst meth="repeat">
-      <a:schemeClr val="lt1"/>
-    </dgm:txFillClrLst>
-    <dgm:txEffectClrLst/>
-  </dgm:styleLbl>
-  <dgm:styleLbl name="trBgShp">
-    <dgm:fillClrLst meth="repeat">
-      <a:schemeClr val="accent5">
-        <a:tint val="50000"/>
-        <a:alpha val="40000"/>
-      </a:schemeClr>
-    </dgm:fillClrLst>
-    <dgm:linClrLst meth="repeat">
-      <a:schemeClr val="accent5"/>
-    </dgm:linClrLst>
-    <dgm:effectClrLst/>
-    <dgm:txLinClrLst/>
-    <dgm:txFillClrLst meth="repeat">
-      <a:schemeClr val="lt1"/>
-    </dgm:txFillClrLst>
-    <dgm:txEffectClrLst/>
-  </dgm:styleLbl>
-  <dgm:styleLbl name="fgShp">
-    <dgm:fillClrLst meth="repeat">
-      <a:schemeClr val="accent5">
-        <a:tint val="40000"/>
-      </a:schemeClr>
-    </dgm:fillClrLst>
-    <dgm:linClrLst meth="repeat">
-      <a:schemeClr val="lt1"/>
-    </dgm:linClrLst>
-    <dgm:effectClrLst/>
-    <dgm:txLinClrLst/>
-    <dgm:txFillClrLst meth="repeat">
-      <a:schemeClr val="dk1"/>
-    </dgm:txFillClrLst>
-    <dgm:txEffectClrLst/>
-  </dgm:styleLbl>
-  <dgm:styleLbl name="revTx">
-    <dgm:fillClrLst meth="repeat">
-      <a:schemeClr val="lt1">
-        <a:alpha val="0"/>
-      </a:schemeClr>
-    </dgm:fillClrLst>
-    <dgm:linClrLst meth="repeat">
-      <a:schemeClr val="dk1">
-        <a:alpha val="0"/>
-      </a:schemeClr>
-    </dgm:linClrLst>
-    <dgm:effectClrLst/>
-    <dgm:txLinClrLst/>
-    <dgm:txFillClrLst meth="repeat">
-      <a:schemeClr val="tx1"/>
-    </dgm:txFillClrLst>
-    <dgm:txEffectClrLst/>
-  </dgm:styleLbl>
-</dgm:colorsDef>
-</file>
-
-<file path=ppt/diagrams/colors3.xml><?xml version="1.0" encoding="utf-8"?>
-<dgm:colorsDef xmlns:dgm="http://schemas.openxmlformats.org/drawingml/2006/diagram" xmlns:a="http://schemas.openxmlformats.org/drawingml/2006/main" uniqueId="urn:microsoft.com/office/officeart/2005/8/colors/colorful2">
-  <dgm:title val=""/>
-  <dgm:desc val=""/>
-  <dgm:catLst>
-    <dgm:cat type="colorful" pri="10200"/>
-  </dgm:catLst>
-  <dgm:styleLbl name="node0">
-    <dgm:fillClrLst meth="repeat">
-      <a:schemeClr val="accent1"/>
-    </dgm:fillClrLst>
-    <dgm:linClrLst meth="repeat">
-      <a:schemeClr val="lt1"/>
-    </dgm:linClrLst>
-    <dgm:effectClrLst/>
-    <dgm:txLinClrLst/>
-    <dgm:txFillClrLst/>
-    <dgm:txEffectClrLst/>
-  </dgm:styleLbl>
-  <dgm:styleLbl name="node1">
-    <dgm:fillClrLst>
-      <a:schemeClr val="accent2"/>
-      <a:schemeClr val="accent3"/>
-    </dgm:fillClrLst>
-    <dgm:linClrLst meth="repeat">
-      <a:schemeClr val="lt1"/>
-    </dgm:linClrLst>
-    <dgm:effectClrLst/>
-    <dgm:txLinClrLst/>
-    <dgm:txFillClrLst/>
-    <dgm:txEffectClrLst/>
-  </dgm:styleLbl>
-  <dgm:styleLbl name="alignNode1">
-    <dgm:fillClrLst>
-      <a:schemeClr val="accent2"/>
-      <a:schemeClr val="accent3"/>
-    </dgm:fillClrLst>
-    <dgm:linClrLst>
-      <a:schemeClr val="accent2"/>
-      <a:schemeClr val="accent3"/>
-    </dgm:linClrLst>
-    <dgm:effectClrLst/>
-    <dgm:txLinClrLst/>
-    <dgm:txFillClrLst/>
-    <dgm:txEffectClrLst/>
-  </dgm:styleLbl>
-  <dgm:styleLbl name="lnNode1">
-    <dgm:fillClrLst>
-      <a:schemeClr val="accent2"/>
-      <a:schemeClr val="accent3"/>
-    </dgm:fillClrLst>
-    <dgm:linClrLst meth="repeat">
-      <a:schemeClr val="lt1"/>
-    </dgm:linClrLst>
-    <dgm:effectClrLst/>
-    <dgm:txLinClrLst/>
-    <dgm:txFillClrLst/>
-    <dgm:txEffectClrLst/>
-  </dgm:styleLbl>
-  <dgm:styleLbl name="vennNode1">
-    <dgm:fillClrLst>
-      <a:schemeClr val="accent2">
-        <a:alpha val="50000"/>
-      </a:schemeClr>
-      <a:schemeClr val="accent3">
-        <a:alpha val="50000"/>
-      </a:schemeClr>
-    </dgm:fillClrLst>
-    <dgm:linClrLst meth="repeat">
-      <a:schemeClr val="lt1"/>
-    </dgm:linClrLst>
-    <dgm:effectClrLst/>
-    <dgm:txLinClrLst/>
-    <dgm:txFillClrLst/>
-    <dgm:txEffectClrLst/>
-  </dgm:styleLbl>
-  <dgm:styleLbl name="node2">
-    <dgm:fillClrLst>
-      <a:schemeClr val="accent3"/>
-    </dgm:fillClrLst>
-    <dgm:linClrLst meth="repeat">
-      <a:schemeClr val="lt1"/>
-    </dgm:linClrLst>
-    <dgm:effectClrLst/>
-    <dgm:txLinClrLst/>
-    <dgm:txFillClrLst/>
-    <dgm:txEffectClrLst/>
-  </dgm:styleLbl>
-  <dgm:styleLbl name="node3">
-    <dgm:fillClrLst>
-      <a:schemeClr val="accent4"/>
-    </dgm:fillClrLst>
-    <dgm:linClrLst meth="repeat">
-      <a:schemeClr val="lt1"/>
-    </dgm:linClrLst>
-    <dgm:effectClrLst/>
-    <dgm:txLinClrLst/>
-    <dgm:txFillClrLst/>
-    <dgm:txEffectClrLst/>
-  </dgm:styleLbl>
-  <dgm:styleLbl name="node4">
-    <dgm:fillClrLst>
-      <a:schemeClr val="accent5"/>
-    </dgm:fillClrLst>
-    <dgm:linClrLst meth="repeat">
-      <a:schemeClr val="lt1"/>
-    </dgm:linClrLst>
-    <dgm:effectClrLst/>
-    <dgm:txLinClrLst/>
-    <dgm:txFillClrLst/>
-    <dgm:txEffectClrLst/>
-  </dgm:styleLbl>
-  <dgm:styleLbl name="fgImgPlace1">
-    <dgm:fillClrLst>
-      <a:schemeClr val="accent2">
-        <a:tint val="50000"/>
-      </a:schemeClr>
-      <a:schemeClr val="accent3">
-        <a:tint val="50000"/>
-      </a:schemeClr>
-    </dgm:fillClrLst>
-    <dgm:linClrLst meth="repeat">
-      <a:schemeClr val="lt1"/>
-    </dgm:linClrLst>
-    <dgm:effectClrLst/>
-    <dgm:txLinClrLst/>
-    <dgm:txFillClrLst meth="repeat">
-      <a:schemeClr val="lt1"/>
-    </dgm:txFillClrLst>
-    <dgm:txEffectClrLst/>
-  </dgm:styleLbl>
-  <dgm:styleLbl name="alignImgPlace1">
-    <dgm:fillClrLst>
-      <a:schemeClr val="accent2">
-        <a:tint val="50000"/>
-      </a:schemeClr>
-      <a:schemeClr val="accent3">
-        <a:tint val="20000"/>
-      </a:schemeClr>
-    </dgm:fillClrLst>
-    <dgm:linClrLst meth="repeat">
-      <a:schemeClr val="lt1"/>
-    </dgm:linClrLst>
-    <dgm:effectClrLst/>
-    <dgm:txLinClrLst/>
-    <dgm:txFillClrLst meth="repeat">
-      <a:schemeClr val="lt1"/>
-    </dgm:txFillClrLst>
-    <dgm:txEffectClrLst/>
-  </dgm:styleLbl>
-  <dgm:styleLbl name="bgImgPlace1">
-    <dgm:fillClrLst>
-      <a:schemeClr val="accent2">
-        <a:tint val="50000"/>
-      </a:schemeClr>
-      <a:schemeClr val="accent3">
-        <a:tint val="20000"/>
-      </a:schemeClr>
-    </dgm:fillClrLst>
-    <dgm:linClrLst meth="repeat">
-      <a:schemeClr val="lt1"/>
-    </dgm:linClrLst>
-    <dgm:effectClrLst/>
-    <dgm:txLinClrLst/>
-    <dgm:txFillClrLst meth="repeat">
-      <a:schemeClr val="lt1"/>
-    </dgm:txFillClrLst>
-    <dgm:txEffectClrLst/>
-  </dgm:styleLbl>
-  <dgm:styleLbl name="sibTrans2D1">
-    <dgm:fillClrLst>
-      <a:schemeClr val="accent2"/>
-      <a:schemeClr val="accent3"/>
-    </dgm:fillClrLst>
-    <dgm:linClrLst meth="repeat">
-      <a:schemeClr val="lt1"/>
-    </dgm:linClrLst>
-    <dgm:effectClrLst/>
-    <dgm:txLinClrLst/>
-    <dgm:txFillClrLst/>
-    <dgm:txEffectClrLst/>
-  </dgm:styleLbl>
-  <dgm:styleLbl name="fgSibTrans2D1">
-    <dgm:fillClrLst>
-      <a:schemeClr val="accent2"/>
-      <a:schemeClr val="accent3"/>
-    </dgm:fillClrLst>
-    <dgm:linClrLst meth="repeat">
-      <a:schemeClr val="lt1"/>
-    </dgm:linClrLst>
-    <dgm:effectClrLst/>
-    <dgm:txLinClrLst/>
-    <dgm:txFillClrLst meth="repeat">
-      <a:schemeClr val="lt1"/>
-    </dgm:txFillClrLst>
-    <dgm:txEffectClrLst/>
-  </dgm:styleLbl>
-  <dgm:styleLbl name="bgSibTrans2D1">
-    <dgm:fillClrLst>
-      <a:schemeClr val="accent2"/>
-      <a:schemeClr val="accent3"/>
-    </dgm:fillClrLst>
-    <dgm:linClrLst meth="repeat">
-      <a:schemeClr val="lt1"/>
-    </dgm:linClrLst>
-    <dgm:effectClrLst/>
-    <dgm:txLinClrLst/>
-    <dgm:txFillClrLst meth="repeat">
-      <a:schemeClr val="lt1"/>
-    </dgm:txFillClrLst>
-    <dgm:txEffectClrLst/>
-  </dgm:styleLbl>
-  <dgm:styleLbl name="sibTrans1D1">
-    <dgm:fillClrLst/>
-    <dgm:linClrLst>
-      <a:schemeClr val="accent2"/>
-      <a:schemeClr val="accent3"/>
-    </dgm:linClrLst>
-    <dgm:effectClrLst/>
-    <dgm:txLinClrLst/>
-    <dgm:txFillClrLst meth="repeat">
-      <a:schemeClr val="tx1"/>
-    </dgm:txFillClrLst>
-    <dgm:txEffectClrLst/>
-  </dgm:styleLbl>
-  <dgm:styleLbl name="callout">
-    <dgm:fillClrLst meth="repeat">
-      <a:schemeClr val="accent2"/>
-    </dgm:fillClrLst>
-    <dgm:linClrLst meth="repeat">
-      <a:schemeClr val="accent2">
-        <a:tint val="50000"/>
-      </a:schemeClr>
-    </dgm:linClrLst>
-    <dgm:effectClrLst/>
-    <dgm:txLinClrLst/>
-    <dgm:txFillClrLst meth="repeat">
-      <a:schemeClr val="tx1"/>
-    </dgm:txFillClrLst>
-    <dgm:txEffectClrLst/>
-  </dgm:styleLbl>
-  <dgm:styleLbl name="asst0">
-    <dgm:fillClrLst meth="repeat">
-      <a:schemeClr val="accent2"/>
-    </dgm:fillClrLst>
-    <dgm:linClrLst meth="repeat">
-      <a:schemeClr val="lt1">
-        <a:shade val="80000"/>
-      </a:schemeClr>
-    </dgm:linClrLst>
-    <dgm:effectClrLst/>
-    <dgm:txLinClrLst/>
-    <dgm:txFillClrLst/>
-    <dgm:txEffectClrLst/>
-  </dgm:styleLbl>
-  <dgm:styleLbl name="asst1">
-    <dgm:fillClrLst meth="repeat">
-      <a:schemeClr val="accent3"/>
-    </dgm:fillClrLst>
-    <dgm:linClrLst meth="repeat">
-      <a:schemeClr val="lt1">
-        <a:shade val="80000"/>
-      </a:schemeClr>
-    </dgm:linClrLst>
-    <dgm:effectClrLst/>
-    <dgm:txLinClrLst/>
-    <dgm:txFillClrLst/>
-    <dgm:txEffectClrLst/>
-  </dgm:styleLbl>
-  <dgm:styleLbl name="asst2">
-    <dgm:fillClrLst>
-      <a:schemeClr val="accent4"/>
-    </dgm:fillClrLst>
-    <dgm:linClrLst meth="repeat">
-      <a:schemeClr val="lt1"/>
-    </dgm:linClrLst>
-    <dgm:effectClrLst/>
-    <dgm:txLinClrLst/>
-    <dgm:txFillClrLst/>
-    <dgm:txEffectClrLst/>
-  </dgm:styleLbl>
-  <dgm:styleLbl name="asst3">
-    <dgm:fillClrLst>
-      <a:schemeClr val="accent5"/>
-    </dgm:fillClrLst>
-    <dgm:linClrLst meth="repeat">
-      <a:schemeClr val="lt1"/>
-    </dgm:linClrLst>
-    <dgm:effectClrLst/>
-    <dgm:txLinClrLst/>
-    <dgm:txFillClrLst/>
-    <dgm:txEffectClrLst/>
-  </dgm:styleLbl>
-  <dgm:styleLbl name="asst4">
-    <dgm:fillClrLst>
-      <a:schemeClr val="accent6"/>
-    </dgm:fillClrLst>
-    <dgm:linClrLst meth="repeat">
-      <a:schemeClr val="lt1"/>
-    </dgm:linClrLst>
-    <dgm:effectClrLst/>
-    <dgm:txLinClrLst/>
-    <dgm:txFillClrLst/>
-    <dgm:txEffectClrLst/>
-  </dgm:styleLbl>
-  <dgm:styleLbl name="parChTrans2D1">
-    <dgm:fillClrLst meth="repeat">
-      <a:schemeClr val="accent2"/>
-    </dgm:fillClrLst>
-    <dgm:linClrLst meth="repeat">
-      <a:schemeClr val="lt1"/>
-    </dgm:linClrLst>
-    <dgm:effectClrLst/>
-    <dgm:txLinClrLst/>
-    <dgm:txFillClrLst meth="repeat">
-      <a:schemeClr val="lt1"/>
-    </dgm:txFillClrLst>
-    <dgm:txEffectClrLst/>
-  </dgm:styleLbl>
-  <dgm:styleLbl name="parChTrans2D2">
-    <dgm:fillClrLst meth="repeat">
-      <a:schemeClr val="accent3"/>
-    </dgm:fillClrLst>
-    <dgm:linClrLst meth="repeat">
-      <a:schemeClr val="lt1"/>
-    </dgm:linClrLst>
-    <dgm:effectClrLst/>
-    <dgm:txLinClrLst/>
-    <dgm:txFillClrLst/>
-    <dgm:txEffectClrLst/>
-  </dgm:styleLbl>
-  <dgm:styleLbl name="parChTrans2D3">
-    <dgm:fillClrLst meth="repeat">
-      <a:schemeClr val="accent4"/>
-    </dgm:fillClrLst>
-    <dgm:linClrLst meth="repeat">
-      <a:schemeClr val="lt1"/>
-    </dgm:linClrLst>
-    <dgm:effectClrLst/>
-    <dgm:txLinClrLst/>
-    <dgm:txFillClrLst/>
-    <dgm:txEffectClrLst/>
-  </dgm:styleLbl>
-  <dgm:styleLbl name="parChTrans2D4">
-    <dgm:fillClrLst meth="repeat">
-      <a:schemeClr val="accent5"/>
-    </dgm:fillClrLst>
-    <dgm:linClrLst meth="repeat">
-      <a:schemeClr val="lt1"/>
-    </dgm:linClrLst>
-    <dgm:effectClrLst/>
-    <dgm:txLinClrLst/>
-    <dgm:txFillClrLst meth="repeat">
-      <a:schemeClr val="lt1"/>
-    </dgm:txFillClrLst>
-    <dgm:txEffectClrLst/>
-  </dgm:styleLbl>
-  <dgm:styleLbl name="parChTrans1D1">
-    <dgm:fillClrLst meth="repeat">
-      <a:schemeClr val="accent2"/>
-    </dgm:fillClrLst>
-    <dgm:linClrLst meth="repeat">
-      <a:schemeClr val="accent2"/>
-    </dgm:linClrLst>
-    <dgm:effectClrLst/>
-    <dgm:txLinClrLst/>
-    <dgm:txFillClrLst meth="repeat">
-      <a:schemeClr val="tx1"/>
-    </dgm:txFillClrLst>
-    <dgm:txEffectClrLst/>
-  </dgm:styleLbl>
-  <dgm:styleLbl name="parChTrans1D2">
-    <dgm:fillClrLst meth="repeat">
-      <a:schemeClr val="accent2">
-        <a:tint val="90000"/>
-      </a:schemeClr>
-    </dgm:fillClrLst>
-    <dgm:linClrLst meth="repeat">
-      <a:schemeClr val="accent3"/>
-    </dgm:linClrLst>
-    <dgm:effectClrLst/>
-    <dgm:txLinClrLst/>
-    <dgm:txFillClrLst meth="repeat">
-      <a:schemeClr val="tx1"/>
-    </dgm:txFillClrLst>
-    <dgm:txEffectClrLst/>
-  </dgm:styleLbl>
-  <dgm:styleLbl name="parChTrans1D3">
-    <dgm:fillClrLst meth="repeat">
-      <a:schemeClr val="accent2">
-        <a:tint val="70000"/>
-      </a:schemeClr>
-    </dgm:fillClrLst>
-    <dgm:linClrLst meth="repeat">
-      <a:schemeClr val="accent4"/>
-    </dgm:linClrLst>
-    <dgm:effectClrLst/>
-    <dgm:txLinClrLst/>
-    <dgm:txFillClrLst meth="repeat">
-      <a:schemeClr val="tx1"/>
-    </dgm:txFillClrLst>
-    <dgm:txEffectClrLst/>
-  </dgm:styleLbl>
-  <dgm:styleLbl name="parChTrans1D4">
-    <dgm:fillClrLst meth="repeat">
-      <a:schemeClr val="accent2">
-        <a:tint val="50000"/>
-      </a:schemeClr>
-    </dgm:fillClrLst>
-    <dgm:linClrLst meth="repeat">
-      <a:schemeClr val="accent5"/>
-    </dgm:linClrLst>
-    <dgm:effectClrLst/>
-    <dgm:txLinClrLst/>
-    <dgm:txFillClrLst meth="repeat">
-      <a:schemeClr val="tx1"/>
-    </dgm:txFillClrLst>
-    <dgm:txEffectClrLst/>
-  </dgm:styleLbl>
-  <dgm:styleLbl name="fgAcc1">
-    <dgm:fillClrLst meth="repeat">
-      <a:schemeClr val="lt1">
-        <a:alpha val="90000"/>
-      </a:schemeClr>
-    </dgm:fillClrLst>
-    <dgm:linClrLst>
-      <a:schemeClr val="accent2"/>
-      <a:schemeClr val="accent3"/>
-    </dgm:linClrLst>
-    <dgm:effectClrLst/>
-    <dgm:txLinClrLst/>
-    <dgm:txFillClrLst meth="repeat">
-      <a:schemeClr val="dk1"/>
-    </dgm:txFillClrLst>
-    <dgm:txEffectClrLst/>
-  </dgm:styleLbl>
-  <dgm:styleLbl name="conFgAcc1">
-    <dgm:fillClrLst meth="repeat">
-      <a:schemeClr val="lt1">
-        <a:alpha val="90000"/>
-      </a:schemeClr>
-    </dgm:fillClrLst>
-    <dgm:linClrLst>
-      <a:schemeClr val="accent2"/>
-      <a:schemeClr val="accent3"/>
-    </dgm:linClrLst>
-    <dgm:effectClrLst/>
-    <dgm:txLinClrLst/>
-    <dgm:txFillClrLst meth="repeat">
-      <a:schemeClr val="dk1"/>
-    </dgm:txFillClrLst>
-    <dgm:txEffectClrLst/>
-  </dgm:styleLbl>
-  <dgm:styleLbl name="alignAcc1">
-    <dgm:fillClrLst meth="repeat">
-      <a:schemeClr val="lt1">
-        <a:alpha val="90000"/>
-      </a:schemeClr>
-    </dgm:fillClrLst>
-    <dgm:linClrLst>
-      <a:schemeClr val="accent2"/>
-      <a:schemeClr val="accent3"/>
-    </dgm:linClrLst>
-    <dgm:effectClrLst/>
-    <dgm:txLinClrLst/>
-    <dgm:txFillClrLst meth="repeat">
-      <a:schemeClr val="dk1"/>
-    </dgm:txFillClrLst>
-    <dgm:txEffectClrLst/>
-  </dgm:styleLbl>
-  <dgm:styleLbl name="trAlignAcc1">
-    <dgm:fillClrLst meth="repeat">
-      <a:schemeClr val="lt1">
-        <a:alpha val="40000"/>
-      </a:schemeClr>
-    </dgm:fillClrLst>
-    <dgm:linClrLst meth="repeat">
-      <a:schemeClr val="accent2"/>
-    </dgm:linClrLst>
-    <dgm:effectClrLst/>
-    <dgm:txLinClrLst/>
-    <dgm:txFillClrLst meth="repeat">
-      <a:schemeClr val="dk1"/>
-    </dgm:txFillClrLst>
-    <dgm:txEffectClrLst/>
-  </dgm:styleLbl>
-  <dgm:styleLbl name="bgAcc1">
-    <dgm:fillClrLst meth="repeat">
-      <a:schemeClr val="lt1">
-        <a:alpha val="90000"/>
-      </a:schemeClr>
-    </dgm:fillClrLst>
-    <dgm:linClrLst>
-      <a:schemeClr val="accent2"/>
-      <a:schemeClr val="accent3"/>
-    </dgm:linClrLst>
-    <dgm:effectClrLst/>
-    <dgm:txLinClrLst/>
-    <dgm:txFillClrLst meth="repeat">
-      <a:schemeClr val="dk1"/>
-    </dgm:txFillClrLst>
-    <dgm:txEffectClrLst/>
-  </dgm:styleLbl>
-  <dgm:styleLbl name="solidFgAcc1">
-    <dgm:fillClrLst meth="repeat">
-      <a:schemeClr val="lt1"/>
-    </dgm:fillClrLst>
-    <dgm:linClrLst>
-      <a:schemeClr val="accent2"/>
-      <a:schemeClr val="accent3"/>
-    </dgm:linClrLst>
-    <dgm:effectClrLst/>
-    <dgm:txLinClrLst/>
-    <dgm:txFillClrLst meth="repeat">
-      <a:schemeClr val="dk1"/>
-    </dgm:txFillClrLst>
-    <dgm:txEffectClrLst/>
-  </dgm:styleLbl>
-  <dgm:styleLbl name="solidAlignAcc1">
-    <dgm:fillClrLst meth="repeat">
-      <a:schemeClr val="lt1"/>
-    </dgm:fillClrLst>
-    <dgm:linClrLst>
-      <a:schemeClr val="accent2"/>
-      <a:schemeClr val="accent3"/>
-    </dgm:linClrLst>
-    <dgm:effectClrLst/>
-    <dgm:txLinClrLst/>
-    <dgm:txFillClrLst meth="repeat">
-      <a:schemeClr val="dk1"/>
-    </dgm:txFillClrLst>
-    <dgm:txEffectClrLst/>
-  </dgm:styleLbl>
-  <dgm:styleLbl name="solidBgAcc1">
-    <dgm:fillClrLst meth="repeat">
-      <a:schemeClr val="lt1"/>
-    </dgm:fillClrLst>
-    <dgm:linClrLst>
-      <a:schemeClr val="accent2"/>
-      <a:schemeClr val="accent3"/>
-    </dgm:linClrLst>
-    <dgm:effectClrLst/>
-    <dgm:txLinClrLst/>
-    <dgm:txFillClrLst meth="repeat">
-      <a:schemeClr val="dk1"/>
-    </dgm:txFillClrLst>
-    <dgm:txEffectClrLst/>
-  </dgm:styleLbl>
-  <dgm:styleLbl name="fgAccFollowNode1">
-    <dgm:fillClrLst>
-      <a:schemeClr val="accent2">
-        <a:tint val="40000"/>
-        <a:alpha val="90000"/>
-      </a:schemeClr>
-      <a:schemeClr val="accent3">
-        <a:tint val="40000"/>
-        <a:alpha val="90000"/>
-      </a:schemeClr>
-    </dgm:fillClrLst>
-    <dgm:linClrLst>
-      <a:schemeClr val="accent2">
-        <a:tint val="40000"/>
-        <a:alpha val="90000"/>
-      </a:schemeClr>
-      <a:schemeClr val="accent3">
-        <a:tint val="40000"/>
-        <a:alpha val="90000"/>
-      </a:schemeClr>
-    </dgm:linClrLst>
-    <dgm:effectClrLst/>
-    <dgm:txLinClrLst/>
-    <dgm:txFillClrLst meth="repeat">
-      <a:schemeClr val="dk1"/>
-    </dgm:txFillClrLst>
-    <dgm:txEffectClrLst/>
-  </dgm:styleLbl>
-  <dgm:styleLbl name="alignAccFollowNode1">
-    <dgm:fillClrLst>
-      <a:schemeClr val="accent2">
-        <a:tint val="40000"/>
-        <a:alpha val="90000"/>
-      </a:schemeClr>
-      <a:schemeClr val="accent3">
-        <a:tint val="40000"/>
-        <a:alpha val="90000"/>
-      </a:schemeClr>
-    </dgm:fillClrLst>
-    <dgm:linClrLst>
-      <a:schemeClr val="accent2">
-        <a:tint val="40000"/>
-        <a:alpha val="90000"/>
-      </a:schemeClr>
-      <a:schemeClr val="accent3">
-        <a:tint val="40000"/>
-        <a:alpha val="90000"/>
-      </a:schemeClr>
-    </dgm:linClrLst>
-    <dgm:effectClrLst/>
-    <dgm:txLinClrLst/>
-    <dgm:txFillClrLst meth="repeat">
-      <a:schemeClr val="dk1"/>
-    </dgm:txFillClrLst>
-    <dgm:txEffectClrLst/>
-  </dgm:styleLbl>
-  <dgm:styleLbl name="bgAccFollowNode1">
-    <dgm:fillClrLst>
-      <a:schemeClr val="accent2">
-        <a:tint val="40000"/>
-        <a:alpha val="90000"/>
-      </a:schemeClr>
-      <a:schemeClr val="accent3">
-        <a:tint val="40000"/>
-        <a:alpha val="90000"/>
-      </a:schemeClr>
-    </dgm:fillClrLst>
-    <dgm:linClrLst>
-      <a:schemeClr val="accent2">
-        <a:tint val="40000"/>
-        <a:alpha val="90000"/>
-      </a:schemeClr>
-      <a:schemeClr val="accent3">
-        <a:tint val="40000"/>
-        <a:alpha val="90000"/>
-      </a:schemeClr>
-    </dgm:linClrLst>
-    <dgm:effectClrLst/>
-    <dgm:txLinClrLst/>
-    <dgm:txFillClrLst meth="repeat">
-      <a:schemeClr val="dk1"/>
-    </dgm:txFillClrLst>
-    <dgm:txEffectClrLst/>
-  </dgm:styleLbl>
-  <dgm:styleLbl name="fgAcc0">
-    <dgm:fillClrLst meth="repeat">
-      <a:schemeClr val="lt1">
-        <a:alpha val="90000"/>
-      </a:schemeClr>
-    </dgm:fillClrLst>
-    <dgm:linClrLst>
-      <a:schemeClr val="accent1"/>
-    </dgm:linClrLst>
-    <dgm:effectClrLst/>
-    <dgm:txLinClrLst/>
-    <dgm:txFillClrLst meth="repeat">
-      <a:schemeClr val="dk1"/>
-    </dgm:txFillClrLst>
-    <dgm:txEffectClrLst/>
-  </dgm:styleLbl>
-  <dgm:styleLbl name="fgAcc2">
-    <dgm:fillClrLst meth="repeat">
-      <a:schemeClr val="lt1">
-        <a:alpha val="90000"/>
-      </a:schemeClr>
-    </dgm:fillClrLst>
-    <dgm:linClrLst>
-      <a:schemeClr val="accent3"/>
-    </dgm:linClrLst>
-    <dgm:effectClrLst/>
-    <dgm:txLinClrLst/>
-    <dgm:txFillClrLst meth="repeat">
-      <a:schemeClr val="dk1"/>
-    </dgm:txFillClrLst>
-    <dgm:txEffectClrLst/>
-  </dgm:styleLbl>
-  <dgm:styleLbl name="fgAcc3">
-    <dgm:fillClrLst meth="repeat">
-      <a:schemeClr val="lt1">
-        <a:alpha val="90000"/>
-      </a:schemeClr>
-    </dgm:fillClrLst>
-    <dgm:linClrLst>
-      <a:schemeClr val="accent4"/>
-    </dgm:linClrLst>
-    <dgm:effectClrLst/>
-    <dgm:txLinClrLst/>
-    <dgm:txFillClrLst meth="repeat">
-      <a:schemeClr val="dk1"/>
-    </dgm:txFillClrLst>
-    <dgm:txEffectClrLst/>
-  </dgm:styleLbl>
-  <dgm:styleLbl name="fgAcc4">
-    <dgm:fillClrLst meth="repeat">
-      <a:schemeClr val="lt1">
-        <a:alpha val="90000"/>
-      </a:schemeClr>
-    </dgm:fillClrLst>
-    <dgm:linClrLst>
-      <a:schemeClr val="accent5"/>
-    </dgm:linClrLst>
-    <dgm:effectClrLst/>
-    <dgm:txLinClrLst/>
-    <dgm:txFillClrLst meth="repeat">
-      <a:schemeClr val="dk1"/>
-    </dgm:txFillClrLst>
-    <dgm:txEffectClrLst/>
-  </dgm:styleLbl>
-  <dgm:styleLbl name="bgShp">
-    <dgm:fillClrLst meth="repeat">
-      <a:schemeClr val="accent2">
-        <a:tint val="40000"/>
-      </a:schemeClr>
-    </dgm:fillClrLst>
-    <dgm:linClrLst meth="repeat">
-      <a:schemeClr val="dk1"/>
-    </dgm:linClrLst>
-    <dgm:effectClrLst/>
-    <dgm:txLinClrLst/>
-    <dgm:txFillClrLst meth="repeat">
-      <a:schemeClr val="dk1"/>
-    </dgm:txFillClrLst>
-    <dgm:txEffectClrLst/>
-  </dgm:styleLbl>
-  <dgm:styleLbl name="dkBgShp">
-    <dgm:fillClrLst meth="repeat">
-      <a:schemeClr val="accent2">
-        <a:shade val="90000"/>
-      </a:schemeClr>
-    </dgm:fillClrLst>
-    <dgm:linClrLst meth="repeat">
-      <a:schemeClr val="dk1"/>
-    </dgm:linClrLst>
-    <dgm:effectClrLst/>
-    <dgm:txLinClrLst/>
-    <dgm:txFillClrLst meth="repeat">
-      <a:schemeClr val="lt1"/>
-    </dgm:txFillClrLst>
-    <dgm:txEffectClrLst/>
-  </dgm:styleLbl>
-  <dgm:styleLbl name="trBgShp">
-    <dgm:fillClrLst meth="repeat">
-      <a:schemeClr val="accent2">
-        <a:tint val="50000"/>
-        <a:alpha val="40000"/>
-      </a:schemeClr>
-    </dgm:fillClrLst>
-    <dgm:linClrLst meth="repeat">
-      <a:schemeClr val="accent2"/>
-    </dgm:linClrLst>
-    <dgm:effectClrLst/>
-    <dgm:txLinClrLst/>
-    <dgm:txFillClrLst meth="repeat">
-      <a:schemeClr val="lt1"/>
-    </dgm:txFillClrLst>
-    <dgm:txEffectClrLst/>
-  </dgm:styleLbl>
-  <dgm:styleLbl name="fgShp">
-    <dgm:fillClrLst meth="repeat">
-      <a:schemeClr val="accent2">
-        <a:tint val="40000"/>
-      </a:schemeClr>
-    </dgm:fillClrLst>
-    <dgm:linClrLst meth="repeat">
-      <a:schemeClr val="lt1"/>
-    </dgm:linClrLst>
-    <dgm:effectClrLst/>
-    <dgm:txLinClrLst/>
-    <dgm:txFillClrLst meth="repeat">
-      <a:schemeClr val="dk1"/>
-    </dgm:txFillClrLst>
-    <dgm:txEffectClrLst/>
-  </dgm:styleLbl>
-  <dgm:styleLbl name="revTx">
-    <dgm:fillClrLst meth="repeat">
-      <a:schemeClr val="lt1">
-        <a:alpha val="0"/>
-      </a:schemeClr>
-    </dgm:fillClrLst>
-    <dgm:linClrLst meth="repeat">
-      <a:schemeClr val="dk1">
-        <a:alpha val="0"/>
-      </a:schemeClr>
-    </dgm:linClrLst>
-    <dgm:effectClrLst/>
-    <dgm:txLinClrLst/>
-    <dgm:txFillClrLst meth="repeat">
-      <a:schemeClr val="tx1"/>
-    </dgm:txFillClrLst>
-    <dgm:txEffectClrLst/>
-  </dgm:styleLbl>
-</dgm:colorsDef>
-</file>
-
-<file path=ppt/diagrams/colors4.xml><?xml version="1.0" encoding="utf-8"?>
-<dgm:colorsDef xmlns:dgm="http://schemas.openxmlformats.org/drawingml/2006/diagram" xmlns:a="http://schemas.openxmlformats.org/drawingml/2006/main" uniqueId="urn:microsoft.com/office/officeart/2005/8/colors/colorful1">
-  <dgm:title val=""/>
-  <dgm:desc val=""/>
-  <dgm:catLst>
-    <dgm:cat type="colorful" pri="10100"/>
-  </dgm:catLst>
-  <dgm:styleLbl name="node0">
-    <dgm:fillClrLst meth="repeat">
-      <a:schemeClr val="accent1"/>
-    </dgm:fillClrLst>
-    <dgm:linClrLst meth="repeat">
-      <a:schemeClr val="lt1"/>
-    </dgm:linClrLst>
-    <dgm:effectClrLst/>
-    <dgm:txLinClrLst/>
-    <dgm:txFillClrLst/>
-    <dgm:txEffectClrLst/>
-  </dgm:styleLbl>
-  <dgm:styleLbl name="node1">
-    <dgm:fillClrLst meth="repeat">
-      <a:schemeClr val="accent2"/>
-      <a:schemeClr val="accent3"/>
-      <a:schemeClr val="accent4"/>
-      <a:schemeClr val="accent5"/>
-      <a:schemeClr val="accent6"/>
-    </dgm:fillClrLst>
-    <dgm:linClrLst meth="repeat">
-      <a:schemeClr val="lt1"/>
-    </dgm:linClrLst>
-    <dgm:effectClrLst/>
-    <dgm:txLinClrLst/>
-    <dgm:txFillClrLst/>
-    <dgm:txEffectClrLst/>
-  </dgm:styleLbl>
-  <dgm:styleLbl name="alignNode1">
-    <dgm:fillClrLst meth="repeat">
-      <a:schemeClr val="accent2"/>
-      <a:schemeClr val="accent3"/>
-      <a:schemeClr val="accent4"/>
-      <a:schemeClr val="accent5"/>
-      <a:schemeClr val="accent6"/>
-    </dgm:fillClrLst>
-    <dgm:linClrLst meth="repeat">
-      <a:schemeClr val="accent2"/>
-      <a:schemeClr val="accent3"/>
-      <a:schemeClr val="accent4"/>
-      <a:schemeClr val="accent5"/>
-      <a:schemeClr val="accent6"/>
-    </dgm:linClrLst>
-    <dgm:effectClrLst/>
-    <dgm:txLinClrLst/>
-    <dgm:txFillClrLst/>
-    <dgm:txEffectClrLst/>
-  </dgm:styleLbl>
-  <dgm:styleLbl name="lnNode1">
-    <dgm:fillClrLst meth="repeat">
-      <a:schemeClr val="accent2"/>
-      <a:schemeClr val="accent3"/>
-      <a:schemeClr val="accent4"/>
-      <a:schemeClr val="accent5"/>
-      <a:schemeClr val="accent6"/>
-    </dgm:fillClrLst>
-    <dgm:linClrLst meth="repeat">
-      <a:schemeClr val="lt1"/>
-    </dgm:linClrLst>
-    <dgm:effectClrLst/>
-    <dgm:txLinClrLst/>
-    <dgm:txFillClrLst/>
-    <dgm:txEffectClrLst/>
-  </dgm:styleLbl>
-  <dgm:styleLbl name="vennNode1">
-    <dgm:fillClrLst meth="repeat">
-      <a:schemeClr val="accent2">
-        <a:alpha val="50000"/>
-      </a:schemeClr>
-      <a:schemeClr val="accent3">
-        <a:alpha val="50000"/>
-      </a:schemeClr>
-      <a:schemeClr val="accent4">
-        <a:alpha val="50000"/>
-      </a:schemeClr>
-      <a:schemeClr val="accent5">
-        <a:alpha val="50000"/>
-      </a:schemeClr>
-      <a:schemeClr val="accent6">
-        <a:alpha val="50000"/>
-      </a:schemeClr>
-    </dgm:fillClrLst>
-    <dgm:linClrLst meth="repeat">
-      <a:schemeClr val="lt1"/>
-    </dgm:linClrLst>
-    <dgm:effectClrLst/>
-    <dgm:txLinClrLst/>
-    <dgm:txFillClrLst/>
-    <dgm:txEffectClrLst/>
-  </dgm:styleLbl>
-  <dgm:styleLbl name="node2">
-    <dgm:fillClrLst>
-      <a:schemeClr val="accent2"/>
-    </dgm:fillClrLst>
-    <dgm:linClrLst meth="repeat">
-      <a:schemeClr val="lt1"/>
-    </dgm:linClrLst>
-    <dgm:effectClrLst/>
-    <dgm:txLinClrLst/>
-    <dgm:txFillClrLst/>
-    <dgm:txEffectClrLst/>
-  </dgm:styleLbl>
-  <dgm:styleLbl name="node3">
-    <dgm:fillClrLst>
-      <a:schemeClr val="accent3"/>
-    </dgm:fillClrLst>
-    <dgm:linClrLst meth="repeat">
-      <a:schemeClr val="lt1"/>
-    </dgm:linClrLst>
-    <dgm:effectClrLst/>
-    <dgm:txLinClrLst/>
-    <dgm:txFillClrLst/>
-    <dgm:txEffectClrLst/>
-  </dgm:styleLbl>
-  <dgm:styleLbl name="node4">
-    <dgm:fillClrLst>
-      <a:schemeClr val="accent4"/>
-    </dgm:fillClrLst>
-    <dgm:linClrLst meth="repeat">
-      <a:schemeClr val="lt1"/>
-    </dgm:linClrLst>
-    <dgm:effectClrLst/>
-    <dgm:txLinClrLst/>
-    <dgm:txFillClrLst/>
-    <dgm:txEffectClrLst/>
-  </dgm:styleLbl>
-  <dgm:styleLbl name="fgImgPlace1">
-    <dgm:fillClrLst meth="repeat">
-      <a:schemeClr val="accent2">
-        <a:tint val="50000"/>
-      </a:schemeClr>
-      <a:schemeClr val="accent3">
-        <a:tint val="50000"/>
-      </a:schemeClr>
-      <a:schemeClr val="accent4">
-        <a:tint val="50000"/>
-      </a:schemeClr>
-      <a:schemeClr val="accent5">
-        <a:tint val="50000"/>
-      </a:schemeClr>
-      <a:schemeClr val="accent6">
-        <a:tint val="50000"/>
-      </a:schemeClr>
-    </dgm:fillClrLst>
-    <dgm:linClrLst meth="repeat">
-      <a:schemeClr val="lt1"/>
-    </dgm:linClrLst>
-    <dgm:effectClrLst/>
-    <dgm:txLinClrLst/>
-    <dgm:txFillClrLst meth="repeat">
-      <a:schemeClr val="lt1"/>
-    </dgm:txFillClrLst>
-    <dgm:txEffectClrLst/>
-  </dgm:styleLbl>
-  <dgm:styleLbl name="alignImgPlace1">
-    <dgm:fillClrLst>
-      <a:schemeClr val="accent1">
-        <a:tint val="50000"/>
-      </a:schemeClr>
-      <a:schemeClr val="accent2">
-        <a:tint val="20000"/>
-      </a:schemeClr>
-    </dgm:fillClrLst>
-    <dgm:linClrLst meth="repeat">
-      <a:schemeClr val="lt1"/>
-    </dgm:linClrLst>
-    <dgm:effectClrLst/>
-    <dgm:txLinClrLst/>
-    <dgm:txFillClrLst meth="repeat">
-      <a:schemeClr val="lt1"/>
-    </dgm:txFillClrLst>
-    <dgm:txEffectClrLst/>
-  </dgm:styleLbl>
-  <dgm:styleLbl name="bgImgPlace1">
-    <dgm:fillClrLst>
-      <a:schemeClr val="accent1">
-        <a:tint val="50000"/>
-      </a:schemeClr>
-      <a:schemeClr val="accent2">
-        <a:tint val="20000"/>
-      </a:schemeClr>
-    </dgm:fillClrLst>
-    <dgm:linClrLst meth="repeat">
-      <a:schemeClr val="lt1"/>
-    </dgm:linClrLst>
-    <dgm:effectClrLst/>
-    <dgm:txLinClrLst/>
-    <dgm:txFillClrLst meth="repeat">
-      <a:schemeClr val="lt1"/>
-    </dgm:txFillClrLst>
-    <dgm:txEffectClrLst/>
-  </dgm:styleLbl>
-  <dgm:styleLbl name="sibTrans2D1">
-    <dgm:fillClrLst meth="repeat">
-      <a:schemeClr val="accent2"/>
-      <a:schemeClr val="accent3"/>
-      <a:schemeClr val="accent4"/>
-      <a:schemeClr val="accent5"/>
-      <a:schemeClr val="accent6"/>
-    </dgm:fillClrLst>
-    <dgm:linClrLst meth="cycle">
-      <a:schemeClr val="lt1"/>
-    </dgm:linClrLst>
-    <dgm:effectClrLst/>
-    <dgm:txLinClrLst/>
-    <dgm:txFillClrLst/>
-    <dgm:txEffectClrLst/>
-  </dgm:styleLbl>
-  <dgm:styleLbl name="fgSibTrans2D1">
-    <dgm:fillClrLst meth="repeat">
-      <a:schemeClr val="accent2"/>
-      <a:schemeClr val="accent3"/>
-      <a:schemeClr val="accent4"/>
-      <a:schemeClr val="accent5"/>
-      <a:schemeClr val="accent6"/>
-    </dgm:fillClrLst>
-    <dgm:linClrLst meth="cycle">
-      <a:schemeClr val="lt1"/>
-    </dgm:linClrLst>
-    <dgm:effectClrLst/>
-    <dgm:txLinClrLst/>
-    <dgm:txFillClrLst meth="repeat">
-      <a:schemeClr val="lt1"/>
-    </dgm:txFillClrLst>
-    <dgm:txEffectClrLst/>
-  </dgm:styleLbl>
-  <dgm:styleLbl name="bgSibTrans2D1">
-    <dgm:fillClrLst meth="repeat">
-      <a:schemeClr val="accent2"/>
-      <a:schemeClr val="accent3"/>
-      <a:schemeClr val="accent4"/>
-      <a:schemeClr val="accent5"/>
-      <a:schemeClr val="accent6"/>
-    </dgm:fillClrLst>
-    <dgm:linClrLst meth="cycle">
-      <a:schemeClr val="lt1"/>
-    </dgm:linClrLst>
-    <dgm:effectClrLst/>
-    <dgm:txLinClrLst/>
-    <dgm:txFillClrLst meth="repeat">
-      <a:schemeClr val="lt1"/>
-    </dgm:txFillClrLst>
-    <dgm:txEffectClrLst/>
-  </dgm:styleLbl>
-  <dgm:styleLbl name="sibTrans1D1">
-    <dgm:fillClrLst meth="repeat">
-      <a:schemeClr val="accent2"/>
-      <a:schemeClr val="accent3"/>
-      <a:schemeClr val="accent4"/>
-      <a:schemeClr val="accent5"/>
-      <a:schemeClr val="accent6"/>
-    </dgm:fillClrLst>
-    <dgm:linClrLst meth="repeat">
-      <a:schemeClr val="accent2"/>
-      <a:schemeClr val="accent3"/>
-      <a:schemeClr val="accent4"/>
-      <a:schemeClr val="accent5"/>
-      <a:schemeClr val="accent6"/>
-    </dgm:linClrLst>
-    <dgm:effectClrLst/>
-    <dgm:txLinClrLst/>
-    <dgm:txFillClrLst meth="repeat">
-      <a:schemeClr val="tx1"/>
-    </dgm:txFillClrLst>
-    <dgm:txEffectClrLst/>
-  </dgm:styleLbl>
-  <dgm:styleLbl name="callout">
-    <dgm:fillClrLst meth="repeat">
-      <a:schemeClr val="accent2"/>
-    </dgm:fillClrLst>
-    <dgm:linClrLst meth="repeat">
-      <a:schemeClr val="accent2">
-        <a:tint val="50000"/>
-      </a:schemeClr>
-    </dgm:linClrLst>
-    <dgm:effectClrLst/>
-    <dgm:txLinClrLst/>
-    <dgm:txFillClrLst meth="repeat">
-      <a:schemeClr val="tx1"/>
-    </dgm:txFillClrLst>
-    <dgm:txEffectClrLst/>
-  </dgm:styleLbl>
-  <dgm:styleLbl name="asst0">
-    <dgm:fillClrLst meth="repeat">
-      <a:schemeClr val="accent1"/>
-    </dgm:fillClrLst>
-    <dgm:linClrLst meth="repeat">
-      <a:schemeClr val="lt1"/>
-    </dgm:linClrLst>
-    <dgm:effectClrLst/>
-    <dgm:txLinClrLst/>
-    <dgm:txFillClrLst/>
-    <dgm:txEffectClrLst/>
-  </dgm:styleLbl>
-  <dgm:styleLbl name="asst1">
-    <dgm:fillClrLst meth="repeat">
-      <a:schemeClr val="accent2"/>
-    </dgm:fillClrLst>
-    <dgm:linClrLst meth="repeat">
-      <a:schemeClr val="lt1"/>
-    </dgm:linClrLst>
-    <dgm:effectClrLst/>
-    <dgm:txLinClrLst/>
-    <dgm:txFillClrLst/>
-    <dgm:txEffectClrLst/>
-  </dgm:styleLbl>
-  <dgm:styleLbl name="asst2">
-    <dgm:fillClrLst>
-      <a:schemeClr val="accent3"/>
-    </dgm:fillClrLst>
-    <dgm:linClrLst meth="repeat">
-      <a:schemeClr val="lt1"/>
-    </dgm:linClrLst>
-    <dgm:effectClrLst/>
-    <dgm:txLinClrLst/>
-    <dgm:txFillClrLst/>
-    <dgm:txEffectClrLst/>
-  </dgm:styleLbl>
-  <dgm:styleLbl name="asst3">
-    <dgm:fillClrLst>
-      <a:schemeClr val="accent4"/>
-    </dgm:fillClrLst>
-    <dgm:linClrLst meth="repeat">
-      <a:schemeClr val="lt1"/>
-    </dgm:linClrLst>
-    <dgm:effectClrLst/>
-    <dgm:txLinClrLst/>
-    <dgm:txFillClrLst/>
-    <dgm:txEffectClrLst/>
-  </dgm:styleLbl>
-  <dgm:styleLbl name="asst4">
-    <dgm:fillClrLst>
-      <a:schemeClr val="accent5"/>
-    </dgm:fillClrLst>
-    <dgm:linClrLst meth="repeat">
-      <a:schemeClr val="lt1"/>
-    </dgm:linClrLst>
-    <dgm:effectClrLst/>
-    <dgm:txLinClrLst/>
-    <dgm:txFillClrLst/>
-    <dgm:txEffectClrLst/>
-  </dgm:styleLbl>
-  <dgm:styleLbl name="parChTrans2D1">
-    <dgm:fillClrLst meth="repeat">
-      <a:schemeClr val="accent2"/>
-    </dgm:fillClrLst>
-    <dgm:linClrLst meth="repeat">
-      <a:schemeClr val="lt1"/>
-    </dgm:linClrLst>
-    <dgm:effectClrLst/>
-    <dgm:txLinClrLst/>
-    <dgm:txFillClrLst meth="repeat">
-      <a:schemeClr val="lt1"/>
-    </dgm:txFillClrLst>
-    <dgm:txEffectClrLst/>
-  </dgm:styleLbl>
-  <dgm:styleLbl name="parChTrans2D2">
-    <dgm:fillClrLst meth="repeat">
-      <a:schemeClr val="accent3"/>
-    </dgm:fillClrLst>
-    <dgm:linClrLst meth="repeat">
-      <a:schemeClr val="lt1"/>
-    </dgm:linClrLst>
-    <dgm:effectClrLst/>
-    <dgm:txLinClrLst/>
-    <dgm:txFillClrLst/>
-    <dgm:txEffectClrLst/>
-  </dgm:styleLbl>
-  <dgm:styleLbl name="parChTrans2D3">
-    <dgm:fillClrLst meth="repeat">
-      <a:schemeClr val="accent4"/>
-    </dgm:fillClrLst>
-    <dgm:linClrLst meth="repeat">
-      <a:schemeClr val="lt1"/>
-    </dgm:linClrLst>
-    <dgm:effectClrLst/>
-    <dgm:txLinClrLst/>
-    <dgm:txFillClrLst/>
-    <dgm:txEffectClrLst/>
-  </dgm:styleLbl>
-  <dgm:styleLbl name="parChTrans2D4">
-    <dgm:fillClrLst meth="repeat">
-      <a:schemeClr val="accent5"/>
-    </dgm:fillClrLst>
-    <dgm:linClrLst meth="repeat">
-      <a:schemeClr val="lt1"/>
-    </dgm:linClrLst>
-    <dgm:effectClrLst/>
-    <dgm:txLinClrLst/>
-    <dgm:txFillClrLst meth="repeat">
-      <a:schemeClr val="lt1"/>
-    </dgm:txFillClrLst>
-    <dgm:txEffectClrLst/>
-  </dgm:styleLbl>
-  <dgm:styleLbl name="parChTrans1D1">
-    <dgm:fillClrLst meth="repeat">
-      <a:schemeClr val="accent2"/>
-    </dgm:fillClrLst>
-    <dgm:linClrLst meth="repeat">
-      <a:schemeClr val="accent1"/>
-    </dgm:linClrLst>
-    <dgm:effectClrLst/>
-    <dgm:txLinClrLst/>
-    <dgm:txFillClrLst meth="repeat">
-      <a:schemeClr val="tx1"/>
-    </dgm:txFillClrLst>
-    <dgm:txEffectClrLst/>
-  </dgm:styleLbl>
-  <dgm:styleLbl name="parChTrans1D2">
-    <dgm:fillClrLst meth="repeat">
-      <a:schemeClr val="accent3">
-        <a:tint val="90000"/>
-      </a:schemeClr>
-    </dgm:fillClrLst>
-    <dgm:linClrLst meth="repeat">
-      <a:schemeClr val="accent2"/>
-    </dgm:linClrLst>
-    <dgm:effectClrLst/>
-    <dgm:txLinClrLst/>
-    <dgm:txFillClrLst meth="repeat">
-      <a:schemeClr val="tx1"/>
-    </dgm:txFillClrLst>
-    <dgm:txEffectClrLst/>
-  </dgm:styleLbl>
-  <dgm:styleLbl name="parChTrans1D3">
-    <dgm:fillClrLst meth="repeat">
-      <a:schemeClr val="accent4">
-        <a:tint val="70000"/>
-      </a:schemeClr>
-    </dgm:fillClrLst>
-    <dgm:linClrLst meth="repeat">
-      <a:schemeClr val="accent3"/>
-    </dgm:linClrLst>
-    <dgm:effectClrLst/>
-    <dgm:txLinClrLst/>
-    <dgm:txFillClrLst meth="repeat">
-      <a:schemeClr val="tx1"/>
-    </dgm:txFillClrLst>
-    <dgm:txEffectClrLst/>
-  </dgm:styleLbl>
-  <dgm:styleLbl name="parChTrans1D4">
-    <dgm:fillClrLst meth="repeat">
-      <a:schemeClr val="accent5">
-        <a:tint val="50000"/>
-      </a:schemeClr>
-    </dgm:fillClrLst>
-    <dgm:linClrLst meth="repeat">
-      <a:schemeClr val="accent4"/>
-    </dgm:linClrLst>
-    <dgm:effectClrLst/>
-    <dgm:txLinClrLst/>
-    <dgm:txFillClrLst meth="repeat">
-      <a:schemeClr val="tx1"/>
-    </dgm:txFillClrLst>
-    <dgm:txEffectClrLst/>
-  </dgm:styleLbl>
-  <dgm:styleLbl name="fgAcc1">
-    <dgm:fillClrLst meth="repeat">
-      <a:schemeClr val="lt1">
-        <a:alpha val="90000"/>
-      </a:schemeClr>
-    </dgm:fillClrLst>
-    <dgm:linClrLst meth="repeat">
-      <a:schemeClr val="accent2"/>
-      <a:schemeClr val="accent3"/>
-      <a:schemeClr val="accent4"/>
-      <a:schemeClr val="accent5"/>
-      <a:schemeClr val="accent6"/>
-    </dgm:linClrLst>
-    <dgm:effectClrLst/>
-    <dgm:txLinClrLst/>
-    <dgm:txFillClrLst meth="repeat">
-      <a:schemeClr val="dk1"/>
-    </dgm:txFillClrLst>
-    <dgm:txEffectClrLst/>
-  </dgm:styleLbl>
-  <dgm:styleLbl name="conFgAcc1">
-    <dgm:fillClrLst meth="repeat">
-      <a:schemeClr val="lt1">
-        <a:alpha val="90000"/>
-      </a:schemeClr>
-    </dgm:fillClrLst>
-    <dgm:linClrLst meth="repeat">
-      <a:schemeClr val="accent2"/>
-      <a:schemeClr val="accent3"/>
-      <a:schemeClr val="accent4"/>
-      <a:schemeClr val="accent5"/>
-      <a:schemeClr val="accent6"/>
-    </dgm:linClrLst>
-    <dgm:effectClrLst/>
-    <dgm:txLinClrLst/>
-    <dgm:txFillClrLst meth="repeat">
-      <a:schemeClr val="dk1"/>
-    </dgm:txFillClrLst>
-    <dgm:txEffectClrLst/>
-  </dgm:styleLbl>
-  <dgm:styleLbl name="alignAcc1">
-    <dgm:fillClrLst meth="repeat">
-      <a:schemeClr val="lt1">
-        <a:alpha val="90000"/>
-      </a:schemeClr>
-    </dgm:fillClrLst>
-    <dgm:linClrLst meth="repeat">
-      <a:schemeClr val="accent2"/>
-      <a:schemeClr val="accent3"/>
-      <a:schemeClr val="accent4"/>
-      <a:schemeClr val="accent5"/>
-      <a:schemeClr val="accent6"/>
-    </dgm:linClrLst>
-    <dgm:effectClrLst/>
-    <dgm:txLinClrLst/>
-    <dgm:txFillClrLst meth="repeat">
-      <a:schemeClr val="dk1"/>
-    </dgm:txFillClrLst>
-    <dgm:txEffectClrLst/>
-  </dgm:styleLbl>
-  <dgm:styleLbl name="trAlignAcc1">
-    <dgm:fillClrLst meth="repeat">
-      <a:schemeClr val="lt1">
-        <a:alpha val="40000"/>
-      </a:schemeClr>
-    </dgm:fillClrLst>
-    <dgm:linClrLst meth="repeat">
-      <a:schemeClr val="accent1"/>
-    </dgm:linClrLst>
-    <dgm:effectClrLst/>
-    <dgm:txLinClrLst/>
-    <dgm:txFillClrLst meth="repeat">
-      <a:schemeClr val="dk1"/>
-    </dgm:txFillClrLst>
-    <dgm:txEffectClrLst/>
-  </dgm:styleLbl>
-  <dgm:styleLbl name="bgAcc1">
-    <dgm:fillClrLst meth="repeat">
-      <a:schemeClr val="lt1">
-        <a:alpha val="90000"/>
-      </a:schemeClr>
-    </dgm:fillClrLst>
-    <dgm:linClrLst meth="repeat">
-      <a:schemeClr val="accent2"/>
-      <a:schemeClr val="accent3"/>
-      <a:schemeClr val="accent4"/>
-      <a:schemeClr val="accent5"/>
-      <a:schemeClr val="accent6"/>
-    </dgm:linClrLst>
-    <dgm:effectClrLst/>
-    <dgm:txLinClrLst/>
-    <dgm:txFillClrLst meth="repeat">
-      <a:schemeClr val="dk1"/>
-    </dgm:txFillClrLst>
-    <dgm:txEffectClrLst/>
-  </dgm:styleLbl>
-  <dgm:styleLbl name="solidFgAcc1">
-    <dgm:fillClrLst meth="repeat">
-      <a:schemeClr val="lt1"/>
-    </dgm:fillClrLst>
-    <dgm:linClrLst meth="repeat">
-      <a:schemeClr val="accent2"/>
-      <a:schemeClr val="accent3"/>
-      <a:schemeClr val="accent4"/>
-      <a:schemeClr val="accent5"/>
-      <a:schemeClr val="accent6"/>
-    </dgm:linClrLst>
-    <dgm:effectClrLst/>
-    <dgm:txLinClrLst/>
-    <dgm:txFillClrLst meth="repeat">
-      <a:schemeClr val="dk1"/>
-    </dgm:txFillClrLst>
-    <dgm:txEffectClrLst/>
-  </dgm:styleLbl>
-  <dgm:styleLbl name="solidAlignAcc1">
-    <dgm:fillClrLst meth="repeat">
-      <a:schemeClr val="lt1"/>
-    </dgm:fillClrLst>
-    <dgm:linClrLst meth="repeat">
-      <a:schemeClr val="accent2"/>
-      <a:schemeClr val="accent3"/>
-      <a:schemeClr val="accent4"/>
-      <a:schemeClr val="accent5"/>
-      <a:schemeClr val="accent6"/>
-    </dgm:linClrLst>
-    <dgm:effectClrLst/>
-    <dgm:txLinClrLst/>
-    <dgm:txFillClrLst meth="repeat">
-      <a:schemeClr val="dk1"/>
-    </dgm:txFillClrLst>
-    <dgm:txEffectClrLst/>
-  </dgm:styleLbl>
-  <dgm:styleLbl name="solidBgAcc1">
-    <dgm:fillClrLst meth="repeat">
-      <a:schemeClr val="lt1"/>
-    </dgm:fillClrLst>
-    <dgm:linClrLst meth="repeat">
-      <a:schemeClr val="accent2"/>
-      <a:schemeClr val="accent3"/>
-      <a:schemeClr val="accent4"/>
-      <a:schemeClr val="accent5"/>
-      <a:schemeClr val="accent6"/>
-    </dgm:linClrLst>
-    <dgm:effectClrLst/>
-    <dgm:txLinClrLst/>
-    <dgm:txFillClrLst meth="repeat">
-      <a:schemeClr val="dk1"/>
-    </dgm:txFillClrLst>
-    <dgm:txEffectClrLst/>
-  </dgm:styleLbl>
-  <dgm:styleLbl name="fgAccFollowNode1">
-    <dgm:fillClrLst meth="repeat">
-      <a:schemeClr val="accent2">
-        <a:tint val="40000"/>
-        <a:alpha val="90000"/>
-      </a:schemeClr>
-      <a:schemeClr val="accent3">
-        <a:tint val="40000"/>
-        <a:alpha val="90000"/>
-      </a:schemeClr>
-      <a:schemeClr val="accent4">
-        <a:tint val="40000"/>
-        <a:alpha val="90000"/>
-      </a:schemeClr>
-      <a:schemeClr val="accent5">
-        <a:tint val="40000"/>
-        <a:alpha val="90000"/>
-      </a:schemeClr>
-      <a:schemeClr val="accent6">
-        <a:tint val="40000"/>
-        <a:alpha val="90000"/>
-      </a:schemeClr>
-    </dgm:fillClrLst>
-    <dgm:linClrLst meth="repeat">
-      <a:schemeClr val="accent2">
-        <a:tint val="40000"/>
-        <a:alpha val="90000"/>
-      </a:schemeClr>
-      <a:schemeClr val="accent3">
-        <a:tint val="40000"/>
-        <a:alpha val="90000"/>
-      </a:schemeClr>
-      <a:schemeClr val="accent4">
-        <a:tint val="40000"/>
-        <a:alpha val="90000"/>
-      </a:schemeClr>
-      <a:schemeClr val="accent5">
-        <a:tint val="40000"/>
-        <a:alpha val="90000"/>
-      </a:schemeClr>
-      <a:schemeClr val="accent6">
-        <a:tint val="40000"/>
-        <a:alpha val="90000"/>
-      </a:schemeClr>
-    </dgm:linClrLst>
-    <dgm:effectClrLst/>
-    <dgm:txLinClrLst/>
-    <dgm:txFillClrLst meth="repeat">
-      <a:schemeClr val="dk1"/>
-    </dgm:txFillClrLst>
-    <dgm:txEffectClrLst/>
-  </dgm:styleLbl>
-  <dgm:styleLbl name="alignAccFollowNode1">
-    <dgm:fillClrLst meth="repeat">
-      <a:schemeClr val="accent2">
-        <a:tint val="40000"/>
-        <a:alpha val="90000"/>
-      </a:schemeClr>
-      <a:schemeClr val="accent3">
-        <a:tint val="40000"/>
-        <a:alpha val="90000"/>
-      </a:schemeClr>
-      <a:schemeClr val="accent4">
-        <a:tint val="40000"/>
-        <a:alpha val="90000"/>
-      </a:schemeClr>
-      <a:schemeClr val="accent5">
-        <a:tint val="40000"/>
-        <a:alpha val="90000"/>
-      </a:schemeClr>
-      <a:schemeClr val="accent6">
-        <a:tint val="40000"/>
-        <a:alpha val="90000"/>
-      </a:schemeClr>
-    </dgm:fillClrLst>
-    <dgm:linClrLst meth="repeat">
-      <a:schemeClr val="accent2">
-        <a:tint val="40000"/>
-        <a:alpha val="90000"/>
-      </a:schemeClr>
-      <a:schemeClr val="accent3">
-        <a:tint val="40000"/>
-        <a:alpha val="90000"/>
-      </a:schemeClr>
-      <a:schemeClr val="accent4">
-        <a:tint val="40000"/>
-        <a:alpha val="90000"/>
-      </a:schemeClr>
-      <a:schemeClr val="accent5">
-        <a:tint val="40000"/>
-        <a:alpha val="90000"/>
-      </a:schemeClr>
-      <a:schemeClr val="accent6">
-        <a:tint val="40000"/>
-        <a:alpha val="90000"/>
-      </a:schemeClr>
-    </dgm:linClrLst>
-    <dgm:effectClrLst/>
-    <dgm:txLinClrLst/>
-    <dgm:txFillClrLst meth="repeat">
-      <a:schemeClr val="dk1"/>
-    </dgm:txFillClrLst>
-    <dgm:txEffectClrLst/>
-  </dgm:styleLbl>
-  <dgm:styleLbl name="bgAccFollowNode1">
-    <dgm:fillClrLst meth="repeat">
-      <a:schemeClr val="accent2">
-        <a:tint val="40000"/>
-        <a:alpha val="90000"/>
-      </a:schemeClr>
-      <a:schemeClr val="accent3">
-        <a:tint val="40000"/>
-        <a:alpha val="90000"/>
-      </a:schemeClr>
-      <a:schemeClr val="accent4">
-        <a:tint val="40000"/>
-        <a:alpha val="90000"/>
-      </a:schemeClr>
-      <a:schemeClr val="accent5">
-        <a:tint val="40000"/>
-        <a:alpha val="90000"/>
-      </a:schemeClr>
-      <a:schemeClr val="accent6">
-        <a:tint val="40000"/>
-        <a:alpha val="90000"/>
-      </a:schemeClr>
-    </dgm:fillClrLst>
-    <dgm:linClrLst meth="repeat">
-      <a:schemeClr val="accent2">
-        <a:tint val="40000"/>
-        <a:alpha val="90000"/>
-      </a:schemeClr>
-      <a:schemeClr val="accent3">
-        <a:tint val="40000"/>
-        <a:alpha val="90000"/>
-      </a:schemeClr>
-      <a:schemeClr val="accent4">
-        <a:tint val="40000"/>
-        <a:alpha val="90000"/>
-      </a:schemeClr>
-      <a:schemeClr val="accent5">
-        <a:tint val="40000"/>
-        <a:alpha val="90000"/>
-      </a:schemeClr>
-      <a:schemeClr val="accent6">
-        <a:tint val="40000"/>
-        <a:alpha val="90000"/>
-      </a:schemeClr>
-    </dgm:linClrLst>
-    <dgm:effectClrLst/>
-    <dgm:txLinClrLst/>
-    <dgm:txFillClrLst meth="repeat">
-      <a:schemeClr val="dk1"/>
-    </dgm:txFillClrLst>
-    <dgm:txEffectClrLst/>
-  </dgm:styleLbl>
-  <dgm:styleLbl name="fgAcc0">
-    <dgm:fillClrLst meth="repeat">
-      <a:schemeClr val="lt1">
-        <a:alpha val="90000"/>
-      </a:schemeClr>
-    </dgm:fillClrLst>
-    <dgm:linClrLst>
-      <a:schemeClr val="accent1"/>
-    </dgm:linClrLst>
-    <dgm:effectClrLst/>
-    <dgm:txLinClrLst/>
-    <dgm:txFillClrLst meth="repeat">
-      <a:schemeClr val="dk1"/>
-    </dgm:txFillClrLst>
-    <dgm:txEffectClrLst/>
-  </dgm:styleLbl>
-  <dgm:styleLbl name="fgAcc2">
-    <dgm:fillClrLst meth="repeat">
-      <a:schemeClr val="lt1">
-        <a:alpha val="90000"/>
-      </a:schemeClr>
-    </dgm:fillClrLst>
-    <dgm:linClrLst>
-      <a:schemeClr val="accent2"/>
-    </dgm:linClrLst>
-    <dgm:effectClrLst/>
-    <dgm:txLinClrLst/>
-    <dgm:txFillClrLst meth="repeat">
-      <a:schemeClr val="dk1"/>
-    </dgm:txFillClrLst>
-    <dgm:txEffectClrLst/>
-  </dgm:styleLbl>
-  <dgm:styleLbl name="fgAcc3">
-    <dgm:fillClrLst meth="repeat">
-      <a:schemeClr val="lt1">
-        <a:alpha val="90000"/>
-      </a:schemeClr>
-    </dgm:fillClrLst>
-    <dgm:linClrLst>
-      <a:schemeClr val="accent3"/>
-    </dgm:linClrLst>
-    <dgm:effectClrLst/>
-    <dgm:txLinClrLst/>
-    <dgm:txFillClrLst meth="repeat">
-      <a:schemeClr val="dk1"/>
-    </dgm:txFillClrLst>
-    <dgm:txEffectClrLst/>
-  </dgm:styleLbl>
-  <dgm:styleLbl name="fgAcc4">
-    <dgm:fillClrLst meth="repeat">
-      <a:schemeClr val="lt1">
-        <a:alpha val="90000"/>
-      </a:schemeClr>
-    </dgm:fillClrLst>
-    <dgm:linClrLst>
-      <a:schemeClr val="accent4"/>
-    </dgm:linClrLst>
-    <dgm:effectClrLst/>
-    <dgm:txLinClrLst/>
-    <dgm:txFillClrLst meth="repeat">
-      <a:schemeClr val="dk1"/>
-    </dgm:txFillClrLst>
-    <dgm:txEffectClrLst/>
-  </dgm:styleLbl>
-  <dgm:styleLbl name="bgShp">
-    <dgm:fillClrLst meth="repeat">
-      <a:schemeClr val="accent2">
-        <a:tint val="40000"/>
-      </a:schemeClr>
-    </dgm:fillClrLst>
-    <dgm:linClrLst meth="repeat">
-      <a:schemeClr val="dk1"/>
-    </dgm:linClrLst>
-    <dgm:effectClrLst/>
-    <dgm:txLinClrLst/>
-    <dgm:txFillClrLst meth="repeat">
-      <a:schemeClr val="dk1"/>
-    </dgm:txFillClrLst>
-    <dgm:txEffectClrLst/>
-  </dgm:styleLbl>
-  <dgm:styleLbl name="dkBgShp">
-    <dgm:fillClrLst meth="repeat">
-      <a:schemeClr val="accent2">
-        <a:shade val="90000"/>
-      </a:schemeClr>
-    </dgm:fillClrLst>
-    <dgm:linClrLst meth="repeat">
-      <a:schemeClr val="dk1"/>
-    </dgm:linClrLst>
-    <dgm:effectClrLst/>
-    <dgm:txLinClrLst/>
-    <dgm:txFillClrLst meth="repeat">
-      <a:schemeClr val="lt1"/>
-    </dgm:txFillClrLst>
-    <dgm:txEffectClrLst/>
-  </dgm:styleLbl>
-  <dgm:styleLbl name="trBgShp">
-    <dgm:fillClrLst meth="repeat">
-      <a:schemeClr val="accent1">
-        <a:tint val="50000"/>
-        <a:alpha val="40000"/>
-      </a:schemeClr>
-    </dgm:fillClrLst>
-    <dgm:linClrLst meth="repeat">
-      <a:schemeClr val="accent2"/>
-    </dgm:linClrLst>
-    <dgm:effectClrLst/>
-    <dgm:txLinClrLst/>
-    <dgm:txFillClrLst meth="repeat">
-      <a:schemeClr val="lt1"/>
-    </dgm:txFillClrLst>
-    <dgm:txEffectClrLst/>
-  </dgm:styleLbl>
-  <dgm:styleLbl name="fgShp">
-    <dgm:fillClrLst meth="repeat">
-      <a:schemeClr val="accent2">
-        <a:tint val="40000"/>
-      </a:schemeClr>
-    </dgm:fillClrLst>
-    <dgm:linClrLst meth="repeat">
-      <a:schemeClr val="lt1"/>
-    </dgm:linClrLst>
-    <dgm:effectClrLst/>
-    <dgm:txLinClrLst/>
-    <dgm:txFillClrLst meth="repeat">
-      <a:schemeClr val="dk1"/>
-    </dgm:txFillClrLst>
-    <dgm:txEffectClrLst/>
-  </dgm:styleLbl>
-  <dgm:styleLbl name="revTx">
-    <dgm:fillClrLst meth="repeat">
-      <a:schemeClr val="lt1">
-        <a:alpha val="0"/>
-      </a:schemeClr>
-    </dgm:fillClrLst>
-    <dgm:linClrLst meth="repeat">
-      <a:schemeClr val="dk1">
-        <a:alpha val="0"/>
-      </a:schemeClr>
-    </dgm:linClrLst>
-    <dgm:effectClrLst/>
-    <dgm:txLinClrLst/>
-    <dgm:txFillClrLst meth="repeat">
-      <a:schemeClr val="tx1"/>
-    </dgm:txFillClrLst>
-    <dgm:txEffectClrLst/>
-  </dgm:styleLbl>
-</dgm:colorsDef>
-</file>
-
 <file path=ppt/diagrams/colors5.xml><?xml version="1.0" encoding="utf-8"?>
 <dgm:colorsDef xmlns:dgm="http://schemas.openxmlformats.org/drawingml/2006/diagram" xmlns:a="http://schemas.openxmlformats.org/drawingml/2006/main" uniqueId="urn:microsoft.com/office/officeart/2005/8/colors/accent0_3">
   <dgm:title val=""/>
@@ -6450,7 +6409,7 @@
 <dgm:dataModel xmlns:dgm="http://schemas.openxmlformats.org/drawingml/2006/diagram" xmlns:a="http://schemas.openxmlformats.org/drawingml/2006/main">
   <dgm:ptLst>
     <dgm:pt modelId="{B2873C5A-D045-410A-9F36-9EA358ECFC4F}" type="doc">
-      <dgm:prSet loTypeId="urn:microsoft.com/office/officeart/2005/8/layout/vProcess5" loCatId="process" qsTypeId="urn:microsoft.com/office/officeart/2005/8/quickstyle/simple1" qsCatId="simple" csTypeId="urn:microsoft.com/office/officeart/2005/8/colors/colorful1" csCatId="colorful" phldr="1"/>
+      <dgm:prSet loTypeId="urn:microsoft.com/office/officeart/2005/8/layout/vProcess5" loCatId="process" qsTypeId="urn:microsoft.com/office/officeart/2005/8/quickstyle/simple1" qsCatId="simple" csTypeId="urn:microsoft.com/office/officeart/2005/8/colors/colorful2" csCatId="colorful" phldr="1"/>
       <dgm:spPr/>
       <dgm:t>
         <a:bodyPr/>
@@ -6469,7 +6428,7 @@
         <a:p>
           <a:r>
             <a:rPr lang="en-US" dirty="0"/>
-            <a:t>Hobbies:</a:t>
+            <a:t>Matt Gantz</a:t>
           </a:r>
         </a:p>
       </dgm:t>
@@ -6532,79 +6491,7 @@
         </a:p>
       </dgm:t>
     </dgm:pt>
-    <dgm:pt modelId="{94218460-56B1-4DE5-B257-C631FE68C341}">
-      <dgm:prSet/>
-      <dgm:spPr/>
-      <dgm:t>
-        <a:bodyPr/>
-        <a:lstStyle/>
-        <a:p>
-          <a:r>
-            <a:rPr lang="en-US" dirty="0"/>
-            <a:t>https://www.linkedin.com/in/matthew-gantz-8548a714/</a:t>
-          </a:r>
-        </a:p>
-      </dgm:t>
-    </dgm:pt>
-    <dgm:pt modelId="{0B87E15B-2D6B-4847-937B-1B3DA215A72F}" type="parTrans" cxnId="{E60BBA70-E878-4055-8105-B985C095DCBA}">
-      <dgm:prSet/>
-      <dgm:spPr/>
-      <dgm:t>
-        <a:bodyPr/>
-        <a:lstStyle/>
-        <a:p>
-          <a:endParaRPr lang="en-US"/>
-        </a:p>
-      </dgm:t>
-    </dgm:pt>
-    <dgm:pt modelId="{DB0AA69A-B9FD-408B-8A2A-61C570311EC8}" type="sibTrans" cxnId="{E60BBA70-E878-4055-8105-B985C095DCBA}">
-      <dgm:prSet/>
-      <dgm:spPr/>
-      <dgm:t>
-        <a:bodyPr/>
-        <a:lstStyle/>
-        <a:p>
-          <a:endParaRPr lang="en-US"/>
-        </a:p>
-      </dgm:t>
-    </dgm:pt>
-    <dgm:pt modelId="{EE9B7C30-1B20-4660-AD05-4E16FBE40967}">
-      <dgm:prSet/>
-      <dgm:spPr/>
-      <dgm:t>
-        <a:bodyPr/>
-        <a:lstStyle/>
-        <a:p>
-          <a:r>
-            <a:rPr lang="en-US" dirty="0"/>
-            <a:t>16 Years experience with SQL Server</a:t>
-          </a:r>
-        </a:p>
-      </dgm:t>
-    </dgm:pt>
-    <dgm:pt modelId="{F917B89E-61DE-4704-8088-082A5D337FC0}" type="parTrans" cxnId="{207F1B6E-61D8-4389-A6B0-A6441F42673D}">
-      <dgm:prSet/>
-      <dgm:spPr/>
-      <dgm:t>
-        <a:bodyPr/>
-        <a:lstStyle/>
-        <a:p>
-          <a:endParaRPr lang="en-US"/>
-        </a:p>
-      </dgm:t>
-    </dgm:pt>
-    <dgm:pt modelId="{C71C2FEA-A2CF-456D-847D-C71028F385B5}" type="sibTrans" cxnId="{207F1B6E-61D8-4389-A6B0-A6441F42673D}">
-      <dgm:prSet/>
-      <dgm:spPr/>
-      <dgm:t>
-        <a:bodyPr/>
-        <a:lstStyle/>
-        <a:p>
-          <a:endParaRPr lang="en-US"/>
-        </a:p>
-      </dgm:t>
-    </dgm:pt>
-    <dgm:pt modelId="{F8D72D13-4639-48E2-92A6-2CF34CD9EACE}">
+    <dgm:pt modelId="{50D2AF79-3265-4C88-932E-3517EFAD8D9D}">
       <dgm:prSet/>
       <dgm:spPr/>
       <dgm:t>
@@ -6618,42 +6505,6 @@
             <a:t>mattgantz@gmail.com</a:t>
           </a:r>
           <a:endParaRPr lang="en-US" dirty="0"/>
-        </a:p>
-      </dgm:t>
-    </dgm:pt>
-    <dgm:pt modelId="{19472584-BD98-4A09-AC93-F02292718C71}" type="parTrans" cxnId="{58B65B8F-C3B9-4A49-9B1B-57D93FF82C3F}">
-      <dgm:prSet/>
-      <dgm:spPr/>
-      <dgm:t>
-        <a:bodyPr/>
-        <a:lstStyle/>
-        <a:p>
-          <a:endParaRPr lang="en-US"/>
-        </a:p>
-      </dgm:t>
-    </dgm:pt>
-    <dgm:pt modelId="{ED191422-D6C9-4C80-BF51-3A23A514631B}" type="sibTrans" cxnId="{58B65B8F-C3B9-4A49-9B1B-57D93FF82C3F}">
-      <dgm:prSet/>
-      <dgm:spPr/>
-      <dgm:t>
-        <a:bodyPr/>
-        <a:lstStyle/>
-        <a:p>
-          <a:endParaRPr lang="en-US"/>
-        </a:p>
-      </dgm:t>
-    </dgm:pt>
-    <dgm:pt modelId="{50D2AF79-3265-4C88-932E-3517EFAD8D9D}">
-      <dgm:prSet/>
-      <dgm:spPr/>
-      <dgm:t>
-        <a:bodyPr/>
-        <a:lstStyle/>
-        <a:p>
-          <a:r>
-            <a:rPr lang="en-US" dirty="0"/>
-            <a:t>Contact Info:</a:t>
-          </a:r>
         </a:p>
       </dgm:t>
     </dgm:pt>
@@ -6679,115 +6530,7 @@
         </a:p>
       </dgm:t>
     </dgm:pt>
-    <dgm:pt modelId="{B20F10F2-7C77-40B5-BC18-EDEC4486DBA0}">
-      <dgm:prSet/>
-      <dgm:spPr/>
-      <dgm:t>
-        <a:bodyPr/>
-        <a:lstStyle/>
-        <a:p>
-          <a:r>
-            <a:rPr lang="en-US" dirty="0"/>
-            <a:t>Mountaineering</a:t>
-          </a:r>
-        </a:p>
-      </dgm:t>
-    </dgm:pt>
-    <dgm:pt modelId="{747E9B34-00DB-4C57-B5F2-AFA31696A072}" type="parTrans" cxnId="{1C03E6AB-05B3-4947-B41A-F7CBF5695538}">
-      <dgm:prSet/>
-      <dgm:spPr/>
-      <dgm:t>
-        <a:bodyPr/>
-        <a:lstStyle/>
-        <a:p>
-          <a:endParaRPr lang="en-US"/>
-        </a:p>
-      </dgm:t>
-    </dgm:pt>
-    <dgm:pt modelId="{138EE745-9974-416B-B129-38204CDD8AC7}" type="sibTrans" cxnId="{1C03E6AB-05B3-4947-B41A-F7CBF5695538}">
-      <dgm:prSet/>
-      <dgm:spPr/>
-      <dgm:t>
-        <a:bodyPr/>
-        <a:lstStyle/>
-        <a:p>
-          <a:endParaRPr lang="en-US"/>
-        </a:p>
-      </dgm:t>
-    </dgm:pt>
-    <dgm:pt modelId="{4C63660B-EA64-43FD-BFBC-6D708A3426C6}">
-      <dgm:prSet/>
-      <dgm:spPr/>
-      <dgm:t>
-        <a:bodyPr/>
-        <a:lstStyle/>
-        <a:p>
-          <a:r>
-            <a:rPr lang="en-US" dirty="0"/>
-            <a:t>Soccer</a:t>
-          </a:r>
-        </a:p>
-      </dgm:t>
-    </dgm:pt>
-    <dgm:pt modelId="{FEB68ED8-1B4B-47B8-A377-541C2F3B799F}" type="parTrans" cxnId="{BE2F5BFB-C009-4678-8704-53C144DCC40E}">
-      <dgm:prSet/>
-      <dgm:spPr/>
-      <dgm:t>
-        <a:bodyPr/>
-        <a:lstStyle/>
-        <a:p>
-          <a:endParaRPr lang="en-US"/>
-        </a:p>
-      </dgm:t>
-    </dgm:pt>
-    <dgm:pt modelId="{0F895DA2-30F3-4699-9C96-E60EC438F64E}" type="sibTrans" cxnId="{BE2F5BFB-C009-4678-8704-53C144DCC40E}">
-      <dgm:prSet/>
-      <dgm:spPr/>
-      <dgm:t>
-        <a:bodyPr/>
-        <a:lstStyle/>
-        <a:p>
-          <a:endParaRPr lang="en-US"/>
-        </a:p>
-      </dgm:t>
-    </dgm:pt>
-    <dgm:pt modelId="{F542EE2D-F4B6-46F7-AFE4-A64029A8673A}">
-      <dgm:prSet/>
-      <dgm:spPr/>
-      <dgm:t>
-        <a:bodyPr/>
-        <a:lstStyle/>
-        <a:p>
-          <a:r>
-            <a:rPr lang="en-US" dirty="0"/>
-            <a:t>Guitar</a:t>
-          </a:r>
-        </a:p>
-      </dgm:t>
-    </dgm:pt>
-    <dgm:pt modelId="{69AD8E6B-1A9D-4E72-B579-9E236DD0F139}" type="parTrans" cxnId="{36501FDB-C3D3-44E3-9C2C-E7262A7F5001}">
-      <dgm:prSet/>
-      <dgm:spPr/>
-      <dgm:t>
-        <a:bodyPr/>
-        <a:lstStyle/>
-        <a:p>
-          <a:endParaRPr lang="en-US"/>
-        </a:p>
-      </dgm:t>
-    </dgm:pt>
-    <dgm:pt modelId="{C041186F-E897-4CBC-8976-C64D47ADB8F4}" type="sibTrans" cxnId="{36501FDB-C3D3-44E3-9C2C-E7262A7F5001}">
-      <dgm:prSet/>
-      <dgm:spPr/>
-      <dgm:t>
-        <a:bodyPr/>
-        <a:lstStyle/>
-        <a:p>
-          <a:endParaRPr lang="en-US"/>
-        </a:p>
-      </dgm:t>
-    </dgm:pt>
-    <dgm:pt modelId="{AE5A1861-3A9D-40DC-B7D8-60AD287821DE}" type="pres">
+    <dgm:pt modelId="{F2C0B328-7E6C-473B-9A1E-8D4B47BC5A4A}" type="pres">
       <dgm:prSet presAssocID="{B2873C5A-D045-410A-9F36-9EA358ECFC4F}" presName="outerComposite" presStyleCnt="0">
         <dgm:presLayoutVars>
           <dgm:chMax val="5"/>
@@ -6797,13 +6540,13 @@
       </dgm:prSet>
       <dgm:spPr/>
     </dgm:pt>
-    <dgm:pt modelId="{190111C6-785B-48C0-99FC-B33DF755FF97}" type="pres">
+    <dgm:pt modelId="{14FCF56A-098A-4A34-979D-25EC8CB9C367}" type="pres">
       <dgm:prSet presAssocID="{B2873C5A-D045-410A-9F36-9EA358ECFC4F}" presName="dummyMaxCanvas" presStyleCnt="0">
         <dgm:presLayoutVars/>
       </dgm:prSet>
       <dgm:spPr/>
     </dgm:pt>
-    <dgm:pt modelId="{A981F886-9402-4E54-B85A-F7564E0978C0}" type="pres">
+    <dgm:pt modelId="{1DEC35F6-99A5-45AB-A87E-5B3D0EDD8182}" type="pres">
       <dgm:prSet presAssocID="{B2873C5A-D045-410A-9F36-9EA358ECFC4F}" presName="ThreeNodes_1" presStyleLbl="node1" presStyleIdx="0" presStyleCnt="3">
         <dgm:presLayoutVars>
           <dgm:bulletEnabled val="1"/>
@@ -6811,7 +6554,7 @@
       </dgm:prSet>
       <dgm:spPr/>
     </dgm:pt>
-    <dgm:pt modelId="{AE54677D-AD1B-4C7B-88F1-743596BC53B3}" type="pres">
+    <dgm:pt modelId="{D47633B0-B4F1-4EB6-9D39-04343ECCCD1F}" type="pres">
       <dgm:prSet presAssocID="{B2873C5A-D045-410A-9F36-9EA358ECFC4F}" presName="ThreeNodes_2" presStyleLbl="node1" presStyleIdx="1" presStyleCnt="3">
         <dgm:presLayoutVars>
           <dgm:bulletEnabled val="1"/>
@@ -6819,7 +6562,7 @@
       </dgm:prSet>
       <dgm:spPr/>
     </dgm:pt>
-    <dgm:pt modelId="{77233CAF-464A-4C2F-9A06-939F39B649E6}" type="pres">
+    <dgm:pt modelId="{52478FAF-381E-4AC6-8A6A-49F2591BD57D}" type="pres">
       <dgm:prSet presAssocID="{B2873C5A-D045-410A-9F36-9EA358ECFC4F}" presName="ThreeNodes_3" presStyleLbl="node1" presStyleIdx="2" presStyleCnt="3">
         <dgm:presLayoutVars>
           <dgm:bulletEnabled val="1"/>
@@ -6827,7 +6570,7 @@
       </dgm:prSet>
       <dgm:spPr/>
     </dgm:pt>
-    <dgm:pt modelId="{DD1D10A7-C506-4219-A09E-ED6D60CD7B13}" type="pres">
+    <dgm:pt modelId="{9455AC8C-E67B-41D6-85E5-F43F6DDB9662}" type="pres">
       <dgm:prSet presAssocID="{B2873C5A-D045-410A-9F36-9EA358ECFC4F}" presName="ThreeConn_1-2" presStyleLbl="fgAccFollowNode1" presStyleIdx="0" presStyleCnt="2">
         <dgm:presLayoutVars>
           <dgm:bulletEnabled val="1"/>
@@ -6835,7 +6578,7 @@
       </dgm:prSet>
       <dgm:spPr/>
     </dgm:pt>
-    <dgm:pt modelId="{4C5A3D3B-3A65-41A7-879F-8F549F993828}" type="pres">
+    <dgm:pt modelId="{5A26C2BC-F9F7-4913-B27F-47085EC23123}" type="pres">
       <dgm:prSet presAssocID="{B2873C5A-D045-410A-9F36-9EA358ECFC4F}" presName="ThreeConn_2-3" presStyleLbl="fgAccFollowNode1" presStyleIdx="1" presStyleCnt="2">
         <dgm:presLayoutVars>
           <dgm:bulletEnabled val="1"/>
@@ -6843,7 +6586,7 @@
       </dgm:prSet>
       <dgm:spPr/>
     </dgm:pt>
-    <dgm:pt modelId="{96390517-CD1C-48D5-A69F-6D6940716325}" type="pres">
+    <dgm:pt modelId="{A89FBB31-7DB4-41F9-80B3-6060C9AD19E8}" type="pres">
       <dgm:prSet presAssocID="{B2873C5A-D045-410A-9F36-9EA358ECFC4F}" presName="ThreeNodes_1_text" presStyleLbl="node1" presStyleIdx="2" presStyleCnt="3">
         <dgm:presLayoutVars>
           <dgm:bulletEnabled val="1"/>
@@ -6851,7 +6594,7 @@
       </dgm:prSet>
       <dgm:spPr/>
     </dgm:pt>
-    <dgm:pt modelId="{EC1ADC7F-0AA9-4FC5-AF14-B2C661405DE5}" type="pres">
+    <dgm:pt modelId="{9105EC65-5B24-4ADF-BEC9-4A87B8C4A2A2}" type="pres">
       <dgm:prSet presAssocID="{B2873C5A-D045-410A-9F36-9EA358ECFC4F}" presName="ThreeNodes_2_text" presStyleLbl="node1" presStyleIdx="2" presStyleCnt="3">
         <dgm:presLayoutVars>
           <dgm:bulletEnabled val="1"/>
@@ -6859,7 +6602,7 @@
       </dgm:prSet>
       <dgm:spPr/>
     </dgm:pt>
-    <dgm:pt modelId="{8FE7CA83-FA4F-418B-B0D7-0291297247BB}" type="pres">
+    <dgm:pt modelId="{103508A5-95FD-4AFF-86F6-D63C768937B8}" type="pres">
       <dgm:prSet presAssocID="{B2873C5A-D045-410A-9F36-9EA358ECFC4F}" presName="ThreeNodes_3_text" presStyleLbl="node1" presStyleIdx="2" presStyleCnt="3">
         <dgm:presLayoutVars>
           <dgm:bulletEnabled val="1"/>
@@ -6869,45 +6612,27 @@
     </dgm:pt>
   </dgm:ptLst>
   <dgm:cxnLst>
-    <dgm:cxn modelId="{962F3702-75BC-470C-8B6A-A01DC327D9B8}" type="presOf" srcId="{94218460-56B1-4DE5-B257-C631FE68C341}" destId="{77233CAF-464A-4C2F-9A06-939F39B649E6}" srcOrd="0" destOrd="2" presId="urn:microsoft.com/office/officeart/2005/8/layout/vProcess5"/>
-    <dgm:cxn modelId="{42C90604-E39B-4573-9368-0EA07C662758}" type="presOf" srcId="{94218460-56B1-4DE5-B257-C631FE68C341}" destId="{8FE7CA83-FA4F-418B-B0D7-0291297247BB}" srcOrd="1" destOrd="2" presId="urn:microsoft.com/office/officeart/2005/8/layout/vProcess5"/>
-    <dgm:cxn modelId="{AA9B4D0A-807A-4642-9F18-6CD8B710A48A}" type="presOf" srcId="{F8D72D13-4639-48E2-92A6-2CF34CD9EACE}" destId="{77233CAF-464A-4C2F-9A06-939F39B649E6}" srcOrd="0" destOrd="1" presId="urn:microsoft.com/office/officeart/2005/8/layout/vProcess5"/>
-    <dgm:cxn modelId="{215AEA0A-78B4-4D98-A585-8886E7B5882D}" type="presOf" srcId="{EBEBD135-3FC9-4EB2-8D60-F0A6FEE02841}" destId="{96390517-CD1C-48D5-A69F-6D6940716325}" srcOrd="1" destOrd="0" presId="urn:microsoft.com/office/officeart/2005/8/layout/vProcess5"/>
+    <dgm:cxn modelId="{2813D508-36A9-40C4-B462-12E316AE259E}" type="presOf" srcId="{50D2AF79-3265-4C88-932E-3517EFAD8D9D}" destId="{52478FAF-381E-4AC6-8A6A-49F2591BD57D}" srcOrd="0" destOrd="0" presId="urn:microsoft.com/office/officeart/2005/8/layout/vProcess5"/>
     <dgm:cxn modelId="{D0DA2115-DA8C-4557-9D49-AA4FC3FD9DFE}" srcId="{B2873C5A-D045-410A-9F36-9EA358ECFC4F}" destId="{DCFAF358-9056-4ABF-8D2E-3EBF06B7561B}" srcOrd="1" destOrd="0" parTransId="{9DC41325-65C6-4953-BBA9-04E4AFBC6750}" sibTransId="{2B1DDD80-E33E-4DB8-A8CB-C83D16A98017}"/>
-    <dgm:cxn modelId="{5C953133-9C64-4596-B62C-6D554BDC4890}" type="presOf" srcId="{EE9B7C30-1B20-4660-AD05-4E16FBE40967}" destId="{EC1ADC7F-0AA9-4FC5-AF14-B2C661405DE5}" srcOrd="1" destOrd="1" presId="urn:microsoft.com/office/officeart/2005/8/layout/vProcess5"/>
-    <dgm:cxn modelId="{A095B25D-B4F8-4BDC-AF86-090C9E3BAF2C}" type="presOf" srcId="{EBEBD135-3FC9-4EB2-8D60-F0A6FEE02841}" destId="{A981F886-9402-4E54-B85A-F7564E0978C0}" srcOrd="0" destOrd="0" presId="urn:microsoft.com/office/officeart/2005/8/layout/vProcess5"/>
-    <dgm:cxn modelId="{75BCAF62-115B-412F-A393-F305130692A6}" type="presOf" srcId="{50D2AF79-3265-4C88-932E-3517EFAD8D9D}" destId="{8FE7CA83-FA4F-418B-B0D7-0291297247BB}" srcOrd="1" destOrd="0" presId="urn:microsoft.com/office/officeart/2005/8/layout/vProcess5"/>
-    <dgm:cxn modelId="{377F2063-5852-4748-8BDA-947B98D70B1C}" type="presOf" srcId="{D72F9A65-91CD-4F13-9678-DA507F6225DA}" destId="{DD1D10A7-C506-4219-A09E-ED6D60CD7B13}" srcOrd="0" destOrd="0" presId="urn:microsoft.com/office/officeart/2005/8/layout/vProcess5"/>
-    <dgm:cxn modelId="{3F0CBC4A-874E-4B47-A439-A0488833F6BC}" type="presOf" srcId="{DCFAF358-9056-4ABF-8D2E-3EBF06B7561B}" destId="{AE54677D-AD1B-4C7B-88F1-743596BC53B3}" srcOrd="0" destOrd="0" presId="urn:microsoft.com/office/officeart/2005/8/layout/vProcess5"/>
-    <dgm:cxn modelId="{207F1B6E-61D8-4389-A6B0-A6441F42673D}" srcId="{DCFAF358-9056-4ABF-8D2E-3EBF06B7561B}" destId="{EE9B7C30-1B20-4660-AD05-4E16FBE40967}" srcOrd="0" destOrd="0" parTransId="{F917B89E-61DE-4704-8088-082A5D337FC0}" sibTransId="{C71C2FEA-A2CF-456D-847D-C71028F385B5}"/>
-    <dgm:cxn modelId="{E60BBA70-E878-4055-8105-B985C095DCBA}" srcId="{50D2AF79-3265-4C88-932E-3517EFAD8D9D}" destId="{94218460-56B1-4DE5-B257-C631FE68C341}" srcOrd="1" destOrd="0" parTransId="{0B87E15B-2D6B-4847-937B-1B3DA215A72F}" sibTransId="{DB0AA69A-B9FD-408B-8A2A-61C570311EC8}"/>
-    <dgm:cxn modelId="{26734352-0BAE-48C9-8107-C10F05979155}" type="presOf" srcId="{F542EE2D-F4B6-46F7-AFE4-A64029A8673A}" destId="{96390517-CD1C-48D5-A69F-6D6940716325}" srcOrd="1" destOrd="3" presId="urn:microsoft.com/office/officeart/2005/8/layout/vProcess5"/>
-    <dgm:cxn modelId="{B1DE355A-6C2C-4EAE-AAD6-B383DDB0B54C}" type="presOf" srcId="{B20F10F2-7C77-40B5-BC18-EDEC4486DBA0}" destId="{96390517-CD1C-48D5-A69F-6D6940716325}" srcOrd="1" destOrd="1" presId="urn:microsoft.com/office/officeart/2005/8/layout/vProcess5"/>
-    <dgm:cxn modelId="{EE1E8682-36DE-4B24-AA8F-753F6AD24ED5}" type="presOf" srcId="{F542EE2D-F4B6-46F7-AFE4-A64029A8673A}" destId="{A981F886-9402-4E54-B85A-F7564E0978C0}" srcOrd="0" destOrd="3" presId="urn:microsoft.com/office/officeart/2005/8/layout/vProcess5"/>
+    <dgm:cxn modelId="{51F84C2A-859D-4721-89C9-300EDBF7AC94}" type="presOf" srcId="{B2873C5A-D045-410A-9F36-9EA358ECFC4F}" destId="{F2C0B328-7E6C-473B-9A1E-8D4B47BC5A4A}" srcOrd="0" destOrd="0" presId="urn:microsoft.com/office/officeart/2005/8/layout/vProcess5"/>
+    <dgm:cxn modelId="{CB247C2E-553D-4599-9BDF-568C6DAB0CBF}" type="presOf" srcId="{DCFAF358-9056-4ABF-8D2E-3EBF06B7561B}" destId="{D47633B0-B4F1-4EB6-9D39-04343ECCCD1F}" srcOrd="0" destOrd="0" presId="urn:microsoft.com/office/officeart/2005/8/layout/vProcess5"/>
+    <dgm:cxn modelId="{AE44EE30-4106-4EA1-8F8B-87AC181E6F5F}" type="presOf" srcId="{EBEBD135-3FC9-4EB2-8D60-F0A6FEE02841}" destId="{A89FBB31-7DB4-41F9-80B3-6060C9AD19E8}" srcOrd="1" destOrd="0" presId="urn:microsoft.com/office/officeart/2005/8/layout/vProcess5"/>
+    <dgm:cxn modelId="{0FEBC375-A7FA-4AA5-A073-204966B47BAB}" type="presOf" srcId="{EBEBD135-3FC9-4EB2-8D60-F0A6FEE02841}" destId="{1DEC35F6-99A5-45AB-A87E-5B3D0EDD8182}" srcOrd="0" destOrd="0" presId="urn:microsoft.com/office/officeart/2005/8/layout/vProcess5"/>
     <dgm:cxn modelId="{C112D583-A998-49F8-A23F-FED0A395B127}" srcId="{B2873C5A-D045-410A-9F36-9EA358ECFC4F}" destId="{EBEBD135-3FC9-4EB2-8D60-F0A6FEE02841}" srcOrd="0" destOrd="0" parTransId="{AFC25669-914C-4A9F-A051-B2ED2749A82B}" sibTransId="{D72F9A65-91CD-4F13-9678-DA507F6225DA}"/>
-    <dgm:cxn modelId="{5CC22486-2055-41D6-8391-1ACF2EA4997F}" type="presOf" srcId="{F8D72D13-4639-48E2-92A6-2CF34CD9EACE}" destId="{8FE7CA83-FA4F-418B-B0D7-0291297247BB}" srcOrd="1" destOrd="1" presId="urn:microsoft.com/office/officeart/2005/8/layout/vProcess5"/>
-    <dgm:cxn modelId="{58B65B8F-C3B9-4A49-9B1B-57D93FF82C3F}" srcId="{50D2AF79-3265-4C88-932E-3517EFAD8D9D}" destId="{F8D72D13-4639-48E2-92A6-2CF34CD9EACE}" srcOrd="0" destOrd="0" parTransId="{19472584-BD98-4A09-AC93-F02292718C71}" sibTransId="{ED191422-D6C9-4C80-BF51-3A23A514631B}"/>
-    <dgm:cxn modelId="{E58B5E9B-21D5-4DE5-9517-4564AB881F99}" type="presOf" srcId="{B2873C5A-D045-410A-9F36-9EA358ECFC4F}" destId="{AE5A1861-3A9D-40DC-B7D8-60AD287821DE}" srcOrd="0" destOrd="0" presId="urn:microsoft.com/office/officeart/2005/8/layout/vProcess5"/>
-    <dgm:cxn modelId="{2894A5A9-57D6-46D1-8D8F-0F406FC7E5CC}" type="presOf" srcId="{DCFAF358-9056-4ABF-8D2E-3EBF06B7561B}" destId="{EC1ADC7F-0AA9-4FC5-AF14-B2C661405DE5}" srcOrd="1" destOrd="0" presId="urn:microsoft.com/office/officeart/2005/8/layout/vProcess5"/>
-    <dgm:cxn modelId="{1C03E6AB-05B3-4947-B41A-F7CBF5695538}" srcId="{EBEBD135-3FC9-4EB2-8D60-F0A6FEE02841}" destId="{B20F10F2-7C77-40B5-BC18-EDEC4486DBA0}" srcOrd="0" destOrd="0" parTransId="{747E9B34-00DB-4C57-B5F2-AFA31696A072}" sibTransId="{138EE745-9974-416B-B129-38204CDD8AC7}"/>
-    <dgm:cxn modelId="{4AF58CB4-0010-480B-80F6-0F5D3B2D7BC3}" type="presOf" srcId="{EE9B7C30-1B20-4660-AD05-4E16FBE40967}" destId="{AE54677D-AD1B-4C7B-88F1-743596BC53B3}" srcOrd="0" destOrd="1" presId="urn:microsoft.com/office/officeart/2005/8/layout/vProcess5"/>
-    <dgm:cxn modelId="{D2C0CECD-3254-474D-BDAE-2A896AB552DD}" type="presOf" srcId="{4C63660B-EA64-43FD-BFBC-6D708A3426C6}" destId="{A981F886-9402-4E54-B85A-F7564E0978C0}" srcOrd="0" destOrd="2" presId="urn:microsoft.com/office/officeart/2005/8/layout/vProcess5"/>
-    <dgm:cxn modelId="{36501FDB-C3D3-44E3-9C2C-E7262A7F5001}" srcId="{EBEBD135-3FC9-4EB2-8D60-F0A6FEE02841}" destId="{F542EE2D-F4B6-46F7-AFE4-A64029A8673A}" srcOrd="2" destOrd="0" parTransId="{69AD8E6B-1A9D-4E72-B579-9E236DD0F139}" sibTransId="{C041186F-E897-4CBC-8976-C64D47ADB8F4}"/>
-    <dgm:cxn modelId="{8F316FDC-966A-42F9-8A82-4A84B02828DC}" type="presOf" srcId="{2B1DDD80-E33E-4DB8-A8CB-C83D16A98017}" destId="{4C5A3D3B-3A65-41A7-879F-8F549F993828}" srcOrd="0" destOrd="0" presId="urn:microsoft.com/office/officeart/2005/8/layout/vProcess5"/>
-    <dgm:cxn modelId="{10251FE1-B317-4E72-88F5-ABBA6A350DC5}" type="presOf" srcId="{B20F10F2-7C77-40B5-BC18-EDEC4486DBA0}" destId="{A981F886-9402-4E54-B85A-F7564E0978C0}" srcOrd="0" destOrd="1" presId="urn:microsoft.com/office/officeart/2005/8/layout/vProcess5"/>
+    <dgm:cxn modelId="{69763585-321B-4ADA-A4F1-1D9246B7BE8C}" type="presOf" srcId="{50D2AF79-3265-4C88-932E-3517EFAD8D9D}" destId="{103508A5-95FD-4AFF-86F6-D63C768937B8}" srcOrd="1" destOrd="0" presId="urn:microsoft.com/office/officeart/2005/8/layout/vProcess5"/>
+    <dgm:cxn modelId="{57125294-9713-493E-A114-1925328DEB3E}" type="presOf" srcId="{D72F9A65-91CD-4F13-9678-DA507F6225DA}" destId="{9455AC8C-E67B-41D6-85E5-F43F6DDB9662}" srcOrd="0" destOrd="0" presId="urn:microsoft.com/office/officeart/2005/8/layout/vProcess5"/>
+    <dgm:cxn modelId="{2F4BA296-34D5-4199-8039-DB8A52C77C8A}" type="presOf" srcId="{2B1DDD80-E33E-4DB8-A8CB-C83D16A98017}" destId="{5A26C2BC-F9F7-4913-B27F-47085EC23123}" srcOrd="0" destOrd="0" presId="urn:microsoft.com/office/officeart/2005/8/layout/vProcess5"/>
+    <dgm:cxn modelId="{EE5FB9D2-6E32-4B4A-B450-AFA4932E19C9}" type="presOf" srcId="{DCFAF358-9056-4ABF-8D2E-3EBF06B7561B}" destId="{9105EC65-5B24-4ADF-BEC9-4A87B8C4A2A2}" srcOrd="1" destOrd="0" presId="urn:microsoft.com/office/officeart/2005/8/layout/vProcess5"/>
     <dgm:cxn modelId="{43E906E4-B132-457C-B60B-E149736D1ED8}" srcId="{B2873C5A-D045-410A-9F36-9EA358ECFC4F}" destId="{50D2AF79-3265-4C88-932E-3517EFAD8D9D}" srcOrd="2" destOrd="0" parTransId="{A3B6F941-5DE9-4DDB-A444-6811E85985D9}" sibTransId="{3ED15FD4-50A9-4477-86C8-6D6579940476}"/>
-    <dgm:cxn modelId="{B7706AEA-6E45-4D04-A298-9555FDC8F869}" type="presOf" srcId="{50D2AF79-3265-4C88-932E-3517EFAD8D9D}" destId="{77233CAF-464A-4C2F-9A06-939F39B649E6}" srcOrd="0" destOrd="0" presId="urn:microsoft.com/office/officeart/2005/8/layout/vProcess5"/>
-    <dgm:cxn modelId="{30FCB8EB-1703-4D80-AA3C-A307A2379F67}" type="presOf" srcId="{4C63660B-EA64-43FD-BFBC-6D708A3426C6}" destId="{96390517-CD1C-48D5-A69F-6D6940716325}" srcOrd="1" destOrd="2" presId="urn:microsoft.com/office/officeart/2005/8/layout/vProcess5"/>
-    <dgm:cxn modelId="{BE2F5BFB-C009-4678-8704-53C144DCC40E}" srcId="{EBEBD135-3FC9-4EB2-8D60-F0A6FEE02841}" destId="{4C63660B-EA64-43FD-BFBC-6D708A3426C6}" srcOrd="1" destOrd="0" parTransId="{FEB68ED8-1B4B-47B8-A377-541C2F3B799F}" sibTransId="{0F895DA2-30F3-4699-9C96-E60EC438F64E}"/>
-    <dgm:cxn modelId="{52E830E8-F294-4D4D-9FCF-9C3E510711F4}" type="presParOf" srcId="{AE5A1861-3A9D-40DC-B7D8-60AD287821DE}" destId="{190111C6-785B-48C0-99FC-B33DF755FF97}" srcOrd="0" destOrd="0" presId="urn:microsoft.com/office/officeart/2005/8/layout/vProcess5"/>
-    <dgm:cxn modelId="{C26ACF9C-FC68-4AC5-8EFC-37C0CEB3E002}" type="presParOf" srcId="{AE5A1861-3A9D-40DC-B7D8-60AD287821DE}" destId="{A981F886-9402-4E54-B85A-F7564E0978C0}" srcOrd="1" destOrd="0" presId="urn:microsoft.com/office/officeart/2005/8/layout/vProcess5"/>
-    <dgm:cxn modelId="{18BB1557-F3D6-40A0-B65D-73C96A186843}" type="presParOf" srcId="{AE5A1861-3A9D-40DC-B7D8-60AD287821DE}" destId="{AE54677D-AD1B-4C7B-88F1-743596BC53B3}" srcOrd="2" destOrd="0" presId="urn:microsoft.com/office/officeart/2005/8/layout/vProcess5"/>
-    <dgm:cxn modelId="{7048BDDC-6A15-4EF8-A211-10C5A113BD88}" type="presParOf" srcId="{AE5A1861-3A9D-40DC-B7D8-60AD287821DE}" destId="{77233CAF-464A-4C2F-9A06-939F39B649E6}" srcOrd="3" destOrd="0" presId="urn:microsoft.com/office/officeart/2005/8/layout/vProcess5"/>
-    <dgm:cxn modelId="{F0349A17-74CF-4106-B504-15DF331F5B34}" type="presParOf" srcId="{AE5A1861-3A9D-40DC-B7D8-60AD287821DE}" destId="{DD1D10A7-C506-4219-A09E-ED6D60CD7B13}" srcOrd="4" destOrd="0" presId="urn:microsoft.com/office/officeart/2005/8/layout/vProcess5"/>
-    <dgm:cxn modelId="{5E5BCD45-9CC5-42FF-8335-077E59D936D8}" type="presParOf" srcId="{AE5A1861-3A9D-40DC-B7D8-60AD287821DE}" destId="{4C5A3D3B-3A65-41A7-879F-8F549F993828}" srcOrd="5" destOrd="0" presId="urn:microsoft.com/office/officeart/2005/8/layout/vProcess5"/>
-    <dgm:cxn modelId="{94880E9C-C3E5-46E4-A953-998CA402A618}" type="presParOf" srcId="{AE5A1861-3A9D-40DC-B7D8-60AD287821DE}" destId="{96390517-CD1C-48D5-A69F-6D6940716325}" srcOrd="6" destOrd="0" presId="urn:microsoft.com/office/officeart/2005/8/layout/vProcess5"/>
-    <dgm:cxn modelId="{11EDFF6E-9C0F-4189-B8CA-D68292C522AF}" type="presParOf" srcId="{AE5A1861-3A9D-40DC-B7D8-60AD287821DE}" destId="{EC1ADC7F-0AA9-4FC5-AF14-B2C661405DE5}" srcOrd="7" destOrd="0" presId="urn:microsoft.com/office/officeart/2005/8/layout/vProcess5"/>
-    <dgm:cxn modelId="{28C20FC9-EACE-471E-A43C-16E40AA44B56}" type="presParOf" srcId="{AE5A1861-3A9D-40DC-B7D8-60AD287821DE}" destId="{8FE7CA83-FA4F-418B-B0D7-0291297247BB}" srcOrd="8" destOrd="0" presId="urn:microsoft.com/office/officeart/2005/8/layout/vProcess5"/>
+    <dgm:cxn modelId="{3AFFB9B5-88FE-4994-B39C-E9C768B62BDA}" type="presParOf" srcId="{F2C0B328-7E6C-473B-9A1E-8D4B47BC5A4A}" destId="{14FCF56A-098A-4A34-979D-25EC8CB9C367}" srcOrd="0" destOrd="0" presId="urn:microsoft.com/office/officeart/2005/8/layout/vProcess5"/>
+    <dgm:cxn modelId="{26BDEADC-0D61-4EAB-B4DE-7EDF5DCB1A60}" type="presParOf" srcId="{F2C0B328-7E6C-473B-9A1E-8D4B47BC5A4A}" destId="{1DEC35F6-99A5-45AB-A87E-5B3D0EDD8182}" srcOrd="1" destOrd="0" presId="urn:microsoft.com/office/officeart/2005/8/layout/vProcess5"/>
+    <dgm:cxn modelId="{E11BEC65-65D5-4D30-A221-538F892AE0C1}" type="presParOf" srcId="{F2C0B328-7E6C-473B-9A1E-8D4B47BC5A4A}" destId="{D47633B0-B4F1-4EB6-9D39-04343ECCCD1F}" srcOrd="2" destOrd="0" presId="urn:microsoft.com/office/officeart/2005/8/layout/vProcess5"/>
+    <dgm:cxn modelId="{85E85C42-B67C-4DFB-AEE1-C670554528EF}" type="presParOf" srcId="{F2C0B328-7E6C-473B-9A1E-8D4B47BC5A4A}" destId="{52478FAF-381E-4AC6-8A6A-49F2591BD57D}" srcOrd="3" destOrd="0" presId="urn:microsoft.com/office/officeart/2005/8/layout/vProcess5"/>
+    <dgm:cxn modelId="{DDA73310-0E3E-45E8-AA95-349D8E27295F}" type="presParOf" srcId="{F2C0B328-7E6C-473B-9A1E-8D4B47BC5A4A}" destId="{9455AC8C-E67B-41D6-85E5-F43F6DDB9662}" srcOrd="4" destOrd="0" presId="urn:microsoft.com/office/officeart/2005/8/layout/vProcess5"/>
+    <dgm:cxn modelId="{05DDA413-0524-424A-A533-7BAFC6EE6846}" type="presParOf" srcId="{F2C0B328-7E6C-473B-9A1E-8D4B47BC5A4A}" destId="{5A26C2BC-F9F7-4913-B27F-47085EC23123}" srcOrd="5" destOrd="0" presId="urn:microsoft.com/office/officeart/2005/8/layout/vProcess5"/>
+    <dgm:cxn modelId="{630A8C7D-2D25-4990-9B12-80DB7377197C}" type="presParOf" srcId="{F2C0B328-7E6C-473B-9A1E-8D4B47BC5A4A}" destId="{A89FBB31-7DB4-41F9-80B3-6060C9AD19E8}" srcOrd="6" destOrd="0" presId="urn:microsoft.com/office/officeart/2005/8/layout/vProcess5"/>
+    <dgm:cxn modelId="{7EBB8695-6DB3-4604-9B24-F2BD928EA477}" type="presParOf" srcId="{F2C0B328-7E6C-473B-9A1E-8D4B47BC5A4A}" destId="{9105EC65-5B24-4ADF-BEC9-4A87B8C4A2A2}" srcOrd="7" destOrd="0" presId="urn:microsoft.com/office/officeart/2005/8/layout/vProcess5"/>
+    <dgm:cxn modelId="{DFC98A82-F165-4A67-A92B-E92EA778F9AB}" type="presParOf" srcId="{F2C0B328-7E6C-473B-9A1E-8D4B47BC5A4A}" destId="{103508A5-95FD-4AFF-86F6-D63C768937B8}" srcOrd="8" destOrd="0" presId="urn:microsoft.com/office/officeart/2005/8/layout/vProcess5"/>
   </dgm:cxnLst>
   <dgm:bg/>
   <dgm:whole/>
@@ -8271,7 +7996,7 @@
       <dsp:cNvGrpSpPr/>
     </dsp:nvGrpSpPr>
     <dsp:grpSpPr/>
-    <dsp:sp modelId="{A981F886-9402-4E54-B85A-F7564E0978C0}">
+    <dsp:sp modelId="{1DEC35F6-99A5-45AB-A87E-5B3D0EDD8182}">
       <dsp:nvSpPr>
         <dsp:cNvPr id="0" name=""/>
         <dsp:cNvSpPr/>
@@ -8279,7 +8004,7 @@
       <dsp:spPr>
         <a:xfrm>
           <a:off x="0" y="0"/>
-          <a:ext cx="9288654" cy="1257841"/>
+          <a:ext cx="8821674" cy="962970"/>
         </a:xfrm>
         <a:prstGeom prst="roundRect">
           <a:avLst>
@@ -8323,12 +8048,12 @@
         </a:fontRef>
       </dsp:style>
       <dsp:txBody>
-        <a:bodyPr spcFirstLastPara="0" vert="horz" wrap="square" lIns="68580" tIns="68580" rIns="68580" bIns="68580" numCol="1" spcCol="1270" anchor="ctr" anchorCtr="0">
+        <a:bodyPr spcFirstLastPara="0" vert="horz" wrap="square" lIns="133350" tIns="133350" rIns="133350" bIns="133350" numCol="1" spcCol="1270" anchor="ctr" anchorCtr="0">
           <a:noAutofit/>
         </a:bodyPr>
         <a:lstStyle/>
         <a:p>
-          <a:pPr marL="0" lvl="0" indent="0" algn="l" defTabSz="800100">
+          <a:pPr marL="0" lvl="0" indent="0" algn="l" defTabSz="1555750">
             <a:lnSpc>
               <a:spcPct val="90000"/>
             </a:lnSpc>
@@ -8341,79 +8066,25 @@
             <a:buNone/>
           </a:pPr>
           <a:r>
-            <a:rPr lang="en-US" sz="1800" kern="1200" dirty="0"/>
-            <a:t>Hobbies:</a:t>
-          </a:r>
-        </a:p>
-        <a:p>
-          <a:pPr marL="114300" lvl="1" indent="-114300" algn="l" defTabSz="622300">
-            <a:lnSpc>
-              <a:spcPct val="90000"/>
-            </a:lnSpc>
-            <a:spcBef>
-              <a:spcPct val="0"/>
-            </a:spcBef>
-            <a:spcAft>
-              <a:spcPct val="15000"/>
-            </a:spcAft>
-            <a:buChar char="•"/>
-          </a:pPr>
-          <a:r>
-            <a:rPr lang="en-US" sz="1400" kern="1200" dirty="0"/>
-            <a:t>Mountaineering</a:t>
-          </a:r>
-        </a:p>
-        <a:p>
-          <a:pPr marL="114300" lvl="1" indent="-114300" algn="l" defTabSz="622300">
-            <a:lnSpc>
-              <a:spcPct val="90000"/>
-            </a:lnSpc>
-            <a:spcBef>
-              <a:spcPct val="0"/>
-            </a:spcBef>
-            <a:spcAft>
-              <a:spcPct val="15000"/>
-            </a:spcAft>
-            <a:buChar char="•"/>
-          </a:pPr>
-          <a:r>
-            <a:rPr lang="en-US" sz="1400" kern="1200" dirty="0"/>
-            <a:t>Soccer</a:t>
-          </a:r>
-        </a:p>
-        <a:p>
-          <a:pPr marL="114300" lvl="1" indent="-114300" algn="l" defTabSz="622300">
-            <a:lnSpc>
-              <a:spcPct val="90000"/>
-            </a:lnSpc>
-            <a:spcBef>
-              <a:spcPct val="0"/>
-            </a:spcBef>
-            <a:spcAft>
-              <a:spcPct val="15000"/>
-            </a:spcAft>
-            <a:buChar char="•"/>
-          </a:pPr>
-          <a:r>
-            <a:rPr lang="en-US" sz="1400" kern="1200" dirty="0"/>
-            <a:t>Guitar</a:t>
+            <a:rPr lang="en-US" sz="3500" kern="1200" dirty="0"/>
+            <a:t>Matt Gantz</a:t>
           </a:r>
         </a:p>
       </dsp:txBody>
       <dsp:txXfrm>
-        <a:off x="36841" y="36841"/>
-        <a:ext cx="7931345" cy="1184159"/>
+        <a:off x="28204" y="28204"/>
+        <a:ext cx="7782554" cy="906562"/>
       </dsp:txXfrm>
     </dsp:sp>
-    <dsp:sp modelId="{AE54677D-AD1B-4C7B-88F1-743596BC53B3}">
+    <dsp:sp modelId="{D47633B0-B4F1-4EB6-9D39-04343ECCCD1F}">
       <dsp:nvSpPr>
         <dsp:cNvPr id="0" name=""/>
         <dsp:cNvSpPr/>
       </dsp:nvSpPr>
       <dsp:spPr>
         <a:xfrm>
-          <a:off x="819587" y="1467481"/>
-          <a:ext cx="9288654" cy="1257841"/>
+          <a:off x="778382" y="1123465"/>
+          <a:ext cx="8821674" cy="962970"/>
         </a:xfrm>
         <a:prstGeom prst="roundRect">
           <a:avLst>
@@ -8421,10 +8092,10 @@
           </a:avLst>
         </a:prstGeom>
         <a:solidFill>
-          <a:schemeClr val="accent3">
-            <a:hueOff val="0"/>
-            <a:satOff val="0"/>
-            <a:lumOff val="0"/>
+          <a:schemeClr val="accent2">
+            <a:hueOff val="-727682"/>
+            <a:satOff val="-41964"/>
+            <a:lumOff val="4314"/>
             <a:alphaOff val="0"/>
           </a:schemeClr>
         </a:solidFill>
@@ -8457,12 +8128,12 @@
         </a:fontRef>
       </dsp:style>
       <dsp:txBody>
-        <a:bodyPr spcFirstLastPara="0" vert="horz" wrap="square" lIns="68580" tIns="68580" rIns="68580" bIns="68580" numCol="1" spcCol="1270" anchor="ctr" anchorCtr="0">
+        <a:bodyPr spcFirstLastPara="0" vert="horz" wrap="square" lIns="133350" tIns="133350" rIns="133350" bIns="133350" numCol="1" spcCol="1270" anchor="ctr" anchorCtr="0">
           <a:noAutofit/>
         </a:bodyPr>
         <a:lstStyle/>
         <a:p>
-          <a:pPr marL="0" lvl="0" indent="0" algn="l" defTabSz="800100">
+          <a:pPr marL="0" lvl="0" indent="0" algn="l" defTabSz="1555750">
             <a:lnSpc>
               <a:spcPct val="90000"/>
             </a:lnSpc>
@@ -8475,43 +8146,25 @@
             <a:buNone/>
           </a:pPr>
           <a:r>
-            <a:rPr lang="en-US" sz="1800" kern="1200" dirty="0"/>
+            <a:rPr lang="en-US" sz="3500" kern="1200" dirty="0"/>
             <a:t>Database Architect, Incomm Payments</a:t>
-          </a:r>
-        </a:p>
-        <a:p>
-          <a:pPr marL="114300" lvl="1" indent="-114300" algn="l" defTabSz="622300">
-            <a:lnSpc>
-              <a:spcPct val="90000"/>
-            </a:lnSpc>
-            <a:spcBef>
-              <a:spcPct val="0"/>
-            </a:spcBef>
-            <a:spcAft>
-              <a:spcPct val="15000"/>
-            </a:spcAft>
-            <a:buChar char="•"/>
-          </a:pPr>
-          <a:r>
-            <a:rPr lang="en-US" sz="1400" kern="1200" dirty="0"/>
-            <a:t>16 Years experience with SQL Server</a:t>
           </a:r>
         </a:p>
       </dsp:txBody>
       <dsp:txXfrm>
-        <a:off x="856428" y="1504322"/>
-        <a:ext cx="7577788" cy="1184159"/>
+        <a:off x="806586" y="1151669"/>
+        <a:ext cx="7360952" cy="906562"/>
       </dsp:txXfrm>
     </dsp:sp>
-    <dsp:sp modelId="{77233CAF-464A-4C2F-9A06-939F39B649E6}">
+    <dsp:sp modelId="{52478FAF-381E-4AC6-8A6A-49F2591BD57D}">
       <dsp:nvSpPr>
         <dsp:cNvPr id="0" name=""/>
         <dsp:cNvSpPr/>
       </dsp:nvSpPr>
       <dsp:spPr>
         <a:xfrm>
-          <a:off x="1639174" y="2934963"/>
-          <a:ext cx="9288654" cy="1257841"/>
+          <a:off x="1556765" y="2246931"/>
+          <a:ext cx="8821674" cy="962970"/>
         </a:xfrm>
         <a:prstGeom prst="roundRect">
           <a:avLst>
@@ -8519,10 +8172,10 @@
           </a:avLst>
         </a:prstGeom>
         <a:solidFill>
-          <a:schemeClr val="accent4">
-            <a:hueOff val="0"/>
-            <a:satOff val="0"/>
-            <a:lumOff val="0"/>
+          <a:schemeClr val="accent2">
+            <a:hueOff val="-1455363"/>
+            <a:satOff val="-83928"/>
+            <a:lumOff val="8628"/>
             <a:alphaOff val="0"/>
           </a:schemeClr>
         </a:solidFill>
@@ -8555,12 +8208,12 @@
         </a:fontRef>
       </dsp:style>
       <dsp:txBody>
-        <a:bodyPr spcFirstLastPara="0" vert="horz" wrap="square" lIns="68580" tIns="68580" rIns="68580" bIns="68580" numCol="1" spcCol="1270" anchor="ctr" anchorCtr="0">
+        <a:bodyPr spcFirstLastPara="0" vert="horz" wrap="square" lIns="133350" tIns="133350" rIns="133350" bIns="133350" numCol="1" spcCol="1270" anchor="ctr" anchorCtr="0">
           <a:noAutofit/>
         </a:bodyPr>
         <a:lstStyle/>
         <a:p>
-          <a:pPr marL="0" lvl="0" indent="0" algn="l" defTabSz="800100">
+          <a:pPr marL="0" lvl="0" indent="0" algn="l" defTabSz="1555750">
             <a:lnSpc>
               <a:spcPct val="90000"/>
             </a:lnSpc>
@@ -8573,64 +8226,28 @@
             <a:buNone/>
           </a:pPr>
           <a:r>
-            <a:rPr lang="en-US" sz="1800" kern="1200" dirty="0"/>
-            <a:t>Contact Info:</a:t>
-          </a:r>
-        </a:p>
-        <a:p>
-          <a:pPr marL="114300" lvl="1" indent="-114300" algn="l" defTabSz="622300">
-            <a:lnSpc>
-              <a:spcPct val="90000"/>
-            </a:lnSpc>
-            <a:spcBef>
-              <a:spcPct val="0"/>
-            </a:spcBef>
-            <a:spcAft>
-              <a:spcPct val="15000"/>
-            </a:spcAft>
-            <a:buChar char="•"/>
-          </a:pPr>
-          <a:r>
-            <a:rPr lang="en-US" sz="1400" kern="1200" dirty="0">
+            <a:rPr lang="en-US" sz="3500" kern="1200" dirty="0">
               <a:hlinkClick xmlns:r="http://schemas.openxmlformats.org/officeDocument/2006/relationships" r:id="rId1"/>
             </a:rPr>
             <a:t>mattgantz@gmail.com</a:t>
           </a:r>
-          <a:endParaRPr lang="en-US" sz="1400" kern="1200" dirty="0"/>
-        </a:p>
-        <a:p>
-          <a:pPr marL="114300" lvl="1" indent="-114300" algn="l" defTabSz="622300">
-            <a:lnSpc>
-              <a:spcPct val="90000"/>
-            </a:lnSpc>
-            <a:spcBef>
-              <a:spcPct val="0"/>
-            </a:spcBef>
-            <a:spcAft>
-              <a:spcPct val="15000"/>
-            </a:spcAft>
-            <a:buChar char="•"/>
-          </a:pPr>
-          <a:r>
-            <a:rPr lang="en-US" sz="1400" kern="1200" dirty="0"/>
-            <a:t>https://www.linkedin.com/in/matthew-gantz-8548a714/</a:t>
-          </a:r>
+          <a:endParaRPr lang="en-US" sz="3500" kern="1200" dirty="0"/>
         </a:p>
       </dsp:txBody>
       <dsp:txXfrm>
-        <a:off x="1676015" y="2971804"/>
-        <a:ext cx="7577788" cy="1184159"/>
+        <a:off x="1584969" y="2275135"/>
+        <a:ext cx="7360952" cy="906562"/>
       </dsp:txXfrm>
     </dsp:sp>
-    <dsp:sp modelId="{DD1D10A7-C506-4219-A09E-ED6D60CD7B13}">
+    <dsp:sp modelId="{9455AC8C-E67B-41D6-85E5-F43F6DDB9662}">
       <dsp:nvSpPr>
         <dsp:cNvPr id="0" name=""/>
         <dsp:cNvSpPr/>
       </dsp:nvSpPr>
       <dsp:spPr>
         <a:xfrm>
-          <a:off x="8471057" y="953863"/>
-          <a:ext cx="817596" cy="817596"/>
+          <a:off x="8195743" y="730252"/>
+          <a:ext cx="625930" cy="625930"/>
         </a:xfrm>
         <a:prstGeom prst="downArrow">
           <a:avLst>
@@ -8677,12 +8294,12 @@
         <a:fontRef idx="minor"/>
       </dsp:style>
       <dsp:txBody>
-        <a:bodyPr spcFirstLastPara="0" vert="horz" wrap="square" lIns="45720" tIns="45720" rIns="45720" bIns="45720" numCol="1" spcCol="1270" anchor="ctr" anchorCtr="0">
+        <a:bodyPr spcFirstLastPara="0" vert="horz" wrap="square" lIns="35560" tIns="35560" rIns="35560" bIns="35560" numCol="1" spcCol="1270" anchor="ctr" anchorCtr="0">
           <a:noAutofit/>
         </a:bodyPr>
         <a:lstStyle/>
         <a:p>
-          <a:pPr marL="0" lvl="0" indent="0" algn="ctr" defTabSz="1600200">
+          <a:pPr marL="0" lvl="0" indent="0" algn="ctr" defTabSz="1244600">
             <a:lnSpc>
               <a:spcPct val="90000"/>
             </a:lnSpc>
@@ -8694,23 +8311,23 @@
             </a:spcAft>
             <a:buNone/>
           </a:pPr>
-          <a:endParaRPr lang="en-US" sz="3600" kern="1200"/>
+          <a:endParaRPr lang="en-US" sz="2800" kern="1200"/>
         </a:p>
       </dsp:txBody>
       <dsp:txXfrm>
-        <a:off x="8655016" y="953863"/>
-        <a:ext cx="449678" cy="615241"/>
+        <a:off x="8336577" y="730252"/>
+        <a:ext cx="344262" cy="471012"/>
       </dsp:txXfrm>
     </dsp:sp>
-    <dsp:sp modelId="{4C5A3D3B-3A65-41A7-879F-8F549F993828}">
+    <dsp:sp modelId="{5A26C2BC-F9F7-4913-B27F-47085EC23123}">
       <dsp:nvSpPr>
         <dsp:cNvPr id="0" name=""/>
         <dsp:cNvSpPr/>
       </dsp:nvSpPr>
       <dsp:spPr>
         <a:xfrm>
-          <a:off x="9290644" y="2412959"/>
-          <a:ext cx="817596" cy="817596"/>
+          <a:off x="8974126" y="1847298"/>
+          <a:ext cx="625930" cy="625930"/>
         </a:xfrm>
         <a:prstGeom prst="downArrow">
           <a:avLst>
@@ -8719,23 +8336,23 @@
           </a:avLst>
         </a:prstGeom>
         <a:solidFill>
-          <a:schemeClr val="accent3">
+          <a:schemeClr val="accent2">
             <a:tint val="40000"/>
             <a:alpha val="90000"/>
-            <a:hueOff val="0"/>
-            <a:satOff val="0"/>
-            <a:lumOff val="0"/>
+            <a:hueOff val="-849226"/>
+            <a:satOff val="-75346"/>
+            <a:lumOff val="-769"/>
             <a:alphaOff val="0"/>
           </a:schemeClr>
         </a:solidFill>
         <a:ln w="12700" cap="flat" cmpd="sng" algn="ctr">
           <a:solidFill>
-            <a:schemeClr val="accent3">
+            <a:schemeClr val="accent2">
               <a:tint val="40000"/>
               <a:alpha val="90000"/>
-              <a:hueOff val="0"/>
-              <a:satOff val="0"/>
-              <a:lumOff val="0"/>
+              <a:hueOff val="-849226"/>
+              <a:satOff val="-75346"/>
+              <a:lumOff val="-769"/>
               <a:alphaOff val="0"/>
             </a:schemeClr>
           </a:solidFill>
@@ -8757,12 +8374,12 @@
         <a:fontRef idx="minor"/>
       </dsp:style>
       <dsp:txBody>
-        <a:bodyPr spcFirstLastPara="0" vert="horz" wrap="square" lIns="45720" tIns="45720" rIns="45720" bIns="45720" numCol="1" spcCol="1270" anchor="ctr" anchorCtr="0">
+        <a:bodyPr spcFirstLastPara="0" vert="horz" wrap="square" lIns="35560" tIns="35560" rIns="35560" bIns="35560" numCol="1" spcCol="1270" anchor="ctr" anchorCtr="0">
           <a:noAutofit/>
         </a:bodyPr>
         <a:lstStyle/>
         <a:p>
-          <a:pPr marL="0" lvl="0" indent="0" algn="ctr" defTabSz="1600200">
+          <a:pPr marL="0" lvl="0" indent="0" algn="ctr" defTabSz="1244600">
             <a:lnSpc>
               <a:spcPct val="90000"/>
             </a:lnSpc>
@@ -8774,12 +8391,12 @@
             </a:spcAft>
             <a:buNone/>
           </a:pPr>
-          <a:endParaRPr lang="en-US" sz="3600" kern="1200"/>
+          <a:endParaRPr lang="en-US" sz="2800" kern="1200"/>
         </a:p>
       </dsp:txBody>
       <dsp:txXfrm>
-        <a:off x="9474603" y="2412959"/>
-        <a:ext cx="449678" cy="615241"/>
+        <a:off x="9114960" y="1847298"/>
+        <a:ext cx="344262" cy="471012"/>
       </dsp:txXfrm>
     </dsp:sp>
   </dsp:spTree>
@@ -20033,7 +19650,7 @@
           <a:p>
             <a:fld id="{8BEDFCF3-1D7B-4E63-8B09-4F47746A080E}" type="datetimeFigureOut">
               <a:rPr lang="en-US" smtClean="0"/>
-              <a:t>11/8/2023</a:t>
+              <a:t>11/10/2023</a:t>
             </a:fld>
             <a:endParaRPr lang="en-US"/>
           </a:p>
@@ -20231,7 +19848,7 @@
           <a:p>
             <a:fld id="{8BEDFCF3-1D7B-4E63-8B09-4F47746A080E}" type="datetimeFigureOut">
               <a:rPr lang="en-US" smtClean="0"/>
-              <a:t>11/8/2023</a:t>
+              <a:t>11/10/2023</a:t>
             </a:fld>
             <a:endParaRPr lang="en-US"/>
           </a:p>
@@ -20439,7 +20056,7 @@
           <a:p>
             <a:fld id="{8BEDFCF3-1D7B-4E63-8B09-4F47746A080E}" type="datetimeFigureOut">
               <a:rPr lang="en-US" smtClean="0"/>
-              <a:t>11/8/2023</a:t>
+              <a:t>11/10/2023</a:t>
             </a:fld>
             <a:endParaRPr lang="en-US"/>
           </a:p>
@@ -20637,7 +20254,7 @@
           <a:p>
             <a:fld id="{8BEDFCF3-1D7B-4E63-8B09-4F47746A080E}" type="datetimeFigureOut">
               <a:rPr lang="en-US" smtClean="0"/>
-              <a:t>11/8/2023</a:t>
+              <a:t>11/10/2023</a:t>
             </a:fld>
             <a:endParaRPr lang="en-US"/>
           </a:p>
@@ -20912,7 +20529,7 @@
           <a:p>
             <a:fld id="{8BEDFCF3-1D7B-4E63-8B09-4F47746A080E}" type="datetimeFigureOut">
               <a:rPr lang="en-US" smtClean="0"/>
-              <a:t>11/8/2023</a:t>
+              <a:t>11/10/2023</a:t>
             </a:fld>
             <a:endParaRPr lang="en-US"/>
           </a:p>
@@ -21177,7 +20794,7 @@
           <a:p>
             <a:fld id="{8BEDFCF3-1D7B-4E63-8B09-4F47746A080E}" type="datetimeFigureOut">
               <a:rPr lang="en-US" smtClean="0"/>
-              <a:t>11/8/2023</a:t>
+              <a:t>11/10/2023</a:t>
             </a:fld>
             <a:endParaRPr lang="en-US"/>
           </a:p>
@@ -21589,7 +21206,7 @@
           <a:p>
             <a:fld id="{8BEDFCF3-1D7B-4E63-8B09-4F47746A080E}" type="datetimeFigureOut">
               <a:rPr lang="en-US" smtClean="0"/>
-              <a:t>11/8/2023</a:t>
+              <a:t>11/10/2023</a:t>
             </a:fld>
             <a:endParaRPr lang="en-US"/>
           </a:p>
@@ -21730,7 +21347,7 @@
           <a:p>
             <a:fld id="{8BEDFCF3-1D7B-4E63-8B09-4F47746A080E}" type="datetimeFigureOut">
               <a:rPr lang="en-US" smtClean="0"/>
-              <a:t>11/8/2023</a:t>
+              <a:t>11/10/2023</a:t>
             </a:fld>
             <a:endParaRPr lang="en-US"/>
           </a:p>
@@ -21843,7 +21460,7 @@
           <a:p>
             <a:fld id="{8BEDFCF3-1D7B-4E63-8B09-4F47746A080E}" type="datetimeFigureOut">
               <a:rPr lang="en-US" smtClean="0"/>
-              <a:t>11/8/2023</a:t>
+              <a:t>11/10/2023</a:t>
             </a:fld>
             <a:endParaRPr lang="en-US"/>
           </a:p>
@@ -22154,7 +21771,7 @@
           <a:p>
             <a:fld id="{8BEDFCF3-1D7B-4E63-8B09-4F47746A080E}" type="datetimeFigureOut">
               <a:rPr lang="en-US" smtClean="0"/>
-              <a:t>11/8/2023</a:t>
+              <a:t>11/10/2023</a:t>
             </a:fld>
             <a:endParaRPr lang="en-US"/>
           </a:p>
@@ -22442,7 +22059,7 @@
           <a:p>
             <a:fld id="{8BEDFCF3-1D7B-4E63-8B09-4F47746A080E}" type="datetimeFigureOut">
               <a:rPr lang="en-US" smtClean="0"/>
-              <a:t>11/8/2023</a:t>
+              <a:t>11/10/2023</a:t>
             </a:fld>
             <a:endParaRPr lang="en-US"/>
           </a:p>
@@ -22683,7 +22300,7 @@
           <a:p>
             <a:fld id="{8BEDFCF3-1D7B-4E63-8B09-4F47746A080E}" type="datetimeFigureOut">
               <a:rPr lang="en-US" smtClean="0"/>
-              <a:t>11/8/2023</a:t>
+              <a:t>11/10/2023</a:t>
             </a:fld>
             <a:endParaRPr lang="en-US"/>
           </a:p>
@@ -23987,308 +23604,6 @@
           <a:chExt cx="0" cy="0"/>
         </a:xfrm>
       </p:grpSpPr>
-      <p:sp useBgFill="1">
-        <p:nvSpPr>
-          <p:cNvPr id="26" name="Rectangle 25">
-            <a:extLst>
-              <a:ext uri="{FF2B5EF4-FFF2-40B4-BE49-F238E27FC236}">
-                <a16:creationId xmlns:a16="http://schemas.microsoft.com/office/drawing/2014/main" id="{BACC6370-2D7E-4714-9D71-7542949D7D5D}"/>
-              </a:ext>
-              <a:ext uri="{C183D7F6-B498-43B3-948B-1728B52AA6E4}">
-                <adec:decorative xmlns:adec="http://schemas.microsoft.com/office/drawing/2017/decorative" val="1"/>
-              </a:ext>
-            </a:extLst>
-          </p:cNvPr>
-          <p:cNvSpPr>
-            <a:spLocks noGrp="1" noRot="1" noChangeAspect="1" noMove="1" noResize="1" noEditPoints="1" noAdjustHandles="1" noChangeArrowheads="1" noChangeShapeType="1" noTextEdit="1"/>
-          </p:cNvSpPr>
-          <p:nvPr>
-            <p:extLst>
-              <p:ext uri="{386F3935-93C4-4BCD-93E2-E3B085C9AB24}">
-                <p16:designElem xmlns:p16="http://schemas.microsoft.com/office/powerpoint/2015/main" val="1"/>
-              </p:ext>
-            </p:extLst>
-          </p:nvPr>
-        </p:nvSpPr>
-        <p:spPr>
-          <a:xfrm>
-            <a:off x="0" y="0"/>
-            <a:ext cx="12192000" cy="6858000"/>
-          </a:xfrm>
-          <a:prstGeom prst="rect">
-            <a:avLst/>
-          </a:prstGeom>
-          <a:ln w="12700" cap="flat" cmpd="sng" algn="ctr">
-            <a:noFill/>
-            <a:prstDash val="solid"/>
-            <a:miter lim="800000"/>
-          </a:ln>
-          <a:effectLst/>
-          <a:extLst>
-            <a:ext uri="{91240B29-F687-4F45-9708-019B960494DF}">
-              <a14:hiddenLine xmlns:a14="http://schemas.microsoft.com/office/drawing/2010/main" w="12700" cap="flat" cmpd="sng" algn="ctr">
-                <a:solidFill>
-                  <a:schemeClr val="accent1">
-                    <a:shade val="50000"/>
-                  </a:schemeClr>
-                </a:solidFill>
-                <a:prstDash val="solid"/>
-                <a:miter lim="800000"/>
-              </a14:hiddenLine>
-            </a:ext>
-          </a:extLst>
-        </p:spPr>
-        <p:style>
-          <a:lnRef idx="2">
-            <a:schemeClr val="accent1">
-              <a:shade val="50000"/>
-            </a:schemeClr>
-          </a:lnRef>
-          <a:fillRef idx="1">
-            <a:schemeClr val="accent1"/>
-          </a:fillRef>
-          <a:effectRef idx="0">
-            <a:schemeClr val="accent1"/>
-          </a:effectRef>
-          <a:fontRef idx="minor">
-            <a:schemeClr val="lt1"/>
-          </a:fontRef>
-        </p:style>
-        <p:txBody>
-          <a:bodyPr rtlCol="0" anchor="ctr"/>
-          <a:lstStyle/>
-          <a:p>
-            <a:pPr algn="ctr"/>
-            <a:endParaRPr lang="en-US"/>
-          </a:p>
-        </p:txBody>
-      </p:sp>
-      <p:sp>
-        <p:nvSpPr>
-          <p:cNvPr id="28" name="Rectangle 27">
-            <a:extLst>
-              <a:ext uri="{FF2B5EF4-FFF2-40B4-BE49-F238E27FC236}">
-                <a16:creationId xmlns:a16="http://schemas.microsoft.com/office/drawing/2014/main" id="{F68B3F68-107C-434F-AA38-110D5EA91B85}"/>
-              </a:ext>
-              <a:ext uri="{C183D7F6-B498-43B3-948B-1728B52AA6E4}">
-                <adec:decorative xmlns:adec="http://schemas.microsoft.com/office/drawing/2017/decorative" val="1"/>
-              </a:ext>
-            </a:extLst>
-          </p:cNvPr>
-          <p:cNvSpPr>
-            <a:spLocks noGrp="1" noRot="1" noChangeAspect="1" noMove="1" noResize="1" noEditPoints="1" noAdjustHandles="1" noChangeArrowheads="1" noChangeShapeType="1" noTextEdit="1"/>
-          </p:cNvSpPr>
-          <p:nvPr>
-            <p:extLst>
-              <p:ext uri="{386F3935-93C4-4BCD-93E2-E3B085C9AB24}">
-                <p16:designElem xmlns:p16="http://schemas.microsoft.com/office/powerpoint/2015/main" val="1"/>
-              </p:ext>
-            </p:extLst>
-          </p:nvPr>
-        </p:nvSpPr>
-        <p:spPr>
-          <a:xfrm flipH="1">
-            <a:off x="2" y="0"/>
-            <a:ext cx="12191998" cy="1575955"/>
-          </a:xfrm>
-          <a:prstGeom prst="rect">
-            <a:avLst/>
-          </a:prstGeom>
-          <a:gradFill>
-            <a:gsLst>
-              <a:gs pos="0">
-                <a:srgbClr val="000000">
-                  <a:alpha val="96000"/>
-                </a:srgbClr>
-              </a:gs>
-              <a:gs pos="100000">
-                <a:schemeClr val="accent1">
-                  <a:lumMod val="75000"/>
-                </a:schemeClr>
-              </a:gs>
-            </a:gsLst>
-            <a:lin ang="8400000" scaled="0"/>
-          </a:gradFill>
-          <a:ln>
-            <a:noFill/>
-          </a:ln>
-        </p:spPr>
-        <p:style>
-          <a:lnRef idx="2">
-            <a:schemeClr val="accent1">
-              <a:shade val="50000"/>
-            </a:schemeClr>
-          </a:lnRef>
-          <a:fillRef idx="1">
-            <a:schemeClr val="accent1"/>
-          </a:fillRef>
-          <a:effectRef idx="0">
-            <a:schemeClr val="accent1"/>
-          </a:effectRef>
-          <a:fontRef idx="minor">
-            <a:schemeClr val="lt1"/>
-          </a:fontRef>
-        </p:style>
-        <p:txBody>
-          <a:bodyPr rtlCol="0" anchor="ctr"/>
-          <a:lstStyle/>
-          <a:p>
-            <a:pPr algn="ctr"/>
-            <a:endParaRPr lang="en-US"/>
-          </a:p>
-        </p:txBody>
-      </p:sp>
-      <p:sp>
-        <p:nvSpPr>
-          <p:cNvPr id="30" name="Rectangle 29">
-            <a:extLst>
-              <a:ext uri="{FF2B5EF4-FFF2-40B4-BE49-F238E27FC236}">
-                <a16:creationId xmlns:a16="http://schemas.microsoft.com/office/drawing/2014/main" id="{AAD0DBB9-1A4B-4391-81D4-CB19F9AB918A}"/>
-              </a:ext>
-              <a:ext uri="{C183D7F6-B498-43B3-948B-1728B52AA6E4}">
-                <adec:decorative xmlns:adec="http://schemas.microsoft.com/office/drawing/2017/decorative" val="1"/>
-              </a:ext>
-            </a:extLst>
-          </p:cNvPr>
-          <p:cNvSpPr>
-            <a:spLocks noGrp="1" noRot="1" noChangeAspect="1" noMove="1" noResize="1" noEditPoints="1" noAdjustHandles="1" noChangeArrowheads="1" noChangeShapeType="1" noTextEdit="1"/>
-          </p:cNvSpPr>
-          <p:nvPr>
-            <p:extLst>
-              <p:ext uri="{386F3935-93C4-4BCD-93E2-E3B085C9AB24}">
-                <p16:designElem xmlns:p16="http://schemas.microsoft.com/office/powerpoint/2015/main" val="1"/>
-              </p:ext>
-            </p:extLst>
-          </p:nvPr>
-        </p:nvSpPr>
-        <p:spPr>
-          <a:xfrm rot="10800000" flipH="1">
-            <a:off x="8128857" y="0"/>
-            <a:ext cx="4063143" cy="1576412"/>
-          </a:xfrm>
-          <a:prstGeom prst="rect">
-            <a:avLst/>
-          </a:prstGeom>
-          <a:gradFill>
-            <a:gsLst>
-              <a:gs pos="19000">
-                <a:schemeClr val="accent1">
-                  <a:lumMod val="50000"/>
-                  <a:alpha val="68000"/>
-                </a:schemeClr>
-              </a:gs>
-              <a:gs pos="100000">
-                <a:schemeClr val="accent1">
-                  <a:alpha val="79000"/>
-                </a:schemeClr>
-              </a:gs>
-            </a:gsLst>
-            <a:lin ang="19200000" scaled="0"/>
-          </a:gradFill>
-          <a:ln>
-            <a:noFill/>
-          </a:ln>
-        </p:spPr>
-        <p:style>
-          <a:lnRef idx="2">
-            <a:schemeClr val="accent1">
-              <a:shade val="50000"/>
-            </a:schemeClr>
-          </a:lnRef>
-          <a:fillRef idx="1">
-            <a:schemeClr val="accent1"/>
-          </a:fillRef>
-          <a:effectRef idx="0">
-            <a:schemeClr val="accent1"/>
-          </a:effectRef>
-          <a:fontRef idx="minor">
-            <a:schemeClr val="lt1"/>
-          </a:fontRef>
-        </p:style>
-        <p:txBody>
-          <a:bodyPr rtlCol="0" anchor="ctr"/>
-          <a:lstStyle/>
-          <a:p>
-            <a:pPr algn="ctr"/>
-            <a:endParaRPr lang="en-US"/>
-          </a:p>
-        </p:txBody>
-      </p:sp>
-      <p:sp>
-        <p:nvSpPr>
-          <p:cNvPr id="32" name="Rectangle 31">
-            <a:extLst>
-              <a:ext uri="{FF2B5EF4-FFF2-40B4-BE49-F238E27FC236}">
-                <a16:creationId xmlns:a16="http://schemas.microsoft.com/office/drawing/2014/main" id="{063BBA22-50EA-4C4D-BE05-F1CE4E63AA56}"/>
-              </a:ext>
-              <a:ext uri="{C183D7F6-B498-43B3-948B-1728B52AA6E4}">
-                <adec:decorative xmlns:adec="http://schemas.microsoft.com/office/drawing/2017/decorative" val="1"/>
-              </a:ext>
-            </a:extLst>
-          </p:cNvPr>
-          <p:cNvSpPr>
-            <a:spLocks noGrp="1" noRot="1" noChangeAspect="1" noMove="1" noResize="1" noEditPoints="1" noAdjustHandles="1" noChangeArrowheads="1" noChangeShapeType="1" noTextEdit="1"/>
-          </p:cNvSpPr>
-          <p:nvPr>
-            <p:extLst>
-              <p:ext uri="{386F3935-93C4-4BCD-93E2-E3B085C9AB24}">
-                <p16:designElem xmlns:p16="http://schemas.microsoft.com/office/powerpoint/2015/main" val="1"/>
-              </p:ext>
-            </p:extLst>
-          </p:nvPr>
-        </p:nvSpPr>
-        <p:spPr>
-          <a:xfrm rot="5400000">
-            <a:off x="5307777" y="-5307778"/>
-            <a:ext cx="1576446" cy="12192002"/>
-          </a:xfrm>
-          <a:prstGeom prst="rect">
-            <a:avLst/>
-          </a:prstGeom>
-          <a:gradFill>
-            <a:gsLst>
-              <a:gs pos="23000">
-                <a:schemeClr val="accent1">
-                  <a:alpha val="0"/>
-                </a:schemeClr>
-              </a:gs>
-              <a:gs pos="99000">
-                <a:srgbClr val="000000">
-                  <a:alpha val="74000"/>
-                </a:srgbClr>
-              </a:gs>
-            </a:gsLst>
-            <a:lin ang="20400000" scaled="0"/>
-          </a:gradFill>
-          <a:ln>
-            <a:noFill/>
-          </a:ln>
-        </p:spPr>
-        <p:style>
-          <a:lnRef idx="2">
-            <a:schemeClr val="accent1">
-              <a:shade val="50000"/>
-            </a:schemeClr>
-          </a:lnRef>
-          <a:fillRef idx="1">
-            <a:schemeClr val="accent1"/>
-          </a:fillRef>
-          <a:effectRef idx="0">
-            <a:schemeClr val="accent1"/>
-          </a:effectRef>
-          <a:fontRef idx="minor">
-            <a:schemeClr val="lt1"/>
-          </a:fontRef>
-        </p:style>
-        <p:txBody>
-          <a:bodyPr rtlCol="0" anchor="ctr"/>
-          <a:lstStyle/>
-          <a:p>
-            <a:pPr algn="ctr"/>
-            <a:endParaRPr lang="en-US" dirty="0"/>
-          </a:p>
-        </p:txBody>
-      </p:sp>
       <p:sp>
         <p:nvSpPr>
           <p:cNvPr id="2" name="Title 1">
@@ -24307,8 +23622,8 @@
         </p:nvSpPr>
         <p:spPr>
           <a:xfrm>
-            <a:off x="1371597" y="348865"/>
-            <a:ext cx="10044023" cy="877729"/>
+            <a:off x="1043631" y="809898"/>
+            <a:ext cx="10173010" cy="1554480"/>
           </a:xfrm>
         </p:spPr>
         <p:txBody>
@@ -24318,12 +23633,8 @@
           <a:lstStyle/>
           <a:p>
             <a:r>
-              <a:rPr lang="en-US" sz="4000" dirty="0">
-                <a:solidFill>
-                  <a:srgbClr val="FFFFFF"/>
-                </a:solidFill>
-              </a:rPr>
-              <a:t>About Me: Matt Gantz</a:t>
+              <a:rPr lang="en-US" sz="4800"/>
+              <a:t>About Me</a:t>
             </a:r>
           </a:p>
         </p:txBody>
@@ -24344,14 +23655,14 @@
             <p:ph idx="1"/>
             <p:extLst>
               <p:ext uri="{D42A27DB-BD31-4B8C-83A1-F6EECF244321}">
-                <p14:modId xmlns:p14="http://schemas.microsoft.com/office/powerpoint/2010/main" val="2231111368"/>
+                <p14:modId xmlns:p14="http://schemas.microsoft.com/office/powerpoint/2010/main" val="1968858104"/>
               </p:ext>
             </p:extLst>
           </p:nvPr>
         </p:nvGraphicFramePr>
         <p:xfrm>
-          <a:off x="644056" y="2112579"/>
-          <a:ext cx="10927829" cy="4192805"/>
+          <a:off x="904602" y="3017519"/>
+          <a:ext cx="10378440" cy="3209902"/>
         </p:xfrm>
         <a:graphic>
           <a:graphicData uri="http://schemas.openxmlformats.org/drawingml/2006/diagram">

--- a/Zero-Downtime Data and Schema Migrations.pptx
+++ b/Zero-Downtime Data and Schema Migrations.pptx
@@ -3989,15 +3989,15 @@
 </file>
 
 <file path=ppt/diagrams/colors4.xml><?xml version="1.0" encoding="utf-8"?>
-<dgm:colorsDef xmlns:dgm="http://schemas.openxmlformats.org/drawingml/2006/diagram" xmlns:a="http://schemas.openxmlformats.org/drawingml/2006/main" uniqueId="urn:microsoft.com/office/officeart/2005/8/colors/colorful1">
+<dgm:colorsDef xmlns:dgm="http://schemas.openxmlformats.org/drawingml/2006/diagram" xmlns:a="http://schemas.openxmlformats.org/drawingml/2006/main" uniqueId="urn:microsoft.com/office/officeart/2005/8/colors/accent2_2">
   <dgm:title val=""/>
   <dgm:desc val=""/>
   <dgm:catLst>
-    <dgm:cat type="colorful" pri="10100"/>
+    <dgm:cat type="accent2" pri="11200"/>
   </dgm:catLst>
   <dgm:styleLbl name="node0">
     <dgm:fillClrLst meth="repeat">
-      <a:schemeClr val="accent1"/>
+      <a:schemeClr val="accent2"/>
     </dgm:fillClrLst>
     <dgm:linClrLst meth="repeat">
       <a:schemeClr val="lt1"/>
@@ -4010,10 +4010,6 @@
   <dgm:styleLbl name="node1">
     <dgm:fillClrLst meth="repeat">
       <a:schemeClr val="accent2"/>
-      <a:schemeClr val="accent3"/>
-      <a:schemeClr val="accent4"/>
-      <a:schemeClr val="accent5"/>
-      <a:schemeClr val="accent6"/>
     </dgm:fillClrLst>
     <dgm:linClrLst meth="repeat">
       <a:schemeClr val="lt1"/>
@@ -4026,17 +4022,9 @@
   <dgm:styleLbl name="alignNode1">
     <dgm:fillClrLst meth="repeat">
       <a:schemeClr val="accent2"/>
-      <a:schemeClr val="accent3"/>
-      <a:schemeClr val="accent4"/>
-      <a:schemeClr val="accent5"/>
-      <a:schemeClr val="accent6"/>
     </dgm:fillClrLst>
     <dgm:linClrLst meth="repeat">
       <a:schemeClr val="accent2"/>
-      <a:schemeClr val="accent3"/>
-      <a:schemeClr val="accent4"/>
-      <a:schemeClr val="accent5"/>
-      <a:schemeClr val="accent6"/>
     </dgm:linClrLst>
     <dgm:effectClrLst/>
     <dgm:txLinClrLst/>
@@ -4046,10 +4034,6 @@
   <dgm:styleLbl name="lnNode1">
     <dgm:fillClrLst meth="repeat">
       <a:schemeClr val="accent2"/>
-      <a:schemeClr val="accent3"/>
-      <a:schemeClr val="accent4"/>
-      <a:schemeClr val="accent5"/>
-      <a:schemeClr val="accent6"/>
     </dgm:fillClrLst>
     <dgm:linClrLst meth="repeat">
       <a:schemeClr val="lt1"/>
@@ -4064,18 +4048,6 @@
       <a:schemeClr val="accent2">
         <a:alpha val="50000"/>
       </a:schemeClr>
-      <a:schemeClr val="accent3">
-        <a:alpha val="50000"/>
-      </a:schemeClr>
-      <a:schemeClr val="accent4">
-        <a:alpha val="50000"/>
-      </a:schemeClr>
-      <a:schemeClr val="accent5">
-        <a:alpha val="50000"/>
-      </a:schemeClr>
-      <a:schemeClr val="accent6">
-        <a:alpha val="50000"/>
-      </a:schemeClr>
     </dgm:fillClrLst>
     <dgm:linClrLst meth="repeat">
       <a:schemeClr val="lt1"/>
@@ -4086,7 +4058,7 @@
     <dgm:txEffectClrLst/>
   </dgm:styleLbl>
   <dgm:styleLbl name="node2">
-    <dgm:fillClrLst>
+    <dgm:fillClrLst meth="repeat">
       <a:schemeClr val="accent2"/>
     </dgm:fillClrLst>
     <dgm:linClrLst meth="repeat">
@@ -4098,8 +4070,8 @@
     <dgm:txEffectClrLst/>
   </dgm:styleLbl>
   <dgm:styleLbl name="node3">
-    <dgm:fillClrLst>
-      <a:schemeClr val="accent3"/>
+    <dgm:fillClrLst meth="repeat">
+      <a:schemeClr val="accent2"/>
     </dgm:fillClrLst>
     <dgm:linClrLst meth="repeat">
       <a:schemeClr val="lt1"/>
@@ -4110,8 +4082,8 @@
     <dgm:txEffectClrLst/>
   </dgm:styleLbl>
   <dgm:styleLbl name="node4">
-    <dgm:fillClrLst>
-      <a:schemeClr val="accent4"/>
+    <dgm:fillClrLst meth="repeat">
+      <a:schemeClr val="accent2"/>
     </dgm:fillClrLst>
     <dgm:linClrLst meth="repeat">
       <a:schemeClr val="lt1"/>
@@ -4126,18 +4098,6 @@
       <a:schemeClr val="accent2">
         <a:tint val="50000"/>
       </a:schemeClr>
-      <a:schemeClr val="accent3">
-        <a:tint val="50000"/>
-      </a:schemeClr>
-      <a:schemeClr val="accent4">
-        <a:tint val="50000"/>
-      </a:schemeClr>
-      <a:schemeClr val="accent5">
-        <a:tint val="50000"/>
-      </a:schemeClr>
-      <a:schemeClr val="accent6">
-        <a:tint val="50000"/>
-      </a:schemeClr>
     </dgm:fillClrLst>
     <dgm:linClrLst meth="repeat">
       <a:schemeClr val="lt1"/>
@@ -4150,12 +4110,9 @@
     <dgm:txEffectClrLst/>
   </dgm:styleLbl>
   <dgm:styleLbl name="alignImgPlace1">
-    <dgm:fillClrLst>
-      <a:schemeClr val="accent1">
+    <dgm:fillClrLst meth="repeat">
+      <a:schemeClr val="accent2">
         <a:tint val="50000"/>
-      </a:schemeClr>
-      <a:schemeClr val="accent2">
-        <a:tint val="20000"/>
       </a:schemeClr>
     </dgm:fillClrLst>
     <dgm:linClrLst meth="repeat">
@@ -4169,12 +4126,9 @@
     <dgm:txEffectClrLst/>
   </dgm:styleLbl>
   <dgm:styleLbl name="bgImgPlace1">
-    <dgm:fillClrLst>
-      <a:schemeClr val="accent1">
+    <dgm:fillClrLst meth="repeat">
+      <a:schemeClr val="accent2">
         <a:tint val="50000"/>
-      </a:schemeClr>
-      <a:schemeClr val="accent2">
-        <a:tint val="20000"/>
       </a:schemeClr>
     </dgm:fillClrLst>
     <dgm:linClrLst meth="repeat">
@@ -4189,14 +4143,14 @@
   </dgm:styleLbl>
   <dgm:styleLbl name="sibTrans2D1">
     <dgm:fillClrLst meth="repeat">
-      <a:schemeClr val="accent2"/>
-      <a:schemeClr val="accent3"/>
-      <a:schemeClr val="accent4"/>
-      <a:schemeClr val="accent5"/>
-      <a:schemeClr val="accent6"/>
-    </dgm:fillClrLst>
-    <dgm:linClrLst meth="cycle">
-      <a:schemeClr val="lt1"/>
+      <a:schemeClr val="accent2">
+        <a:tint val="60000"/>
+      </a:schemeClr>
+    </dgm:fillClrLst>
+    <dgm:linClrLst meth="repeat">
+      <a:schemeClr val="accent2">
+        <a:tint val="60000"/>
+      </a:schemeClr>
     </dgm:linClrLst>
     <dgm:effectClrLst/>
     <dgm:txLinClrLst/>
@@ -4205,54 +4159,42 @@
   </dgm:styleLbl>
   <dgm:styleLbl name="fgSibTrans2D1">
     <dgm:fillClrLst meth="repeat">
-      <a:schemeClr val="accent2"/>
-      <a:schemeClr val="accent3"/>
-      <a:schemeClr val="accent4"/>
-      <a:schemeClr val="accent5"/>
-      <a:schemeClr val="accent6"/>
-    </dgm:fillClrLst>
-    <dgm:linClrLst meth="cycle">
-      <a:schemeClr val="lt1"/>
-    </dgm:linClrLst>
-    <dgm:effectClrLst/>
-    <dgm:txLinClrLst/>
-    <dgm:txFillClrLst meth="repeat">
-      <a:schemeClr val="lt1"/>
-    </dgm:txFillClrLst>
+      <a:schemeClr val="accent2">
+        <a:tint val="60000"/>
+      </a:schemeClr>
+    </dgm:fillClrLst>
+    <dgm:linClrLst meth="repeat">
+      <a:schemeClr val="accent2">
+        <a:tint val="60000"/>
+      </a:schemeClr>
+    </dgm:linClrLst>
+    <dgm:effectClrLst/>
+    <dgm:txLinClrLst/>
+    <dgm:txFillClrLst/>
     <dgm:txEffectClrLst/>
   </dgm:styleLbl>
   <dgm:styleLbl name="bgSibTrans2D1">
     <dgm:fillClrLst meth="repeat">
-      <a:schemeClr val="accent2"/>
-      <a:schemeClr val="accent3"/>
-      <a:schemeClr val="accent4"/>
-      <a:schemeClr val="accent5"/>
-      <a:schemeClr val="accent6"/>
-    </dgm:fillClrLst>
-    <dgm:linClrLst meth="cycle">
-      <a:schemeClr val="lt1"/>
-    </dgm:linClrLst>
-    <dgm:effectClrLst/>
-    <dgm:txLinClrLst/>
-    <dgm:txFillClrLst meth="repeat">
-      <a:schemeClr val="lt1"/>
-    </dgm:txFillClrLst>
+      <a:schemeClr val="accent2">
+        <a:tint val="60000"/>
+      </a:schemeClr>
+    </dgm:fillClrLst>
+    <dgm:linClrLst meth="repeat">
+      <a:schemeClr val="accent2">
+        <a:tint val="60000"/>
+      </a:schemeClr>
+    </dgm:linClrLst>
+    <dgm:effectClrLst/>
+    <dgm:txLinClrLst/>
+    <dgm:txFillClrLst/>
     <dgm:txEffectClrLst/>
   </dgm:styleLbl>
   <dgm:styleLbl name="sibTrans1D1">
     <dgm:fillClrLst meth="repeat">
       <a:schemeClr val="accent2"/>
-      <a:schemeClr val="accent3"/>
-      <a:schemeClr val="accent4"/>
-      <a:schemeClr val="accent5"/>
-      <a:schemeClr val="accent6"/>
     </dgm:fillClrLst>
     <dgm:linClrLst meth="repeat">
       <a:schemeClr val="accent2"/>
-      <a:schemeClr val="accent3"/>
-      <a:schemeClr val="accent4"/>
-      <a:schemeClr val="accent5"/>
-      <a:schemeClr val="accent6"/>
     </dgm:linClrLst>
     <dgm:effectClrLst/>
     <dgm:txLinClrLst/>
@@ -4279,7 +4221,7 @@
   </dgm:styleLbl>
   <dgm:styleLbl name="asst0">
     <dgm:fillClrLst meth="repeat">
-      <a:schemeClr val="accent1"/>
+      <a:schemeClr val="accent2"/>
     </dgm:fillClrLst>
     <dgm:linClrLst meth="repeat">
       <a:schemeClr val="lt1"/>
@@ -4302,8 +4244,8 @@
     <dgm:txEffectClrLst/>
   </dgm:styleLbl>
   <dgm:styleLbl name="asst2">
-    <dgm:fillClrLst>
-      <a:schemeClr val="accent3"/>
+    <dgm:fillClrLst meth="repeat">
+      <a:schemeClr val="accent2"/>
     </dgm:fillClrLst>
     <dgm:linClrLst meth="repeat">
       <a:schemeClr val="lt1"/>
@@ -4314,8 +4256,8 @@
     <dgm:txEffectClrLst/>
   </dgm:styleLbl>
   <dgm:styleLbl name="asst3">
-    <dgm:fillClrLst>
-      <a:schemeClr val="accent4"/>
+    <dgm:fillClrLst meth="repeat">
+      <a:schemeClr val="accent2"/>
     </dgm:fillClrLst>
     <dgm:linClrLst meth="repeat">
       <a:schemeClr val="lt1"/>
@@ -4326,8 +4268,8 @@
     <dgm:txEffectClrLst/>
   </dgm:styleLbl>
   <dgm:styleLbl name="asst4">
-    <dgm:fillClrLst>
-      <a:schemeClr val="accent5"/>
+    <dgm:fillClrLst meth="repeat">
+      <a:schemeClr val="accent2"/>
     </dgm:fillClrLst>
     <dgm:linClrLst meth="repeat">
       <a:schemeClr val="lt1"/>
@@ -4339,10 +4281,14 @@
   </dgm:styleLbl>
   <dgm:styleLbl name="parChTrans2D1">
     <dgm:fillClrLst meth="repeat">
-      <a:schemeClr val="accent2"/>
+      <a:schemeClr val="accent2">
+        <a:tint val="60000"/>
+      </a:schemeClr>
     </dgm:fillClrLst>
     <dgm:linClrLst meth="repeat">
-      <a:schemeClr val="lt1"/>
+      <a:schemeClr val="accent2">
+        <a:tint val="60000"/>
+      </a:schemeClr>
     </dgm:linClrLst>
     <dgm:effectClrLst/>
     <dgm:txLinClrLst/>
@@ -4353,34 +4299,10 @@
   </dgm:styleLbl>
   <dgm:styleLbl name="parChTrans2D2">
     <dgm:fillClrLst meth="repeat">
-      <a:schemeClr val="accent3"/>
+      <a:schemeClr val="accent2"/>
     </dgm:fillClrLst>
     <dgm:linClrLst meth="repeat">
-      <a:schemeClr val="lt1"/>
-    </dgm:linClrLst>
-    <dgm:effectClrLst/>
-    <dgm:txLinClrLst/>
-    <dgm:txFillClrLst/>
-    <dgm:txEffectClrLst/>
-  </dgm:styleLbl>
-  <dgm:styleLbl name="parChTrans2D3">
-    <dgm:fillClrLst meth="repeat">
-      <a:schemeClr val="accent4"/>
-    </dgm:fillClrLst>
-    <dgm:linClrLst meth="repeat">
-      <a:schemeClr val="lt1"/>
-    </dgm:linClrLst>
-    <dgm:effectClrLst/>
-    <dgm:txLinClrLst/>
-    <dgm:txFillClrLst/>
-    <dgm:txEffectClrLst/>
-  </dgm:styleLbl>
-  <dgm:styleLbl name="parChTrans2D4">
-    <dgm:fillClrLst meth="repeat">
-      <a:schemeClr val="accent5"/>
-    </dgm:fillClrLst>
-    <dgm:linClrLst meth="repeat">
-      <a:schemeClr val="lt1"/>
+      <a:schemeClr val="accent2"/>
     </dgm:linClrLst>
     <dgm:effectClrLst/>
     <dgm:txLinClrLst/>
@@ -4389,12 +4311,42 @@
     </dgm:txFillClrLst>
     <dgm:txEffectClrLst/>
   </dgm:styleLbl>
+  <dgm:styleLbl name="parChTrans2D3">
+    <dgm:fillClrLst meth="repeat">
+      <a:schemeClr val="accent2"/>
+    </dgm:fillClrLst>
+    <dgm:linClrLst meth="repeat">
+      <a:schemeClr val="accent2"/>
+    </dgm:linClrLst>
+    <dgm:effectClrLst/>
+    <dgm:txLinClrLst/>
+    <dgm:txFillClrLst meth="repeat">
+      <a:schemeClr val="lt1"/>
+    </dgm:txFillClrLst>
+    <dgm:txEffectClrLst/>
+  </dgm:styleLbl>
+  <dgm:styleLbl name="parChTrans2D4">
+    <dgm:fillClrLst meth="repeat">
+      <a:schemeClr val="accent2"/>
+    </dgm:fillClrLst>
+    <dgm:linClrLst meth="repeat">
+      <a:schemeClr val="accent2"/>
+    </dgm:linClrLst>
+    <dgm:effectClrLst/>
+    <dgm:txLinClrLst/>
+    <dgm:txFillClrLst meth="repeat">
+      <a:schemeClr val="lt1"/>
+    </dgm:txFillClrLst>
+    <dgm:txEffectClrLst/>
+  </dgm:styleLbl>
   <dgm:styleLbl name="parChTrans1D1">
     <dgm:fillClrLst meth="repeat">
       <a:schemeClr val="accent2"/>
     </dgm:fillClrLst>
     <dgm:linClrLst meth="repeat">
-      <a:schemeClr val="accent1"/>
+      <a:schemeClr val="accent2">
+        <a:shade val="60000"/>
+      </a:schemeClr>
     </dgm:linClrLst>
     <dgm:effectClrLst/>
     <dgm:txLinClrLst/>
@@ -4405,12 +4357,12 @@
   </dgm:styleLbl>
   <dgm:styleLbl name="parChTrans1D2">
     <dgm:fillClrLst meth="repeat">
-      <a:schemeClr val="accent3">
-        <a:tint val="90000"/>
+      <a:schemeClr val="accent2"/>
+    </dgm:fillClrLst>
+    <dgm:linClrLst meth="repeat">
+      <a:schemeClr val="accent2">
+        <a:shade val="60000"/>
       </a:schemeClr>
-    </dgm:fillClrLst>
-    <dgm:linClrLst meth="repeat">
-      <a:schemeClr val="accent2"/>
     </dgm:linClrLst>
     <dgm:effectClrLst/>
     <dgm:txLinClrLst/>
@@ -4421,12 +4373,12 @@
   </dgm:styleLbl>
   <dgm:styleLbl name="parChTrans1D3">
     <dgm:fillClrLst meth="repeat">
-      <a:schemeClr val="accent4">
-        <a:tint val="70000"/>
+      <a:schemeClr val="accent2"/>
+    </dgm:fillClrLst>
+    <dgm:linClrLst meth="repeat">
+      <a:schemeClr val="accent2">
+        <a:shade val="80000"/>
       </a:schemeClr>
-    </dgm:fillClrLst>
-    <dgm:linClrLst meth="repeat">
-      <a:schemeClr val="accent3"/>
     </dgm:linClrLst>
     <dgm:effectClrLst/>
     <dgm:txLinClrLst/>
@@ -4437,12 +4389,12 @@
   </dgm:styleLbl>
   <dgm:styleLbl name="parChTrans1D4">
     <dgm:fillClrLst meth="repeat">
-      <a:schemeClr val="accent5">
-        <a:tint val="50000"/>
+      <a:schemeClr val="accent2"/>
+    </dgm:fillClrLst>
+    <dgm:linClrLst meth="repeat">
+      <a:schemeClr val="accent2">
+        <a:shade val="80000"/>
       </a:schemeClr>
-    </dgm:fillClrLst>
-    <dgm:linClrLst meth="repeat">
-      <a:schemeClr val="accent4"/>
     </dgm:linClrLst>
     <dgm:effectClrLst/>
     <dgm:txLinClrLst/>
@@ -4459,10 +4411,6 @@
     </dgm:fillClrLst>
     <dgm:linClrLst meth="repeat">
       <a:schemeClr val="accent2"/>
-      <a:schemeClr val="accent3"/>
-      <a:schemeClr val="accent4"/>
-      <a:schemeClr val="accent5"/>
-      <a:schemeClr val="accent6"/>
     </dgm:linClrLst>
     <dgm:effectClrLst/>
     <dgm:txLinClrLst/>
@@ -4479,10 +4427,6 @@
     </dgm:fillClrLst>
     <dgm:linClrLst meth="repeat">
       <a:schemeClr val="accent2"/>
-      <a:schemeClr val="accent3"/>
-      <a:schemeClr val="accent4"/>
-      <a:schemeClr val="accent5"/>
-      <a:schemeClr val="accent6"/>
     </dgm:linClrLst>
     <dgm:effectClrLst/>
     <dgm:txLinClrLst/>
@@ -4499,10 +4443,6 @@
     </dgm:fillClrLst>
     <dgm:linClrLst meth="repeat">
       <a:schemeClr val="accent2"/>
-      <a:schemeClr val="accent3"/>
-      <a:schemeClr val="accent4"/>
-      <a:schemeClr val="accent5"/>
-      <a:schemeClr val="accent6"/>
     </dgm:linClrLst>
     <dgm:effectClrLst/>
     <dgm:txLinClrLst/>
@@ -4518,7 +4458,7 @@
       </a:schemeClr>
     </dgm:fillClrLst>
     <dgm:linClrLst meth="repeat">
-      <a:schemeClr val="accent1"/>
+      <a:schemeClr val="accent2"/>
     </dgm:linClrLst>
     <dgm:effectClrLst/>
     <dgm:txLinClrLst/>
@@ -4535,10 +4475,6 @@
     </dgm:fillClrLst>
     <dgm:linClrLst meth="repeat">
       <a:schemeClr val="accent2"/>
-      <a:schemeClr val="accent3"/>
-      <a:schemeClr val="accent4"/>
-      <a:schemeClr val="accent5"/>
-      <a:schemeClr val="accent6"/>
     </dgm:linClrLst>
     <dgm:effectClrLst/>
     <dgm:txLinClrLst/>
@@ -4553,10 +4489,6 @@
     </dgm:fillClrLst>
     <dgm:linClrLst meth="repeat">
       <a:schemeClr val="accent2"/>
-      <a:schemeClr val="accent3"/>
-      <a:schemeClr val="accent4"/>
-      <a:schemeClr val="accent5"/>
-      <a:schemeClr val="accent6"/>
     </dgm:linClrLst>
     <dgm:effectClrLst/>
     <dgm:txLinClrLst/>
@@ -4571,10 +4503,6 @@
     </dgm:fillClrLst>
     <dgm:linClrLst meth="repeat">
       <a:schemeClr val="accent2"/>
-      <a:schemeClr val="accent3"/>
-      <a:schemeClr val="accent4"/>
-      <a:schemeClr val="accent5"/>
-      <a:schemeClr val="accent6"/>
     </dgm:linClrLst>
     <dgm:effectClrLst/>
     <dgm:txLinClrLst/>
@@ -4589,10 +4517,6 @@
     </dgm:fillClrLst>
     <dgm:linClrLst meth="repeat">
       <a:schemeClr val="accent2"/>
-      <a:schemeClr val="accent3"/>
-      <a:schemeClr val="accent4"/>
-      <a:schemeClr val="accent5"/>
-      <a:schemeClr val="accent6"/>
     </dgm:linClrLst>
     <dgm:effectClrLst/>
     <dgm:txLinClrLst/>
@@ -4604,46 +4528,14 @@
   <dgm:styleLbl name="fgAccFollowNode1">
     <dgm:fillClrLst meth="repeat">
       <a:schemeClr val="accent2">
+        <a:alpha val="90000"/>
         <a:tint val="40000"/>
-        <a:alpha val="90000"/>
-      </a:schemeClr>
-      <a:schemeClr val="accent3">
-        <a:tint val="40000"/>
-        <a:alpha val="90000"/>
-      </a:schemeClr>
-      <a:schemeClr val="accent4">
-        <a:tint val="40000"/>
-        <a:alpha val="90000"/>
-      </a:schemeClr>
-      <a:schemeClr val="accent5">
-        <a:tint val="40000"/>
-        <a:alpha val="90000"/>
-      </a:schemeClr>
-      <a:schemeClr val="accent6">
-        <a:tint val="40000"/>
-        <a:alpha val="90000"/>
       </a:schemeClr>
     </dgm:fillClrLst>
     <dgm:linClrLst meth="repeat">
       <a:schemeClr val="accent2">
+        <a:alpha val="90000"/>
         <a:tint val="40000"/>
-        <a:alpha val="90000"/>
-      </a:schemeClr>
-      <a:schemeClr val="accent3">
-        <a:tint val="40000"/>
-        <a:alpha val="90000"/>
-      </a:schemeClr>
-      <a:schemeClr val="accent4">
-        <a:tint val="40000"/>
-        <a:alpha val="90000"/>
-      </a:schemeClr>
-      <a:schemeClr val="accent5">
-        <a:tint val="40000"/>
-        <a:alpha val="90000"/>
-      </a:schemeClr>
-      <a:schemeClr val="accent6">
-        <a:tint val="40000"/>
-        <a:alpha val="90000"/>
       </a:schemeClr>
     </dgm:linClrLst>
     <dgm:effectClrLst/>
@@ -4656,46 +4548,14 @@
   <dgm:styleLbl name="alignAccFollowNode1">
     <dgm:fillClrLst meth="repeat">
       <a:schemeClr val="accent2">
+        <a:alpha val="90000"/>
         <a:tint val="40000"/>
-        <a:alpha val="90000"/>
-      </a:schemeClr>
-      <a:schemeClr val="accent3">
-        <a:tint val="40000"/>
-        <a:alpha val="90000"/>
-      </a:schemeClr>
-      <a:schemeClr val="accent4">
-        <a:tint val="40000"/>
-        <a:alpha val="90000"/>
-      </a:schemeClr>
-      <a:schemeClr val="accent5">
-        <a:tint val="40000"/>
-        <a:alpha val="90000"/>
-      </a:schemeClr>
-      <a:schemeClr val="accent6">
-        <a:tint val="40000"/>
-        <a:alpha val="90000"/>
       </a:schemeClr>
     </dgm:fillClrLst>
     <dgm:linClrLst meth="repeat">
       <a:schemeClr val="accent2">
+        <a:alpha val="90000"/>
         <a:tint val="40000"/>
-        <a:alpha val="90000"/>
-      </a:schemeClr>
-      <a:schemeClr val="accent3">
-        <a:tint val="40000"/>
-        <a:alpha val="90000"/>
-      </a:schemeClr>
-      <a:schemeClr val="accent4">
-        <a:tint val="40000"/>
-        <a:alpha val="90000"/>
-      </a:schemeClr>
-      <a:schemeClr val="accent5">
-        <a:tint val="40000"/>
-        <a:alpha val="90000"/>
-      </a:schemeClr>
-      <a:schemeClr val="accent6">
-        <a:tint val="40000"/>
-        <a:alpha val="90000"/>
       </a:schemeClr>
     </dgm:linClrLst>
     <dgm:effectClrLst/>
@@ -4708,46 +4568,14 @@
   <dgm:styleLbl name="bgAccFollowNode1">
     <dgm:fillClrLst meth="repeat">
       <a:schemeClr val="accent2">
+        <a:alpha val="90000"/>
         <a:tint val="40000"/>
-        <a:alpha val="90000"/>
-      </a:schemeClr>
-      <a:schemeClr val="accent3">
-        <a:tint val="40000"/>
-        <a:alpha val="90000"/>
-      </a:schemeClr>
-      <a:schemeClr val="accent4">
-        <a:tint val="40000"/>
-        <a:alpha val="90000"/>
-      </a:schemeClr>
-      <a:schemeClr val="accent5">
-        <a:tint val="40000"/>
-        <a:alpha val="90000"/>
-      </a:schemeClr>
-      <a:schemeClr val="accent6">
-        <a:tint val="40000"/>
-        <a:alpha val="90000"/>
       </a:schemeClr>
     </dgm:fillClrLst>
     <dgm:linClrLst meth="repeat">
       <a:schemeClr val="accent2">
+        <a:alpha val="90000"/>
         <a:tint val="40000"/>
-        <a:alpha val="90000"/>
-      </a:schemeClr>
-      <a:schemeClr val="accent3">
-        <a:tint val="40000"/>
-        <a:alpha val="90000"/>
-      </a:schemeClr>
-      <a:schemeClr val="accent4">
-        <a:tint val="40000"/>
-        <a:alpha val="90000"/>
-      </a:schemeClr>
-      <a:schemeClr val="accent5">
-        <a:tint val="40000"/>
-        <a:alpha val="90000"/>
-      </a:schemeClr>
-      <a:schemeClr val="accent6">
-        <a:tint val="40000"/>
-        <a:alpha val="90000"/>
       </a:schemeClr>
     </dgm:linClrLst>
     <dgm:effectClrLst/>
@@ -4763,8 +4591,8 @@
         <a:alpha val="90000"/>
       </a:schemeClr>
     </dgm:fillClrLst>
-    <dgm:linClrLst>
-      <a:schemeClr val="accent1"/>
+    <dgm:linClrLst meth="repeat">
+      <a:schemeClr val="accent2"/>
     </dgm:linClrLst>
     <dgm:effectClrLst/>
     <dgm:txLinClrLst/>
@@ -4779,7 +4607,7 @@
         <a:alpha val="90000"/>
       </a:schemeClr>
     </dgm:fillClrLst>
-    <dgm:linClrLst>
+    <dgm:linClrLst meth="repeat">
       <a:schemeClr val="accent2"/>
     </dgm:linClrLst>
     <dgm:effectClrLst/>
@@ -4795,8 +4623,8 @@
         <a:alpha val="90000"/>
       </a:schemeClr>
     </dgm:fillClrLst>
-    <dgm:linClrLst>
-      <a:schemeClr val="accent3"/>
+    <dgm:linClrLst meth="repeat">
+      <a:schemeClr val="accent2"/>
     </dgm:linClrLst>
     <dgm:effectClrLst/>
     <dgm:txLinClrLst/>
@@ -4811,8 +4639,8 @@
         <a:alpha val="90000"/>
       </a:schemeClr>
     </dgm:fillClrLst>
-    <dgm:linClrLst>
-      <a:schemeClr val="accent4"/>
+    <dgm:linClrLst meth="repeat">
+      <a:schemeClr val="accent2"/>
     </dgm:linClrLst>
     <dgm:effectClrLst/>
     <dgm:txLinClrLst/>
@@ -4828,7 +4656,7 @@
       </a:schemeClr>
     </dgm:fillClrLst>
     <dgm:linClrLst meth="repeat">
-      <a:schemeClr val="dk1"/>
+      <a:schemeClr val="accent2"/>
     </dgm:linClrLst>
     <dgm:effectClrLst/>
     <dgm:txLinClrLst/>
@@ -4840,11 +4668,11 @@
   <dgm:styleLbl name="dkBgShp">
     <dgm:fillClrLst meth="repeat">
       <a:schemeClr val="accent2">
-        <a:shade val="90000"/>
+        <a:shade val="80000"/>
       </a:schemeClr>
     </dgm:fillClrLst>
     <dgm:linClrLst meth="repeat">
-      <a:schemeClr val="dk1"/>
+      <a:schemeClr val="accent2"/>
     </dgm:linClrLst>
     <dgm:effectClrLst/>
     <dgm:txLinClrLst/>
@@ -4855,7 +4683,7 @@
   </dgm:styleLbl>
   <dgm:styleLbl name="trBgShp">
     <dgm:fillClrLst meth="repeat">
-      <a:schemeClr val="accent1">
+      <a:schemeClr val="accent2">
         <a:tint val="50000"/>
         <a:alpha val="40000"/>
       </a:schemeClr>
@@ -4873,7 +4701,7 @@
   <dgm:styleLbl name="fgShp">
     <dgm:fillClrLst meth="repeat">
       <a:schemeClr val="accent2">
-        <a:tint val="40000"/>
+        <a:tint val="60000"/>
       </a:schemeClr>
     </dgm:fillClrLst>
     <dgm:linClrLst meth="repeat">
@@ -7054,42 +6882,6 @@
         </a:p>
       </dgm:t>
     </dgm:pt>
-    <dgm:pt modelId="{AC0B55C1-ACF1-401F-A36C-00BBCE237665}">
-      <dgm:prSet/>
-      <dgm:spPr/>
-      <dgm:t>
-        <a:bodyPr/>
-        <a:lstStyle/>
-        <a:p>
-          <a:r>
-            <a:rPr lang="en-US" dirty="0"/>
-            <a:t>Robust logging</a:t>
-          </a:r>
-        </a:p>
-      </dgm:t>
-    </dgm:pt>
-    <dgm:pt modelId="{FA66695E-BEF5-4539-AF11-0D8D39A800B9}" type="parTrans" cxnId="{63F4B082-CFA3-47FB-8B76-AD6D4B9A15C8}">
-      <dgm:prSet/>
-      <dgm:spPr/>
-      <dgm:t>
-        <a:bodyPr/>
-        <a:lstStyle/>
-        <a:p>
-          <a:endParaRPr lang="en-US"/>
-        </a:p>
-      </dgm:t>
-    </dgm:pt>
-    <dgm:pt modelId="{BF78D328-D082-4310-AEB8-1E7AE80D104F}" type="sibTrans" cxnId="{63F4B082-CFA3-47FB-8B76-AD6D4B9A15C8}">
-      <dgm:prSet/>
-      <dgm:spPr/>
-      <dgm:t>
-        <a:bodyPr/>
-        <a:lstStyle/>
-        <a:p>
-          <a:endParaRPr lang="en-US"/>
-        </a:p>
-      </dgm:t>
-    </dgm:pt>
     <dgm:pt modelId="{C6541F79-1FFC-4E8D-84B3-5DFC6FFCF623}">
       <dgm:prSet/>
       <dgm:spPr/>
@@ -7098,8 +6890,12 @@
         <a:lstStyle/>
         <a:p>
           <a:r>
-            <a:rPr lang="en-US"/>
-            <a:t>Ability to change config on the fly</a:t>
+            <a:rPr lang="en-US" dirty="0" err="1"/>
+            <a:t>Tuneable</a:t>
+          </a:r>
+          <a:r>
+            <a:rPr lang="en-US" dirty="0"/>
+            <a:t> on the fly</a:t>
           </a:r>
         </a:p>
       </dgm:t>
@@ -7172,7 +6968,7 @@
         <a:p>
           <a:r>
             <a:rPr lang="en-US" dirty="0"/>
-            <a:t>Stored procedures </a:t>
+            <a:t>Stored procedures</a:t>
           </a:r>
         </a:p>
       </dgm:t>
@@ -7209,7 +7005,7 @@
       <dgm:spPr/>
     </dgm:pt>
     <dgm:pt modelId="{06EFD105-C127-40EA-B9D2-24D8516DE8DB}" type="pres">
-      <dgm:prSet presAssocID="{DCE13BC6-9007-4424-8E5A-5BFB428783A4}" presName="parentText" presStyleLbl="node1" presStyleIdx="0" presStyleCnt="5">
+      <dgm:prSet presAssocID="{DCE13BC6-9007-4424-8E5A-5BFB428783A4}" presName="parentText" presStyleLbl="node1" presStyleIdx="0" presStyleCnt="4">
         <dgm:presLayoutVars>
           <dgm:chMax val="0"/>
           <dgm:bulletEnabled val="1"/>
@@ -7221,21 +7017,8 @@
       <dgm:prSet presAssocID="{AD4D2EFD-D1B1-46EB-8F26-854F8A853E0F}" presName="spacer" presStyleCnt="0"/>
       <dgm:spPr/>
     </dgm:pt>
-    <dgm:pt modelId="{E3209D7E-4393-40C0-81C6-190ED4100118}" type="pres">
-      <dgm:prSet presAssocID="{AC0B55C1-ACF1-401F-A36C-00BBCE237665}" presName="parentText" presStyleLbl="node1" presStyleIdx="1" presStyleCnt="5">
-        <dgm:presLayoutVars>
-          <dgm:chMax val="0"/>
-          <dgm:bulletEnabled val="1"/>
-        </dgm:presLayoutVars>
-      </dgm:prSet>
-      <dgm:spPr/>
-    </dgm:pt>
-    <dgm:pt modelId="{E4210E97-947F-41B6-9AAF-ABA285CD4622}" type="pres">
-      <dgm:prSet presAssocID="{BF78D328-D082-4310-AEB8-1E7AE80D104F}" presName="spacer" presStyleCnt="0"/>
-      <dgm:spPr/>
-    </dgm:pt>
     <dgm:pt modelId="{4549FC0F-F794-4053-A0C9-D79C92DB2D9D}" type="pres">
-      <dgm:prSet presAssocID="{C6541F79-1FFC-4E8D-84B3-5DFC6FFCF623}" presName="parentText" presStyleLbl="node1" presStyleIdx="2" presStyleCnt="5">
+      <dgm:prSet presAssocID="{C6541F79-1FFC-4E8D-84B3-5DFC6FFCF623}" presName="parentText" presStyleLbl="node1" presStyleIdx="1" presStyleCnt="4">
         <dgm:presLayoutVars>
           <dgm:chMax val="0"/>
           <dgm:bulletEnabled val="1"/>
@@ -7248,7 +7031,7 @@
       <dgm:spPr/>
     </dgm:pt>
     <dgm:pt modelId="{454EFEDB-6ABF-44E8-ABA2-52499B13A3CF}" type="pres">
-      <dgm:prSet presAssocID="{A7046EBD-14E2-4724-82CC-CD89A5A8B227}" presName="parentText" presStyleLbl="node1" presStyleIdx="3" presStyleCnt="5">
+      <dgm:prSet presAssocID="{A7046EBD-14E2-4724-82CC-CD89A5A8B227}" presName="parentText" presStyleLbl="node1" presStyleIdx="2" presStyleCnt="4">
         <dgm:presLayoutVars>
           <dgm:chMax val="0"/>
           <dgm:bulletEnabled val="1"/>
@@ -7261,7 +7044,7 @@
       <dgm:spPr/>
     </dgm:pt>
     <dgm:pt modelId="{1D9DE359-FAED-4833-B194-F026E0811F21}" type="pres">
-      <dgm:prSet presAssocID="{68D94897-6D86-4E29-8615-E87EA165F029}" presName="parentText" presStyleLbl="node1" presStyleIdx="4" presStyleCnt="5">
+      <dgm:prSet presAssocID="{68D94897-6D86-4E29-8615-E87EA165F029}" presName="parentText" presStyleLbl="node1" presStyleIdx="3" presStyleCnt="4">
         <dgm:presLayoutVars>
           <dgm:chMax val="0"/>
           <dgm:bulletEnabled val="1"/>
@@ -7272,25 +7055,21 @@
   </dgm:ptLst>
   <dgm:cxnLst>
     <dgm:cxn modelId="{158FEB08-9B16-4D9D-AD87-CA48ABE1095F}" type="presOf" srcId="{DCAE7A11-7C85-469C-B636-4A115BBFAA9F}" destId="{833CED99-204B-4E4B-8DC1-DBB33BE0EF7E}" srcOrd="0" destOrd="0" presId="urn:microsoft.com/office/officeart/2005/8/layout/vList2"/>
-    <dgm:cxn modelId="{8E971D14-36C7-40BD-8042-7FDDAB6C6000}" type="presOf" srcId="{AC0B55C1-ACF1-401F-A36C-00BBCE237665}" destId="{E3209D7E-4393-40C0-81C6-190ED4100118}" srcOrd="0" destOrd="0" presId="urn:microsoft.com/office/officeart/2005/8/layout/vList2"/>
-    <dgm:cxn modelId="{8A2D4A39-18E2-46EF-A084-F38BA196D3EF}" srcId="{DCAE7A11-7C85-469C-B636-4A115BBFAA9F}" destId="{C6541F79-1FFC-4E8D-84B3-5DFC6FFCF623}" srcOrd="2" destOrd="0" parTransId="{2BF9251E-113A-403B-AD0E-1D7DD7797065}" sibTransId="{063B5E07-37B2-4AA1-ACE7-FFFD7C2C1B5F}"/>
+    <dgm:cxn modelId="{8A2D4A39-18E2-46EF-A084-F38BA196D3EF}" srcId="{DCAE7A11-7C85-469C-B636-4A115BBFAA9F}" destId="{C6541F79-1FFC-4E8D-84B3-5DFC6FFCF623}" srcOrd="1" destOrd="0" parTransId="{2BF9251E-113A-403B-AD0E-1D7DD7797065}" sibTransId="{063B5E07-37B2-4AA1-ACE7-FFFD7C2C1B5F}"/>
     <dgm:cxn modelId="{70FD5661-A604-46DF-B56A-304D49B505A2}" type="presOf" srcId="{68D94897-6D86-4E29-8615-E87EA165F029}" destId="{1D9DE359-FAED-4833-B194-F026E0811F21}" srcOrd="0" destOrd="0" presId="urn:microsoft.com/office/officeart/2005/8/layout/vList2"/>
     <dgm:cxn modelId="{C695F379-E950-485F-9507-0D42BF6FFB4E}" type="presOf" srcId="{DCE13BC6-9007-4424-8E5A-5BFB428783A4}" destId="{06EFD105-C127-40EA-B9D2-24D8516DE8DB}" srcOrd="0" destOrd="0" presId="urn:microsoft.com/office/officeart/2005/8/layout/vList2"/>
-    <dgm:cxn modelId="{63F4B082-CFA3-47FB-8B76-AD6D4B9A15C8}" srcId="{DCAE7A11-7C85-469C-B636-4A115BBFAA9F}" destId="{AC0B55C1-ACF1-401F-A36C-00BBCE237665}" srcOrd="1" destOrd="0" parTransId="{FA66695E-BEF5-4539-AF11-0D8D39A800B9}" sibTransId="{BF78D328-D082-4310-AEB8-1E7AE80D104F}"/>
-    <dgm:cxn modelId="{12D6EF91-C65A-4C4E-98DB-D7803F14827C}" srcId="{DCAE7A11-7C85-469C-B636-4A115BBFAA9F}" destId="{A7046EBD-14E2-4724-82CC-CD89A5A8B227}" srcOrd="3" destOrd="0" parTransId="{0B3C83D8-91FE-4E83-B0C3-AAFB10C3C5DA}" sibTransId="{4559D27F-E15E-4817-B9C8-B69736B0FAA5}"/>
+    <dgm:cxn modelId="{12D6EF91-C65A-4C4E-98DB-D7803F14827C}" srcId="{DCAE7A11-7C85-469C-B636-4A115BBFAA9F}" destId="{A7046EBD-14E2-4724-82CC-CD89A5A8B227}" srcOrd="2" destOrd="0" parTransId="{0B3C83D8-91FE-4E83-B0C3-AAFB10C3C5DA}" sibTransId="{4559D27F-E15E-4817-B9C8-B69736B0FAA5}"/>
     <dgm:cxn modelId="{FF81B8A1-A15E-4E9B-A756-D1C5AAE11383}" type="presOf" srcId="{C6541F79-1FFC-4E8D-84B3-5DFC6FFCF623}" destId="{4549FC0F-F794-4053-A0C9-D79C92DB2D9D}" srcOrd="0" destOrd="0" presId="urn:microsoft.com/office/officeart/2005/8/layout/vList2"/>
     <dgm:cxn modelId="{6376B6BF-22AF-44AD-9065-A1CF4A4B4638}" srcId="{DCAE7A11-7C85-469C-B636-4A115BBFAA9F}" destId="{DCE13BC6-9007-4424-8E5A-5BFB428783A4}" srcOrd="0" destOrd="0" parTransId="{02CEEB70-858A-4A0B-ABF3-A31864DCA0C7}" sibTransId="{AD4D2EFD-D1B1-46EB-8F26-854F8A853E0F}"/>
     <dgm:cxn modelId="{617B96E1-89B1-4A85-A3EC-886EC62BB64C}" type="presOf" srcId="{A7046EBD-14E2-4724-82CC-CD89A5A8B227}" destId="{454EFEDB-6ABF-44E8-ABA2-52499B13A3CF}" srcOrd="0" destOrd="0" presId="urn:microsoft.com/office/officeart/2005/8/layout/vList2"/>
-    <dgm:cxn modelId="{3EE77DF9-FF42-4781-819B-40B9891B1190}" srcId="{DCAE7A11-7C85-469C-B636-4A115BBFAA9F}" destId="{68D94897-6D86-4E29-8615-E87EA165F029}" srcOrd="4" destOrd="0" parTransId="{B5869534-E522-432C-9902-EA0BFEB9D6AC}" sibTransId="{5E1F3287-886D-49A9-AE58-B7BC13670CE5}"/>
+    <dgm:cxn modelId="{3EE77DF9-FF42-4781-819B-40B9891B1190}" srcId="{DCAE7A11-7C85-469C-B636-4A115BBFAA9F}" destId="{68D94897-6D86-4E29-8615-E87EA165F029}" srcOrd="3" destOrd="0" parTransId="{B5869534-E522-432C-9902-EA0BFEB9D6AC}" sibTransId="{5E1F3287-886D-49A9-AE58-B7BC13670CE5}"/>
     <dgm:cxn modelId="{9E72FA93-02EF-4B36-A0AA-97F2A60E4416}" type="presParOf" srcId="{833CED99-204B-4E4B-8DC1-DBB33BE0EF7E}" destId="{06EFD105-C127-40EA-B9D2-24D8516DE8DB}" srcOrd="0" destOrd="0" presId="urn:microsoft.com/office/officeart/2005/8/layout/vList2"/>
     <dgm:cxn modelId="{8FB59D79-B09E-4143-84E8-6F9589EC4B9A}" type="presParOf" srcId="{833CED99-204B-4E4B-8DC1-DBB33BE0EF7E}" destId="{406B9775-56A9-40F8-8AF7-A58A9F5CAFF8}" srcOrd="1" destOrd="0" presId="urn:microsoft.com/office/officeart/2005/8/layout/vList2"/>
-    <dgm:cxn modelId="{68FAB81D-674C-42F7-A48F-933A6EDA0D86}" type="presParOf" srcId="{833CED99-204B-4E4B-8DC1-DBB33BE0EF7E}" destId="{E3209D7E-4393-40C0-81C6-190ED4100118}" srcOrd="2" destOrd="0" presId="urn:microsoft.com/office/officeart/2005/8/layout/vList2"/>
-    <dgm:cxn modelId="{2536261E-5D22-4818-8428-A53490EB9954}" type="presParOf" srcId="{833CED99-204B-4E4B-8DC1-DBB33BE0EF7E}" destId="{E4210E97-947F-41B6-9AAF-ABA285CD4622}" srcOrd="3" destOrd="0" presId="urn:microsoft.com/office/officeart/2005/8/layout/vList2"/>
-    <dgm:cxn modelId="{25652BFE-1CB9-43E5-9143-B52914C8A48D}" type="presParOf" srcId="{833CED99-204B-4E4B-8DC1-DBB33BE0EF7E}" destId="{4549FC0F-F794-4053-A0C9-D79C92DB2D9D}" srcOrd="4" destOrd="0" presId="urn:microsoft.com/office/officeart/2005/8/layout/vList2"/>
-    <dgm:cxn modelId="{E133933D-3C1F-48C6-A7A2-6B83A93C3664}" type="presParOf" srcId="{833CED99-204B-4E4B-8DC1-DBB33BE0EF7E}" destId="{1D5BAC7A-DC98-4F99-9FCB-5936CDD7A62C}" srcOrd="5" destOrd="0" presId="urn:microsoft.com/office/officeart/2005/8/layout/vList2"/>
-    <dgm:cxn modelId="{63958D43-A8E5-4A2B-A100-BDA072B177A9}" type="presParOf" srcId="{833CED99-204B-4E4B-8DC1-DBB33BE0EF7E}" destId="{454EFEDB-6ABF-44E8-ABA2-52499B13A3CF}" srcOrd="6" destOrd="0" presId="urn:microsoft.com/office/officeart/2005/8/layout/vList2"/>
-    <dgm:cxn modelId="{0F23921E-6FD6-4FE5-B996-A858CF53B9D5}" type="presParOf" srcId="{833CED99-204B-4E4B-8DC1-DBB33BE0EF7E}" destId="{443486C3-8BD0-4187-A1BE-51FA1E545340}" srcOrd="7" destOrd="0" presId="urn:microsoft.com/office/officeart/2005/8/layout/vList2"/>
-    <dgm:cxn modelId="{1A238546-4582-4DB8-ABD9-0165261262AA}" type="presParOf" srcId="{833CED99-204B-4E4B-8DC1-DBB33BE0EF7E}" destId="{1D9DE359-FAED-4833-B194-F026E0811F21}" srcOrd="8" destOrd="0" presId="urn:microsoft.com/office/officeart/2005/8/layout/vList2"/>
+    <dgm:cxn modelId="{25652BFE-1CB9-43E5-9143-B52914C8A48D}" type="presParOf" srcId="{833CED99-204B-4E4B-8DC1-DBB33BE0EF7E}" destId="{4549FC0F-F794-4053-A0C9-D79C92DB2D9D}" srcOrd="2" destOrd="0" presId="urn:microsoft.com/office/officeart/2005/8/layout/vList2"/>
+    <dgm:cxn modelId="{E133933D-3C1F-48C6-A7A2-6B83A93C3664}" type="presParOf" srcId="{833CED99-204B-4E4B-8DC1-DBB33BE0EF7E}" destId="{1D5BAC7A-DC98-4F99-9FCB-5936CDD7A62C}" srcOrd="3" destOrd="0" presId="urn:microsoft.com/office/officeart/2005/8/layout/vList2"/>
+    <dgm:cxn modelId="{63958D43-A8E5-4A2B-A100-BDA072B177A9}" type="presParOf" srcId="{833CED99-204B-4E4B-8DC1-DBB33BE0EF7E}" destId="{454EFEDB-6ABF-44E8-ABA2-52499B13A3CF}" srcOrd="4" destOrd="0" presId="urn:microsoft.com/office/officeart/2005/8/layout/vList2"/>
+    <dgm:cxn modelId="{0F23921E-6FD6-4FE5-B996-A858CF53B9D5}" type="presParOf" srcId="{833CED99-204B-4E4B-8DC1-DBB33BE0EF7E}" destId="{443486C3-8BD0-4187-A1BE-51FA1E545340}" srcOrd="5" destOrd="0" presId="urn:microsoft.com/office/officeart/2005/8/layout/vList2"/>
+    <dgm:cxn modelId="{1A238546-4582-4DB8-ABD9-0165261262AA}" type="presParOf" srcId="{833CED99-204B-4E4B-8DC1-DBB33BE0EF7E}" destId="{1D9DE359-FAED-4833-B194-F026E0811F21}" srcOrd="6" destOrd="0" presId="urn:microsoft.com/office/officeart/2005/8/layout/vList2"/>
   </dgm:cxnLst>
   <dgm:bg/>
   <dgm:whole/>
@@ -7306,43 +7085,7 @@
 <dgm:dataModel xmlns:dgm="http://schemas.openxmlformats.org/drawingml/2006/diagram" xmlns:a="http://schemas.openxmlformats.org/drawingml/2006/main">
   <dgm:ptLst>
     <dgm:pt modelId="{835BAAB9-EC3E-4DDA-9112-922187A8E666}" type="doc">
-      <dgm:prSet loTypeId="urn:microsoft.com/office/officeart/2008/layout/AlternatingHexagons" loCatId="list" qsTypeId="urn:microsoft.com/office/officeart/2005/8/quickstyle/simple1" qsCatId="simple" csTypeId="urn:microsoft.com/office/officeart/2005/8/colors/colorful1" csCatId="colorful" phldr="1"/>
-      <dgm:spPr/>
-      <dgm:t>
-        <a:bodyPr/>
-        <a:lstStyle/>
-        <a:p>
-          <a:endParaRPr lang="en-US"/>
-        </a:p>
-      </dgm:t>
-    </dgm:pt>
-    <dgm:pt modelId="{6FFA5A66-44AB-434B-9942-E76711CE9BC8}">
-      <dgm:prSet/>
-      <dgm:spPr/>
-      <dgm:t>
-        <a:bodyPr/>
-        <a:lstStyle/>
-        <a:p>
-          <a:r>
-            <a:rPr lang="en-US" dirty="0"/>
-            <a:t>Small Batches</a:t>
-          </a:r>
-        </a:p>
-      </dgm:t>
-    </dgm:pt>
-    <dgm:pt modelId="{92CAE314-10D2-4FB4-80CD-FB299BC257DC}" type="parTrans" cxnId="{9FE4CE1D-598F-4A0F-9FB0-0D3405D46743}">
-      <dgm:prSet/>
-      <dgm:spPr/>
-      <dgm:t>
-        <a:bodyPr/>
-        <a:lstStyle/>
-        <a:p>
-          <a:endParaRPr lang="en-US"/>
-        </a:p>
-      </dgm:t>
-    </dgm:pt>
-    <dgm:pt modelId="{A6F4E442-D285-414A-A445-83C34A0C3206}" type="sibTrans" cxnId="{9FE4CE1D-598F-4A0F-9FB0-0D3405D46743}">
-      <dgm:prSet/>
+      <dgm:prSet loTypeId="urn:microsoft.com/office/officeart/2008/layout/LinedList" loCatId="list" qsTypeId="urn:microsoft.com/office/officeart/2005/8/quickstyle/simple1" qsCatId="simple" csTypeId="urn:microsoft.com/office/officeart/2005/8/colors/accent2_2" csCatId="accent2" phldr="1"/>
       <dgm:spPr/>
       <dgm:t>
         <a:bodyPr/>
@@ -7424,7 +7167,7 @@
         </a:p>
       </dgm:t>
     </dgm:pt>
-    <dgm:pt modelId="{FCB0224A-CC11-4EC3-A963-3E3381F25485}">
+    <dgm:pt modelId="{BFF61F12-32B8-4440-9993-DD9448C37AB0}">
       <dgm:prSet/>
       <dgm:spPr/>
       <dgm:t>
@@ -7432,13 +7175,14 @@
         <a:lstStyle/>
         <a:p>
           <a:r>
-            <a:rPr lang="en-US" dirty="0"/>
+            <a:rPr lang="en-US"/>
             <a:t>Logging Table</a:t>
           </a:r>
+          <a:endParaRPr lang="en-US" dirty="0"/>
         </a:p>
       </dgm:t>
     </dgm:pt>
-    <dgm:pt modelId="{286726AE-F79F-405E-8959-EF6D9CA9717E}" type="parTrans" cxnId="{938D2084-47D9-4795-BAE8-E5A0CFCC1707}">
+    <dgm:pt modelId="{65BCC994-5687-42B4-96C2-0FB8D6772B2C}" type="parTrans" cxnId="{4897941C-B6C4-4221-AE81-E5E9EAD45E8D}">
       <dgm:prSet/>
       <dgm:spPr/>
       <dgm:t>
@@ -7449,7 +7193,7 @@
         </a:p>
       </dgm:t>
     </dgm:pt>
-    <dgm:pt modelId="{562BB3EB-D1AD-4796-A97A-BCA54EE520B5}" type="sibTrans" cxnId="{938D2084-47D9-4795-BAE8-E5A0CFCC1707}">
+    <dgm:pt modelId="{1475037B-4AAF-47FF-AEC4-F0086C557064}" type="sibTrans" cxnId="{4897941C-B6C4-4221-AE81-E5E9EAD45E8D}">
       <dgm:prSet/>
       <dgm:spPr/>
       <dgm:t>
@@ -7460,215 +7204,85 @@
         </a:p>
       </dgm:t>
     </dgm:pt>
-    <dgm:pt modelId="{7595038E-1691-4C79-9BFC-7058F49002F1}" type="pres">
-      <dgm:prSet presAssocID="{835BAAB9-EC3E-4DDA-9112-922187A8E666}" presName="Name0" presStyleCnt="0">
+    <dgm:pt modelId="{A3E58998-3AF8-4B81-9A8C-053C15EAE5A6}" type="pres">
+      <dgm:prSet presAssocID="{835BAAB9-EC3E-4DDA-9112-922187A8E666}" presName="vert0" presStyleCnt="0">
         <dgm:presLayoutVars>
-          <dgm:chMax/>
-          <dgm:chPref/>
           <dgm:dir/>
+          <dgm:animOne val="branch"/>
           <dgm:animLvl val="lvl"/>
         </dgm:presLayoutVars>
       </dgm:prSet>
       <dgm:spPr/>
     </dgm:pt>
-    <dgm:pt modelId="{0E8980E9-77C0-470E-B5EB-B1A17EA7BD86}" type="pres">
-      <dgm:prSet presAssocID="{6FFA5A66-44AB-434B-9942-E76711CE9BC8}" presName="composite" presStyleCnt="0"/>
+    <dgm:pt modelId="{CC2400A9-53E8-4C85-A15C-2ADEFD92122A}" type="pres">
+      <dgm:prSet presAssocID="{A56E5EAE-184F-4B13-BB58-302096F0879A}" presName="thickLine" presStyleLbl="alignNode1" presStyleIdx="0" presStyleCnt="3"/>
       <dgm:spPr/>
     </dgm:pt>
-    <dgm:pt modelId="{9F9FABD0-F044-4932-A721-46A13AEA6E8F}" type="pres">
-      <dgm:prSet presAssocID="{6FFA5A66-44AB-434B-9942-E76711CE9BC8}" presName="Parent1" presStyleLbl="node1" presStyleIdx="0" presStyleCnt="8">
-        <dgm:presLayoutVars>
-          <dgm:chMax val="1"/>
-          <dgm:chPref val="1"/>
-          <dgm:bulletEnabled val="1"/>
-        </dgm:presLayoutVars>
-      </dgm:prSet>
+    <dgm:pt modelId="{FA5AB814-C595-4711-839D-E85A83A420EC}" type="pres">
+      <dgm:prSet presAssocID="{A56E5EAE-184F-4B13-BB58-302096F0879A}" presName="horz1" presStyleCnt="0"/>
       <dgm:spPr/>
     </dgm:pt>
-    <dgm:pt modelId="{A91DBD09-4A6F-44CE-A738-FF62F992DE6D}" type="pres">
-      <dgm:prSet presAssocID="{6FFA5A66-44AB-434B-9942-E76711CE9BC8}" presName="Childtext1" presStyleLbl="revTx" presStyleIdx="0" presStyleCnt="4">
-        <dgm:presLayoutVars>
-          <dgm:chMax val="0"/>
-          <dgm:chPref val="0"/>
-          <dgm:bulletEnabled val="1"/>
-        </dgm:presLayoutVars>
-      </dgm:prSet>
+    <dgm:pt modelId="{E2FEE9C1-D567-4B6A-859C-39A3B280B28A}" type="pres">
+      <dgm:prSet presAssocID="{A56E5EAE-184F-4B13-BB58-302096F0879A}" presName="tx1" presStyleLbl="revTx" presStyleIdx="0" presStyleCnt="3"/>
       <dgm:spPr/>
     </dgm:pt>
-    <dgm:pt modelId="{AEB4B474-7C8D-489F-8FDB-D55D6417BD9A}" type="pres">
-      <dgm:prSet presAssocID="{6FFA5A66-44AB-434B-9942-E76711CE9BC8}" presName="BalanceSpacing" presStyleCnt="0"/>
+    <dgm:pt modelId="{89729FEE-3D21-4AE0-AE99-BBC3C5C70570}" type="pres">
+      <dgm:prSet presAssocID="{A56E5EAE-184F-4B13-BB58-302096F0879A}" presName="vert1" presStyleCnt="0"/>
       <dgm:spPr/>
     </dgm:pt>
-    <dgm:pt modelId="{8551B2CB-946D-47AD-9B2E-92CDFBD47F11}" type="pres">
-      <dgm:prSet presAssocID="{6FFA5A66-44AB-434B-9942-E76711CE9BC8}" presName="BalanceSpacing1" presStyleCnt="0"/>
+    <dgm:pt modelId="{6F935F56-838B-49DE-9945-5740D8115132}" type="pres">
+      <dgm:prSet presAssocID="{BFF61F12-32B8-4440-9993-DD9448C37AB0}" presName="thickLine" presStyleLbl="alignNode1" presStyleIdx="1" presStyleCnt="3"/>
       <dgm:spPr/>
     </dgm:pt>
-    <dgm:pt modelId="{155471E0-D107-4FFD-BB9B-940CCB65C7AB}" type="pres">
-      <dgm:prSet presAssocID="{A6F4E442-D285-414A-A445-83C34A0C3206}" presName="Accent1Text" presStyleLbl="node1" presStyleIdx="1" presStyleCnt="8"/>
+    <dgm:pt modelId="{A9A7ABB7-BA8A-4DAA-9DC0-43DA55752647}" type="pres">
+      <dgm:prSet presAssocID="{BFF61F12-32B8-4440-9993-DD9448C37AB0}" presName="horz1" presStyleCnt="0"/>
       <dgm:spPr/>
     </dgm:pt>
-    <dgm:pt modelId="{246C98BF-A092-4610-ACAD-8E0AF0E4D936}" type="pres">
-      <dgm:prSet presAssocID="{A6F4E442-D285-414A-A445-83C34A0C3206}" presName="spaceBetweenRectangles" presStyleCnt="0"/>
+    <dgm:pt modelId="{B8C2BBEF-4EA4-4594-95D9-61C4EE73F0FB}" type="pres">
+      <dgm:prSet presAssocID="{BFF61F12-32B8-4440-9993-DD9448C37AB0}" presName="tx1" presStyleLbl="revTx" presStyleIdx="1" presStyleCnt="3"/>
       <dgm:spPr/>
     </dgm:pt>
-    <dgm:pt modelId="{C400FD4F-4443-4A8E-ABE7-CE337937A66C}" type="pres">
-      <dgm:prSet presAssocID="{A56E5EAE-184F-4B13-BB58-302096F0879A}" presName="composite" presStyleCnt="0"/>
+    <dgm:pt modelId="{C9DD5CD0-5E2B-4BAF-824F-590608317BA6}" type="pres">
+      <dgm:prSet presAssocID="{BFF61F12-32B8-4440-9993-DD9448C37AB0}" presName="vert1" presStyleCnt="0"/>
       <dgm:spPr/>
     </dgm:pt>
-    <dgm:pt modelId="{3EE86AAA-9FC8-4924-B9EF-9E278036C050}" type="pres">
-      <dgm:prSet presAssocID="{A56E5EAE-184F-4B13-BB58-302096F0879A}" presName="Parent1" presStyleLbl="node1" presStyleIdx="2" presStyleCnt="8">
-        <dgm:presLayoutVars>
-          <dgm:chMax val="1"/>
-          <dgm:chPref val="1"/>
-          <dgm:bulletEnabled val="1"/>
-        </dgm:presLayoutVars>
-      </dgm:prSet>
+    <dgm:pt modelId="{4695F28B-682E-45ED-89D2-8B670860AD2A}" type="pres">
+      <dgm:prSet presAssocID="{1AC06391-9B65-44C0-A84F-61E6F7776BE6}" presName="thickLine" presStyleLbl="alignNode1" presStyleIdx="2" presStyleCnt="3"/>
       <dgm:spPr/>
     </dgm:pt>
-    <dgm:pt modelId="{56FD3A70-1AEB-4815-9AE2-26504B8556EF}" type="pres">
-      <dgm:prSet presAssocID="{A56E5EAE-184F-4B13-BB58-302096F0879A}" presName="Childtext1" presStyleLbl="revTx" presStyleIdx="1" presStyleCnt="4">
-        <dgm:presLayoutVars>
-          <dgm:chMax val="0"/>
-          <dgm:chPref val="0"/>
-          <dgm:bulletEnabled val="1"/>
-        </dgm:presLayoutVars>
-      </dgm:prSet>
+    <dgm:pt modelId="{E9559E7D-7E98-40BD-8497-7883AD5BAD98}" type="pres">
+      <dgm:prSet presAssocID="{1AC06391-9B65-44C0-A84F-61E6F7776BE6}" presName="horz1" presStyleCnt="0"/>
       <dgm:spPr/>
     </dgm:pt>
-    <dgm:pt modelId="{20E86181-B066-44A9-86A0-A7A015C999CD}" type="pres">
-      <dgm:prSet presAssocID="{A56E5EAE-184F-4B13-BB58-302096F0879A}" presName="BalanceSpacing" presStyleCnt="0"/>
+    <dgm:pt modelId="{1B0FC139-E3EF-4587-97A8-8051679D78AE}" type="pres">
+      <dgm:prSet presAssocID="{1AC06391-9B65-44C0-A84F-61E6F7776BE6}" presName="tx1" presStyleLbl="revTx" presStyleIdx="2" presStyleCnt="3"/>
       <dgm:spPr/>
     </dgm:pt>
-    <dgm:pt modelId="{5CE10E5B-4FE7-426C-B030-A9B98565A50B}" type="pres">
-      <dgm:prSet presAssocID="{A56E5EAE-184F-4B13-BB58-302096F0879A}" presName="BalanceSpacing1" presStyleCnt="0"/>
-      <dgm:spPr/>
-    </dgm:pt>
-    <dgm:pt modelId="{2742C924-547B-4E8A-983E-D64CA873D865}" type="pres">
-      <dgm:prSet presAssocID="{99B1EFFA-9650-40A5-9EA6-B1C1F97EC9D7}" presName="Accent1Text" presStyleLbl="node1" presStyleIdx="3" presStyleCnt="8"/>
-      <dgm:spPr/>
-    </dgm:pt>
-    <dgm:pt modelId="{49E25585-3E33-47AC-9611-3A4DBA2FCF8F}" type="pres">
-      <dgm:prSet presAssocID="{99B1EFFA-9650-40A5-9EA6-B1C1F97EC9D7}" presName="spaceBetweenRectangles" presStyleCnt="0"/>
-      <dgm:spPr/>
-    </dgm:pt>
-    <dgm:pt modelId="{02F05912-2D0A-4B04-BC48-DDA176D7AFF4}" type="pres">
-      <dgm:prSet presAssocID="{1AC06391-9B65-44C0-A84F-61E6F7776BE6}" presName="composite" presStyleCnt="0"/>
-      <dgm:spPr/>
-    </dgm:pt>
-    <dgm:pt modelId="{FFBEF79A-24B6-447F-B8C5-53653051151D}" type="pres">
-      <dgm:prSet presAssocID="{1AC06391-9B65-44C0-A84F-61E6F7776BE6}" presName="Parent1" presStyleLbl="node1" presStyleIdx="4" presStyleCnt="8">
-        <dgm:presLayoutVars>
-          <dgm:chMax val="1"/>
-          <dgm:chPref val="1"/>
-          <dgm:bulletEnabled val="1"/>
-        </dgm:presLayoutVars>
-      </dgm:prSet>
-      <dgm:spPr/>
-    </dgm:pt>
-    <dgm:pt modelId="{C4CD8D09-4AFE-441A-8C88-055D3513741C}" type="pres">
-      <dgm:prSet presAssocID="{1AC06391-9B65-44C0-A84F-61E6F7776BE6}" presName="Childtext1" presStyleLbl="revTx" presStyleIdx="2" presStyleCnt="4">
-        <dgm:presLayoutVars>
-          <dgm:chMax val="0"/>
-          <dgm:chPref val="0"/>
-          <dgm:bulletEnabled val="1"/>
-        </dgm:presLayoutVars>
-      </dgm:prSet>
-      <dgm:spPr/>
-    </dgm:pt>
-    <dgm:pt modelId="{3527EE39-581E-48AD-A7FD-6E1D8510EAAB}" type="pres">
-      <dgm:prSet presAssocID="{1AC06391-9B65-44C0-A84F-61E6F7776BE6}" presName="BalanceSpacing" presStyleCnt="0"/>
-      <dgm:spPr/>
-    </dgm:pt>
-    <dgm:pt modelId="{0A6DC6D6-D9A9-4BF8-94B8-722960EEA392}" type="pres">
-      <dgm:prSet presAssocID="{1AC06391-9B65-44C0-A84F-61E6F7776BE6}" presName="BalanceSpacing1" presStyleCnt="0"/>
-      <dgm:spPr/>
-    </dgm:pt>
-    <dgm:pt modelId="{78717A2D-BCE2-4CF7-B62C-666060C6E546}" type="pres">
-      <dgm:prSet presAssocID="{B09D9ADD-1C3C-4C07-8557-5C4DD05948DA}" presName="Accent1Text" presStyleLbl="node1" presStyleIdx="5" presStyleCnt="8"/>
-      <dgm:spPr/>
-    </dgm:pt>
-    <dgm:pt modelId="{53DC7252-7862-4C05-8166-AB61049C09C6}" type="pres">
-      <dgm:prSet presAssocID="{B09D9ADD-1C3C-4C07-8557-5C4DD05948DA}" presName="spaceBetweenRectangles" presStyleCnt="0"/>
-      <dgm:spPr/>
-    </dgm:pt>
-    <dgm:pt modelId="{960EDA4A-2D2C-46BE-8E00-9C174E03E18D}" type="pres">
-      <dgm:prSet presAssocID="{FCB0224A-CC11-4EC3-A963-3E3381F25485}" presName="composite" presStyleCnt="0"/>
-      <dgm:spPr/>
-    </dgm:pt>
-    <dgm:pt modelId="{679DD9E1-05D9-4A9B-AC79-27A317A876B8}" type="pres">
-      <dgm:prSet presAssocID="{FCB0224A-CC11-4EC3-A963-3E3381F25485}" presName="Parent1" presStyleLbl="node1" presStyleIdx="6" presStyleCnt="8">
-        <dgm:presLayoutVars>
-          <dgm:chMax val="1"/>
-          <dgm:chPref val="1"/>
-          <dgm:bulletEnabled val="1"/>
-        </dgm:presLayoutVars>
-      </dgm:prSet>
-      <dgm:spPr/>
-    </dgm:pt>
-    <dgm:pt modelId="{BDE45EFB-93AB-4DE3-AC02-EE7C98594122}" type="pres">
-      <dgm:prSet presAssocID="{FCB0224A-CC11-4EC3-A963-3E3381F25485}" presName="Childtext1" presStyleLbl="revTx" presStyleIdx="3" presStyleCnt="4">
-        <dgm:presLayoutVars>
-          <dgm:chMax val="0"/>
-          <dgm:chPref val="0"/>
-          <dgm:bulletEnabled val="1"/>
-        </dgm:presLayoutVars>
-      </dgm:prSet>
-      <dgm:spPr/>
-    </dgm:pt>
-    <dgm:pt modelId="{8DFE591B-53A7-4AFB-A03F-47C4595F3A44}" type="pres">
-      <dgm:prSet presAssocID="{FCB0224A-CC11-4EC3-A963-3E3381F25485}" presName="BalanceSpacing" presStyleCnt="0"/>
-      <dgm:spPr/>
-    </dgm:pt>
-    <dgm:pt modelId="{299894BF-B48F-42F3-B208-CE035814590E}" type="pres">
-      <dgm:prSet presAssocID="{FCB0224A-CC11-4EC3-A963-3E3381F25485}" presName="BalanceSpacing1" presStyleCnt="0"/>
-      <dgm:spPr/>
-    </dgm:pt>
-    <dgm:pt modelId="{877AC586-3479-4476-B400-F2CF1AB21AB6}" type="pres">
-      <dgm:prSet presAssocID="{562BB3EB-D1AD-4796-A97A-BCA54EE520B5}" presName="Accent1Text" presStyleLbl="node1" presStyleIdx="7" presStyleCnt="8"/>
+    <dgm:pt modelId="{B715353A-8C65-4AA7-BFAE-11C1907D2D30}" type="pres">
+      <dgm:prSet presAssocID="{1AC06391-9B65-44C0-A84F-61E6F7776BE6}" presName="vert1" presStyleCnt="0"/>
       <dgm:spPr/>
     </dgm:pt>
   </dgm:ptLst>
   <dgm:cxnLst>
     <dgm:cxn modelId="{DA52C407-8107-485D-BB88-C7B80B1EB5F4}" srcId="{835BAAB9-EC3E-4DDA-9112-922187A8E666}" destId="{1AC06391-9B65-44C0-A84F-61E6F7776BE6}" srcOrd="2" destOrd="0" parTransId="{6E7ADB13-A5CC-463C-AE42-5DAB12720498}" sibTransId="{B09D9ADD-1C3C-4C07-8557-5C4DD05948DA}"/>
-    <dgm:cxn modelId="{9FE4CE1D-598F-4A0F-9FB0-0D3405D46743}" srcId="{835BAAB9-EC3E-4DDA-9112-922187A8E666}" destId="{6FFA5A66-44AB-434B-9942-E76711CE9BC8}" srcOrd="0" destOrd="0" parTransId="{92CAE314-10D2-4FB4-80CD-FB299BC257DC}" sibTransId="{A6F4E442-D285-414A-A445-83C34A0C3206}"/>
-    <dgm:cxn modelId="{BB99A91F-E00E-4C0E-8AF7-8D04EE0AC296}" srcId="{835BAAB9-EC3E-4DDA-9112-922187A8E666}" destId="{A56E5EAE-184F-4B13-BB58-302096F0879A}" srcOrd="1" destOrd="0" parTransId="{87DA6B2C-5503-4904-8D62-26633893369A}" sibTransId="{99B1EFFA-9650-40A5-9EA6-B1C1F97EC9D7}"/>
-    <dgm:cxn modelId="{B39D8A53-45D4-4E7A-A985-CC82B08BEF8E}" type="presOf" srcId="{6FFA5A66-44AB-434B-9942-E76711CE9BC8}" destId="{9F9FABD0-F044-4932-A721-46A13AEA6E8F}" srcOrd="0" destOrd="0" presId="urn:microsoft.com/office/officeart/2008/layout/AlternatingHexagons"/>
-    <dgm:cxn modelId="{938D2084-47D9-4795-BAE8-E5A0CFCC1707}" srcId="{835BAAB9-EC3E-4DDA-9112-922187A8E666}" destId="{FCB0224A-CC11-4EC3-A963-3E3381F25485}" srcOrd="3" destOrd="0" parTransId="{286726AE-F79F-405E-8959-EF6D9CA9717E}" sibTransId="{562BB3EB-D1AD-4796-A97A-BCA54EE520B5}"/>
-    <dgm:cxn modelId="{DFC2418A-6191-4505-8C36-1F36EDD6EFCF}" type="presOf" srcId="{562BB3EB-D1AD-4796-A97A-BCA54EE520B5}" destId="{877AC586-3479-4476-B400-F2CF1AB21AB6}" srcOrd="0" destOrd="0" presId="urn:microsoft.com/office/officeart/2008/layout/AlternatingHexagons"/>
-    <dgm:cxn modelId="{CC4E0B8B-07F8-4E9B-B3AF-A46E5CD48EF3}" type="presOf" srcId="{99B1EFFA-9650-40A5-9EA6-B1C1F97EC9D7}" destId="{2742C924-547B-4E8A-983E-D64CA873D865}" srcOrd="0" destOrd="0" presId="urn:microsoft.com/office/officeart/2008/layout/AlternatingHexagons"/>
-    <dgm:cxn modelId="{76AD0695-6C1A-4C12-AB53-F597C1E8A45A}" type="presOf" srcId="{A56E5EAE-184F-4B13-BB58-302096F0879A}" destId="{3EE86AAA-9FC8-4924-B9EF-9E278036C050}" srcOrd="0" destOrd="0" presId="urn:microsoft.com/office/officeart/2008/layout/AlternatingHexagons"/>
-    <dgm:cxn modelId="{892BFD9F-D83D-41AF-A903-6A2FDDF7EF41}" type="presOf" srcId="{835BAAB9-EC3E-4DDA-9112-922187A8E666}" destId="{7595038E-1691-4C79-9BFC-7058F49002F1}" srcOrd="0" destOrd="0" presId="urn:microsoft.com/office/officeart/2008/layout/AlternatingHexagons"/>
-    <dgm:cxn modelId="{343A6CA8-72D0-43ED-B60D-6CA19BA54274}" type="presOf" srcId="{FCB0224A-CC11-4EC3-A963-3E3381F25485}" destId="{679DD9E1-05D9-4A9B-AC79-27A317A876B8}" srcOrd="0" destOrd="0" presId="urn:microsoft.com/office/officeart/2008/layout/AlternatingHexagons"/>
-    <dgm:cxn modelId="{13537AD1-0D34-4AD6-8EF0-E6715CD73E76}" type="presOf" srcId="{B09D9ADD-1C3C-4C07-8557-5C4DD05948DA}" destId="{78717A2D-BCE2-4CF7-B62C-666060C6E546}" srcOrd="0" destOrd="0" presId="urn:microsoft.com/office/officeart/2008/layout/AlternatingHexagons"/>
-    <dgm:cxn modelId="{FF466DE7-B71F-4F55-8E19-9A43BDA4B927}" type="presOf" srcId="{1AC06391-9B65-44C0-A84F-61E6F7776BE6}" destId="{FFBEF79A-24B6-447F-B8C5-53653051151D}" srcOrd="0" destOrd="0" presId="urn:microsoft.com/office/officeart/2008/layout/AlternatingHexagons"/>
-    <dgm:cxn modelId="{97BD4DFB-7AC4-45F5-A4BF-CB3C353A5D4C}" type="presOf" srcId="{A6F4E442-D285-414A-A445-83C34A0C3206}" destId="{155471E0-D107-4FFD-BB9B-940CCB65C7AB}" srcOrd="0" destOrd="0" presId="urn:microsoft.com/office/officeart/2008/layout/AlternatingHexagons"/>
-    <dgm:cxn modelId="{92649B3A-37AD-463C-A150-4778712B5BFD}" type="presParOf" srcId="{7595038E-1691-4C79-9BFC-7058F49002F1}" destId="{0E8980E9-77C0-470E-B5EB-B1A17EA7BD86}" srcOrd="0" destOrd="0" presId="urn:microsoft.com/office/officeart/2008/layout/AlternatingHexagons"/>
-    <dgm:cxn modelId="{4EFF03DB-10EB-4FF5-AE0F-932FFF88CCA2}" type="presParOf" srcId="{0E8980E9-77C0-470E-B5EB-B1A17EA7BD86}" destId="{9F9FABD0-F044-4932-A721-46A13AEA6E8F}" srcOrd="0" destOrd="0" presId="urn:microsoft.com/office/officeart/2008/layout/AlternatingHexagons"/>
-    <dgm:cxn modelId="{A8EA1923-47E1-46AA-A886-1B501265ED99}" type="presParOf" srcId="{0E8980E9-77C0-470E-B5EB-B1A17EA7BD86}" destId="{A91DBD09-4A6F-44CE-A738-FF62F992DE6D}" srcOrd="1" destOrd="0" presId="urn:microsoft.com/office/officeart/2008/layout/AlternatingHexagons"/>
-    <dgm:cxn modelId="{DAF78AF2-B1AB-4D3E-8C8C-6874FA52468A}" type="presParOf" srcId="{0E8980E9-77C0-470E-B5EB-B1A17EA7BD86}" destId="{AEB4B474-7C8D-489F-8FDB-D55D6417BD9A}" srcOrd="2" destOrd="0" presId="urn:microsoft.com/office/officeart/2008/layout/AlternatingHexagons"/>
-    <dgm:cxn modelId="{6C24BB13-CBDE-4139-9288-7F02C33A428C}" type="presParOf" srcId="{0E8980E9-77C0-470E-B5EB-B1A17EA7BD86}" destId="{8551B2CB-946D-47AD-9B2E-92CDFBD47F11}" srcOrd="3" destOrd="0" presId="urn:microsoft.com/office/officeart/2008/layout/AlternatingHexagons"/>
-    <dgm:cxn modelId="{B682377E-88FB-4A4B-ABBF-F1BE35A9C6AE}" type="presParOf" srcId="{0E8980E9-77C0-470E-B5EB-B1A17EA7BD86}" destId="{155471E0-D107-4FFD-BB9B-940CCB65C7AB}" srcOrd="4" destOrd="0" presId="urn:microsoft.com/office/officeart/2008/layout/AlternatingHexagons"/>
-    <dgm:cxn modelId="{7F9EFE64-51CB-41EC-A7A0-D819B07247D2}" type="presParOf" srcId="{7595038E-1691-4C79-9BFC-7058F49002F1}" destId="{246C98BF-A092-4610-ACAD-8E0AF0E4D936}" srcOrd="1" destOrd="0" presId="urn:microsoft.com/office/officeart/2008/layout/AlternatingHexagons"/>
-    <dgm:cxn modelId="{FC7E45CD-B1C0-4AF0-916F-490532E1088E}" type="presParOf" srcId="{7595038E-1691-4C79-9BFC-7058F49002F1}" destId="{C400FD4F-4443-4A8E-ABE7-CE337937A66C}" srcOrd="2" destOrd="0" presId="urn:microsoft.com/office/officeart/2008/layout/AlternatingHexagons"/>
-    <dgm:cxn modelId="{DBC3DC05-1D8D-48DA-A26C-B1797FC22FF5}" type="presParOf" srcId="{C400FD4F-4443-4A8E-ABE7-CE337937A66C}" destId="{3EE86AAA-9FC8-4924-B9EF-9E278036C050}" srcOrd="0" destOrd="0" presId="urn:microsoft.com/office/officeart/2008/layout/AlternatingHexagons"/>
-    <dgm:cxn modelId="{77EE7190-707A-4375-8F12-90293EE97A5F}" type="presParOf" srcId="{C400FD4F-4443-4A8E-ABE7-CE337937A66C}" destId="{56FD3A70-1AEB-4815-9AE2-26504B8556EF}" srcOrd="1" destOrd="0" presId="urn:microsoft.com/office/officeart/2008/layout/AlternatingHexagons"/>
-    <dgm:cxn modelId="{98CB77D0-399E-439C-8EA1-0F9BEC7A5F2C}" type="presParOf" srcId="{C400FD4F-4443-4A8E-ABE7-CE337937A66C}" destId="{20E86181-B066-44A9-86A0-A7A015C999CD}" srcOrd="2" destOrd="0" presId="urn:microsoft.com/office/officeart/2008/layout/AlternatingHexagons"/>
-    <dgm:cxn modelId="{50AEAC7C-E118-432B-88BC-A7314FF97F76}" type="presParOf" srcId="{C400FD4F-4443-4A8E-ABE7-CE337937A66C}" destId="{5CE10E5B-4FE7-426C-B030-A9B98565A50B}" srcOrd="3" destOrd="0" presId="urn:microsoft.com/office/officeart/2008/layout/AlternatingHexagons"/>
-    <dgm:cxn modelId="{B8619D48-4B2E-46E8-9202-686ADBE5FF66}" type="presParOf" srcId="{C400FD4F-4443-4A8E-ABE7-CE337937A66C}" destId="{2742C924-547B-4E8A-983E-D64CA873D865}" srcOrd="4" destOrd="0" presId="urn:microsoft.com/office/officeart/2008/layout/AlternatingHexagons"/>
-    <dgm:cxn modelId="{FF58BC8B-A378-4341-A9C4-F23D8AB123C9}" type="presParOf" srcId="{7595038E-1691-4C79-9BFC-7058F49002F1}" destId="{49E25585-3E33-47AC-9611-3A4DBA2FCF8F}" srcOrd="3" destOrd="0" presId="urn:microsoft.com/office/officeart/2008/layout/AlternatingHexagons"/>
-    <dgm:cxn modelId="{0636907D-3C51-4412-BBBF-55D42F9E3D04}" type="presParOf" srcId="{7595038E-1691-4C79-9BFC-7058F49002F1}" destId="{02F05912-2D0A-4B04-BC48-DDA176D7AFF4}" srcOrd="4" destOrd="0" presId="urn:microsoft.com/office/officeart/2008/layout/AlternatingHexagons"/>
-    <dgm:cxn modelId="{CA8BFF7D-EA5E-4621-8186-B7B89183C5D6}" type="presParOf" srcId="{02F05912-2D0A-4B04-BC48-DDA176D7AFF4}" destId="{FFBEF79A-24B6-447F-B8C5-53653051151D}" srcOrd="0" destOrd="0" presId="urn:microsoft.com/office/officeart/2008/layout/AlternatingHexagons"/>
-    <dgm:cxn modelId="{F8D300EA-F31C-498D-8B85-88D75DEADEAA}" type="presParOf" srcId="{02F05912-2D0A-4B04-BC48-DDA176D7AFF4}" destId="{C4CD8D09-4AFE-441A-8C88-055D3513741C}" srcOrd="1" destOrd="0" presId="urn:microsoft.com/office/officeart/2008/layout/AlternatingHexagons"/>
-    <dgm:cxn modelId="{9CF35466-A78F-410E-93C3-E52E553E7AEB}" type="presParOf" srcId="{02F05912-2D0A-4B04-BC48-DDA176D7AFF4}" destId="{3527EE39-581E-48AD-A7FD-6E1D8510EAAB}" srcOrd="2" destOrd="0" presId="urn:microsoft.com/office/officeart/2008/layout/AlternatingHexagons"/>
-    <dgm:cxn modelId="{589E1BDB-DDE3-410C-B712-DA24AB6DFC13}" type="presParOf" srcId="{02F05912-2D0A-4B04-BC48-DDA176D7AFF4}" destId="{0A6DC6D6-D9A9-4BF8-94B8-722960EEA392}" srcOrd="3" destOrd="0" presId="urn:microsoft.com/office/officeart/2008/layout/AlternatingHexagons"/>
-    <dgm:cxn modelId="{014CCFF2-95BD-40B9-997B-20AACA43ACB0}" type="presParOf" srcId="{02F05912-2D0A-4B04-BC48-DDA176D7AFF4}" destId="{78717A2D-BCE2-4CF7-B62C-666060C6E546}" srcOrd="4" destOrd="0" presId="urn:microsoft.com/office/officeart/2008/layout/AlternatingHexagons"/>
-    <dgm:cxn modelId="{8CB45325-0C24-45F7-A508-2FD3C1AC178E}" type="presParOf" srcId="{7595038E-1691-4C79-9BFC-7058F49002F1}" destId="{53DC7252-7862-4C05-8166-AB61049C09C6}" srcOrd="5" destOrd="0" presId="urn:microsoft.com/office/officeart/2008/layout/AlternatingHexagons"/>
-    <dgm:cxn modelId="{E2A3CD1B-0BB4-41C7-90E2-5969A9EE6C6F}" type="presParOf" srcId="{7595038E-1691-4C79-9BFC-7058F49002F1}" destId="{960EDA4A-2D2C-46BE-8E00-9C174E03E18D}" srcOrd="6" destOrd="0" presId="urn:microsoft.com/office/officeart/2008/layout/AlternatingHexagons"/>
-    <dgm:cxn modelId="{1A1A86E4-1BC3-43EF-9D87-0EB49F4FE7CE}" type="presParOf" srcId="{960EDA4A-2D2C-46BE-8E00-9C174E03E18D}" destId="{679DD9E1-05D9-4A9B-AC79-27A317A876B8}" srcOrd="0" destOrd="0" presId="urn:microsoft.com/office/officeart/2008/layout/AlternatingHexagons"/>
-    <dgm:cxn modelId="{EDFF3FD7-2D13-4A8B-B9EC-264F5B0A7B0B}" type="presParOf" srcId="{960EDA4A-2D2C-46BE-8E00-9C174E03E18D}" destId="{BDE45EFB-93AB-4DE3-AC02-EE7C98594122}" srcOrd="1" destOrd="0" presId="urn:microsoft.com/office/officeart/2008/layout/AlternatingHexagons"/>
-    <dgm:cxn modelId="{0F7707D7-79C0-417F-8C8A-774C2F600010}" type="presParOf" srcId="{960EDA4A-2D2C-46BE-8E00-9C174E03E18D}" destId="{8DFE591B-53A7-4AFB-A03F-47C4595F3A44}" srcOrd="2" destOrd="0" presId="urn:microsoft.com/office/officeart/2008/layout/AlternatingHexagons"/>
-    <dgm:cxn modelId="{F035423E-C77E-4C84-933F-0F87A79AFB7D}" type="presParOf" srcId="{960EDA4A-2D2C-46BE-8E00-9C174E03E18D}" destId="{299894BF-B48F-42F3-B208-CE035814590E}" srcOrd="3" destOrd="0" presId="urn:microsoft.com/office/officeart/2008/layout/AlternatingHexagons"/>
-    <dgm:cxn modelId="{0C2D043A-C0DC-4E36-9A0E-D341E0B29FD2}" type="presParOf" srcId="{960EDA4A-2D2C-46BE-8E00-9C174E03E18D}" destId="{877AC586-3479-4476-B400-F2CF1AB21AB6}" srcOrd="4" destOrd="0" presId="urn:microsoft.com/office/officeart/2008/layout/AlternatingHexagons"/>
+    <dgm:cxn modelId="{51FE4B1A-FD40-4A02-9A77-AE5A5867A57B}" type="presOf" srcId="{1AC06391-9B65-44C0-A84F-61E6F7776BE6}" destId="{1B0FC139-E3EF-4587-97A8-8051679D78AE}" srcOrd="0" destOrd="0" presId="urn:microsoft.com/office/officeart/2008/layout/LinedList"/>
+    <dgm:cxn modelId="{4897941C-B6C4-4221-AE81-E5E9EAD45E8D}" srcId="{835BAAB9-EC3E-4DDA-9112-922187A8E666}" destId="{BFF61F12-32B8-4440-9993-DD9448C37AB0}" srcOrd="1" destOrd="0" parTransId="{65BCC994-5687-42B4-96C2-0FB8D6772B2C}" sibTransId="{1475037B-4AAF-47FF-AEC4-F0086C557064}"/>
+    <dgm:cxn modelId="{BB99A91F-E00E-4C0E-8AF7-8D04EE0AC296}" srcId="{835BAAB9-EC3E-4DDA-9112-922187A8E666}" destId="{A56E5EAE-184F-4B13-BB58-302096F0879A}" srcOrd="0" destOrd="0" parTransId="{87DA6B2C-5503-4904-8D62-26633893369A}" sibTransId="{99B1EFFA-9650-40A5-9EA6-B1C1F97EC9D7}"/>
+    <dgm:cxn modelId="{CAC1BB27-CB26-4FC1-93DD-3FCFDCD30556}" type="presOf" srcId="{835BAAB9-EC3E-4DDA-9112-922187A8E666}" destId="{A3E58998-3AF8-4B81-9A8C-053C15EAE5A6}" srcOrd="0" destOrd="0" presId="urn:microsoft.com/office/officeart/2008/layout/LinedList"/>
+    <dgm:cxn modelId="{7C48B150-169E-4B18-BC63-8E5DEA4B7C04}" type="presOf" srcId="{A56E5EAE-184F-4B13-BB58-302096F0879A}" destId="{E2FEE9C1-D567-4B6A-859C-39A3B280B28A}" srcOrd="0" destOrd="0" presId="urn:microsoft.com/office/officeart/2008/layout/LinedList"/>
+    <dgm:cxn modelId="{6154E3F2-5180-4269-88C6-C4BF0C7466C2}" type="presOf" srcId="{BFF61F12-32B8-4440-9993-DD9448C37AB0}" destId="{B8C2BBEF-4EA4-4594-95D9-61C4EE73F0FB}" srcOrd="0" destOrd="0" presId="urn:microsoft.com/office/officeart/2008/layout/LinedList"/>
+    <dgm:cxn modelId="{8B245C09-36E4-4A80-BF0B-EEE63F3EC61C}" type="presParOf" srcId="{A3E58998-3AF8-4B81-9A8C-053C15EAE5A6}" destId="{CC2400A9-53E8-4C85-A15C-2ADEFD92122A}" srcOrd="0" destOrd="0" presId="urn:microsoft.com/office/officeart/2008/layout/LinedList"/>
+    <dgm:cxn modelId="{C1D717A6-854C-4C62-A278-11E5C4ACBA21}" type="presParOf" srcId="{A3E58998-3AF8-4B81-9A8C-053C15EAE5A6}" destId="{FA5AB814-C595-4711-839D-E85A83A420EC}" srcOrd="1" destOrd="0" presId="urn:microsoft.com/office/officeart/2008/layout/LinedList"/>
+    <dgm:cxn modelId="{DBEE3B14-E22B-4F0F-8AB5-7EEE280BBCEB}" type="presParOf" srcId="{FA5AB814-C595-4711-839D-E85A83A420EC}" destId="{E2FEE9C1-D567-4B6A-859C-39A3B280B28A}" srcOrd="0" destOrd="0" presId="urn:microsoft.com/office/officeart/2008/layout/LinedList"/>
+    <dgm:cxn modelId="{6DAD47CC-0BDF-4084-8C1B-8D8CC73A1BE6}" type="presParOf" srcId="{FA5AB814-C595-4711-839D-E85A83A420EC}" destId="{89729FEE-3D21-4AE0-AE99-BBC3C5C70570}" srcOrd="1" destOrd="0" presId="urn:microsoft.com/office/officeart/2008/layout/LinedList"/>
+    <dgm:cxn modelId="{C72CAE7B-B300-44D8-9D57-07AD6573EF78}" type="presParOf" srcId="{A3E58998-3AF8-4B81-9A8C-053C15EAE5A6}" destId="{6F935F56-838B-49DE-9945-5740D8115132}" srcOrd="2" destOrd="0" presId="urn:microsoft.com/office/officeart/2008/layout/LinedList"/>
+    <dgm:cxn modelId="{53747F8B-1D45-4180-8993-F89FB8442905}" type="presParOf" srcId="{A3E58998-3AF8-4B81-9A8C-053C15EAE5A6}" destId="{A9A7ABB7-BA8A-4DAA-9DC0-43DA55752647}" srcOrd="3" destOrd="0" presId="urn:microsoft.com/office/officeart/2008/layout/LinedList"/>
+    <dgm:cxn modelId="{7D8B539C-53A6-4BD8-A6C5-062C2CC03A5B}" type="presParOf" srcId="{A9A7ABB7-BA8A-4DAA-9DC0-43DA55752647}" destId="{B8C2BBEF-4EA4-4594-95D9-61C4EE73F0FB}" srcOrd="0" destOrd="0" presId="urn:microsoft.com/office/officeart/2008/layout/LinedList"/>
+    <dgm:cxn modelId="{1306CD6E-A1DD-436E-8820-226EF9D96298}" type="presParOf" srcId="{A9A7ABB7-BA8A-4DAA-9DC0-43DA55752647}" destId="{C9DD5CD0-5E2B-4BAF-824F-590608317BA6}" srcOrd="1" destOrd="0" presId="urn:microsoft.com/office/officeart/2008/layout/LinedList"/>
+    <dgm:cxn modelId="{91D4C4A3-55B0-44C1-B852-8A259F1E8166}" type="presParOf" srcId="{A3E58998-3AF8-4B81-9A8C-053C15EAE5A6}" destId="{4695F28B-682E-45ED-89D2-8B670860AD2A}" srcOrd="4" destOrd="0" presId="urn:microsoft.com/office/officeart/2008/layout/LinedList"/>
+    <dgm:cxn modelId="{1E5E5F92-9892-440C-AB4B-7EFBD0C78926}" type="presParOf" srcId="{A3E58998-3AF8-4B81-9A8C-053C15EAE5A6}" destId="{E9559E7D-7E98-40BD-8497-7883AD5BAD98}" srcOrd="5" destOrd="0" presId="urn:microsoft.com/office/officeart/2008/layout/LinedList"/>
+    <dgm:cxn modelId="{03510911-A914-42F4-8369-97B5E4F8CC6E}" type="presParOf" srcId="{E9559E7D-7E98-40BD-8497-7883AD5BAD98}" destId="{1B0FC139-E3EF-4587-97A8-8051679D78AE}" srcOrd="0" destOrd="0" presId="urn:microsoft.com/office/officeart/2008/layout/LinedList"/>
+    <dgm:cxn modelId="{FB9DA2F5-4C27-43E8-9E40-32C812D5020C}" type="presParOf" srcId="{E9559E7D-7E98-40BD-8497-7883AD5BAD98}" destId="{B715353A-8C65-4AA7-BFAE-11C1907D2D30}" srcOrd="1" destOrd="0" presId="urn:microsoft.com/office/officeart/2008/layout/LinedList"/>
   </dgm:cxnLst>
   <dgm:bg/>
   <dgm:whole/>
@@ -7838,7 +7452,7 @@
 <dgm:dataModel xmlns:dgm="http://schemas.openxmlformats.org/drawingml/2006/diagram" xmlns:a="http://schemas.openxmlformats.org/drawingml/2006/main">
   <dgm:ptLst>
     <dgm:pt modelId="{B7AA9EE2-6BF2-4297-BA16-AC5E6F7C1D71}" type="doc">
-      <dgm:prSet loTypeId="urn:microsoft.com/office/officeart/2008/layout/LinedList" loCatId="list" qsTypeId="urn:microsoft.com/office/officeart/2005/8/quickstyle/simple1" qsCatId="simple" csTypeId="urn:microsoft.com/office/officeart/2005/8/colors/accent2_2" csCatId="accent2"/>
+      <dgm:prSet loTypeId="urn:microsoft.com/office/officeart/2008/layout/LinedList" loCatId="list" qsTypeId="urn:microsoft.com/office/officeart/2005/8/quickstyle/simple1" qsCatId="simple" csTypeId="urn:microsoft.com/office/officeart/2005/8/colors/accent2_2" csCatId="accent2" phldr="1"/>
       <dgm:spPr/>
       <dgm:t>
         <a:bodyPr/>
@@ -7892,8 +7506,12 @@
         <a:lstStyle/>
         <a:p>
           <a:r>
+            <a:rPr lang="en-US" dirty="0"/>
+            <a:t>Verify ALL writes are accounted for (or use </a:t>
+          </a:r>
+          <a:r>
             <a:rPr lang="en-US"/>
-            <a:t>Verify ALL writes are accounted for</a:t>
+            <a:t>a trigger)</a:t>
           </a:r>
         </a:p>
       </dgm:t>
@@ -8790,8 +8408,8 @@
       </dsp:nvSpPr>
       <dsp:spPr>
         <a:xfrm>
-          <a:off x="0" y="6826"/>
-          <a:ext cx="10515600" cy="791505"/>
+          <a:off x="0" y="31779"/>
+          <a:ext cx="10515600" cy="983384"/>
         </a:xfrm>
         <a:prstGeom prst="roundRect">
           <a:avLst/>
@@ -8833,12 +8451,12 @@
         </a:fontRef>
       </dsp:style>
       <dsp:txBody>
-        <a:bodyPr spcFirstLastPara="0" vert="horz" wrap="square" lIns="125730" tIns="125730" rIns="125730" bIns="125730" numCol="1" spcCol="1270" anchor="ctr" anchorCtr="0">
+        <a:bodyPr spcFirstLastPara="0" vert="horz" wrap="square" lIns="156210" tIns="156210" rIns="156210" bIns="156210" numCol="1" spcCol="1270" anchor="ctr" anchorCtr="0">
           <a:noAutofit/>
         </a:bodyPr>
         <a:lstStyle/>
         <a:p>
-          <a:pPr marL="0" lvl="0" indent="0" algn="l" defTabSz="1466850">
+          <a:pPr marL="0" lvl="0" indent="0" algn="l" defTabSz="1822450">
             <a:lnSpc>
               <a:spcPct val="90000"/>
             </a:lnSpc>
@@ -8851,34 +8469,34 @@
             <a:buNone/>
           </a:pPr>
           <a:r>
-            <a:rPr lang="en-US" sz="3300" kern="1200"/>
+            <a:rPr lang="en-US" sz="4100" kern="1200"/>
             <a:t>Minimal blocking</a:t>
           </a:r>
         </a:p>
       </dsp:txBody>
       <dsp:txXfrm>
-        <a:off x="38638" y="45464"/>
-        <a:ext cx="10438324" cy="714229"/>
+        <a:off x="48005" y="79784"/>
+        <a:ext cx="10419590" cy="887374"/>
       </dsp:txXfrm>
     </dsp:sp>
-    <dsp:sp modelId="{E3209D7E-4393-40C0-81C6-190ED4100118}">
+    <dsp:sp modelId="{4549FC0F-F794-4053-A0C9-D79C92DB2D9D}">
       <dsp:nvSpPr>
         <dsp:cNvPr id="0" name=""/>
         <dsp:cNvSpPr/>
       </dsp:nvSpPr>
       <dsp:spPr>
         <a:xfrm>
-          <a:off x="0" y="893371"/>
-          <a:ext cx="10515600" cy="791505"/>
+          <a:off x="0" y="1133244"/>
+          <a:ext cx="10515600" cy="983384"/>
         </a:xfrm>
         <a:prstGeom prst="roundRect">
           <a:avLst/>
         </a:prstGeom>
         <a:solidFill>
           <a:schemeClr val="accent2">
-            <a:hueOff val="-363841"/>
-            <a:satOff val="-20982"/>
-            <a:lumOff val="2157"/>
+            <a:hueOff val="-485121"/>
+            <a:satOff val="-27976"/>
+            <a:lumOff val="2876"/>
             <a:alphaOff val="0"/>
           </a:schemeClr>
         </a:solidFill>
@@ -8911,12 +8529,12 @@
         </a:fontRef>
       </dsp:style>
       <dsp:txBody>
-        <a:bodyPr spcFirstLastPara="0" vert="horz" wrap="square" lIns="125730" tIns="125730" rIns="125730" bIns="125730" numCol="1" spcCol="1270" anchor="ctr" anchorCtr="0">
+        <a:bodyPr spcFirstLastPara="0" vert="horz" wrap="square" lIns="156210" tIns="156210" rIns="156210" bIns="156210" numCol="1" spcCol="1270" anchor="ctr" anchorCtr="0">
           <a:noAutofit/>
         </a:bodyPr>
         <a:lstStyle/>
         <a:p>
-          <a:pPr marL="0" lvl="0" indent="0" algn="l" defTabSz="1466850">
+          <a:pPr marL="0" lvl="0" indent="0" algn="l" defTabSz="1822450">
             <a:lnSpc>
               <a:spcPct val="90000"/>
             </a:lnSpc>
@@ -8929,34 +8547,38 @@
             <a:buNone/>
           </a:pPr>
           <a:r>
-            <a:rPr lang="en-US" sz="3300" kern="1200" dirty="0"/>
-            <a:t>Robust logging</a:t>
+            <a:rPr lang="en-US" sz="4100" kern="1200" dirty="0" err="1"/>
+            <a:t>Tuneable</a:t>
+          </a:r>
+          <a:r>
+            <a:rPr lang="en-US" sz="4100" kern="1200" dirty="0"/>
+            <a:t> on the fly</a:t>
           </a:r>
         </a:p>
       </dsp:txBody>
       <dsp:txXfrm>
-        <a:off x="38638" y="932009"/>
-        <a:ext cx="10438324" cy="714229"/>
+        <a:off x="48005" y="1181249"/>
+        <a:ext cx="10419590" cy="887374"/>
       </dsp:txXfrm>
     </dsp:sp>
-    <dsp:sp modelId="{4549FC0F-F794-4053-A0C9-D79C92DB2D9D}">
+    <dsp:sp modelId="{454EFEDB-6ABF-44E8-ABA2-52499B13A3CF}">
       <dsp:nvSpPr>
         <dsp:cNvPr id="0" name=""/>
         <dsp:cNvSpPr/>
       </dsp:nvSpPr>
       <dsp:spPr>
         <a:xfrm>
-          <a:off x="0" y="1779916"/>
-          <a:ext cx="10515600" cy="791505"/>
+          <a:off x="0" y="2234709"/>
+          <a:ext cx="10515600" cy="983384"/>
         </a:xfrm>
         <a:prstGeom prst="roundRect">
           <a:avLst/>
         </a:prstGeom>
         <a:solidFill>
           <a:schemeClr val="accent2">
-            <a:hueOff val="-727682"/>
-            <a:satOff val="-41964"/>
-            <a:lumOff val="4314"/>
+            <a:hueOff val="-970242"/>
+            <a:satOff val="-55952"/>
+            <a:lumOff val="5752"/>
             <a:alphaOff val="0"/>
           </a:schemeClr>
         </a:solidFill>
@@ -8989,12 +8611,12 @@
         </a:fontRef>
       </dsp:style>
       <dsp:txBody>
-        <a:bodyPr spcFirstLastPara="0" vert="horz" wrap="square" lIns="125730" tIns="125730" rIns="125730" bIns="125730" numCol="1" spcCol="1270" anchor="ctr" anchorCtr="0">
+        <a:bodyPr spcFirstLastPara="0" vert="horz" wrap="square" lIns="156210" tIns="156210" rIns="156210" bIns="156210" numCol="1" spcCol="1270" anchor="ctr" anchorCtr="0">
           <a:noAutofit/>
         </a:bodyPr>
         <a:lstStyle/>
         <a:p>
-          <a:pPr marL="0" lvl="0" indent="0" algn="l" defTabSz="1466850">
+          <a:pPr marL="0" lvl="0" indent="0" algn="l" defTabSz="1822450">
             <a:lnSpc>
               <a:spcPct val="90000"/>
             </a:lnSpc>
@@ -9007,92 +8629,14 @@
             <a:buNone/>
           </a:pPr>
           <a:r>
-            <a:rPr lang="en-US" sz="3300" kern="1200"/>
-            <a:t>Ability to change config on the fly</a:t>
+            <a:rPr lang="en-US" sz="4100" kern="1200" dirty="0"/>
+            <a:t>Stored procedures</a:t>
           </a:r>
         </a:p>
       </dsp:txBody>
       <dsp:txXfrm>
-        <a:off x="38638" y="1818554"/>
-        <a:ext cx="10438324" cy="714229"/>
-      </dsp:txXfrm>
-    </dsp:sp>
-    <dsp:sp modelId="{454EFEDB-6ABF-44E8-ABA2-52499B13A3CF}">
-      <dsp:nvSpPr>
-        <dsp:cNvPr id="0" name=""/>
-        <dsp:cNvSpPr/>
-      </dsp:nvSpPr>
-      <dsp:spPr>
-        <a:xfrm>
-          <a:off x="0" y="2666461"/>
-          <a:ext cx="10515600" cy="791505"/>
-        </a:xfrm>
-        <a:prstGeom prst="roundRect">
-          <a:avLst/>
-        </a:prstGeom>
-        <a:solidFill>
-          <a:schemeClr val="accent2">
-            <a:hueOff val="-1091522"/>
-            <a:satOff val="-62946"/>
-            <a:lumOff val="6471"/>
-            <a:alphaOff val="0"/>
-          </a:schemeClr>
-        </a:solidFill>
-        <a:ln w="12700" cap="flat" cmpd="sng" algn="ctr">
-          <a:solidFill>
-            <a:schemeClr val="lt1">
-              <a:hueOff val="0"/>
-              <a:satOff val="0"/>
-              <a:lumOff val="0"/>
-              <a:alphaOff val="0"/>
-            </a:schemeClr>
-          </a:solidFill>
-          <a:prstDash val="solid"/>
-          <a:miter lim="800000"/>
-        </a:ln>
-        <a:effectLst/>
-      </dsp:spPr>
-      <dsp:style>
-        <a:lnRef idx="2">
-          <a:scrgbClr r="0" g="0" b="0"/>
-        </a:lnRef>
-        <a:fillRef idx="1">
-          <a:scrgbClr r="0" g="0" b="0"/>
-        </a:fillRef>
-        <a:effectRef idx="0">
-          <a:scrgbClr r="0" g="0" b="0"/>
-        </a:effectRef>
-        <a:fontRef idx="minor">
-          <a:schemeClr val="lt1"/>
-        </a:fontRef>
-      </dsp:style>
-      <dsp:txBody>
-        <a:bodyPr spcFirstLastPara="0" vert="horz" wrap="square" lIns="125730" tIns="125730" rIns="125730" bIns="125730" numCol="1" spcCol="1270" anchor="ctr" anchorCtr="0">
-          <a:noAutofit/>
-        </a:bodyPr>
-        <a:lstStyle/>
-        <a:p>
-          <a:pPr marL="0" lvl="0" indent="0" algn="l" defTabSz="1466850">
-            <a:lnSpc>
-              <a:spcPct val="90000"/>
-            </a:lnSpc>
-            <a:spcBef>
-              <a:spcPct val="0"/>
-            </a:spcBef>
-            <a:spcAft>
-              <a:spcPct val="35000"/>
-            </a:spcAft>
-            <a:buNone/>
-          </a:pPr>
-          <a:r>
-            <a:rPr lang="en-US" sz="3300" kern="1200" dirty="0"/>
-            <a:t>Stored procedures </a:t>
-          </a:r>
-        </a:p>
-      </dsp:txBody>
-      <dsp:txXfrm>
-        <a:off x="38638" y="2705099"/>
-        <a:ext cx="10438324" cy="714229"/>
+        <a:off x="48005" y="2282714"/>
+        <a:ext cx="10419590" cy="887374"/>
       </dsp:txXfrm>
     </dsp:sp>
     <dsp:sp modelId="{1D9DE359-FAED-4833-B194-F026E0811F21}">
@@ -9102,8 +8646,8 @@
       </dsp:nvSpPr>
       <dsp:spPr>
         <a:xfrm>
-          <a:off x="0" y="3553006"/>
-          <a:ext cx="10515600" cy="791505"/>
+          <a:off x="0" y="3336174"/>
+          <a:ext cx="10515600" cy="983384"/>
         </a:xfrm>
         <a:prstGeom prst="roundRect">
           <a:avLst/>
@@ -9145,12 +8689,12 @@
         </a:fontRef>
       </dsp:style>
       <dsp:txBody>
-        <a:bodyPr spcFirstLastPara="0" vert="horz" wrap="square" lIns="125730" tIns="125730" rIns="125730" bIns="125730" numCol="1" spcCol="1270" anchor="ctr" anchorCtr="0">
+        <a:bodyPr spcFirstLastPara="0" vert="horz" wrap="square" lIns="156210" tIns="156210" rIns="156210" bIns="156210" numCol="1" spcCol="1270" anchor="ctr" anchorCtr="0">
           <a:noAutofit/>
         </a:bodyPr>
         <a:lstStyle/>
         <a:p>
-          <a:pPr marL="0" lvl="0" indent="0" algn="l" defTabSz="1466850">
+          <a:pPr marL="0" lvl="0" indent="0" algn="l" defTabSz="1822450">
             <a:lnSpc>
               <a:spcPct val="90000"/>
             </a:lnSpc>
@@ -9163,15 +8707,15 @@
             <a:buNone/>
           </a:pPr>
           <a:r>
-            <a:rPr lang="en-US" sz="3300" kern="1200" dirty="0" err="1"/>
+            <a:rPr lang="en-US" sz="4100" kern="1200" dirty="0" err="1"/>
             <a:t>Restartable</a:t>
           </a:r>
-          <a:endParaRPr lang="en-US" sz="3300" kern="1200" dirty="0"/>
+          <a:endParaRPr lang="en-US" sz="4100" kern="1200" dirty="0"/>
         </a:p>
       </dsp:txBody>
       <dsp:txXfrm>
-        <a:off x="38638" y="3591644"/>
-        <a:ext cx="10438324" cy="714229"/>
+        <a:off x="48005" y="3384179"/>
+        <a:ext cx="10419590" cy="887374"/>
       </dsp:txXfrm>
     </dsp:sp>
   </dsp:spTree>
@@ -9186,21 +8730,18 @@
       <dsp:cNvGrpSpPr/>
     </dsp:nvGrpSpPr>
     <dsp:grpSpPr/>
-    <dsp:sp modelId="{9F9FABD0-F044-4932-A721-46A13AEA6E8F}">
+    <dsp:sp modelId="{CC2400A9-53E8-4C85-A15C-2ADEFD92122A}">
       <dsp:nvSpPr>
         <dsp:cNvPr id="0" name=""/>
         <dsp:cNvSpPr/>
       </dsp:nvSpPr>
       <dsp:spPr>
-        <a:xfrm rot="5400000">
-          <a:off x="4917543" y="80404"/>
-          <a:ext cx="1226591" cy="1067134"/>
+        <a:xfrm>
+          <a:off x="0" y="2700"/>
+          <a:ext cx="6291714" cy="0"/>
         </a:xfrm>
-        <a:prstGeom prst="hexagon">
-          <a:avLst>
-            <a:gd name="adj" fmla="val 25000"/>
-            <a:gd name="vf" fmla="val 115470"/>
-          </a:avLst>
+        <a:prstGeom prst="line">
+          <a:avLst/>
         </a:prstGeom>
         <a:solidFill>
           <a:schemeClr val="accent2">
@@ -9212,7 +8753,7 @@
         </a:solidFill>
         <a:ln w="12700" cap="flat" cmpd="sng" algn="ctr">
           <a:solidFill>
-            <a:schemeClr val="lt1">
+            <a:schemeClr val="accent2">
               <a:hueOff val="0"/>
               <a:satOff val="0"/>
               <a:lumOff val="0"/>
@@ -9238,44 +8779,16 @@
           <a:schemeClr val="lt1"/>
         </a:fontRef>
       </dsp:style>
-      <dsp:txBody>
-        <a:bodyPr spcFirstLastPara="0" vert="horz" wrap="square" lIns="57150" tIns="57150" rIns="57150" bIns="57150" numCol="1" spcCol="1270" anchor="ctr" anchorCtr="0">
-          <a:noAutofit/>
-        </a:bodyPr>
-        <a:lstStyle/>
-        <a:p>
-          <a:pPr marL="0" lvl="0" indent="0" algn="ctr" defTabSz="666750">
-            <a:lnSpc>
-              <a:spcPct val="90000"/>
-            </a:lnSpc>
-            <a:spcBef>
-              <a:spcPct val="0"/>
-            </a:spcBef>
-            <a:spcAft>
-              <a:spcPct val="35000"/>
-            </a:spcAft>
-            <a:buNone/>
-          </a:pPr>
-          <a:r>
-            <a:rPr lang="en-US" sz="1500" kern="1200" dirty="0"/>
-            <a:t>Small Batches</a:t>
-          </a:r>
-        </a:p>
-      </dsp:txBody>
-      <dsp:txXfrm rot="-5400000">
-        <a:off x="5163566" y="191820"/>
-        <a:ext cx="734544" cy="844303"/>
-      </dsp:txXfrm>
     </dsp:sp>
-    <dsp:sp modelId="{A91DBD09-4A6F-44CE-A738-FF62F992DE6D}">
+    <dsp:sp modelId="{E2FEE9C1-D567-4B6A-859C-39A3B280B28A}">
       <dsp:nvSpPr>
         <dsp:cNvPr id="0" name=""/>
         <dsp:cNvSpPr/>
       </dsp:nvSpPr>
       <dsp:spPr>
         <a:xfrm>
-          <a:off x="6096788" y="245994"/>
-          <a:ext cx="1368876" cy="735955"/>
+          <a:off x="0" y="2700"/>
+          <a:ext cx="6291714" cy="1841777"/>
         </a:xfrm>
         <a:prstGeom prst="rect">
           <a:avLst/>
@@ -9298,25 +8811,50 @@
         </a:effectRef>
         <a:fontRef idx="minor"/>
       </dsp:style>
+      <dsp:txBody>
+        <a:bodyPr spcFirstLastPara="0" vert="horz" wrap="square" lIns="247650" tIns="247650" rIns="247650" bIns="247650" numCol="1" spcCol="1270" anchor="t" anchorCtr="0">
+          <a:noAutofit/>
+        </a:bodyPr>
+        <a:lstStyle/>
+        <a:p>
+          <a:pPr marL="0" lvl="0" indent="0" algn="l" defTabSz="2889250">
+            <a:lnSpc>
+              <a:spcPct val="90000"/>
+            </a:lnSpc>
+            <a:spcBef>
+              <a:spcPct val="0"/>
+            </a:spcBef>
+            <a:spcAft>
+              <a:spcPct val="35000"/>
+            </a:spcAft>
+            <a:buNone/>
+          </a:pPr>
+          <a:r>
+            <a:rPr lang="en-US" sz="6500" kern="1200" dirty="0"/>
+            <a:t>Config Table</a:t>
+          </a:r>
+        </a:p>
+      </dsp:txBody>
+      <dsp:txXfrm>
+        <a:off x="0" y="2700"/>
+        <a:ext cx="6291714" cy="1841777"/>
+      </dsp:txXfrm>
     </dsp:sp>
-    <dsp:sp modelId="{155471E0-D107-4FFD-BB9B-940CCB65C7AB}">
+    <dsp:sp modelId="{6F935F56-838B-49DE-9945-5740D8115132}">
       <dsp:nvSpPr>
         <dsp:cNvPr id="0" name=""/>
         <dsp:cNvSpPr/>
       </dsp:nvSpPr>
       <dsp:spPr>
-        <a:xfrm rot="5400000">
-          <a:off x="3765037" y="80404"/>
-          <a:ext cx="1226591" cy="1067134"/>
+        <a:xfrm>
+          <a:off x="0" y="1844478"/>
+          <a:ext cx="6291714" cy="0"/>
         </a:xfrm>
-        <a:prstGeom prst="hexagon">
-          <a:avLst>
-            <a:gd name="adj" fmla="val 25000"/>
-            <a:gd name="vf" fmla="val 115470"/>
-          </a:avLst>
+        <a:prstGeom prst="line">
+          <a:avLst/>
         </a:prstGeom>
         <a:solidFill>
-          <a:schemeClr val="accent3">
+          <a:schemeClr val="accent2">
             <a:hueOff val="0"/>
             <a:satOff val="0"/>
             <a:lumOff val="0"/>
@@ -9325,7 +8863,7 @@
         </a:solidFill>
         <a:ln w="12700" cap="flat" cmpd="sng" algn="ctr">
           <a:solidFill>
-            <a:schemeClr val="lt1">
+            <a:schemeClr val="accent2">
               <a:hueOff val="0"/>
               <a:satOff val="0"/>
               <a:lumOff val="0"/>
@@ -9351,13 +8889,45 @@
           <a:schemeClr val="lt1"/>
         </a:fontRef>
       </dsp:style>
+    </dsp:sp>
+    <dsp:sp modelId="{B8C2BBEF-4EA4-4594-95D9-61C4EE73F0FB}">
+      <dsp:nvSpPr>
+        <dsp:cNvPr id="0" name=""/>
+        <dsp:cNvSpPr/>
+      </dsp:nvSpPr>
+      <dsp:spPr>
+        <a:xfrm>
+          <a:off x="0" y="1844478"/>
+          <a:ext cx="6291714" cy="1841777"/>
+        </a:xfrm>
+        <a:prstGeom prst="rect">
+          <a:avLst/>
+        </a:prstGeom>
+        <a:noFill/>
+        <a:ln>
+          <a:noFill/>
+        </a:ln>
+        <a:effectLst/>
+      </dsp:spPr>
+      <dsp:style>
+        <a:lnRef idx="0">
+          <a:scrgbClr r="0" g="0" b="0"/>
+        </a:lnRef>
+        <a:fillRef idx="0">
+          <a:scrgbClr r="0" g="0" b="0"/>
+        </a:fillRef>
+        <a:effectRef idx="0">
+          <a:scrgbClr r="0" g="0" b="0"/>
+        </a:effectRef>
+        <a:fontRef idx="minor"/>
+      </dsp:style>
       <dsp:txBody>
-        <a:bodyPr spcFirstLastPara="0" vert="horz" wrap="square" lIns="0" tIns="0" rIns="0" bIns="0" numCol="1" spcCol="1270" anchor="ctr" anchorCtr="0">
+        <a:bodyPr spcFirstLastPara="0" vert="horz" wrap="square" lIns="247650" tIns="247650" rIns="247650" bIns="247650" numCol="1" spcCol="1270" anchor="t" anchorCtr="0">
           <a:noAutofit/>
         </a:bodyPr>
         <a:lstStyle/>
         <a:p>
-          <a:pPr marL="0" lvl="0" indent="0" algn="ctr" defTabSz="1600200">
+          <a:pPr marL="0" lvl="0" indent="0" algn="l" defTabSz="2889250">
             <a:lnSpc>
               <a:spcPct val="90000"/>
             </a:lnSpc>
@@ -9369,32 +8939,33 @@
             </a:spcAft>
             <a:buNone/>
           </a:pPr>
-          <a:endParaRPr lang="en-US" sz="3600" kern="1200"/>
+          <a:r>
+            <a:rPr lang="en-US" sz="6500" kern="1200"/>
+            <a:t>Logging Table</a:t>
+          </a:r>
+          <a:endParaRPr lang="en-US" sz="6500" kern="1200" dirty="0"/>
         </a:p>
       </dsp:txBody>
-      <dsp:txXfrm rot="-5400000">
-        <a:off x="4011060" y="191820"/>
-        <a:ext cx="734544" cy="844303"/>
+      <dsp:txXfrm>
+        <a:off x="0" y="1844478"/>
+        <a:ext cx="6291714" cy="1841777"/>
       </dsp:txXfrm>
     </dsp:sp>
-    <dsp:sp modelId="{3EE86AAA-9FC8-4924-B9EF-9E278036C050}">
+    <dsp:sp modelId="{4695F28B-682E-45ED-89D2-8B670860AD2A}">
       <dsp:nvSpPr>
         <dsp:cNvPr id="0" name=""/>
         <dsp:cNvSpPr/>
       </dsp:nvSpPr>
       <dsp:spPr>
-        <a:xfrm rot="5400000">
-          <a:off x="4339082" y="1121536"/>
-          <a:ext cx="1226591" cy="1067134"/>
+        <a:xfrm>
+          <a:off x="0" y="3686256"/>
+          <a:ext cx="6291714" cy="0"/>
         </a:xfrm>
-        <a:prstGeom prst="hexagon">
-          <a:avLst>
-            <a:gd name="adj" fmla="val 25000"/>
-            <a:gd name="vf" fmla="val 115470"/>
-          </a:avLst>
+        <a:prstGeom prst="line">
+          <a:avLst/>
         </a:prstGeom>
         <a:solidFill>
-          <a:schemeClr val="accent4">
+          <a:schemeClr val="accent2">
             <a:hueOff val="0"/>
             <a:satOff val="0"/>
             <a:lumOff val="0"/>
@@ -9403,7 +8974,7 @@
         </a:solidFill>
         <a:ln w="12700" cap="flat" cmpd="sng" algn="ctr">
           <a:solidFill>
-            <a:schemeClr val="lt1">
+            <a:schemeClr val="accent2">
               <a:hueOff val="0"/>
               <a:satOff val="0"/>
               <a:lumOff val="0"/>
@@ -9429,44 +9000,16 @@
           <a:schemeClr val="lt1"/>
         </a:fontRef>
       </dsp:style>
-      <dsp:txBody>
-        <a:bodyPr spcFirstLastPara="0" vert="horz" wrap="square" lIns="57150" tIns="57150" rIns="57150" bIns="57150" numCol="1" spcCol="1270" anchor="ctr" anchorCtr="0">
-          <a:noAutofit/>
-        </a:bodyPr>
-        <a:lstStyle/>
-        <a:p>
-          <a:pPr marL="0" lvl="0" indent="0" algn="ctr" defTabSz="666750">
-            <a:lnSpc>
-              <a:spcPct val="90000"/>
-            </a:lnSpc>
-            <a:spcBef>
-              <a:spcPct val="0"/>
-            </a:spcBef>
-            <a:spcAft>
-              <a:spcPct val="35000"/>
-            </a:spcAft>
-            <a:buNone/>
-          </a:pPr>
-          <a:r>
-            <a:rPr lang="en-US" sz="1500" kern="1200" dirty="0"/>
-            <a:t>Config Table</a:t>
-          </a:r>
-        </a:p>
-      </dsp:txBody>
-      <dsp:txXfrm rot="-5400000">
-        <a:off x="4585105" y="1232952"/>
-        <a:ext cx="734544" cy="844303"/>
-      </dsp:txXfrm>
     </dsp:sp>
-    <dsp:sp modelId="{56FD3A70-1AEB-4815-9AE2-26504B8556EF}">
+    <dsp:sp modelId="{1B0FC139-E3EF-4587-97A8-8051679D78AE}">
       <dsp:nvSpPr>
         <dsp:cNvPr id="0" name=""/>
         <dsp:cNvSpPr/>
       </dsp:nvSpPr>
       <dsp:spPr>
         <a:xfrm>
-          <a:off x="3049934" y="1287125"/>
-          <a:ext cx="1324719" cy="735955"/>
+          <a:off x="0" y="3686256"/>
+          <a:ext cx="6291714" cy="1841777"/>
         </a:xfrm>
         <a:prstGeom prst="rect">
           <a:avLst/>
@@ -9489,144 +9032,13 @@
         </a:effectRef>
         <a:fontRef idx="minor"/>
       </dsp:style>
-    </dsp:sp>
-    <dsp:sp modelId="{2742C924-547B-4E8A-983E-D64CA873D865}">
-      <dsp:nvSpPr>
-        <dsp:cNvPr id="0" name=""/>
-        <dsp:cNvSpPr/>
-      </dsp:nvSpPr>
-      <dsp:spPr>
-        <a:xfrm rot="5400000">
-          <a:off x="5491588" y="1121536"/>
-          <a:ext cx="1226591" cy="1067134"/>
-        </a:xfrm>
-        <a:prstGeom prst="hexagon">
-          <a:avLst>
-            <a:gd name="adj" fmla="val 25000"/>
-            <a:gd name="vf" fmla="val 115470"/>
-          </a:avLst>
-        </a:prstGeom>
-        <a:solidFill>
-          <a:schemeClr val="accent5">
-            <a:hueOff val="0"/>
-            <a:satOff val="0"/>
-            <a:lumOff val="0"/>
-            <a:alphaOff val="0"/>
-          </a:schemeClr>
-        </a:solidFill>
-        <a:ln w="12700" cap="flat" cmpd="sng" algn="ctr">
-          <a:solidFill>
-            <a:schemeClr val="lt1">
-              <a:hueOff val="0"/>
-              <a:satOff val="0"/>
-              <a:lumOff val="0"/>
-              <a:alphaOff val="0"/>
-            </a:schemeClr>
-          </a:solidFill>
-          <a:prstDash val="solid"/>
-          <a:miter lim="800000"/>
-        </a:ln>
-        <a:effectLst/>
-      </dsp:spPr>
-      <dsp:style>
-        <a:lnRef idx="2">
-          <a:scrgbClr r="0" g="0" b="0"/>
-        </a:lnRef>
-        <a:fillRef idx="1">
-          <a:scrgbClr r="0" g="0" b="0"/>
-        </a:fillRef>
-        <a:effectRef idx="0">
-          <a:scrgbClr r="0" g="0" b="0"/>
-        </a:effectRef>
-        <a:fontRef idx="minor">
-          <a:schemeClr val="lt1"/>
-        </a:fontRef>
-      </dsp:style>
       <dsp:txBody>
-        <a:bodyPr spcFirstLastPara="0" vert="horz" wrap="square" lIns="0" tIns="0" rIns="0" bIns="0" numCol="1" spcCol="1270" anchor="ctr" anchorCtr="0">
+        <a:bodyPr spcFirstLastPara="0" vert="horz" wrap="square" lIns="247650" tIns="247650" rIns="247650" bIns="247650" numCol="1" spcCol="1270" anchor="t" anchorCtr="0">
           <a:noAutofit/>
         </a:bodyPr>
         <a:lstStyle/>
         <a:p>
-          <a:pPr marL="0" lvl="0" indent="0" algn="ctr" defTabSz="1600200">
-            <a:lnSpc>
-              <a:spcPct val="90000"/>
-            </a:lnSpc>
-            <a:spcBef>
-              <a:spcPct val="0"/>
-            </a:spcBef>
-            <a:spcAft>
-              <a:spcPct val="35000"/>
-            </a:spcAft>
-            <a:buNone/>
-          </a:pPr>
-          <a:endParaRPr lang="en-US" sz="3600" kern="1200"/>
-        </a:p>
-      </dsp:txBody>
-      <dsp:txXfrm rot="-5400000">
-        <a:off x="5737611" y="1232952"/>
-        <a:ext cx="734544" cy="844303"/>
-      </dsp:txXfrm>
-    </dsp:sp>
-    <dsp:sp modelId="{FFBEF79A-24B6-447F-B8C5-53653051151D}">
-      <dsp:nvSpPr>
-        <dsp:cNvPr id="0" name=""/>
-        <dsp:cNvSpPr/>
-      </dsp:nvSpPr>
-      <dsp:spPr>
-        <a:xfrm rot="5400000">
-          <a:off x="4917543" y="2162667"/>
-          <a:ext cx="1226591" cy="1067134"/>
-        </a:xfrm>
-        <a:prstGeom prst="hexagon">
-          <a:avLst>
-            <a:gd name="adj" fmla="val 25000"/>
-            <a:gd name="vf" fmla="val 115470"/>
-          </a:avLst>
-        </a:prstGeom>
-        <a:solidFill>
-          <a:schemeClr val="accent6">
-            <a:hueOff val="0"/>
-            <a:satOff val="0"/>
-            <a:lumOff val="0"/>
-            <a:alphaOff val="0"/>
-          </a:schemeClr>
-        </a:solidFill>
-        <a:ln w="12700" cap="flat" cmpd="sng" algn="ctr">
-          <a:solidFill>
-            <a:schemeClr val="lt1">
-              <a:hueOff val="0"/>
-              <a:satOff val="0"/>
-              <a:lumOff val="0"/>
-              <a:alphaOff val="0"/>
-            </a:schemeClr>
-          </a:solidFill>
-          <a:prstDash val="solid"/>
-          <a:miter lim="800000"/>
-        </a:ln>
-        <a:effectLst/>
-      </dsp:spPr>
-      <dsp:style>
-        <a:lnRef idx="2">
-          <a:scrgbClr r="0" g="0" b="0"/>
-        </a:lnRef>
-        <a:fillRef idx="1">
-          <a:scrgbClr r="0" g="0" b="0"/>
-        </a:fillRef>
-        <a:effectRef idx="0">
-          <a:scrgbClr r="0" g="0" b="0"/>
-        </a:effectRef>
-        <a:fontRef idx="minor">
-          <a:schemeClr val="lt1"/>
-        </a:fontRef>
-      </dsp:style>
-      <dsp:txBody>
-        <a:bodyPr spcFirstLastPara="0" vert="horz" wrap="square" lIns="57150" tIns="57150" rIns="57150" bIns="57150" numCol="1" spcCol="1270" anchor="ctr" anchorCtr="0">
-          <a:noAutofit/>
-        </a:bodyPr>
-        <a:lstStyle/>
-        <a:p>
-          <a:pPr marL="0" lvl="0" indent="0" algn="ctr" defTabSz="666750">
+          <a:pPr marL="0" lvl="0" indent="0" algn="l" defTabSz="2889250">
             <a:lnSpc>
               <a:spcPct val="90000"/>
             </a:lnSpc>
@@ -9639,315 +9051,14 @@
             <a:buNone/>
           </a:pPr>
           <a:r>
-            <a:rPr lang="en-US" sz="1500" kern="1200" dirty="0"/>
+            <a:rPr lang="en-US" sz="6500" kern="1200" dirty="0"/>
             <a:t>Double Writes</a:t>
           </a:r>
         </a:p>
       </dsp:txBody>
-      <dsp:txXfrm rot="-5400000">
-        <a:off x="5163566" y="2274083"/>
-        <a:ext cx="734544" cy="844303"/>
-      </dsp:txXfrm>
-    </dsp:sp>
-    <dsp:sp modelId="{C4CD8D09-4AFE-441A-8C88-055D3513741C}">
-      <dsp:nvSpPr>
-        <dsp:cNvPr id="0" name=""/>
-        <dsp:cNvSpPr/>
-      </dsp:nvSpPr>
-      <dsp:spPr>
-        <a:xfrm>
-          <a:off x="6096788" y="2328257"/>
-          <a:ext cx="1368876" cy="735955"/>
-        </a:xfrm>
-        <a:prstGeom prst="rect">
-          <a:avLst/>
-        </a:prstGeom>
-        <a:noFill/>
-        <a:ln>
-          <a:noFill/>
-        </a:ln>
-        <a:effectLst/>
-      </dsp:spPr>
-      <dsp:style>
-        <a:lnRef idx="0">
-          <a:scrgbClr r="0" g="0" b="0"/>
-        </a:lnRef>
-        <a:fillRef idx="0">
-          <a:scrgbClr r="0" g="0" b="0"/>
-        </a:fillRef>
-        <a:effectRef idx="0">
-          <a:scrgbClr r="0" g="0" b="0"/>
-        </a:effectRef>
-        <a:fontRef idx="minor"/>
-      </dsp:style>
-    </dsp:sp>
-    <dsp:sp modelId="{78717A2D-BCE2-4CF7-B62C-666060C6E546}">
-      <dsp:nvSpPr>
-        <dsp:cNvPr id="0" name=""/>
-        <dsp:cNvSpPr/>
-      </dsp:nvSpPr>
-      <dsp:spPr>
-        <a:xfrm rot="5400000">
-          <a:off x="3765037" y="2162667"/>
-          <a:ext cx="1226591" cy="1067134"/>
-        </a:xfrm>
-        <a:prstGeom prst="hexagon">
-          <a:avLst>
-            <a:gd name="adj" fmla="val 25000"/>
-            <a:gd name="vf" fmla="val 115470"/>
-          </a:avLst>
-        </a:prstGeom>
-        <a:solidFill>
-          <a:schemeClr val="accent2">
-            <a:hueOff val="0"/>
-            <a:satOff val="0"/>
-            <a:lumOff val="0"/>
-            <a:alphaOff val="0"/>
-          </a:schemeClr>
-        </a:solidFill>
-        <a:ln w="12700" cap="flat" cmpd="sng" algn="ctr">
-          <a:solidFill>
-            <a:schemeClr val="lt1">
-              <a:hueOff val="0"/>
-              <a:satOff val="0"/>
-              <a:lumOff val="0"/>
-              <a:alphaOff val="0"/>
-            </a:schemeClr>
-          </a:solidFill>
-          <a:prstDash val="solid"/>
-          <a:miter lim="800000"/>
-        </a:ln>
-        <a:effectLst/>
-      </dsp:spPr>
-      <dsp:style>
-        <a:lnRef idx="2">
-          <a:scrgbClr r="0" g="0" b="0"/>
-        </a:lnRef>
-        <a:fillRef idx="1">
-          <a:scrgbClr r="0" g="0" b="0"/>
-        </a:fillRef>
-        <a:effectRef idx="0">
-          <a:scrgbClr r="0" g="0" b="0"/>
-        </a:effectRef>
-        <a:fontRef idx="minor">
-          <a:schemeClr val="lt1"/>
-        </a:fontRef>
-      </dsp:style>
-      <dsp:txBody>
-        <a:bodyPr spcFirstLastPara="0" vert="horz" wrap="square" lIns="0" tIns="0" rIns="0" bIns="0" numCol="1" spcCol="1270" anchor="ctr" anchorCtr="0">
-          <a:noAutofit/>
-        </a:bodyPr>
-        <a:lstStyle/>
-        <a:p>
-          <a:pPr marL="0" lvl="0" indent="0" algn="ctr" defTabSz="1600200">
-            <a:lnSpc>
-              <a:spcPct val="90000"/>
-            </a:lnSpc>
-            <a:spcBef>
-              <a:spcPct val="0"/>
-            </a:spcBef>
-            <a:spcAft>
-              <a:spcPct val="35000"/>
-            </a:spcAft>
-            <a:buNone/>
-          </a:pPr>
-          <a:endParaRPr lang="en-US" sz="3600" kern="1200"/>
-        </a:p>
-      </dsp:txBody>
-      <dsp:txXfrm rot="-5400000">
-        <a:off x="4011060" y="2274083"/>
-        <a:ext cx="734544" cy="844303"/>
-      </dsp:txXfrm>
-    </dsp:sp>
-    <dsp:sp modelId="{679DD9E1-05D9-4A9B-AC79-27A317A876B8}">
-      <dsp:nvSpPr>
-        <dsp:cNvPr id="0" name=""/>
-        <dsp:cNvSpPr/>
-      </dsp:nvSpPr>
-      <dsp:spPr>
-        <a:xfrm rot="5400000">
-          <a:off x="4339082" y="3203798"/>
-          <a:ext cx="1226591" cy="1067134"/>
-        </a:xfrm>
-        <a:prstGeom prst="hexagon">
-          <a:avLst>
-            <a:gd name="adj" fmla="val 25000"/>
-            <a:gd name="vf" fmla="val 115470"/>
-          </a:avLst>
-        </a:prstGeom>
-        <a:solidFill>
-          <a:schemeClr val="accent3">
-            <a:hueOff val="0"/>
-            <a:satOff val="0"/>
-            <a:lumOff val="0"/>
-            <a:alphaOff val="0"/>
-          </a:schemeClr>
-        </a:solidFill>
-        <a:ln w="12700" cap="flat" cmpd="sng" algn="ctr">
-          <a:solidFill>
-            <a:schemeClr val="lt1">
-              <a:hueOff val="0"/>
-              <a:satOff val="0"/>
-              <a:lumOff val="0"/>
-              <a:alphaOff val="0"/>
-            </a:schemeClr>
-          </a:solidFill>
-          <a:prstDash val="solid"/>
-          <a:miter lim="800000"/>
-        </a:ln>
-        <a:effectLst/>
-      </dsp:spPr>
-      <dsp:style>
-        <a:lnRef idx="2">
-          <a:scrgbClr r="0" g="0" b="0"/>
-        </a:lnRef>
-        <a:fillRef idx="1">
-          <a:scrgbClr r="0" g="0" b="0"/>
-        </a:fillRef>
-        <a:effectRef idx="0">
-          <a:scrgbClr r="0" g="0" b="0"/>
-        </a:effectRef>
-        <a:fontRef idx="minor">
-          <a:schemeClr val="lt1"/>
-        </a:fontRef>
-      </dsp:style>
-      <dsp:txBody>
-        <a:bodyPr spcFirstLastPara="0" vert="horz" wrap="square" lIns="57150" tIns="57150" rIns="57150" bIns="57150" numCol="1" spcCol="1270" anchor="ctr" anchorCtr="0">
-          <a:noAutofit/>
-        </a:bodyPr>
-        <a:lstStyle/>
-        <a:p>
-          <a:pPr marL="0" lvl="0" indent="0" algn="ctr" defTabSz="666750">
-            <a:lnSpc>
-              <a:spcPct val="90000"/>
-            </a:lnSpc>
-            <a:spcBef>
-              <a:spcPct val="0"/>
-            </a:spcBef>
-            <a:spcAft>
-              <a:spcPct val="35000"/>
-            </a:spcAft>
-            <a:buNone/>
-          </a:pPr>
-          <a:r>
-            <a:rPr lang="en-US" sz="1500" kern="1200" dirty="0"/>
-            <a:t>Logging Table</a:t>
-          </a:r>
-        </a:p>
-      </dsp:txBody>
-      <dsp:txXfrm rot="-5400000">
-        <a:off x="4585105" y="3315214"/>
-        <a:ext cx="734544" cy="844303"/>
-      </dsp:txXfrm>
-    </dsp:sp>
-    <dsp:sp modelId="{BDE45EFB-93AB-4DE3-AC02-EE7C98594122}">
-      <dsp:nvSpPr>
-        <dsp:cNvPr id="0" name=""/>
-        <dsp:cNvSpPr/>
-      </dsp:nvSpPr>
-      <dsp:spPr>
-        <a:xfrm>
-          <a:off x="3049934" y="3369388"/>
-          <a:ext cx="1324719" cy="735955"/>
-        </a:xfrm>
-        <a:prstGeom prst="rect">
-          <a:avLst/>
-        </a:prstGeom>
-        <a:noFill/>
-        <a:ln>
-          <a:noFill/>
-        </a:ln>
-        <a:effectLst/>
-      </dsp:spPr>
-      <dsp:style>
-        <a:lnRef idx="0">
-          <a:scrgbClr r="0" g="0" b="0"/>
-        </a:lnRef>
-        <a:fillRef idx="0">
-          <a:scrgbClr r="0" g="0" b="0"/>
-        </a:fillRef>
-        <a:effectRef idx="0">
-          <a:scrgbClr r="0" g="0" b="0"/>
-        </a:effectRef>
-        <a:fontRef idx="minor"/>
-      </dsp:style>
-    </dsp:sp>
-    <dsp:sp modelId="{877AC586-3479-4476-B400-F2CF1AB21AB6}">
-      <dsp:nvSpPr>
-        <dsp:cNvPr id="0" name=""/>
-        <dsp:cNvSpPr/>
-      </dsp:nvSpPr>
-      <dsp:spPr>
-        <a:xfrm rot="5400000">
-          <a:off x="5491588" y="3203798"/>
-          <a:ext cx="1226591" cy="1067134"/>
-        </a:xfrm>
-        <a:prstGeom prst="hexagon">
-          <a:avLst>
-            <a:gd name="adj" fmla="val 25000"/>
-            <a:gd name="vf" fmla="val 115470"/>
-          </a:avLst>
-        </a:prstGeom>
-        <a:solidFill>
-          <a:schemeClr val="accent4">
-            <a:hueOff val="0"/>
-            <a:satOff val="0"/>
-            <a:lumOff val="0"/>
-            <a:alphaOff val="0"/>
-          </a:schemeClr>
-        </a:solidFill>
-        <a:ln w="12700" cap="flat" cmpd="sng" algn="ctr">
-          <a:solidFill>
-            <a:schemeClr val="lt1">
-              <a:hueOff val="0"/>
-              <a:satOff val="0"/>
-              <a:lumOff val="0"/>
-              <a:alphaOff val="0"/>
-            </a:schemeClr>
-          </a:solidFill>
-          <a:prstDash val="solid"/>
-          <a:miter lim="800000"/>
-        </a:ln>
-        <a:effectLst/>
-      </dsp:spPr>
-      <dsp:style>
-        <a:lnRef idx="2">
-          <a:scrgbClr r="0" g="0" b="0"/>
-        </a:lnRef>
-        <a:fillRef idx="1">
-          <a:scrgbClr r="0" g="0" b="0"/>
-        </a:fillRef>
-        <a:effectRef idx="0">
-          <a:scrgbClr r="0" g="0" b="0"/>
-        </a:effectRef>
-        <a:fontRef idx="minor">
-          <a:schemeClr val="lt1"/>
-        </a:fontRef>
-      </dsp:style>
-      <dsp:txBody>
-        <a:bodyPr spcFirstLastPara="0" vert="horz" wrap="square" lIns="0" tIns="0" rIns="0" bIns="0" numCol="1" spcCol="1270" anchor="ctr" anchorCtr="0">
-          <a:noAutofit/>
-        </a:bodyPr>
-        <a:lstStyle/>
-        <a:p>
-          <a:pPr marL="0" lvl="0" indent="0" algn="ctr" defTabSz="1600200">
-            <a:lnSpc>
-              <a:spcPct val="90000"/>
-            </a:lnSpc>
-            <a:spcBef>
-              <a:spcPct val="0"/>
-            </a:spcBef>
-            <a:spcAft>
-              <a:spcPct val="35000"/>
-            </a:spcAft>
-            <a:buNone/>
-          </a:pPr>
-          <a:endParaRPr lang="en-US" sz="3600" kern="1200"/>
-        </a:p>
-      </dsp:txBody>
-      <dsp:txXfrm rot="-5400000">
-        <a:off x="5737611" y="3315214"/>
-        <a:ext cx="734544" cy="844303"/>
+      <dsp:txXfrm>
+        <a:off x="0" y="3686256"/>
+        <a:ext cx="6291714" cy="1841777"/>
       </dsp:txXfrm>
     </dsp:sp>
   </dsp:spTree>
@@ -10404,8 +9515,12 @@
             <a:buNone/>
           </a:pPr>
           <a:r>
+            <a:rPr lang="en-US" sz="5500" kern="1200" dirty="0"/>
+            <a:t>Verify ALL writes are accounted for (or use </a:t>
+          </a:r>
+          <a:r>
             <a:rPr lang="en-US" sz="5500" kern="1200"/>
-            <a:t>Verify ALL writes are accounted for</a:t>
+            <a:t>a trigger)</a:t>
           </a:r>
         </a:p>
       </dsp:txBody>
@@ -12013,42 +11128,35 @@
 </file>
 
 <file path=ppt/diagrams/layout4.xml><?xml version="1.0" encoding="utf-8"?>
-<dgm:layoutDef xmlns:dgm="http://schemas.openxmlformats.org/drawingml/2006/diagram" xmlns:a="http://schemas.openxmlformats.org/drawingml/2006/main" uniqueId="urn:microsoft.com/office/officeart/2008/layout/AlternatingHexagons">
+<dgm:layoutDef xmlns:dgm="http://schemas.openxmlformats.org/drawingml/2006/diagram" xmlns:a="http://schemas.openxmlformats.org/drawingml/2006/main" uniqueId="urn:microsoft.com/office/officeart/2008/layout/LinedList">
   <dgm:title val=""/>
   <dgm:desc val=""/>
   <dgm:catLst>
-    <dgm:cat type="list" pri="1500"/>
+    <dgm:cat type="hierarchy" pri="8000"/>
+    <dgm:cat type="list" pri="2500"/>
   </dgm:catLst>
   <dgm:sampData>
     <dgm:dataModel>
       <dgm:ptLst>
         <dgm:pt modelId="0" type="doc"/>
-        <dgm:pt modelId="10">
+        <dgm:pt modelId="1">
           <dgm:prSet phldr="1"/>
         </dgm:pt>
         <dgm:pt modelId="11">
           <dgm:prSet phldr="1"/>
         </dgm:pt>
-        <dgm:pt modelId="20">
+        <dgm:pt modelId="12">
           <dgm:prSet phldr="1"/>
         </dgm:pt>
-        <dgm:pt modelId="21">
-          <dgm:prSet phldr="1"/>
-        </dgm:pt>
-        <dgm:pt modelId="30">
-          <dgm:prSet phldr="1"/>
-        </dgm:pt>
-        <dgm:pt modelId="31">
+        <dgm:pt modelId="13">
           <dgm:prSet phldr="1"/>
         </dgm:pt>
       </dgm:ptLst>
       <dgm:cxnLst>
-        <dgm:cxn modelId="40" srcId="0" destId="10" srcOrd="0" destOrd="0"/>
-        <dgm:cxn modelId="12" srcId="10" destId="11" srcOrd="0" destOrd="0"/>
-        <dgm:cxn modelId="50" srcId="0" destId="20" srcOrd="1" destOrd="0"/>
-        <dgm:cxn modelId="22" srcId="20" destId="21" srcOrd="0" destOrd="0"/>
-        <dgm:cxn modelId="60" srcId="0" destId="30" srcOrd="1" destOrd="0"/>
-        <dgm:cxn modelId="32" srcId="30" destId="31" srcOrd="0" destOrd="0"/>
+        <dgm:cxn modelId="2" srcId="0" destId="1" srcOrd="0" destOrd="0"/>
+        <dgm:cxn modelId="3" srcId="1" destId="11" srcOrd="0" destOrd="0"/>
+        <dgm:cxn modelId="4" srcId="1" destId="12" srcOrd="1" destOrd="0"/>
+        <dgm:cxn modelId="5" srcId="1" destId="13" srcOrd="2" destOrd="0"/>
       </dgm:cxnLst>
       <dgm:bg/>
       <dgm:whole/>
@@ -12058,16 +11166,20 @@
     <dgm:dataModel>
       <dgm:ptLst>
         <dgm:pt modelId="0" type="doc"/>
-        <dgm:pt modelId="10">
+        <dgm:pt modelId="1">
           <dgm:prSet phldr="1"/>
         </dgm:pt>
-        <dgm:pt modelId="20">
+        <dgm:pt modelId="11">
+          <dgm:prSet phldr="1"/>
+        </dgm:pt>
+        <dgm:pt modelId="12">
           <dgm:prSet phldr="1"/>
         </dgm:pt>
       </dgm:ptLst>
       <dgm:cxnLst>
-        <dgm:cxn modelId="60" srcId="0" destId="10" srcOrd="0" destOrd="0"/>
-        <dgm:cxn modelId="70" srcId="0" destId="20" srcOrd="1" destOrd="0"/>
+        <dgm:cxn modelId="2" srcId="0" destId="1" srcOrd="0" destOrd="0"/>
+        <dgm:cxn modelId="3" srcId="1" destId="11" srcOrd="0" destOrd="0"/>
+        <dgm:cxn modelId="4" srcId="1" destId="12" srcOrd="1" destOrd="0"/>
       </dgm:cxnLst>
       <dgm:bg/>
       <dgm:whole/>
@@ -12077,291 +11189,405 @@
     <dgm:dataModel>
       <dgm:ptLst>
         <dgm:pt modelId="0" type="doc"/>
-        <dgm:pt modelId="10">
+        <dgm:pt modelId="1">
           <dgm:prSet phldr="1"/>
         </dgm:pt>
-        <dgm:pt modelId="20">
+        <dgm:pt modelId="11">
           <dgm:prSet phldr="1"/>
         </dgm:pt>
-        <dgm:pt modelId="30">
-          <dgm:prSet phldr="1"/>
-        </dgm:pt>
-        <dgm:pt modelId="40">
+        <dgm:pt modelId="12">
           <dgm:prSet phldr="1"/>
         </dgm:pt>
       </dgm:ptLst>
       <dgm:cxnLst>
-        <dgm:cxn modelId="60" srcId="0" destId="10" srcOrd="0" destOrd="0"/>
-        <dgm:cxn modelId="70" srcId="0" destId="20" srcOrd="1" destOrd="0"/>
-        <dgm:cxn modelId="80" srcId="0" destId="30" srcOrd="2" destOrd="0"/>
-        <dgm:cxn modelId="90" srcId="0" destId="40" srcOrd="3" destOrd="0"/>
+        <dgm:cxn modelId="2" srcId="0" destId="1" srcOrd="0" destOrd="0"/>
+        <dgm:cxn modelId="3" srcId="1" destId="11" srcOrd="0" destOrd="0"/>
+        <dgm:cxn modelId="4" srcId="1" destId="12" srcOrd="1" destOrd="0"/>
       </dgm:cxnLst>
       <dgm:bg/>
       <dgm:whole/>
     </dgm:dataModel>
   </dgm:clrData>
-  <dgm:layoutNode name="Name0">
+  <dgm:layoutNode name="vert0">
     <dgm:varLst>
-      <dgm:chMax/>
-      <dgm:chPref/>
       <dgm:dir/>
+      <dgm:animOne val="branch"/>
       <dgm:animLvl val="lvl"/>
     </dgm:varLst>
-    <dgm:alg type="lin">
-      <dgm:param type="linDir" val="fromT"/>
-    </dgm:alg>
+    <dgm:choose name="Name0">
+      <dgm:if name="Name1" func="var" arg="dir" op="equ" val="norm">
+        <dgm:alg type="lin">
+          <dgm:param type="linDir" val="fromT"/>
+          <dgm:param type="nodeHorzAlign" val="l"/>
+        </dgm:alg>
+      </dgm:if>
+      <dgm:else name="Name2">
+        <dgm:alg type="lin">
+          <dgm:param type="linDir" val="fromT"/>
+          <dgm:param type="nodeHorzAlign" val="r"/>
+        </dgm:alg>
+      </dgm:else>
+    </dgm:choose>
     <dgm:shape xmlns:r="http://schemas.openxmlformats.org/officeDocument/2006/relationships" r:blip="">
       <dgm:adjLst/>
     </dgm:shape>
+    <dgm:presOf/>
     <dgm:constrLst>
-      <dgm:constr type="primFontSz" for="des" forName="Parent1" val="65"/>
-      <dgm:constr type="primFontSz" for="des" forName="Childtext1" refType="primFontSz" refFor="des" refForName="Parent1" op="lte"/>
-      <dgm:constr type="w" for="ch" forName="composite" refType="w"/>
-      <dgm:constr type="h" for="ch" forName="composite" refType="h"/>
-      <dgm:constr type="h" for="ch" forName="spaceBetweenRectangles" refType="w" refFor="ch" refForName="composite" fact="-0.042"/>
-      <dgm:constr type="sp" refType="h" refFor="ch" refForName="composite" op="equ" fact="0.1"/>
+      <dgm:constr type="w" for="ch" forName="horz1" refType="w"/>
+      <dgm:constr type="h" for="ch" forName="horz1" refType="h"/>
+      <dgm:constr type="h" for="des" forName="vert1" refType="h"/>
+      <dgm:constr type="h" for="des" forName="tx1" refType="h"/>
+      <dgm:constr type="h" for="des" forName="horz2" refType="h"/>
+      <dgm:constr type="h" for="des" forName="vert2" refType="h"/>
+      <dgm:constr type="h" for="des" forName="horz3" refType="h"/>
+      <dgm:constr type="h" for="des" forName="vert3" refType="h"/>
+      <dgm:constr type="h" for="des" forName="horz4" refType="h"/>
+      <dgm:constr type="h" for="des" ptType="node" refType="h"/>
+      <dgm:constr type="primFontSz" for="des" forName="tx1" op="equ" val="65"/>
+      <dgm:constr type="primFontSz" for="des" forName="tx2" op="equ" val="65"/>
+      <dgm:constr type="primFontSz" for="des" forName="tx3" op="equ" val="65"/>
+      <dgm:constr type="primFontSz" for="des" forName="tx4" op="equ" val="65"/>
+      <dgm:constr type="w" for="des" forName="thickLine" refType="w"/>
+      <dgm:constr type="h" for="des" forName="thickLine"/>
+      <dgm:constr type="h" for="des" forName="thinLine1"/>
+      <dgm:constr type="h" for="des" forName="thinLine2b"/>
+      <dgm:constr type="h" for="des" forName="thinLine3"/>
+      <dgm:constr type="h" for="des" forName="vertSpace2a" refType="h" fact="0.05"/>
+      <dgm:constr type="h" for="des" forName="vertSpace2b" refType="h" refFor="des" refForName="vertSpace2a"/>
     </dgm:constrLst>
-    <dgm:forEach name="nodesForEach" axis="ch" ptType="node">
-      <dgm:layoutNode name="composite">
-        <dgm:alg type="composite">
-          <dgm:param type="ar" val="3.6"/>
-        </dgm:alg>
+    <dgm:forEach name="Name3" axis="ch" ptType="node">
+      <dgm:layoutNode name="thickLine" styleLbl="alignNode1">
+        <dgm:alg type="sp"/>
+        <dgm:shape xmlns:r="http://schemas.openxmlformats.org/officeDocument/2006/relationships" type="line" r:blip="">
+          <dgm:adjLst/>
+        </dgm:shape>
+        <dgm:presOf/>
+      </dgm:layoutNode>
+      <dgm:layoutNode name="horz1">
+        <dgm:choose name="Name4">
+          <dgm:if name="Name5" func="var" arg="dir" op="equ" val="norm">
+            <dgm:alg type="lin">
+              <dgm:param type="linDir" val="fromL"/>
+              <dgm:param type="nodeVertAlign" val="t"/>
+            </dgm:alg>
+          </dgm:if>
+          <dgm:else name="Name6">
+            <dgm:alg type="lin">
+              <dgm:param type="linDir" val="fromR"/>
+              <dgm:param type="nodeVertAlign" val="t"/>
+            </dgm:alg>
+          </dgm:else>
+        </dgm:choose>
         <dgm:shape xmlns:r="http://schemas.openxmlformats.org/officeDocument/2006/relationships" r:blip="">
           <dgm:adjLst/>
         </dgm:shape>
-        <dgm:choose name="Name1">
-          <dgm:if name="Name2" func="var" arg="dir" op="equ" val="norm">
-            <dgm:choose name="Name3">
-              <dgm:if name="Name4" axis="self" ptType="node" func="posOdd" op="equ" val="1">
-                <dgm:constrLst>
-                  <dgm:constr type="l" for="ch" forName="Accent1" refType="w" fact="0.18"/>
-                  <dgm:constr type="t" for="ch" forName="Accent1" refType="h" fact="0"/>
-                  <dgm:constr type="h" for="ch" forName="Accent1" refType="h"/>
-                  <dgm:constr type="w" for="ch" forName="Accent1" refType="h" fact="0.87"/>
-                  <dgm:constr type="l" for="ch" forName="Accent1Text" refType="w" fact="0.18"/>
-                  <dgm:constr type="t" for="ch" forName="Accent1Text" refType="h" fact="0"/>
-                  <dgm:constr type="h" for="ch" forName="Accent1Text" refType="h"/>
-                  <dgm:constr type="w" for="ch" forName="Accent1Text" refType="h" fact="0.87"/>
-                  <dgm:constr type="l" for="ch" forName="Parent1" refType="w" fact="0.441"/>
-                  <dgm:constr type="t" for="ch" forName="Parent1" refType="h" fact="0"/>
-                  <dgm:constr type="h" for="ch" forName="Parent1" refType="h"/>
-                  <dgm:constr type="w" for="ch" forName="Parent1" refType="h" fact="0.87"/>
-                  <dgm:constr type="l" for="ch" forName="Childtext1" refType="w" fact="0.69"/>
-                  <dgm:constr type="t" for="ch" forName="Childtext1" refType="h" fact="0.2"/>
-                  <dgm:constr type="w" for="ch" forName="Childtext1" refType="w" fact="0.31"/>
-                  <dgm:constr type="h" for="ch" forName="Childtext1" refType="h" fact="0.6"/>
-                  <dgm:constr type="l" for="ch" forName="BalanceSpacing" refType="w" fact="0"/>
-                  <dgm:constr type="t" for="ch" forName="BalanceSpacing" refType="h" fact="0"/>
-                  <dgm:constr type="w" for="ch" forName="BalanceSpacing" refType="w"/>
-                  <dgm:constr type="h" for="ch" forName="BalanceSpacing" refType="h" fact="0.1"/>
-                  <dgm:constr type="l" for="ch" forName="BalanceSpacing1" refType="w" fact="0.69"/>
-                  <dgm:constr type="t" for="ch" forName="BalanceSpacing1" refType="h" fact="0.2"/>
-                  <dgm:constr type="w" for="ch" forName="BalanceSpacing1" refType="w" fact="0.31"/>
-                  <dgm:constr type="h" for="ch" forName="BalanceSpacing1" refType="h" fact="0.6"/>
-                </dgm:constrLst>
-              </dgm:if>
-              <dgm:else name="Name5">
-                <dgm:constrLst>
-                  <dgm:constr type="l" for="ch" forName="Accent1" refType="w" fact="0.571"/>
-                  <dgm:constr type="t" for="ch" forName="Accent1" refType="h" fact="0"/>
-                  <dgm:constr type="h" for="ch" forName="Accent1" refType="h"/>
-                  <dgm:constr type="w" for="ch" forName="Accent1" refType="h" fact="0.87"/>
-                  <dgm:constr type="l" for="ch" forName="Accent1Text" refType="w" fact="0.571"/>
-                  <dgm:constr type="t" for="ch" forName="Accent1Text" refType="h" fact="0"/>
-                  <dgm:constr type="h" for="ch" forName="Accent1Text" refType="h"/>
-                  <dgm:constr type="w" for="ch" forName="Accent1Text" refType="h" fact="0.87"/>
-                  <dgm:constr type="l" for="ch" forName="Parent1" refType="w" fact="0.31"/>
-                  <dgm:constr type="t" for="ch" forName="Parent1" refType="h" fact="0"/>
-                  <dgm:constr type="h" for="ch" forName="Parent1" refType="h"/>
-                  <dgm:constr type="w" for="ch" forName="Parent1" refType="h" fact="0.87"/>
-                  <dgm:constr type="l" for="ch" forName="Childtext1" refType="w" fact="0"/>
-                  <dgm:constr type="t" for="ch" forName="Childtext1" refType="h" fact="0.2"/>
-                  <dgm:constr type="w" for="ch" forName="Childtext1" refType="w" fact="0.3"/>
-                  <dgm:constr type="h" for="ch" forName="Childtext1" refType="h" fact="0.6"/>
-                  <dgm:constr type="l" for="ch" forName="BalanceSpacing" refType="w" fact="0.82"/>
-                  <dgm:constr type="t" for="ch" forName="BalanceSpacing" refType="h" fact="0"/>
-                  <dgm:constr type="w" for="ch" forName="BalanceSpacing" refType="w" fact="0.18"/>
-                  <dgm:constr type="h" for="ch" forName="BalanceSpacing" refType="h"/>
-                  <dgm:constr type="l" for="ch" forName="BalanceSpacing1" refType="w" fact="0"/>
-                  <dgm:constr type="t" for="ch" forName="BalanceSpacing1" refType="h" fact="0.2"/>
-                  <dgm:constr type="w" for="ch" forName="BalanceSpacing1" refType="w" fact="0.3"/>
-                  <dgm:constr type="h" for="ch" forName="BalanceSpacing1" refType="h" fact="0.6"/>
-                </dgm:constrLst>
-              </dgm:else>
-            </dgm:choose>
+        <dgm:presOf/>
+        <dgm:choose name="Name7">
+          <dgm:if name="Name8" axis="root des" func="maxDepth" op="equ" val="1">
+            <dgm:constrLst>
+              <dgm:constr type="w" for="ch" forName="tx1" refType="w"/>
+            </dgm:constrLst>
           </dgm:if>
-          <dgm:else name="Name6">
-            <dgm:choose name="Name7">
-              <dgm:if name="Name8" axis="self" ptType="node" func="posOdd" op="equ" val="1">
-                <dgm:constrLst>
-                  <dgm:constr type="l" for="ch" forName="Accent1" refType="w" fact="0.571"/>
-                  <dgm:constr type="t" for="ch" forName="Accent1" refType="h" fact="0"/>
-                  <dgm:constr type="h" for="ch" forName="Accent1" refType="h"/>
-                  <dgm:constr type="w" for="ch" forName="Accent1" refType="h" fact="0.87"/>
-                  <dgm:constr type="l" for="ch" forName="Accent1Text" refType="w" fact="0.571"/>
-                  <dgm:constr type="t" for="ch" forName="Accent1Text" refType="h" fact="0"/>
-                  <dgm:constr type="h" for="ch" forName="Accent1Text" refType="h"/>
-                  <dgm:constr type="w" for="ch" forName="Accent1Text" refType="h" fact="0.87"/>
-                  <dgm:constr type="l" for="ch" forName="Parent1" refType="w" fact="0.31"/>
-                  <dgm:constr type="t" for="ch" forName="Parent1" refType="h" fact="0"/>
-                  <dgm:constr type="h" for="ch" forName="Parent1" refType="h"/>
-                  <dgm:constr type="w" for="ch" forName="Parent1" refType="h" fact="0.87"/>
-                  <dgm:constr type="l" for="ch" forName="Childtext1" refType="w" fact="0"/>
-                  <dgm:constr type="t" for="ch" forName="Childtext1" refType="h" fact="0.2"/>
-                  <dgm:constr type="w" for="ch" forName="Childtext1" refType="w" fact="0.3"/>
-                  <dgm:constr type="h" for="ch" forName="Childtext1" refType="h" fact="0.6"/>
-                  <dgm:constr type="l" for="ch" forName="BalanceSpacing" refType="w" fact="0.82"/>
-                  <dgm:constr type="t" for="ch" forName="BalanceSpacing" refType="h" fact="0"/>
-                  <dgm:constr type="w" for="ch" forName="BalanceSpacing" refType="w" fact="0.18"/>
-                  <dgm:constr type="h" for="ch" forName="BalanceSpacing" refType="h"/>
-                </dgm:constrLst>
-              </dgm:if>
-              <dgm:else name="Name9">
-                <dgm:constrLst>
-                  <dgm:constr type="l" for="ch" forName="Accent1" refType="w" fact="0.18"/>
-                  <dgm:constr type="t" for="ch" forName="Accent1" refType="h" fact="0"/>
-                  <dgm:constr type="h" for="ch" forName="Accent1" refType="h"/>
-                  <dgm:constr type="w" for="ch" forName="Accent1" refType="h" fact="0.87"/>
-                  <dgm:constr type="l" for="ch" forName="Accent1Text" refType="w" fact="0.18"/>
-                  <dgm:constr type="t" for="ch" forName="Accent1Text" refType="h" fact="0"/>
-                  <dgm:constr type="h" for="ch" forName="Accent1Text" refType="h"/>
-                  <dgm:constr type="w" for="ch" forName="Accent1Text" refType="h" fact="0.87"/>
-                  <dgm:constr type="l" for="ch" forName="Parent1" refType="w" fact="0.441"/>
-                  <dgm:constr type="t" for="ch" forName="Parent1" refType="h" fact="0"/>
-                  <dgm:constr type="h" for="ch" forName="Parent1" refType="h"/>
-                  <dgm:constr type="w" for="ch" forName="Parent1" refType="h" fact="0.87"/>
-                  <dgm:constr type="l" for="ch" forName="Childtext1" refType="w" fact="0.69"/>
-                  <dgm:constr type="t" for="ch" forName="Childtext1" refType="h" fact="0.2"/>
-                  <dgm:constr type="w" for="ch" forName="Childtext1" refType="w" fact="0.31"/>
-                  <dgm:constr type="h" for="ch" forName="Childtext1" refType="h" fact="0.6"/>
-                  <dgm:constr type="l" for="ch" forName="BalanceSpacing" refType="w" fact="0"/>
-                  <dgm:constr type="t" for="ch" forName="BalanceSpacing" refType="h" fact="0"/>
-                  <dgm:constr type="w" for="ch" forName="BalanceSpacing" refType="w" fact="0.18"/>
-                  <dgm:constr type="h" for="ch" forName="BalanceSpacing" refType="h"/>
-                </dgm:constrLst>
-              </dgm:else>
-            </dgm:choose>
-          </dgm:else>
+          <dgm:if name="Name9" axis="root des" func="maxDepth" op="equ" val="2">
+            <dgm:constrLst>
+              <dgm:constr type="w" for="ch" forName="tx1" refType="w" fact="0.2"/>
+              <dgm:constr type="w" for="des" forName="tx2" refType="w" fact="0.785"/>
+              <dgm:constr type="w" for="des" forName="horzSpace2" refType="w" fact="0.015"/>
+              <dgm:constr type="w" for="des" forName="thinLine2b" refType="w" fact="0.8"/>
+            </dgm:constrLst>
+          </dgm:if>
+          <dgm:if name="Name10" axis="root des" func="maxDepth" op="equ" val="3">
+            <dgm:constrLst>
+              <dgm:constr type="w" for="ch" forName="tx1" refType="w" fact="0.2"/>
+              <dgm:constr type="w" for="des" forName="tx2" refType="w" fact="0.385"/>
+              <dgm:constr type="w" for="des" forName="tx3" refType="w" fact="0.385"/>
+              <dgm:constr type="w" for="des" forName="horzSpace2" refType="w" fact="0.015"/>
+              <dgm:constr type="w" for="des" forName="horzSpace3" refType="w" fact="0.015"/>
+              <dgm:constr type="w" for="des" forName="thinLine2b" refType="w" fact="0.8"/>
+              <dgm:constr type="w" for="des" forName="thinLine3" refType="w" fact="0.385"/>
+            </dgm:constrLst>
+          </dgm:if>
+          <dgm:if name="Name11" axis="root des" func="maxDepth" op="gte" val="4">
+            <dgm:constrLst>
+              <dgm:constr type="w" for="ch" forName="tx1" refType="w" fact="0.2"/>
+              <dgm:constr type="w" for="des" forName="tx2" refType="w" fact="0.2516"/>
+              <dgm:constr type="w" for="des" forName="tx3" refType="w" fact="0.2516"/>
+              <dgm:constr type="w" for="des" forName="tx4" refType="w" fact="0.2516"/>
+              <dgm:constr type="w" for="des" forName="horzSpace2" refType="w" fact="0.015"/>
+              <dgm:constr type="w" for="des" forName="horzSpace3" refType="w" fact="0.015"/>
+              <dgm:constr type="w" for="des" forName="horzSpace4" refType="w" fact="0.015"/>
+              <dgm:constr type="w" for="des" forName="thinLine2b" refType="w" fact="0.8"/>
+              <dgm:constr type="w" for="des" forName="thinLine3" refType="w" fact="0.5332"/>
+            </dgm:constrLst>
+          </dgm:if>
+          <dgm:else name="Name12"/>
         </dgm:choose>
-        <dgm:layoutNode name="Parent1" styleLbl="node1">
-          <dgm:varLst>
-            <dgm:chMax val="1"/>
-            <dgm:chPref val="1"/>
-            <dgm:bulletEnabled val="1"/>
-          </dgm:varLst>
-          <dgm:alg type="tx"/>
-          <dgm:shape xmlns:r="http://schemas.openxmlformats.org/officeDocument/2006/relationships" rot="90" type="hexagon" r:blip="">
-            <dgm:adjLst>
-              <dgm:adj idx="1" val="0.25"/>
-              <dgm:adj idx="2" val="1.1547"/>
-            </dgm:adjLst>
+        <dgm:layoutNode name="tx1" styleLbl="revTx">
+          <dgm:alg type="tx">
+            <dgm:param type="parTxLTRAlign" val="l"/>
+            <dgm:param type="parTxRTLAlign" val="r"/>
+            <dgm:param type="txAnchorVert" val="t"/>
+          </dgm:alg>
+          <dgm:shape xmlns:r="http://schemas.openxmlformats.org/officeDocument/2006/relationships" type="rect" r:blip="">
+            <dgm:adjLst/>
           </dgm:shape>
-          <dgm:presOf axis="self" ptType="node"/>
+          <dgm:presOf axis="self"/>
           <dgm:constrLst>
+            <dgm:constr type="tMarg" refType="primFontSz" fact="0.3"/>
+            <dgm:constr type="bMarg" refType="primFontSz" fact="0.3"/>
             <dgm:constr type="lMarg" refType="primFontSz" fact="0.3"/>
             <dgm:constr type="rMarg" refType="primFontSz" fact="0.3"/>
-            <dgm:constr type="tMarg" refType="primFontSz" fact="0.3"/>
-            <dgm:constr type="bMarg" refType="primFontSz" fact="0.3"/>
           </dgm:constrLst>
           <dgm:ruleLst>
             <dgm:rule type="primFontSz" val="5" fact="NaN" max="NaN"/>
           </dgm:ruleLst>
         </dgm:layoutNode>
-        <dgm:layoutNode name="Childtext1" styleLbl="revTx">
-          <dgm:varLst>
-            <dgm:chMax val="0"/>
-            <dgm:chPref val="0"/>
-            <dgm:bulletEnabled val="1"/>
-          </dgm:varLst>
-          <dgm:choose name="Name10">
-            <dgm:if name="Name11" func="var" arg="dir" op="equ" val="norm">
-              <dgm:choose name="Name12">
-                <dgm:if name="Name13" axis="self" ptType="node" func="posOdd" op="equ" val="1">
-                  <dgm:alg type="tx">
-                    <dgm:param type="parTxLTRAlign" val="l"/>
-                  </dgm:alg>
-                </dgm:if>
-                <dgm:else name="Name14">
-                  <dgm:alg type="tx">
-                    <dgm:param type="parTxLTRAlign" val="r"/>
-                  </dgm:alg>
-                </dgm:else>
-              </dgm:choose>
+        <dgm:layoutNode name="vert1">
+          <dgm:choose name="Name13">
+            <dgm:if name="Name14" func="var" arg="dir" op="equ" val="norm">
+              <dgm:alg type="lin">
+                <dgm:param type="linDir" val="fromT"/>
+                <dgm:param type="nodeHorzAlign" val="l"/>
+              </dgm:alg>
             </dgm:if>
             <dgm:else name="Name15">
-              <dgm:choose name="Name16">
-                <dgm:if name="Name17" axis="self" ptType="node" func="posOdd" op="equ" val="1">
-                  <dgm:alg type="tx">
-                    <dgm:param type="parTxLTRAlign" val="r"/>
-                  </dgm:alg>
-                </dgm:if>
-                <dgm:else name="Name18">
-                  <dgm:alg type="tx">
-                    <dgm:param type="parTxLTRAlign" val="l"/>
-                  </dgm:alg>
-                </dgm:else>
-              </dgm:choose>
+              <dgm:alg type="lin">
+                <dgm:param type="linDir" val="fromT"/>
+                <dgm:param type="nodeHorzAlign" val="r"/>
+              </dgm:alg>
             </dgm:else>
           </dgm:choose>
-          <dgm:shape xmlns:r="http://schemas.openxmlformats.org/officeDocument/2006/relationships" type="rect" r:blip="">
-            <dgm:adjLst/>
-          </dgm:shape>
-          <dgm:presOf axis="des" ptType="node"/>
-          <dgm:constrLst>
-            <dgm:constr type="lMarg" refType="primFontSz" fact="0.3"/>
-            <dgm:constr type="rMarg" refType="primFontSz" fact="0.3"/>
-            <dgm:constr type="tMarg" refType="primFontSz" fact="0.3"/>
-            <dgm:constr type="bMarg" refType="primFontSz" fact="0.3"/>
-          </dgm:constrLst>
-          <dgm:ruleLst>
-            <dgm:rule type="primFontSz" val="5" fact="NaN" max="NaN"/>
-          </dgm:ruleLst>
-        </dgm:layoutNode>
-        <dgm:layoutNode name="BalanceSpacing">
-          <dgm:alg type="sp"/>
-          <dgm:shape xmlns:r="http://schemas.openxmlformats.org/officeDocument/2006/relationships" r:blip="">
-            <dgm:adjLst/>
-          </dgm:shape>
-        </dgm:layoutNode>
-        <dgm:layoutNode name="BalanceSpacing1">
-          <dgm:alg type="sp"/>
-          <dgm:shape xmlns:r="http://schemas.openxmlformats.org/officeDocument/2006/relationships" r:blip="">
-            <dgm:adjLst/>
-          </dgm:shape>
-        </dgm:layoutNode>
-        <dgm:forEach name="Name19" axis="followSib" ptType="sibTrans" hideLastTrans="0" cnt="1">
-          <dgm:layoutNode name="Accent1Text" styleLbl="node1">
-            <dgm:alg type="tx"/>
-            <dgm:shape xmlns:r="http://schemas.openxmlformats.org/officeDocument/2006/relationships" rot="90" type="hexagon" r:blip="">
-              <dgm:adjLst>
-                <dgm:adj idx="1" val="0.25"/>
-                <dgm:adj idx="2" val="1.1547"/>
-              </dgm:adjLst>
-            </dgm:shape>
-            <dgm:presOf axis="self" ptType="sibTrans"/>
-            <dgm:constrLst>
-              <dgm:constr type="lMarg"/>
-              <dgm:constr type="rMarg"/>
-              <dgm:constr type="tMarg"/>
-              <dgm:constr type="bMarg"/>
-            </dgm:constrLst>
-            <dgm:ruleLst>
-              <dgm:rule type="primFontSz" val="5" fact="NaN" max="NaN"/>
-            </dgm:ruleLst>
-          </dgm:layoutNode>
-        </dgm:forEach>
-      </dgm:layoutNode>
-      <dgm:forEach name="Name20" axis="followSib" ptType="sibTrans" cnt="1">
-        <dgm:layoutNode name="spaceBetweenRectangles">
-          <dgm:alg type="sp"/>
           <dgm:shape xmlns:r="http://schemas.openxmlformats.org/officeDocument/2006/relationships" r:blip="">
             <dgm:adjLst/>
           </dgm:shape>
           <dgm:presOf/>
-          <dgm:constrLst/>
-          <dgm:ruleLst/>
+          <dgm:forEach name="Name16" axis="ch" ptType="node">
+            <dgm:choose name="Name17">
+              <dgm:if name="Name18" axis="self" ptType="node" func="pos" op="equ" val="1">
+                <dgm:layoutNode name="vertSpace2a">
+                  <dgm:alg type="sp"/>
+                  <dgm:shape xmlns:r="http://schemas.openxmlformats.org/officeDocument/2006/relationships" r:blip="">
+                    <dgm:adjLst/>
+                  </dgm:shape>
+                  <dgm:presOf/>
+                </dgm:layoutNode>
+              </dgm:if>
+              <dgm:else name="Name19"/>
+            </dgm:choose>
+            <dgm:layoutNode name="horz2">
+              <dgm:choose name="Name20">
+                <dgm:if name="Name21" func="var" arg="dir" op="equ" val="norm">
+                  <dgm:alg type="lin">
+                    <dgm:param type="linDir" val="fromL"/>
+                    <dgm:param type="nodeVertAlign" val="t"/>
+                  </dgm:alg>
+                </dgm:if>
+                <dgm:else name="Name22">
+                  <dgm:alg type="lin">
+                    <dgm:param type="linDir" val="fromR"/>
+                    <dgm:param type="nodeVertAlign" val="t"/>
+                  </dgm:alg>
+                </dgm:else>
+              </dgm:choose>
+              <dgm:shape xmlns:r="http://schemas.openxmlformats.org/officeDocument/2006/relationships" r:blip="">
+                <dgm:adjLst/>
+              </dgm:shape>
+              <dgm:presOf/>
+              <dgm:layoutNode name="horzSpace2">
+                <dgm:alg type="sp"/>
+                <dgm:shape xmlns:r="http://schemas.openxmlformats.org/officeDocument/2006/relationships" r:blip="">
+                  <dgm:adjLst/>
+                </dgm:shape>
+                <dgm:presOf/>
+              </dgm:layoutNode>
+              <dgm:layoutNode name="tx2" styleLbl="revTx">
+                <dgm:alg type="tx">
+                  <dgm:param type="parTxLTRAlign" val="l"/>
+                  <dgm:param type="parTxRTLAlign" val="r"/>
+                  <dgm:param type="txAnchorVert" val="t"/>
+                </dgm:alg>
+                <dgm:shape xmlns:r="http://schemas.openxmlformats.org/officeDocument/2006/relationships" type="rect" r:blip="">
+                  <dgm:adjLst/>
+                </dgm:shape>
+                <dgm:presOf axis="self"/>
+                <dgm:constrLst>
+                  <dgm:constr type="tMarg" refType="primFontSz" fact="0.3"/>
+                  <dgm:constr type="bMarg" refType="primFontSz" fact="0.3"/>
+                  <dgm:constr type="lMarg" refType="primFontSz" fact="0.3"/>
+                  <dgm:constr type="rMarg" refType="primFontSz" fact="0.3"/>
+                </dgm:constrLst>
+                <dgm:ruleLst>
+                  <dgm:rule type="primFontSz" val="5" fact="NaN" max="NaN"/>
+                </dgm:ruleLst>
+              </dgm:layoutNode>
+              <dgm:layoutNode name="vert2">
+                <dgm:choose name="Name23">
+                  <dgm:if name="Name24" func="var" arg="dir" op="equ" val="norm">
+                    <dgm:alg type="lin">
+                      <dgm:param type="linDir" val="fromT"/>
+                      <dgm:param type="nodeHorzAlign" val="l"/>
+                    </dgm:alg>
+                  </dgm:if>
+                  <dgm:else name="Name25">
+                    <dgm:alg type="lin">
+                      <dgm:param type="linDir" val="fromT"/>
+                      <dgm:param type="nodeHorzAlign" val="r"/>
+                    </dgm:alg>
+                  </dgm:else>
+                </dgm:choose>
+                <dgm:shape xmlns:r="http://schemas.openxmlformats.org/officeDocument/2006/relationships" r:blip="">
+                  <dgm:adjLst/>
+                </dgm:shape>
+                <dgm:presOf/>
+                <dgm:forEach name="Name26" axis="ch" ptType="node">
+                  <dgm:layoutNode name="horz3">
+                    <dgm:choose name="Name27">
+                      <dgm:if name="Name28" func="var" arg="dir" op="equ" val="norm">
+                        <dgm:alg type="lin">
+                          <dgm:param type="linDir" val="fromL"/>
+                          <dgm:param type="nodeVertAlign" val="t"/>
+                        </dgm:alg>
+                      </dgm:if>
+                      <dgm:else name="Name29">
+                        <dgm:alg type="lin">
+                          <dgm:param type="linDir" val="fromR"/>
+                          <dgm:param type="nodeVertAlign" val="t"/>
+                        </dgm:alg>
+                      </dgm:else>
+                    </dgm:choose>
+                    <dgm:shape xmlns:r="http://schemas.openxmlformats.org/officeDocument/2006/relationships" r:blip="">
+                      <dgm:adjLst/>
+                    </dgm:shape>
+                    <dgm:presOf/>
+                    <dgm:layoutNode name="horzSpace3">
+                      <dgm:alg type="sp"/>
+                      <dgm:shape xmlns:r="http://schemas.openxmlformats.org/officeDocument/2006/relationships" r:blip="">
+                        <dgm:adjLst/>
+                      </dgm:shape>
+                      <dgm:presOf/>
+                    </dgm:layoutNode>
+                    <dgm:layoutNode name="tx3" styleLbl="revTx">
+                      <dgm:alg type="tx">
+                        <dgm:param type="parTxLTRAlign" val="l"/>
+                        <dgm:param type="parTxRTLAlign" val="r"/>
+                        <dgm:param type="txAnchorVert" val="t"/>
+                      </dgm:alg>
+                      <dgm:shape xmlns:r="http://schemas.openxmlformats.org/officeDocument/2006/relationships" type="rect" r:blip="">
+                        <dgm:adjLst/>
+                      </dgm:shape>
+                      <dgm:presOf axis="self"/>
+                      <dgm:constrLst>
+                        <dgm:constr type="tMarg" refType="primFontSz" fact="0.3"/>
+                        <dgm:constr type="bMarg" refType="primFontSz" fact="0.3"/>
+                        <dgm:constr type="lMarg" refType="primFontSz" fact="0.3"/>
+                        <dgm:constr type="rMarg" refType="primFontSz" fact="0.3"/>
+                      </dgm:constrLst>
+                      <dgm:ruleLst>
+                        <dgm:rule type="primFontSz" val="5" fact="NaN" max="NaN"/>
+                      </dgm:ruleLst>
+                    </dgm:layoutNode>
+                    <dgm:layoutNode name="vert3">
+                      <dgm:choose name="Name30">
+                        <dgm:if name="Name31" func="var" arg="dir" op="equ" val="norm">
+                          <dgm:alg type="lin">
+                            <dgm:param type="linDir" val="fromT"/>
+                            <dgm:param type="nodeHorzAlign" val="l"/>
+                          </dgm:alg>
+                        </dgm:if>
+                        <dgm:else name="Name32">
+                          <dgm:alg type="lin">
+                            <dgm:param type="linDir" val="fromT"/>
+                            <dgm:param type="nodeHorzAlign" val="r"/>
+                          </dgm:alg>
+                        </dgm:else>
+                      </dgm:choose>
+                      <dgm:shape xmlns:r="http://schemas.openxmlformats.org/officeDocument/2006/relationships" r:blip="">
+                        <dgm:adjLst/>
+                      </dgm:shape>
+                      <dgm:presOf/>
+                      <dgm:forEach name="Name33" axis="ch" ptType="node">
+                        <dgm:layoutNode name="horz4">
+                          <dgm:choose name="Name34">
+                            <dgm:if name="Name35" func="var" arg="dir" op="equ" val="norm">
+                              <dgm:alg type="lin">
+                                <dgm:param type="linDir" val="fromL"/>
+                                <dgm:param type="nodeVertAlign" val="t"/>
+                              </dgm:alg>
+                            </dgm:if>
+                            <dgm:else name="Name36">
+                              <dgm:alg type="lin">
+                                <dgm:param type="linDir" val="fromR"/>
+                                <dgm:param type="nodeVertAlign" val="t"/>
+                              </dgm:alg>
+                            </dgm:else>
+                          </dgm:choose>
+                          <dgm:shape xmlns:r="http://schemas.openxmlformats.org/officeDocument/2006/relationships" r:blip="">
+                            <dgm:adjLst/>
+                          </dgm:shape>
+                          <dgm:presOf/>
+                          <dgm:layoutNode name="horzSpace4">
+                            <dgm:alg type="sp"/>
+                            <dgm:shape xmlns:r="http://schemas.openxmlformats.org/officeDocument/2006/relationships" r:blip="">
+                              <dgm:adjLst/>
+                            </dgm:shape>
+                            <dgm:presOf/>
+                          </dgm:layoutNode>
+                          <dgm:layoutNode name="tx4" styleLbl="revTx">
+                            <dgm:varLst>
+                              <dgm:bulletEnabled val="1"/>
+                            </dgm:varLst>
+                            <dgm:alg type="tx">
+                              <dgm:param type="parTxLTRAlign" val="l"/>
+                              <dgm:param type="parTxRTLAlign" val="r"/>
+                              <dgm:param type="txAnchorVert" val="t"/>
+                            </dgm:alg>
+                            <dgm:shape xmlns:r="http://schemas.openxmlformats.org/officeDocument/2006/relationships" type="rect" r:blip="">
+                              <dgm:adjLst/>
+                            </dgm:shape>
+                            <dgm:presOf axis="desOrSelf" ptType="node"/>
+                            <dgm:constrLst>
+                              <dgm:constr type="tMarg" refType="primFontSz" fact="0.3"/>
+                              <dgm:constr type="bMarg" refType="primFontSz" fact="0.3"/>
+                              <dgm:constr type="lMarg" refType="primFontSz" fact="0.3"/>
+                              <dgm:constr type="rMarg" refType="primFontSz" fact="0.3"/>
+                            </dgm:constrLst>
+                            <dgm:ruleLst>
+                              <dgm:rule type="primFontSz" val="5" fact="NaN" max="NaN"/>
+                            </dgm:ruleLst>
+                          </dgm:layoutNode>
+                        </dgm:layoutNode>
+                      </dgm:forEach>
+                    </dgm:layoutNode>
+                  </dgm:layoutNode>
+                  <dgm:forEach name="Name37" axis="followSib" ptType="sibTrans" cnt="1">
+                    <dgm:layoutNode name="thinLine3" styleLbl="callout">
+                      <dgm:alg type="sp"/>
+                      <dgm:shape xmlns:r="http://schemas.openxmlformats.org/officeDocument/2006/relationships" type="line" r:blip="">
+                        <dgm:adjLst/>
+                      </dgm:shape>
+                      <dgm:presOf/>
+                    </dgm:layoutNode>
+                  </dgm:forEach>
+                </dgm:forEach>
+              </dgm:layoutNode>
+            </dgm:layoutNode>
+            <dgm:layoutNode name="thinLine2b" styleLbl="callout">
+              <dgm:alg type="sp"/>
+              <dgm:shape xmlns:r="http://schemas.openxmlformats.org/officeDocument/2006/relationships" type="line" r:blip="">
+                <dgm:adjLst/>
+              </dgm:shape>
+              <dgm:presOf/>
+            </dgm:layoutNode>
+            <dgm:layoutNode name="vertSpace2b">
+              <dgm:alg type="sp"/>
+              <dgm:shape xmlns:r="http://schemas.openxmlformats.org/officeDocument/2006/relationships" r:blip="">
+                <dgm:adjLst/>
+              </dgm:shape>
+              <dgm:presOf/>
+            </dgm:layoutNode>
+          </dgm:forEach>
         </dgm:layoutNode>
-      </dgm:forEach>
+      </dgm:layoutNode>
     </dgm:forEach>
   </dgm:layoutNode>
 </dgm:layoutDef>
@@ -24554,7 +23780,7 @@
             <p:ph idx="1"/>
             <p:extLst>
               <p:ext uri="{D42A27DB-BD31-4B8C-83A1-F6EECF244321}">
-                <p14:modId xmlns:p14="http://schemas.microsoft.com/office/powerpoint/2010/main" val="2752131805"/>
+                <p14:modId xmlns:p14="http://schemas.microsoft.com/office/powerpoint/2010/main" val="3273532851"/>
               </p:ext>
             </p:extLst>
           </p:nvPr>
@@ -24607,12 +23833,12 @@
           <a:chExt cx="0" cy="0"/>
         </a:xfrm>
       </p:grpSpPr>
-      <p:sp>
+      <p:sp useBgFill="1">
         <p:nvSpPr>
-          <p:cNvPr id="9" name="Rectangle 8">
+          <p:cNvPr id="16" name="Rectangle 15">
             <a:extLst>
               <a:ext uri="{FF2B5EF4-FFF2-40B4-BE49-F238E27FC236}">
-                <a16:creationId xmlns:a16="http://schemas.microsoft.com/office/drawing/2014/main" id="{AE2B703B-46F9-481A-A605-82E2A828C4FA}"/>
+                <a16:creationId xmlns:a16="http://schemas.microsoft.com/office/drawing/2014/main" id="{9DBC8166-481C-4473-95F5-9A5B9073B7F1}"/>
               </a:ext>
               <a:ext uri="{C183D7F6-B498-43B3-948B-1728B52AA6E4}">
                 <adec:decorative xmlns:adec="http://schemas.microsoft.com/office/drawing/2017/decorative" val="1"/>
@@ -24633,14 +23859,11 @@
         <p:spPr>
           <a:xfrm>
             <a:off x="0" y="0"/>
-            <a:ext cx="12192000" cy="6858000"/>
+            <a:ext cx="12188952" cy="6858000"/>
           </a:xfrm>
           <a:prstGeom prst="rect">
             <a:avLst/>
           </a:prstGeom>
-          <a:solidFill>
-            <a:schemeClr val="accent2"/>
-          </a:solidFill>
           <a:ln>
             <a:noFill/>
           </a:ln>
@@ -24672,50 +23895,10 @@
       </p:sp>
       <p:sp>
         <p:nvSpPr>
-          <p:cNvPr id="2" name="Title 1">
+          <p:cNvPr id="18" name="Freeform: Shape 17">
             <a:extLst>
               <a:ext uri="{FF2B5EF4-FFF2-40B4-BE49-F238E27FC236}">
-                <a16:creationId xmlns:a16="http://schemas.microsoft.com/office/drawing/2014/main" id="{33D5F419-0769-3131-EBCC-CC86E58BF3A9}"/>
-              </a:ext>
-            </a:extLst>
-          </p:cNvPr>
-          <p:cNvSpPr>
-            <a:spLocks noGrp="1"/>
-          </p:cNvSpPr>
-          <p:nvPr>
-            <p:ph type="title"/>
-          </p:nvPr>
-        </p:nvSpPr>
-        <p:spPr>
-          <a:xfrm>
-            <a:off x="838200" y="459863"/>
-            <a:ext cx="10515600" cy="1004594"/>
-          </a:xfrm>
-        </p:spPr>
-        <p:txBody>
-          <a:bodyPr>
-            <a:normAutofit/>
-          </a:bodyPr>
-          <a:lstStyle/>
-          <a:p>
-            <a:pPr algn="ctr"/>
-            <a:r>
-              <a:rPr lang="en-US">
-                <a:solidFill>
-                  <a:srgbClr val="FFFFFF"/>
-                </a:solidFill>
-              </a:rPr>
-              <a:t>How</a:t>
-            </a:r>
-          </a:p>
-        </p:txBody>
-      </p:sp>
-      <p:sp>
-        <p:nvSpPr>
-          <p:cNvPr id="11" name="Rectangle: Rounded Corners 10">
-            <a:extLst>
-              <a:ext uri="{FF2B5EF4-FFF2-40B4-BE49-F238E27FC236}">
-                <a16:creationId xmlns:a16="http://schemas.microsoft.com/office/drawing/2014/main" id="{F13BE4D7-0C3D-4906-B230-A1C5B4665CCF}"/>
+                <a16:creationId xmlns:a16="http://schemas.microsoft.com/office/drawing/2014/main" id="{A5A5CE6E-90AF-4D43-A014-1F9EC83EB93D}"/>
               </a:ext>
               <a:ext uri="{C183D7F6-B498-43B3-948B-1728B52AA6E4}">
                 <adec:decorative xmlns:adec="http://schemas.microsoft.com/office/drawing/2017/decorative" val="1"/>
@@ -24735,18 +23918,85 @@
         </p:nvSpPr>
         <p:spPr>
           <a:xfrm>
-            <a:off x="579496" y="1587970"/>
-            <a:ext cx="11033008" cy="4768380"/>
+            <a:off x="0" y="1"/>
+            <a:ext cx="4512467" cy="6858000"/>
           </a:xfrm>
-          <a:prstGeom prst="roundRect">
-            <a:avLst>
-              <a:gd name="adj" fmla="val 3174"/>
-            </a:avLst>
-          </a:prstGeom>
+          <a:custGeom>
+            <a:avLst/>
+            <a:gdLst>
+              <a:gd name="connsiteX0" fmla="*/ 0 w 4512467"/>
+              <a:gd name="connsiteY0" fmla="*/ 0 h 6858000"/>
+              <a:gd name="connsiteX1" fmla="*/ 2579526 w 4512467"/>
+              <a:gd name="connsiteY1" fmla="*/ 0 h 6858000"/>
+              <a:gd name="connsiteX2" fmla="*/ 2583267 w 4512467"/>
+              <a:gd name="connsiteY2" fmla="*/ 2151 h 6858000"/>
+              <a:gd name="connsiteX3" fmla="*/ 4512467 w 4512467"/>
+              <a:gd name="connsiteY3" fmla="*/ 3429000 h 6858000"/>
+              <a:gd name="connsiteX4" fmla="*/ 2583267 w 4512467"/>
+              <a:gd name="connsiteY4" fmla="*/ 6855849 h 6858000"/>
+              <a:gd name="connsiteX5" fmla="*/ 2579526 w 4512467"/>
+              <a:gd name="connsiteY5" fmla="*/ 6858000 h 6858000"/>
+              <a:gd name="connsiteX6" fmla="*/ 0 w 4512467"/>
+              <a:gd name="connsiteY6" fmla="*/ 6858000 h 6858000"/>
+            </a:gdLst>
+            <a:ahLst/>
+            <a:cxnLst>
+              <a:cxn ang="0">
+                <a:pos x="connsiteX0" y="connsiteY0"/>
+              </a:cxn>
+              <a:cxn ang="0">
+                <a:pos x="connsiteX1" y="connsiteY1"/>
+              </a:cxn>
+              <a:cxn ang="0">
+                <a:pos x="connsiteX2" y="connsiteY2"/>
+              </a:cxn>
+              <a:cxn ang="0">
+                <a:pos x="connsiteX3" y="connsiteY3"/>
+              </a:cxn>
+              <a:cxn ang="0">
+                <a:pos x="connsiteX4" y="connsiteY4"/>
+              </a:cxn>
+              <a:cxn ang="0">
+                <a:pos x="connsiteX5" y="connsiteY5"/>
+              </a:cxn>
+              <a:cxn ang="0">
+                <a:pos x="connsiteX6" y="connsiteY6"/>
+              </a:cxn>
+            </a:cxnLst>
+            <a:rect l="l" t="t" r="r" b="b"/>
+            <a:pathLst>
+              <a:path w="4512467" h="6858000">
+                <a:moveTo>
+                  <a:pt x="0" y="0"/>
+                </a:moveTo>
+                <a:lnTo>
+                  <a:pt x="2579526" y="0"/>
+                </a:lnTo>
+                <a:lnTo>
+                  <a:pt x="2583267" y="2151"/>
+                </a:lnTo>
+                <a:cubicBezTo>
+                  <a:pt x="3739868" y="704919"/>
+                  <a:pt x="4512467" y="1976735"/>
+                  <a:pt x="4512467" y="3429000"/>
+                </a:cubicBezTo>
+                <a:cubicBezTo>
+                  <a:pt x="4512467" y="4881266"/>
+                  <a:pt x="3739868" y="6153081"/>
+                  <a:pt x="2583267" y="6855849"/>
+                </a:cubicBezTo>
+                <a:lnTo>
+                  <a:pt x="2579526" y="6858000"/>
+                </a:lnTo>
+                <a:lnTo>
+                  <a:pt x="0" y="6858000"/>
+                </a:lnTo>
+                <a:close/>
+              </a:path>
+            </a:pathLst>
+          </a:custGeom>
           <a:solidFill>
-            <a:schemeClr val="bg1">
-              <a:alpha val="95000"/>
-            </a:schemeClr>
+            <a:schemeClr val="accent2"/>
           </a:solidFill>
           <a:ln>
             <a:noFill/>
@@ -24769,11 +24019,56 @@
           </a:fontRef>
         </p:style>
         <p:txBody>
-          <a:bodyPr rtlCol="0" anchor="ctr"/>
+          <a:bodyPr wrap="square" rtlCol="0" anchor="ctr">
+            <a:noAutofit/>
+          </a:bodyPr>
           <a:lstStyle/>
           <a:p>
             <a:pPr algn="ctr"/>
-            <a:endParaRPr lang="en-US"/>
+            <a:endParaRPr lang="en-US">
+              <a:solidFill>
+                <a:schemeClr val="bg1"/>
+              </a:solidFill>
+            </a:endParaRPr>
+          </a:p>
+        </p:txBody>
+      </p:sp>
+      <p:sp>
+        <p:nvSpPr>
+          <p:cNvPr id="2" name="Title 1">
+            <a:extLst>
+              <a:ext uri="{FF2B5EF4-FFF2-40B4-BE49-F238E27FC236}">
+                <a16:creationId xmlns:a16="http://schemas.microsoft.com/office/drawing/2014/main" id="{33D5F419-0769-3131-EBCC-CC86E58BF3A9}"/>
+              </a:ext>
+            </a:extLst>
+          </p:cNvPr>
+          <p:cNvSpPr>
+            <a:spLocks noGrp="1"/>
+          </p:cNvSpPr>
+          <p:nvPr>
+            <p:ph type="title"/>
+          </p:nvPr>
+        </p:nvSpPr>
+        <p:spPr>
+          <a:xfrm>
+            <a:off x="838200" y="643467"/>
+            <a:ext cx="2951205" cy="5571066"/>
+          </a:xfrm>
+        </p:spPr>
+        <p:txBody>
+          <a:bodyPr>
+            <a:normAutofit/>
+          </a:bodyPr>
+          <a:lstStyle/>
+          <a:p>
+            <a:r>
+              <a:rPr lang="en-US">
+                <a:solidFill>
+                  <a:srgbClr val="FFFFFF"/>
+                </a:solidFill>
+              </a:rPr>
+              <a:t>How</a:t>
+            </a:r>
           </a:p>
         </p:txBody>
       </p:sp>
@@ -24793,14 +24088,14 @@
             <p:ph idx="1"/>
             <p:extLst>
               <p:ext uri="{D42A27DB-BD31-4B8C-83A1-F6EECF244321}">
-                <p14:modId xmlns:p14="http://schemas.microsoft.com/office/powerpoint/2010/main" val="917993205"/>
+                <p14:modId xmlns:p14="http://schemas.microsoft.com/office/powerpoint/2010/main" val="2411486145"/>
               </p:ext>
             </p:extLst>
           </p:nvPr>
         </p:nvGraphicFramePr>
         <p:xfrm>
-          <a:off x="838200" y="1800911"/>
-          <a:ext cx="10515600" cy="4351338"/>
+          <a:off x="5207640" y="643466"/>
+          <a:ext cx="6291714" cy="5530735"/>
         </p:xfrm>
         <a:graphic>
           <a:graphicData uri="http://schemas.openxmlformats.org/drawingml/2006/diagram">
@@ -26985,12 +26280,12 @@
           <a:lstStyle/>
           <a:p>
             <a:r>
-              <a:rPr lang="en-US">
+              <a:rPr lang="en-US" dirty="0">
                 <a:solidFill>
                   <a:srgbClr val="FFFFFF"/>
                 </a:solidFill>
               </a:rPr>
-              <a:t>Final Takeaways</a:t>
+              <a:t>Final Notes</a:t>
             </a:r>
           </a:p>
         </p:txBody>
@@ -27011,7 +26306,7 @@
             <p:ph idx="1"/>
             <p:extLst>
               <p:ext uri="{D42A27DB-BD31-4B8C-83A1-F6EECF244321}">
-                <p14:modId xmlns:p14="http://schemas.microsoft.com/office/powerpoint/2010/main" val="1464202343"/>
+                <p14:modId xmlns:p14="http://schemas.microsoft.com/office/powerpoint/2010/main" val="209587499"/>
               </p:ext>
             </p:extLst>
           </p:nvPr>
